--- a/doc/사진, 동영상 자료/그림양식.pptx
+++ b/doc/사진, 동영상 자료/그림양식.pptx
@@ -13,6 +13,7 @@
     <p:sldId id="261" r:id="rId7"/>
     <p:sldId id="262" r:id="rId8"/>
     <p:sldId id="263" r:id="rId9"/>
+    <p:sldId id="264" r:id="rId10"/>
   </p:sldIdLst>
   <p:sldSz cx="12192000" cy="6858000"/>
   <p:notesSz cx="6858000" cy="9144000"/>
@@ -278,7 +279,7 @@
           <a:p>
             <a:fld id="{AC1DC514-C4CD-43EC-BDB1-DC678A6873C3}" type="datetimeFigureOut">
               <a:rPr lang="ko-KR" altLang="en-US" smtClean="0"/>
-              <a:t>2021-06-28</a:t>
+              <a:t>2021-08-17</a:t>
             </a:fld>
             <a:endParaRPr lang="ko-KR" altLang="en-US"/>
           </a:p>
@@ -476,7 +477,7 @@
           <a:p>
             <a:fld id="{AC1DC514-C4CD-43EC-BDB1-DC678A6873C3}" type="datetimeFigureOut">
               <a:rPr lang="ko-KR" altLang="en-US" smtClean="0"/>
-              <a:t>2021-06-28</a:t>
+              <a:t>2021-08-17</a:t>
             </a:fld>
             <a:endParaRPr lang="ko-KR" altLang="en-US"/>
           </a:p>
@@ -684,7 +685,7 @@
           <a:p>
             <a:fld id="{AC1DC514-C4CD-43EC-BDB1-DC678A6873C3}" type="datetimeFigureOut">
               <a:rPr lang="ko-KR" altLang="en-US" smtClean="0"/>
-              <a:t>2021-06-28</a:t>
+              <a:t>2021-08-17</a:t>
             </a:fld>
             <a:endParaRPr lang="ko-KR" altLang="en-US"/>
           </a:p>
@@ -882,7 +883,7 @@
           <a:p>
             <a:fld id="{AC1DC514-C4CD-43EC-BDB1-DC678A6873C3}" type="datetimeFigureOut">
               <a:rPr lang="ko-KR" altLang="en-US" smtClean="0"/>
-              <a:t>2021-06-28</a:t>
+              <a:t>2021-08-17</a:t>
             </a:fld>
             <a:endParaRPr lang="ko-KR" altLang="en-US"/>
           </a:p>
@@ -1157,7 +1158,7 @@
           <a:p>
             <a:fld id="{AC1DC514-C4CD-43EC-BDB1-DC678A6873C3}" type="datetimeFigureOut">
               <a:rPr lang="ko-KR" altLang="en-US" smtClean="0"/>
-              <a:t>2021-06-28</a:t>
+              <a:t>2021-08-17</a:t>
             </a:fld>
             <a:endParaRPr lang="ko-KR" altLang="en-US"/>
           </a:p>
@@ -1422,7 +1423,7 @@
           <a:p>
             <a:fld id="{AC1DC514-C4CD-43EC-BDB1-DC678A6873C3}" type="datetimeFigureOut">
               <a:rPr lang="ko-KR" altLang="en-US" smtClean="0"/>
-              <a:t>2021-06-28</a:t>
+              <a:t>2021-08-17</a:t>
             </a:fld>
             <a:endParaRPr lang="ko-KR" altLang="en-US"/>
           </a:p>
@@ -1834,7 +1835,7 @@
           <a:p>
             <a:fld id="{AC1DC514-C4CD-43EC-BDB1-DC678A6873C3}" type="datetimeFigureOut">
               <a:rPr lang="ko-KR" altLang="en-US" smtClean="0"/>
-              <a:t>2021-06-28</a:t>
+              <a:t>2021-08-17</a:t>
             </a:fld>
             <a:endParaRPr lang="ko-KR" altLang="en-US"/>
           </a:p>
@@ -1975,7 +1976,7 @@
           <a:p>
             <a:fld id="{AC1DC514-C4CD-43EC-BDB1-DC678A6873C3}" type="datetimeFigureOut">
               <a:rPr lang="ko-KR" altLang="en-US" smtClean="0"/>
-              <a:t>2021-06-28</a:t>
+              <a:t>2021-08-17</a:t>
             </a:fld>
             <a:endParaRPr lang="ko-KR" altLang="en-US"/>
           </a:p>
@@ -2088,7 +2089,7 @@
           <a:p>
             <a:fld id="{AC1DC514-C4CD-43EC-BDB1-DC678A6873C3}" type="datetimeFigureOut">
               <a:rPr lang="ko-KR" altLang="en-US" smtClean="0"/>
-              <a:t>2021-06-28</a:t>
+              <a:t>2021-08-17</a:t>
             </a:fld>
             <a:endParaRPr lang="ko-KR" altLang="en-US"/>
           </a:p>
@@ -2399,7 +2400,7 @@
           <a:p>
             <a:fld id="{AC1DC514-C4CD-43EC-BDB1-DC678A6873C3}" type="datetimeFigureOut">
               <a:rPr lang="ko-KR" altLang="en-US" smtClean="0"/>
-              <a:t>2021-06-28</a:t>
+              <a:t>2021-08-17</a:t>
             </a:fld>
             <a:endParaRPr lang="ko-KR" altLang="en-US"/>
           </a:p>
@@ -2687,7 +2688,7 @@
           <a:p>
             <a:fld id="{AC1DC514-C4CD-43EC-BDB1-DC678A6873C3}" type="datetimeFigureOut">
               <a:rPr lang="ko-KR" altLang="en-US" smtClean="0"/>
-              <a:t>2021-06-28</a:t>
+              <a:t>2021-08-17</a:t>
             </a:fld>
             <a:endParaRPr lang="ko-KR" altLang="en-US"/>
           </a:p>
@@ -2928,7 +2929,7 @@
           <a:p>
             <a:fld id="{AC1DC514-C4CD-43EC-BDB1-DC678A6873C3}" type="datetimeFigureOut">
               <a:rPr lang="ko-KR" altLang="en-US" smtClean="0"/>
-              <a:t>2021-06-28</a:t>
+              <a:t>2021-08-17</a:t>
             </a:fld>
             <a:endParaRPr lang="ko-KR" altLang="en-US"/>
           </a:p>
@@ -13733,6 +13734,1000 @@
 </p:sld>
 </file>
 
+<file path=ppt/slides/slide9.xml><?xml version="1.0" encoding="utf-8"?>
+<p:sld xmlns:a="http://schemas.openxmlformats.org/drawingml/2006/main" xmlns:r="http://schemas.openxmlformats.org/officeDocument/2006/relationships" xmlns:p="http://schemas.openxmlformats.org/presentationml/2006/main">
+  <p:cSld>
+    <p:spTree>
+      <p:nvGrpSpPr>
+        <p:cNvPr id="1" name=""/>
+        <p:cNvGrpSpPr/>
+        <p:nvPr/>
+      </p:nvGrpSpPr>
+      <p:grpSpPr>
+        <a:xfrm>
+          <a:off x="0" y="0"/>
+          <a:ext cx="0" cy="0"/>
+          <a:chOff x="0" y="0"/>
+          <a:chExt cx="0" cy="0"/>
+        </a:xfrm>
+      </p:grpSpPr>
+      <p:grpSp>
+        <p:nvGrpSpPr>
+          <p:cNvPr id="26" name="그룹 25">
+            <a:extLst>
+              <a:ext uri="{FF2B5EF4-FFF2-40B4-BE49-F238E27FC236}">
+                <a16:creationId xmlns:a16="http://schemas.microsoft.com/office/drawing/2014/main" id="{517F3B8F-DBB9-4894-9F6E-BC71D2DBF625}"/>
+              </a:ext>
+            </a:extLst>
+          </p:cNvPr>
+          <p:cNvGrpSpPr/>
+          <p:nvPr/>
+        </p:nvGrpSpPr>
+        <p:grpSpPr>
+          <a:xfrm>
+            <a:off x="152400" y="2346061"/>
+            <a:ext cx="10911561" cy="2464534"/>
+            <a:chOff x="152400" y="2346061"/>
+            <a:chExt cx="10911561" cy="2464534"/>
+          </a:xfrm>
+        </p:grpSpPr>
+        <p:grpSp>
+          <p:nvGrpSpPr>
+            <p:cNvPr id="4" name="그룹 3">
+              <a:extLst>
+                <a:ext uri="{FF2B5EF4-FFF2-40B4-BE49-F238E27FC236}">
+                  <a16:creationId xmlns:a16="http://schemas.microsoft.com/office/drawing/2014/main" id="{05D0EEA8-A2EB-47C9-9E75-AF92470C0C2E}"/>
+                </a:ext>
+              </a:extLst>
+            </p:cNvPr>
+            <p:cNvGrpSpPr/>
+            <p:nvPr/>
+          </p:nvGrpSpPr>
+          <p:grpSpPr>
+            <a:xfrm>
+              <a:off x="152400" y="2346061"/>
+              <a:ext cx="10911541" cy="2464534"/>
+              <a:chOff x="0" y="1533586"/>
+              <a:chExt cx="10911541" cy="2464534"/>
+            </a:xfrm>
+          </p:grpSpPr>
+          <p:grpSp>
+            <p:nvGrpSpPr>
+              <p:cNvPr id="5" name="그룹 4">
+                <a:extLst>
+                  <a:ext uri="{FF2B5EF4-FFF2-40B4-BE49-F238E27FC236}">
+                    <a16:creationId xmlns:a16="http://schemas.microsoft.com/office/drawing/2014/main" id="{6D3F87F3-59D8-4FAB-A6B2-BBFB11A156F3}"/>
+                  </a:ext>
+                </a:extLst>
+              </p:cNvPr>
+              <p:cNvGrpSpPr/>
+              <p:nvPr/>
+            </p:nvGrpSpPr>
+            <p:grpSpPr>
+              <a:xfrm>
+                <a:off x="0" y="1533586"/>
+                <a:ext cx="2897758" cy="2464534"/>
+                <a:chOff x="480920" y="2224713"/>
+                <a:chExt cx="3303162" cy="2792401"/>
+              </a:xfrm>
+            </p:grpSpPr>
+            <p:pic>
+              <p:nvPicPr>
+                <p:cNvPr id="14" name="그래픽 13" descr="보안 카메라 단색으로 채워진">
+                  <a:extLst>
+                    <a:ext uri="{FF2B5EF4-FFF2-40B4-BE49-F238E27FC236}">
+                      <a16:creationId xmlns:a16="http://schemas.microsoft.com/office/drawing/2014/main" id="{318D2DC6-46B4-47CF-8DC7-A735CF2E5363}"/>
+                    </a:ext>
+                  </a:extLst>
+                </p:cNvPr>
+                <p:cNvPicPr>
+                  <a:picLocks noChangeAspect="1"/>
+                </p:cNvPicPr>
+                <p:nvPr/>
+              </p:nvPicPr>
+              <p:blipFill>
+                <a:blip r:embed="rId2">
+                  <a:extLst>
+                    <a:ext uri="{28A0092B-C50C-407E-A947-70E740481C1C}">
+                      <a14:useLocalDpi xmlns:a14="http://schemas.microsoft.com/office/drawing/2010/main"/>
+                    </a:ext>
+                    <a:ext uri="{96DAC541-7B7A-43D3-8B79-37D633B846F1}">
+                      <asvg:svgBlip xmlns:asvg="http://schemas.microsoft.com/office/drawing/2016/SVG/main" r:embed="rId3"/>
+                    </a:ext>
+                  </a:extLst>
+                </a:blip>
+                <a:stretch>
+                  <a:fillRect/>
+                </a:stretch>
+              </p:blipFill>
+              <p:spPr>
+                <a:xfrm>
+                  <a:off x="480920" y="2224713"/>
+                  <a:ext cx="914400" cy="914400"/>
+                </a:xfrm>
+                <a:prstGeom prst="rect">
+                  <a:avLst/>
+                </a:prstGeom>
+              </p:spPr>
+            </p:pic>
+            <p:pic>
+              <p:nvPicPr>
+                <p:cNvPr id="15" name="그림 14">
+                  <a:extLst>
+                    <a:ext uri="{FF2B5EF4-FFF2-40B4-BE49-F238E27FC236}">
+                      <a16:creationId xmlns:a16="http://schemas.microsoft.com/office/drawing/2014/main" id="{452117A1-CF68-4958-8E1F-E007474B8249}"/>
+                    </a:ext>
+                  </a:extLst>
+                </p:cNvPr>
+                <p:cNvPicPr>
+                  <a:picLocks noChangeAspect="1"/>
+                </p:cNvPicPr>
+                <p:nvPr/>
+              </p:nvPicPr>
+              <p:blipFill>
+                <a:blip r:embed="rId4" cstate="screen">
+                  <a:extLst>
+                    <a:ext uri="{BEBA8EAE-BF5A-486C-A8C5-ECC9F3942E4B}">
+                      <a14:imgProps xmlns:a14="http://schemas.microsoft.com/office/drawing/2010/main">
+                        <a14:imgLayer r:embed="rId5">
+                          <a14:imgEffect>
+                            <a14:backgroundRemoval t="10000" b="90000" l="10000" r="90000">
+                              <a14:foregroundMark x1="61196" y1="55053" x2="61196" y2="55053"/>
+                              <a14:foregroundMark x1="49891" y1="28507" x2="49891" y2="28507"/>
+                              <a14:foregroundMark x1="45326" y1="33183" x2="45326" y2="33183"/>
+                              <a14:foregroundMark x1="55217" y1="31674" x2="55217" y2="31674"/>
+                            </a14:backgroundRemoval>
+                          </a14:imgEffect>
+                        </a14:imgLayer>
+                      </a14:imgProps>
+                    </a:ext>
+                    <a:ext uri="{28A0092B-C50C-407E-A947-70E740481C1C}">
+                      <a14:useLocalDpi xmlns:a14="http://schemas.microsoft.com/office/drawing/2010/main"/>
+                    </a:ext>
+                  </a:extLst>
+                </a:blip>
+                <a:stretch>
+                  <a:fillRect/>
+                </a:stretch>
+              </p:blipFill>
+              <p:spPr>
+                <a:xfrm>
+                  <a:off x="1284123" y="2313488"/>
+                  <a:ext cx="2478223" cy="1785937"/>
+                </a:xfrm>
+                <a:prstGeom prst="rect">
+                  <a:avLst/>
+                </a:prstGeom>
+              </p:spPr>
+            </p:pic>
+            <p:cxnSp>
+              <p:nvCxnSpPr>
+                <p:cNvPr id="16" name="직선 연결선 15">
+                  <a:extLst>
+                    <a:ext uri="{FF2B5EF4-FFF2-40B4-BE49-F238E27FC236}">
+                      <a16:creationId xmlns:a16="http://schemas.microsoft.com/office/drawing/2014/main" id="{C0126D04-FEE2-42CB-8905-0F531C8F9ACB}"/>
+                    </a:ext>
+                  </a:extLst>
+                </p:cNvPr>
+                <p:cNvCxnSpPr>
+                  <a:cxnSpLocks/>
+                </p:cNvCxnSpPr>
+                <p:nvPr/>
+              </p:nvCxnSpPr>
+              <p:spPr>
+                <a:xfrm>
+                  <a:off x="1228396" y="2894372"/>
+                  <a:ext cx="360527" cy="917841"/>
+                </a:xfrm>
+                <a:prstGeom prst="line">
+                  <a:avLst/>
+                </a:prstGeom>
+                <a:ln w="38100">
+                  <a:solidFill>
+                    <a:srgbClr val="5A7D59"/>
+                  </a:solidFill>
+                  <a:prstDash val="dash"/>
+                </a:ln>
+              </p:spPr>
+              <p:style>
+                <a:lnRef idx="1">
+                  <a:schemeClr val="accent1"/>
+                </a:lnRef>
+                <a:fillRef idx="0">
+                  <a:schemeClr val="accent1"/>
+                </a:fillRef>
+                <a:effectRef idx="0">
+                  <a:schemeClr val="accent1"/>
+                </a:effectRef>
+                <a:fontRef idx="minor">
+                  <a:schemeClr val="tx1"/>
+                </a:fontRef>
+              </p:style>
+            </p:cxnSp>
+            <p:cxnSp>
+              <p:nvCxnSpPr>
+                <p:cNvPr id="17" name="직선 연결선 16">
+                  <a:extLst>
+                    <a:ext uri="{FF2B5EF4-FFF2-40B4-BE49-F238E27FC236}">
+                      <a16:creationId xmlns:a16="http://schemas.microsoft.com/office/drawing/2014/main" id="{88B8395D-3FC3-408B-B580-E00B1BA10485}"/>
+                    </a:ext>
+                  </a:extLst>
+                </p:cNvPr>
+                <p:cNvCxnSpPr>
+                  <a:cxnSpLocks/>
+                </p:cNvCxnSpPr>
+                <p:nvPr/>
+              </p:nvCxnSpPr>
+              <p:spPr>
+                <a:xfrm flipV="1">
+                  <a:off x="1408659" y="2598194"/>
+                  <a:ext cx="1499641" cy="119610"/>
+                </a:xfrm>
+                <a:prstGeom prst="line">
+                  <a:avLst/>
+                </a:prstGeom>
+                <a:ln w="38100">
+                  <a:solidFill>
+                    <a:srgbClr val="5A7D59"/>
+                  </a:solidFill>
+                  <a:prstDash val="dash"/>
+                </a:ln>
+              </p:spPr>
+              <p:style>
+                <a:lnRef idx="1">
+                  <a:schemeClr val="accent1"/>
+                </a:lnRef>
+                <a:fillRef idx="0">
+                  <a:schemeClr val="accent1"/>
+                </a:fillRef>
+                <a:effectRef idx="0">
+                  <a:schemeClr val="accent1"/>
+                </a:effectRef>
+                <a:fontRef idx="minor">
+                  <a:schemeClr val="tx1"/>
+                </a:fontRef>
+              </p:style>
+            </p:cxnSp>
+            <p:sp>
+              <p:nvSpPr>
+                <p:cNvPr id="18" name="TextBox 17">
+                  <a:extLst>
+                    <a:ext uri="{FF2B5EF4-FFF2-40B4-BE49-F238E27FC236}">
+                      <a16:creationId xmlns:a16="http://schemas.microsoft.com/office/drawing/2014/main" id="{708CBADC-D4DD-43D2-85E4-1E555A4FC892}"/>
+                    </a:ext>
+                  </a:extLst>
+                </p:cNvPr>
+                <p:cNvSpPr txBox="1"/>
+                <p:nvPr/>
+              </p:nvSpPr>
+              <p:spPr>
+                <a:xfrm>
+                  <a:off x="532874" y="4040695"/>
+                  <a:ext cx="3251208" cy="976419"/>
+                </a:xfrm>
+                <a:prstGeom prst="rect">
+                  <a:avLst/>
+                </a:prstGeom>
+                <a:noFill/>
+              </p:spPr>
+              <p:txBody>
+                <a:bodyPr wrap="square">
+                  <a:spAutoFit/>
+                </a:bodyPr>
+                <a:lstStyle/>
+                <a:p>
+                  <a:pPr algn="ctr">
+                    <a:lnSpc>
+                      <a:spcPct val="150000"/>
+                    </a:lnSpc>
+                  </a:pPr>
+                  <a:r>
+                    <a:rPr lang="ko-KR" altLang="en-US" sz="2000" dirty="0" err="1">
+                      <a:solidFill>
+                        <a:srgbClr val="595959"/>
+                      </a:solidFill>
+                      <a:latin typeface="G마켓 산스 TTF Medium" panose="02000000000000000000" pitchFamily="2" charset="-127"/>
+                      <a:ea typeface="G마켓 산스 TTF Medium" panose="02000000000000000000" pitchFamily="2" charset="-127"/>
+                    </a:rPr>
+                    <a:t>딥러닝을</a:t>
+                  </a:r>
+                  <a:r>
+                    <a:rPr lang="ko-KR" altLang="en-US" sz="2000" dirty="0">
+                      <a:solidFill>
+                        <a:srgbClr val="595959"/>
+                      </a:solidFill>
+                      <a:latin typeface="G마켓 산스 TTF Medium" panose="02000000000000000000" pitchFamily="2" charset="-127"/>
+                      <a:ea typeface="G마켓 산스 TTF Medium" panose="02000000000000000000" pitchFamily="2" charset="-127"/>
+                    </a:rPr>
+                    <a:t> 통한 사고 감지</a:t>
+                  </a:r>
+                  <a:endParaRPr lang="en-US" altLang="ko-KR" sz="2000" dirty="0">
+                    <a:solidFill>
+                      <a:srgbClr val="595959"/>
+                    </a:solidFill>
+                    <a:latin typeface="G마켓 산스 TTF Medium" panose="02000000000000000000" pitchFamily="2" charset="-127"/>
+                    <a:ea typeface="G마켓 산스 TTF Medium" panose="02000000000000000000" pitchFamily="2" charset="-127"/>
+                  </a:endParaRPr>
+                </a:p>
+                <a:p>
+                  <a:pPr algn="ctr"/>
+                  <a:r>
+                    <a:rPr lang="en-US" altLang="ko-KR" sz="2000" dirty="0">
+                      <a:solidFill>
+                        <a:srgbClr val="595959"/>
+                      </a:solidFill>
+                      <a:latin typeface="G마켓 산스 TTF Medium" panose="02000000000000000000" pitchFamily="2" charset="-127"/>
+                      <a:ea typeface="G마켓 산스 TTF Medium" panose="02000000000000000000" pitchFamily="2" charset="-127"/>
+                    </a:rPr>
+                    <a:t>(</a:t>
+                  </a:r>
+                  <a:r>
+                    <a:rPr lang="ko-KR" altLang="en-US" sz="2000" dirty="0">
+                      <a:solidFill>
+                        <a:srgbClr val="595959"/>
+                      </a:solidFill>
+                      <a:latin typeface="G마켓 산스 TTF Medium" panose="02000000000000000000" pitchFamily="2" charset="-127"/>
+                      <a:ea typeface="G마켓 산스 TTF Medium" panose="02000000000000000000" pitchFamily="2" charset="-127"/>
+                    </a:rPr>
+                    <a:t>이벤트 발생</a:t>
+                  </a:r>
+                  <a:r>
+                    <a:rPr lang="en-US" altLang="ko-KR" sz="2000" dirty="0">
+                      <a:solidFill>
+                        <a:srgbClr val="595959"/>
+                      </a:solidFill>
+                      <a:latin typeface="G마켓 산스 TTF Medium" panose="02000000000000000000" pitchFamily="2" charset="-127"/>
+                      <a:ea typeface="G마켓 산스 TTF Medium" panose="02000000000000000000" pitchFamily="2" charset="-127"/>
+                    </a:rPr>
+                    <a:t>)</a:t>
+                  </a:r>
+                  <a:endParaRPr lang="ko-KR" altLang="en-US" sz="2000" dirty="0">
+                    <a:solidFill>
+                      <a:srgbClr val="595959"/>
+                    </a:solidFill>
+                    <a:latin typeface="G마켓 산스 TTF Medium" panose="02000000000000000000" pitchFamily="2" charset="-127"/>
+                    <a:ea typeface="G마켓 산스 TTF Medium" panose="02000000000000000000" pitchFamily="2" charset="-127"/>
+                  </a:endParaRPr>
+                </a:p>
+              </p:txBody>
+            </p:sp>
+          </p:grpSp>
+          <p:grpSp>
+            <p:nvGrpSpPr>
+              <p:cNvPr id="6" name="그룹 5">
+                <a:extLst>
+                  <a:ext uri="{FF2B5EF4-FFF2-40B4-BE49-F238E27FC236}">
+                    <a16:creationId xmlns:a16="http://schemas.microsoft.com/office/drawing/2014/main" id="{CC67EA35-CDEA-4539-AC19-578631760BF4}"/>
+                  </a:ext>
+                </a:extLst>
+              </p:cNvPr>
+              <p:cNvGrpSpPr/>
+              <p:nvPr/>
+            </p:nvGrpSpPr>
+            <p:grpSpPr>
+              <a:xfrm>
+                <a:off x="3450083" y="1533586"/>
+                <a:ext cx="3172453" cy="2420371"/>
+                <a:chOff x="4683522" y="1741339"/>
+                <a:chExt cx="3512453" cy="2604185"/>
+              </a:xfrm>
+            </p:grpSpPr>
+            <p:pic>
+              <p:nvPicPr>
+                <p:cNvPr id="12" name="Picture 4" descr="KEDA | Kubernetes Event-driven Autoscaling">
+                  <a:extLst>
+                    <a:ext uri="{FF2B5EF4-FFF2-40B4-BE49-F238E27FC236}">
+                      <a16:creationId xmlns:a16="http://schemas.microsoft.com/office/drawing/2014/main" id="{C1BEBAD7-2E88-4B65-8B9B-CA0FA4400349}"/>
+                    </a:ext>
+                  </a:extLst>
+                </p:cNvPr>
+                <p:cNvPicPr>
+                  <a:picLocks noChangeAspect="1" noChangeArrowheads="1"/>
+                </p:cNvPicPr>
+                <p:nvPr/>
+              </p:nvPicPr>
+              <p:blipFill>
+                <a:blip r:embed="rId6" cstate="screen">
+                  <a:extLst>
+                    <a:ext uri="{28A0092B-C50C-407E-A947-70E740481C1C}">
+                      <a14:useLocalDpi xmlns:a14="http://schemas.microsoft.com/office/drawing/2010/main"/>
+                    </a:ext>
+                  </a:extLst>
+                </a:blip>
+                <a:srcRect/>
+                <a:stretch>
+                  <a:fillRect/>
+                </a:stretch>
+              </p:blipFill>
+              <p:spPr bwMode="auto">
+                <a:xfrm>
+                  <a:off x="5536789" y="1741339"/>
+                  <a:ext cx="1805921" cy="1805921"/>
+                </a:xfrm>
+                <a:prstGeom prst="rect">
+                  <a:avLst/>
+                </a:prstGeom>
+                <a:noFill/>
+                <a:extLst>
+                  <a:ext uri="{909E8E84-426E-40DD-AFC4-6F175D3DCCD1}">
+                    <a14:hiddenFill xmlns:a14="http://schemas.microsoft.com/office/drawing/2010/main">
+                      <a:solidFill>
+                        <a:srgbClr val="FFFFFF"/>
+                      </a:solidFill>
+                    </a14:hiddenFill>
+                  </a:ext>
+                </a:extLst>
+              </p:spPr>
+            </p:pic>
+            <p:sp>
+              <p:nvSpPr>
+                <p:cNvPr id="13" name="TextBox 12">
+                  <a:extLst>
+                    <a:ext uri="{FF2B5EF4-FFF2-40B4-BE49-F238E27FC236}">
+                      <a16:creationId xmlns:a16="http://schemas.microsoft.com/office/drawing/2014/main" id="{C404140D-E0E0-443C-9DC7-1032AF425F88}"/>
+                    </a:ext>
+                  </a:extLst>
+                </p:cNvPr>
+                <p:cNvSpPr txBox="1"/>
+                <p:nvPr/>
+              </p:nvSpPr>
+              <p:spPr>
+                <a:xfrm>
+                  <a:off x="4683522" y="3583878"/>
+                  <a:ext cx="3512453" cy="761646"/>
+                </a:xfrm>
+                <a:prstGeom prst="rect">
+                  <a:avLst/>
+                </a:prstGeom>
+                <a:noFill/>
+              </p:spPr>
+              <p:txBody>
+                <a:bodyPr wrap="square">
+                  <a:spAutoFit/>
+                </a:bodyPr>
+                <a:lstStyle/>
+                <a:p>
+                  <a:pPr algn="ctr"/>
+                  <a:r>
+                    <a:rPr lang="en-US" altLang="ko-KR" sz="2000" dirty="0">
+                      <a:solidFill>
+                        <a:srgbClr val="595959"/>
+                      </a:solidFill>
+                      <a:latin typeface="G마켓 산스 TTF Medium" panose="02000000000000000000" pitchFamily="2" charset="-127"/>
+                      <a:ea typeface="G마켓 산스 TTF Medium" panose="02000000000000000000" pitchFamily="2" charset="-127"/>
+                    </a:rPr>
+                    <a:t>KEDA</a:t>
+                  </a:r>
+                  <a:r>
+                    <a:rPr lang="ko-KR" altLang="en-US" sz="2000" dirty="0">
+                      <a:solidFill>
+                        <a:srgbClr val="595959"/>
+                      </a:solidFill>
+                      <a:latin typeface="G마켓 산스 TTF Medium" panose="02000000000000000000" pitchFamily="2" charset="-127"/>
+                      <a:ea typeface="G마켓 산스 TTF Medium" panose="02000000000000000000" pitchFamily="2" charset="-127"/>
+                    </a:rPr>
+                    <a:t>를 통한 </a:t>
+                  </a:r>
+                  <a:r>
+                    <a:rPr lang="en-US" altLang="ko-KR" sz="2000" dirty="0" err="1">
+                      <a:solidFill>
+                        <a:srgbClr val="595959"/>
+                      </a:solidFill>
+                      <a:latin typeface="G마켓 산스 TTF Medium" panose="02000000000000000000" pitchFamily="2" charset="-127"/>
+                      <a:ea typeface="G마켓 산스 TTF Medium" panose="02000000000000000000" pitchFamily="2" charset="-127"/>
+                    </a:rPr>
+                    <a:t>FaaS</a:t>
+                  </a:r>
+                  <a:r>
+                    <a:rPr lang="en-US" altLang="ko-KR" sz="2000" dirty="0">
+                      <a:solidFill>
+                        <a:srgbClr val="595959"/>
+                      </a:solidFill>
+                      <a:latin typeface="G마켓 산스 TTF Medium" panose="02000000000000000000" pitchFamily="2" charset="-127"/>
+                      <a:ea typeface="G마켓 산스 TTF Medium" panose="02000000000000000000" pitchFamily="2" charset="-127"/>
+                    </a:rPr>
+                    <a:t> </a:t>
+                  </a:r>
+                  <a:r>
+                    <a:rPr lang="ko-KR" altLang="en-US" sz="2000" dirty="0">
+                      <a:solidFill>
+                        <a:srgbClr val="595959"/>
+                      </a:solidFill>
+                      <a:latin typeface="G마켓 산스 TTF Medium" panose="02000000000000000000" pitchFamily="2" charset="-127"/>
+                      <a:ea typeface="G마켓 산스 TTF Medium" panose="02000000000000000000" pitchFamily="2" charset="-127"/>
+                    </a:rPr>
+                    <a:t>실현</a:t>
+                  </a:r>
+                  <a:br>
+                    <a:rPr lang="en-US" altLang="ko-KR" sz="2000" dirty="0">
+                      <a:solidFill>
+                        <a:srgbClr val="595959"/>
+                      </a:solidFill>
+                      <a:latin typeface="G마켓 산스 TTF Medium" panose="02000000000000000000" pitchFamily="2" charset="-127"/>
+                      <a:ea typeface="G마켓 산스 TTF Medium" panose="02000000000000000000" pitchFamily="2" charset="-127"/>
+                    </a:rPr>
+                  </a:br>
+                  <a:r>
+                    <a:rPr lang="en-US" altLang="ko-KR" sz="2000" dirty="0">
+                      <a:solidFill>
+                        <a:srgbClr val="595959"/>
+                      </a:solidFill>
+                      <a:latin typeface="G마켓 산스 TTF Medium" panose="02000000000000000000" pitchFamily="2" charset="-127"/>
+                      <a:ea typeface="G마켓 산스 TTF Medium" panose="02000000000000000000" pitchFamily="2" charset="-127"/>
+                    </a:rPr>
+                    <a:t>(Scale to Zero)</a:t>
+                  </a:r>
+                  <a:endParaRPr lang="ko-KR" altLang="en-US" sz="2000" dirty="0">
+                    <a:solidFill>
+                      <a:srgbClr val="595959"/>
+                    </a:solidFill>
+                    <a:latin typeface="G마켓 산스 TTF Medium" panose="02000000000000000000" pitchFamily="2" charset="-127"/>
+                    <a:ea typeface="G마켓 산스 TTF Medium" panose="02000000000000000000" pitchFamily="2" charset="-127"/>
+                  </a:endParaRPr>
+                </a:p>
+              </p:txBody>
+            </p:sp>
+          </p:grpSp>
+          <p:sp>
+            <p:nvSpPr>
+              <p:cNvPr id="11" name="TextBox 10">
+                <a:extLst>
+                  <a:ext uri="{FF2B5EF4-FFF2-40B4-BE49-F238E27FC236}">
+                    <a16:creationId xmlns:a16="http://schemas.microsoft.com/office/drawing/2014/main" id="{C1000F02-5B11-4CC4-B1C9-448708C22368}"/>
+                  </a:ext>
+                </a:extLst>
+              </p:cNvPr>
+              <p:cNvSpPr txBox="1"/>
+              <p:nvPr/>
+            </p:nvSpPr>
+            <p:spPr>
+              <a:xfrm>
+                <a:off x="7629333" y="3227792"/>
+                <a:ext cx="3282208" cy="707886"/>
+              </a:xfrm>
+              <a:prstGeom prst="rect">
+                <a:avLst/>
+              </a:prstGeom>
+              <a:noFill/>
+            </p:spPr>
+            <p:txBody>
+              <a:bodyPr wrap="square">
+                <a:spAutoFit/>
+              </a:bodyPr>
+              <a:lstStyle/>
+              <a:p>
+                <a:pPr algn="ctr"/>
+                <a:r>
+                  <a:rPr lang="ko-KR" altLang="en-US" sz="2000" dirty="0">
+                    <a:solidFill>
+                      <a:srgbClr val="595959"/>
+                    </a:solidFill>
+                    <a:latin typeface="G마켓 산스 TTF Medium" panose="02000000000000000000" pitchFamily="2" charset="-127"/>
+                    <a:ea typeface="G마켓 산스 TTF Medium" panose="02000000000000000000" pitchFamily="2" charset="-127"/>
+                  </a:rPr>
+                  <a:t>사고 위치를 실시간으로 </a:t>
+                </a:r>
+                <a:endParaRPr lang="en-US" altLang="ko-KR" sz="2000" dirty="0">
+                  <a:solidFill>
+                    <a:srgbClr val="595959"/>
+                  </a:solidFill>
+                  <a:latin typeface="G마켓 산스 TTF Medium" panose="02000000000000000000" pitchFamily="2" charset="-127"/>
+                  <a:ea typeface="G마켓 산스 TTF Medium" panose="02000000000000000000" pitchFamily="2" charset="-127"/>
+                </a:endParaRPr>
+              </a:p>
+              <a:p>
+                <a:pPr algn="ctr"/>
+                <a:r>
+                  <a:rPr lang="ko-KR" altLang="en-US" sz="2000" dirty="0">
+                    <a:solidFill>
+                      <a:srgbClr val="595959"/>
+                    </a:solidFill>
+                    <a:latin typeface="G마켓 산스 TTF Medium" panose="02000000000000000000" pitchFamily="2" charset="-127"/>
+                    <a:ea typeface="G마켓 산스 TTF Medium" panose="02000000000000000000" pitchFamily="2" charset="-127"/>
+                  </a:rPr>
+                  <a:t>지도에 표시해주는 서비스</a:t>
+                </a:r>
+              </a:p>
+            </p:txBody>
+          </p:sp>
+          <p:sp>
+            <p:nvSpPr>
+              <p:cNvPr id="8" name="화살표: 오른쪽 7">
+                <a:extLst>
+                  <a:ext uri="{FF2B5EF4-FFF2-40B4-BE49-F238E27FC236}">
+                    <a16:creationId xmlns:a16="http://schemas.microsoft.com/office/drawing/2014/main" id="{48116E8C-3129-458A-85DC-73093CD9E9EC}"/>
+                  </a:ext>
+                </a:extLst>
+              </p:cNvPr>
+              <p:cNvSpPr/>
+              <p:nvPr/>
+            </p:nvSpPr>
+            <p:spPr>
+              <a:xfrm>
+                <a:off x="3067682" y="2238918"/>
+                <a:ext cx="525306" cy="430913"/>
+              </a:xfrm>
+              <a:prstGeom prst="rightArrow">
+                <a:avLst/>
+              </a:prstGeom>
+              <a:solidFill>
+                <a:srgbClr val="5A7D59">
+                  <a:alpha val="50000"/>
+                </a:srgbClr>
+              </a:solidFill>
+              <a:ln>
+                <a:noFill/>
+              </a:ln>
+            </p:spPr>
+            <p:style>
+              <a:lnRef idx="2">
+                <a:schemeClr val="accent1">
+                  <a:shade val="50000"/>
+                </a:schemeClr>
+              </a:lnRef>
+              <a:fillRef idx="1">
+                <a:schemeClr val="accent1"/>
+              </a:fillRef>
+              <a:effectRef idx="0">
+                <a:schemeClr val="accent1"/>
+              </a:effectRef>
+              <a:fontRef idx="minor">
+                <a:schemeClr val="lt1"/>
+              </a:fontRef>
+            </p:style>
+            <p:txBody>
+              <a:bodyPr rtlCol="0" anchor="ctr"/>
+              <a:lstStyle/>
+              <a:p>
+                <a:pPr algn="ctr"/>
+                <a:endParaRPr lang="ko-KR" altLang="en-US"/>
+              </a:p>
+            </p:txBody>
+          </p:sp>
+          <p:sp>
+            <p:nvSpPr>
+              <p:cNvPr id="9" name="화살표: 오른쪽 8">
+                <a:extLst>
+                  <a:ext uri="{FF2B5EF4-FFF2-40B4-BE49-F238E27FC236}">
+                    <a16:creationId xmlns:a16="http://schemas.microsoft.com/office/drawing/2014/main" id="{038EB3A4-A245-4C88-A5D9-0CC4F56A2123}"/>
+                  </a:ext>
+                </a:extLst>
+              </p:cNvPr>
+              <p:cNvSpPr/>
+              <p:nvPr/>
+            </p:nvSpPr>
+            <p:spPr>
+              <a:xfrm>
+                <a:off x="6359883" y="2238917"/>
+                <a:ext cx="525306" cy="430913"/>
+              </a:xfrm>
+              <a:prstGeom prst="rightArrow">
+                <a:avLst/>
+              </a:prstGeom>
+              <a:solidFill>
+                <a:srgbClr val="5A7D59">
+                  <a:alpha val="50000"/>
+                </a:srgbClr>
+              </a:solidFill>
+              <a:ln>
+                <a:noFill/>
+              </a:ln>
+            </p:spPr>
+            <p:style>
+              <a:lnRef idx="2">
+                <a:schemeClr val="accent1">
+                  <a:shade val="50000"/>
+                </a:schemeClr>
+              </a:lnRef>
+              <a:fillRef idx="1">
+                <a:schemeClr val="accent1"/>
+              </a:fillRef>
+              <a:effectRef idx="0">
+                <a:schemeClr val="accent1"/>
+              </a:effectRef>
+              <a:fontRef idx="minor">
+                <a:schemeClr val="lt1"/>
+              </a:fontRef>
+            </p:style>
+            <p:txBody>
+              <a:bodyPr rtlCol="0" anchor="ctr"/>
+              <a:lstStyle/>
+              <a:p>
+                <a:pPr algn="ctr"/>
+                <a:endParaRPr lang="ko-KR" altLang="en-US"/>
+              </a:p>
+            </p:txBody>
+          </p:sp>
+        </p:grpSp>
+        <p:grpSp>
+          <p:nvGrpSpPr>
+            <p:cNvPr id="19" name="그룹 18">
+              <a:extLst>
+                <a:ext uri="{FF2B5EF4-FFF2-40B4-BE49-F238E27FC236}">
+                  <a16:creationId xmlns:a16="http://schemas.microsoft.com/office/drawing/2014/main" id="{35CCCC5B-2907-4878-AE4B-FFF099F8048F}"/>
+                </a:ext>
+              </a:extLst>
+            </p:cNvPr>
+            <p:cNvGrpSpPr/>
+            <p:nvPr/>
+          </p:nvGrpSpPr>
+          <p:grpSpPr>
+            <a:xfrm>
+              <a:off x="7781733" y="2346061"/>
+              <a:ext cx="3282228" cy="1620375"/>
+              <a:chOff x="648302" y="254000"/>
+              <a:chExt cx="11378598" cy="6331644"/>
+            </a:xfrm>
+          </p:grpSpPr>
+          <p:pic>
+            <p:nvPicPr>
+              <p:cNvPr id="20" name="Picture 2">
+                <a:extLst>
+                  <a:ext uri="{FF2B5EF4-FFF2-40B4-BE49-F238E27FC236}">
+                    <a16:creationId xmlns:a16="http://schemas.microsoft.com/office/drawing/2014/main" id="{7056D49E-8A33-4FD7-956F-55EE06CE6397}"/>
+                  </a:ext>
+                </a:extLst>
+              </p:cNvPr>
+              <p:cNvPicPr>
+                <a:picLocks noChangeAspect="1" noChangeArrowheads="1"/>
+              </p:cNvPicPr>
+              <p:nvPr/>
+            </p:nvPicPr>
+            <p:blipFill>
+              <a:blip r:embed="rId7" cstate="screen">
+                <a:extLst>
+                  <a:ext uri="{28A0092B-C50C-407E-A947-70E740481C1C}">
+                    <a14:useLocalDpi xmlns:a14="http://schemas.microsoft.com/office/drawing/2010/main"/>
+                  </a:ext>
+                </a:extLst>
+              </a:blip>
+              <a:srcRect/>
+              <a:stretch>
+                <a:fillRect/>
+              </a:stretch>
+            </p:blipFill>
+            <p:spPr bwMode="auto">
+              <a:xfrm>
+                <a:off x="8097323" y="254000"/>
+                <a:ext cx="3929577" cy="6331644"/>
+              </a:xfrm>
+              <a:prstGeom prst="rect">
+                <a:avLst/>
+              </a:prstGeom>
+              <a:noFill/>
+              <a:extLst>
+                <a:ext uri="{909E8E84-426E-40DD-AFC4-6F175D3DCCD1}">
+                  <a14:hiddenFill xmlns:a14="http://schemas.microsoft.com/office/drawing/2010/main">
+                    <a:solidFill>
+                      <a:srgbClr val="FFFFFF"/>
+                    </a:solidFill>
+                  </a14:hiddenFill>
+                </a:ext>
+              </a:extLst>
+            </p:spPr>
+          </p:pic>
+          <p:pic>
+            <p:nvPicPr>
+              <p:cNvPr id="21" name="Picture 3">
+                <a:extLst>
+                  <a:ext uri="{FF2B5EF4-FFF2-40B4-BE49-F238E27FC236}">
+                    <a16:creationId xmlns:a16="http://schemas.microsoft.com/office/drawing/2014/main" id="{BC7EED43-6C5A-45A3-A462-F0202D947AA5}"/>
+                  </a:ext>
+                </a:extLst>
+              </p:cNvPr>
+              <p:cNvPicPr>
+                <a:picLocks noChangeAspect="1" noChangeArrowheads="1"/>
+              </p:cNvPicPr>
+              <p:nvPr/>
+            </p:nvPicPr>
+            <p:blipFill>
+              <a:blip r:embed="rId8" cstate="screen">
+                <a:extLst>
+                  <a:ext uri="{28A0092B-C50C-407E-A947-70E740481C1C}">
+                    <a14:useLocalDpi xmlns:a14="http://schemas.microsoft.com/office/drawing/2010/main"/>
+                  </a:ext>
+                </a:extLst>
+              </a:blip>
+              <a:srcRect/>
+              <a:stretch>
+                <a:fillRect/>
+              </a:stretch>
+            </p:blipFill>
+            <p:spPr bwMode="auto">
+              <a:xfrm>
+                <a:off x="648302" y="1679713"/>
+                <a:ext cx="7307066" cy="4859199"/>
+              </a:xfrm>
+              <a:prstGeom prst="rect">
+                <a:avLst/>
+              </a:prstGeom>
+              <a:noFill/>
+              <a:extLst>
+                <a:ext uri="{909E8E84-426E-40DD-AFC4-6F175D3DCCD1}">
+                  <a14:hiddenFill xmlns:a14="http://schemas.microsoft.com/office/drawing/2010/main">
+                    <a:solidFill>
+                      <a:srgbClr val="FFFFFF"/>
+                    </a:solidFill>
+                  </a14:hiddenFill>
+                </a:ext>
+              </a:extLst>
+            </p:spPr>
+          </p:pic>
+          <p:cxnSp>
+            <p:nvCxnSpPr>
+              <p:cNvPr id="22" name="직선 화살표 연결선 21">
+                <a:extLst>
+                  <a:ext uri="{FF2B5EF4-FFF2-40B4-BE49-F238E27FC236}">
+                    <a16:creationId xmlns:a16="http://schemas.microsoft.com/office/drawing/2014/main" id="{74D8E939-27FC-4668-BDE8-273713929A2B}"/>
+                  </a:ext>
+                </a:extLst>
+              </p:cNvPr>
+              <p:cNvCxnSpPr/>
+              <p:nvPr/>
+            </p:nvCxnSpPr>
+            <p:spPr>
+              <a:xfrm flipV="1">
+                <a:off x="5327374" y="3190461"/>
+                <a:ext cx="4224130" cy="2464904"/>
+              </a:xfrm>
+              <a:prstGeom prst="straightConnector1">
+                <a:avLst/>
+              </a:prstGeom>
+              <a:ln w="38100">
+                <a:solidFill>
+                  <a:srgbClr val="FF0000"/>
+                </a:solidFill>
+                <a:tailEnd type="triangle"/>
+              </a:ln>
+            </p:spPr>
+            <p:style>
+              <a:lnRef idx="1">
+                <a:schemeClr val="accent1"/>
+              </a:lnRef>
+              <a:fillRef idx="0">
+                <a:schemeClr val="accent1"/>
+              </a:fillRef>
+              <a:effectRef idx="0">
+                <a:schemeClr val="accent1"/>
+              </a:effectRef>
+              <a:fontRef idx="minor">
+                <a:schemeClr val="tx1"/>
+              </a:fontRef>
+            </p:style>
+          </p:cxnSp>
+          <p:cxnSp>
+            <p:nvCxnSpPr>
+              <p:cNvPr id="23" name="직선 화살표 연결선 22">
+                <a:extLst>
+                  <a:ext uri="{FF2B5EF4-FFF2-40B4-BE49-F238E27FC236}">
+                    <a16:creationId xmlns:a16="http://schemas.microsoft.com/office/drawing/2014/main" id="{32F65FFA-9635-4EA5-914C-96725F48867B}"/>
+                  </a:ext>
+                </a:extLst>
+              </p:cNvPr>
+              <p:cNvCxnSpPr>
+                <a:cxnSpLocks/>
+              </p:cNvCxnSpPr>
+              <p:nvPr/>
+            </p:nvCxnSpPr>
+            <p:spPr>
+              <a:xfrm flipV="1">
+                <a:off x="5327374" y="2892287"/>
+                <a:ext cx="4104861" cy="2962532"/>
+              </a:xfrm>
+              <a:prstGeom prst="straightConnector1">
+                <a:avLst/>
+              </a:prstGeom>
+              <a:ln w="38100">
+                <a:solidFill>
+                  <a:srgbClr val="FF0000"/>
+                </a:solidFill>
+                <a:tailEnd type="triangle"/>
+              </a:ln>
+            </p:spPr>
+            <p:style>
+              <a:lnRef idx="1">
+                <a:schemeClr val="accent1"/>
+              </a:lnRef>
+              <a:fillRef idx="0">
+                <a:schemeClr val="accent1"/>
+              </a:fillRef>
+              <a:effectRef idx="0">
+                <a:schemeClr val="accent1"/>
+              </a:effectRef>
+              <a:fontRef idx="minor">
+                <a:schemeClr val="tx1"/>
+              </a:fontRef>
+            </p:style>
+          </p:cxnSp>
+          <p:cxnSp>
+            <p:nvCxnSpPr>
+              <p:cNvPr id="24" name="직선 연결선 23">
+                <a:extLst>
+                  <a:ext uri="{FF2B5EF4-FFF2-40B4-BE49-F238E27FC236}">
+                    <a16:creationId xmlns:a16="http://schemas.microsoft.com/office/drawing/2014/main" id="{850D7721-3C8F-40FC-89BF-AD12EAAFE9DD}"/>
+                  </a:ext>
+                </a:extLst>
+              </p:cNvPr>
+              <p:cNvCxnSpPr/>
+              <p:nvPr/>
+            </p:nvCxnSpPr>
+            <p:spPr>
+              <a:xfrm>
+                <a:off x="648302" y="5774635"/>
+                <a:ext cx="4599559" cy="0"/>
+              </a:xfrm>
+              <a:prstGeom prst="line">
+                <a:avLst/>
+              </a:prstGeom>
+              <a:ln w="19050"/>
+            </p:spPr>
+            <p:style>
+              <a:lnRef idx="1">
+                <a:schemeClr val="accent1"/>
+              </a:lnRef>
+              <a:fillRef idx="0">
+                <a:schemeClr val="accent1"/>
+              </a:fillRef>
+              <a:effectRef idx="0">
+                <a:schemeClr val="accent1"/>
+              </a:effectRef>
+              <a:fontRef idx="minor">
+                <a:schemeClr val="tx1"/>
+              </a:fontRef>
+            </p:style>
+          </p:cxnSp>
+          <p:cxnSp>
+            <p:nvCxnSpPr>
+              <p:cNvPr id="25" name="직선 연결선 24">
+                <a:extLst>
+                  <a:ext uri="{FF2B5EF4-FFF2-40B4-BE49-F238E27FC236}">
+                    <a16:creationId xmlns:a16="http://schemas.microsoft.com/office/drawing/2014/main" id="{06B25DF1-334D-4841-B6F7-02A4430C2EAF}"/>
+                  </a:ext>
+                </a:extLst>
+              </p:cNvPr>
+              <p:cNvCxnSpPr/>
+              <p:nvPr/>
+            </p:nvCxnSpPr>
+            <p:spPr>
+              <a:xfrm>
+                <a:off x="727815" y="5936974"/>
+                <a:ext cx="4599559" cy="0"/>
+              </a:xfrm>
+              <a:prstGeom prst="line">
+                <a:avLst/>
+              </a:prstGeom>
+              <a:ln w="19050"/>
+            </p:spPr>
+            <p:style>
+              <a:lnRef idx="1">
+                <a:schemeClr val="accent1"/>
+              </a:lnRef>
+              <a:fillRef idx="0">
+                <a:schemeClr val="accent1"/>
+              </a:fillRef>
+              <a:effectRef idx="0">
+                <a:schemeClr val="accent1"/>
+              </a:effectRef>
+              <a:fontRef idx="minor">
+                <a:schemeClr val="tx1"/>
+              </a:fontRef>
+            </p:style>
+          </p:cxnSp>
+        </p:grpSp>
+      </p:grpSp>
+    </p:spTree>
+    <p:extLst>
+      <p:ext uri="{BB962C8B-B14F-4D97-AF65-F5344CB8AC3E}">
+        <p14:creationId xmlns:p14="http://schemas.microsoft.com/office/powerpoint/2010/main" val="2185899302"/>
+      </p:ext>
+    </p:extLst>
+  </p:cSld>
+  <p:clrMapOvr>
+    <a:masterClrMapping/>
+  </p:clrMapOvr>
+</p:sld>
+</file>
+
 <file path=ppt/theme/theme1.xml><?xml version="1.0" encoding="utf-8"?>
 <a:theme xmlns:a="http://schemas.openxmlformats.org/drawingml/2006/main" name="Office 테마">
   <a:themeElements>

--- a/doc/사진, 동영상 자료/그림양식.pptx
+++ b/doc/사진, 동영상 자료/그림양식.pptx
@@ -8,12 +8,17 @@
     <p:sldId id="256" r:id="rId2"/>
     <p:sldId id="257" r:id="rId3"/>
     <p:sldId id="258" r:id="rId4"/>
-    <p:sldId id="259" r:id="rId5"/>
-    <p:sldId id="260" r:id="rId6"/>
-    <p:sldId id="261" r:id="rId7"/>
-    <p:sldId id="262" r:id="rId8"/>
-    <p:sldId id="263" r:id="rId9"/>
-    <p:sldId id="264" r:id="rId10"/>
+    <p:sldId id="267" r:id="rId5"/>
+    <p:sldId id="259" r:id="rId6"/>
+    <p:sldId id="260" r:id="rId7"/>
+    <p:sldId id="261" r:id="rId8"/>
+    <p:sldId id="262" r:id="rId9"/>
+    <p:sldId id="263" r:id="rId10"/>
+    <p:sldId id="264" r:id="rId11"/>
+    <p:sldId id="265" r:id="rId12"/>
+    <p:sldId id="266" r:id="rId13"/>
+    <p:sldId id="268" r:id="rId14"/>
+    <p:sldId id="269" r:id="rId15"/>
   </p:sldIdLst>
   <p:sldSz cx="12192000" cy="6858000"/>
   <p:notesSz cx="6858000" cy="9144000"/>
@@ -279,7 +284,7 @@
           <a:p>
             <a:fld id="{AC1DC514-C4CD-43EC-BDB1-DC678A6873C3}" type="datetimeFigureOut">
               <a:rPr lang="ko-KR" altLang="en-US" smtClean="0"/>
-              <a:t>2021-08-17</a:t>
+              <a:t>2021-08-18</a:t>
             </a:fld>
             <a:endParaRPr lang="ko-KR" altLang="en-US"/>
           </a:p>
@@ -477,7 +482,7 @@
           <a:p>
             <a:fld id="{AC1DC514-C4CD-43EC-BDB1-DC678A6873C3}" type="datetimeFigureOut">
               <a:rPr lang="ko-KR" altLang="en-US" smtClean="0"/>
-              <a:t>2021-08-17</a:t>
+              <a:t>2021-08-18</a:t>
             </a:fld>
             <a:endParaRPr lang="ko-KR" altLang="en-US"/>
           </a:p>
@@ -685,7 +690,7 @@
           <a:p>
             <a:fld id="{AC1DC514-C4CD-43EC-BDB1-DC678A6873C3}" type="datetimeFigureOut">
               <a:rPr lang="ko-KR" altLang="en-US" smtClean="0"/>
-              <a:t>2021-08-17</a:t>
+              <a:t>2021-08-18</a:t>
             </a:fld>
             <a:endParaRPr lang="ko-KR" altLang="en-US"/>
           </a:p>
@@ -883,7 +888,7 @@
           <a:p>
             <a:fld id="{AC1DC514-C4CD-43EC-BDB1-DC678A6873C3}" type="datetimeFigureOut">
               <a:rPr lang="ko-KR" altLang="en-US" smtClean="0"/>
-              <a:t>2021-08-17</a:t>
+              <a:t>2021-08-18</a:t>
             </a:fld>
             <a:endParaRPr lang="ko-KR" altLang="en-US"/>
           </a:p>
@@ -1158,7 +1163,7 @@
           <a:p>
             <a:fld id="{AC1DC514-C4CD-43EC-BDB1-DC678A6873C3}" type="datetimeFigureOut">
               <a:rPr lang="ko-KR" altLang="en-US" smtClean="0"/>
-              <a:t>2021-08-17</a:t>
+              <a:t>2021-08-18</a:t>
             </a:fld>
             <a:endParaRPr lang="ko-KR" altLang="en-US"/>
           </a:p>
@@ -1423,7 +1428,7 @@
           <a:p>
             <a:fld id="{AC1DC514-C4CD-43EC-BDB1-DC678A6873C3}" type="datetimeFigureOut">
               <a:rPr lang="ko-KR" altLang="en-US" smtClean="0"/>
-              <a:t>2021-08-17</a:t>
+              <a:t>2021-08-18</a:t>
             </a:fld>
             <a:endParaRPr lang="ko-KR" altLang="en-US"/>
           </a:p>
@@ -1835,7 +1840,7 @@
           <a:p>
             <a:fld id="{AC1DC514-C4CD-43EC-BDB1-DC678A6873C3}" type="datetimeFigureOut">
               <a:rPr lang="ko-KR" altLang="en-US" smtClean="0"/>
-              <a:t>2021-08-17</a:t>
+              <a:t>2021-08-18</a:t>
             </a:fld>
             <a:endParaRPr lang="ko-KR" altLang="en-US"/>
           </a:p>
@@ -1976,7 +1981,7 @@
           <a:p>
             <a:fld id="{AC1DC514-C4CD-43EC-BDB1-DC678A6873C3}" type="datetimeFigureOut">
               <a:rPr lang="ko-KR" altLang="en-US" smtClean="0"/>
-              <a:t>2021-08-17</a:t>
+              <a:t>2021-08-18</a:t>
             </a:fld>
             <a:endParaRPr lang="ko-KR" altLang="en-US"/>
           </a:p>
@@ -2089,7 +2094,7 @@
           <a:p>
             <a:fld id="{AC1DC514-C4CD-43EC-BDB1-DC678A6873C3}" type="datetimeFigureOut">
               <a:rPr lang="ko-KR" altLang="en-US" smtClean="0"/>
-              <a:t>2021-08-17</a:t>
+              <a:t>2021-08-18</a:t>
             </a:fld>
             <a:endParaRPr lang="ko-KR" altLang="en-US"/>
           </a:p>
@@ -2400,7 +2405,7 @@
           <a:p>
             <a:fld id="{AC1DC514-C4CD-43EC-BDB1-DC678A6873C3}" type="datetimeFigureOut">
               <a:rPr lang="ko-KR" altLang="en-US" smtClean="0"/>
-              <a:t>2021-08-17</a:t>
+              <a:t>2021-08-18</a:t>
             </a:fld>
             <a:endParaRPr lang="ko-KR" altLang="en-US"/>
           </a:p>
@@ -2688,7 +2693,7 @@
           <a:p>
             <a:fld id="{AC1DC514-C4CD-43EC-BDB1-DC678A6873C3}" type="datetimeFigureOut">
               <a:rPr lang="ko-KR" altLang="en-US" smtClean="0"/>
-              <a:t>2021-08-17</a:t>
+              <a:t>2021-08-18</a:t>
             </a:fld>
             <a:endParaRPr lang="ko-KR" altLang="en-US"/>
           </a:p>
@@ -2929,7 +2934,7 @@
           <a:p>
             <a:fld id="{AC1DC514-C4CD-43EC-BDB1-DC678A6873C3}" type="datetimeFigureOut">
               <a:rPr lang="ko-KR" altLang="en-US" smtClean="0"/>
-              <a:t>2021-08-17</a:t>
+              <a:t>2021-08-18</a:t>
             </a:fld>
             <a:endParaRPr lang="ko-KR" altLang="en-US"/>
           </a:p>
@@ -4354,6 +4359,5424 @@
 </p:sld>
 </file>
 
+<file path=ppt/slides/slide10.xml><?xml version="1.0" encoding="utf-8"?>
+<p:sld xmlns:a="http://schemas.openxmlformats.org/drawingml/2006/main" xmlns:r="http://schemas.openxmlformats.org/officeDocument/2006/relationships" xmlns:p="http://schemas.openxmlformats.org/presentationml/2006/main">
+  <p:cSld>
+    <p:spTree>
+      <p:nvGrpSpPr>
+        <p:cNvPr id="1" name=""/>
+        <p:cNvGrpSpPr/>
+        <p:nvPr/>
+      </p:nvGrpSpPr>
+      <p:grpSpPr>
+        <a:xfrm>
+          <a:off x="0" y="0"/>
+          <a:ext cx="0" cy="0"/>
+          <a:chOff x="0" y="0"/>
+          <a:chExt cx="0" cy="0"/>
+        </a:xfrm>
+      </p:grpSpPr>
+      <p:grpSp>
+        <p:nvGrpSpPr>
+          <p:cNvPr id="26" name="그룹 25">
+            <a:extLst>
+              <a:ext uri="{FF2B5EF4-FFF2-40B4-BE49-F238E27FC236}">
+                <a16:creationId xmlns:a16="http://schemas.microsoft.com/office/drawing/2014/main" id="{517F3B8F-DBB9-4894-9F6E-BC71D2DBF625}"/>
+              </a:ext>
+            </a:extLst>
+          </p:cNvPr>
+          <p:cNvGrpSpPr/>
+          <p:nvPr/>
+        </p:nvGrpSpPr>
+        <p:grpSpPr>
+          <a:xfrm>
+            <a:off x="152400" y="2346061"/>
+            <a:ext cx="10911561" cy="2464534"/>
+            <a:chOff x="152400" y="2346061"/>
+            <a:chExt cx="10911561" cy="2464534"/>
+          </a:xfrm>
+        </p:grpSpPr>
+        <p:grpSp>
+          <p:nvGrpSpPr>
+            <p:cNvPr id="4" name="그룹 3">
+              <a:extLst>
+                <a:ext uri="{FF2B5EF4-FFF2-40B4-BE49-F238E27FC236}">
+                  <a16:creationId xmlns:a16="http://schemas.microsoft.com/office/drawing/2014/main" id="{05D0EEA8-A2EB-47C9-9E75-AF92470C0C2E}"/>
+                </a:ext>
+              </a:extLst>
+            </p:cNvPr>
+            <p:cNvGrpSpPr/>
+            <p:nvPr/>
+          </p:nvGrpSpPr>
+          <p:grpSpPr>
+            <a:xfrm>
+              <a:off x="152400" y="2346061"/>
+              <a:ext cx="10911541" cy="2464534"/>
+              <a:chOff x="0" y="1533586"/>
+              <a:chExt cx="10911541" cy="2464534"/>
+            </a:xfrm>
+          </p:grpSpPr>
+          <p:grpSp>
+            <p:nvGrpSpPr>
+              <p:cNvPr id="5" name="그룹 4">
+                <a:extLst>
+                  <a:ext uri="{FF2B5EF4-FFF2-40B4-BE49-F238E27FC236}">
+                    <a16:creationId xmlns:a16="http://schemas.microsoft.com/office/drawing/2014/main" id="{6D3F87F3-59D8-4FAB-A6B2-BBFB11A156F3}"/>
+                  </a:ext>
+                </a:extLst>
+              </p:cNvPr>
+              <p:cNvGrpSpPr/>
+              <p:nvPr/>
+            </p:nvGrpSpPr>
+            <p:grpSpPr>
+              <a:xfrm>
+                <a:off x="0" y="1533586"/>
+                <a:ext cx="2897758" cy="2464534"/>
+                <a:chOff x="480920" y="2224713"/>
+                <a:chExt cx="3303162" cy="2792401"/>
+              </a:xfrm>
+            </p:grpSpPr>
+            <p:pic>
+              <p:nvPicPr>
+                <p:cNvPr id="14" name="그래픽 13" descr="보안 카메라 단색으로 채워진">
+                  <a:extLst>
+                    <a:ext uri="{FF2B5EF4-FFF2-40B4-BE49-F238E27FC236}">
+                      <a16:creationId xmlns:a16="http://schemas.microsoft.com/office/drawing/2014/main" id="{318D2DC6-46B4-47CF-8DC7-A735CF2E5363}"/>
+                    </a:ext>
+                  </a:extLst>
+                </p:cNvPr>
+                <p:cNvPicPr>
+                  <a:picLocks noChangeAspect="1"/>
+                </p:cNvPicPr>
+                <p:nvPr/>
+              </p:nvPicPr>
+              <p:blipFill>
+                <a:blip r:embed="rId2">
+                  <a:extLst>
+                    <a:ext uri="{28A0092B-C50C-407E-A947-70E740481C1C}">
+                      <a14:useLocalDpi xmlns:a14="http://schemas.microsoft.com/office/drawing/2010/main"/>
+                    </a:ext>
+                    <a:ext uri="{96DAC541-7B7A-43D3-8B79-37D633B846F1}">
+                      <asvg:svgBlip xmlns:asvg="http://schemas.microsoft.com/office/drawing/2016/SVG/main" r:embed="rId3"/>
+                    </a:ext>
+                  </a:extLst>
+                </a:blip>
+                <a:stretch>
+                  <a:fillRect/>
+                </a:stretch>
+              </p:blipFill>
+              <p:spPr>
+                <a:xfrm>
+                  <a:off x="480920" y="2224713"/>
+                  <a:ext cx="914400" cy="914400"/>
+                </a:xfrm>
+                <a:prstGeom prst="rect">
+                  <a:avLst/>
+                </a:prstGeom>
+              </p:spPr>
+            </p:pic>
+            <p:pic>
+              <p:nvPicPr>
+                <p:cNvPr id="15" name="그림 14">
+                  <a:extLst>
+                    <a:ext uri="{FF2B5EF4-FFF2-40B4-BE49-F238E27FC236}">
+                      <a16:creationId xmlns:a16="http://schemas.microsoft.com/office/drawing/2014/main" id="{452117A1-CF68-4958-8E1F-E007474B8249}"/>
+                    </a:ext>
+                  </a:extLst>
+                </p:cNvPr>
+                <p:cNvPicPr>
+                  <a:picLocks noChangeAspect="1"/>
+                </p:cNvPicPr>
+                <p:nvPr/>
+              </p:nvPicPr>
+              <p:blipFill>
+                <a:blip r:embed="rId4" cstate="screen">
+                  <a:extLst>
+                    <a:ext uri="{BEBA8EAE-BF5A-486C-A8C5-ECC9F3942E4B}">
+                      <a14:imgProps xmlns:a14="http://schemas.microsoft.com/office/drawing/2010/main">
+                        <a14:imgLayer r:embed="rId5">
+                          <a14:imgEffect>
+                            <a14:backgroundRemoval t="10000" b="90000" l="10000" r="90000">
+                              <a14:foregroundMark x1="61196" y1="55053" x2="61196" y2="55053"/>
+                              <a14:foregroundMark x1="49891" y1="28507" x2="49891" y2="28507"/>
+                              <a14:foregroundMark x1="45326" y1="33183" x2="45326" y2="33183"/>
+                              <a14:foregroundMark x1="55217" y1="31674" x2="55217" y2="31674"/>
+                            </a14:backgroundRemoval>
+                          </a14:imgEffect>
+                        </a14:imgLayer>
+                      </a14:imgProps>
+                    </a:ext>
+                    <a:ext uri="{28A0092B-C50C-407E-A947-70E740481C1C}">
+                      <a14:useLocalDpi xmlns:a14="http://schemas.microsoft.com/office/drawing/2010/main"/>
+                    </a:ext>
+                  </a:extLst>
+                </a:blip>
+                <a:stretch>
+                  <a:fillRect/>
+                </a:stretch>
+              </p:blipFill>
+              <p:spPr>
+                <a:xfrm>
+                  <a:off x="1284123" y="2313488"/>
+                  <a:ext cx="2478223" cy="1785937"/>
+                </a:xfrm>
+                <a:prstGeom prst="rect">
+                  <a:avLst/>
+                </a:prstGeom>
+              </p:spPr>
+            </p:pic>
+            <p:cxnSp>
+              <p:nvCxnSpPr>
+                <p:cNvPr id="16" name="직선 연결선 15">
+                  <a:extLst>
+                    <a:ext uri="{FF2B5EF4-FFF2-40B4-BE49-F238E27FC236}">
+                      <a16:creationId xmlns:a16="http://schemas.microsoft.com/office/drawing/2014/main" id="{C0126D04-FEE2-42CB-8905-0F531C8F9ACB}"/>
+                    </a:ext>
+                  </a:extLst>
+                </p:cNvPr>
+                <p:cNvCxnSpPr>
+                  <a:cxnSpLocks/>
+                </p:cNvCxnSpPr>
+                <p:nvPr/>
+              </p:nvCxnSpPr>
+              <p:spPr>
+                <a:xfrm>
+                  <a:off x="1228396" y="2894372"/>
+                  <a:ext cx="360527" cy="917841"/>
+                </a:xfrm>
+                <a:prstGeom prst="line">
+                  <a:avLst/>
+                </a:prstGeom>
+                <a:ln w="38100">
+                  <a:solidFill>
+                    <a:srgbClr val="5A7D59"/>
+                  </a:solidFill>
+                  <a:prstDash val="dash"/>
+                </a:ln>
+              </p:spPr>
+              <p:style>
+                <a:lnRef idx="1">
+                  <a:schemeClr val="accent1"/>
+                </a:lnRef>
+                <a:fillRef idx="0">
+                  <a:schemeClr val="accent1"/>
+                </a:fillRef>
+                <a:effectRef idx="0">
+                  <a:schemeClr val="accent1"/>
+                </a:effectRef>
+                <a:fontRef idx="minor">
+                  <a:schemeClr val="tx1"/>
+                </a:fontRef>
+              </p:style>
+            </p:cxnSp>
+            <p:cxnSp>
+              <p:nvCxnSpPr>
+                <p:cNvPr id="17" name="직선 연결선 16">
+                  <a:extLst>
+                    <a:ext uri="{FF2B5EF4-FFF2-40B4-BE49-F238E27FC236}">
+                      <a16:creationId xmlns:a16="http://schemas.microsoft.com/office/drawing/2014/main" id="{88B8395D-3FC3-408B-B580-E00B1BA10485}"/>
+                    </a:ext>
+                  </a:extLst>
+                </p:cNvPr>
+                <p:cNvCxnSpPr>
+                  <a:cxnSpLocks/>
+                </p:cNvCxnSpPr>
+                <p:nvPr/>
+              </p:nvCxnSpPr>
+              <p:spPr>
+                <a:xfrm flipV="1">
+                  <a:off x="1408659" y="2598194"/>
+                  <a:ext cx="1499641" cy="119610"/>
+                </a:xfrm>
+                <a:prstGeom prst="line">
+                  <a:avLst/>
+                </a:prstGeom>
+                <a:ln w="38100">
+                  <a:solidFill>
+                    <a:srgbClr val="5A7D59"/>
+                  </a:solidFill>
+                  <a:prstDash val="dash"/>
+                </a:ln>
+              </p:spPr>
+              <p:style>
+                <a:lnRef idx="1">
+                  <a:schemeClr val="accent1"/>
+                </a:lnRef>
+                <a:fillRef idx="0">
+                  <a:schemeClr val="accent1"/>
+                </a:fillRef>
+                <a:effectRef idx="0">
+                  <a:schemeClr val="accent1"/>
+                </a:effectRef>
+                <a:fontRef idx="minor">
+                  <a:schemeClr val="tx1"/>
+                </a:fontRef>
+              </p:style>
+            </p:cxnSp>
+            <p:sp>
+              <p:nvSpPr>
+                <p:cNvPr id="18" name="TextBox 17">
+                  <a:extLst>
+                    <a:ext uri="{FF2B5EF4-FFF2-40B4-BE49-F238E27FC236}">
+                      <a16:creationId xmlns:a16="http://schemas.microsoft.com/office/drawing/2014/main" id="{708CBADC-D4DD-43D2-85E4-1E555A4FC892}"/>
+                    </a:ext>
+                  </a:extLst>
+                </p:cNvPr>
+                <p:cNvSpPr txBox="1"/>
+                <p:nvPr/>
+              </p:nvSpPr>
+              <p:spPr>
+                <a:xfrm>
+                  <a:off x="532874" y="4040695"/>
+                  <a:ext cx="3251208" cy="976419"/>
+                </a:xfrm>
+                <a:prstGeom prst="rect">
+                  <a:avLst/>
+                </a:prstGeom>
+                <a:noFill/>
+              </p:spPr>
+              <p:txBody>
+                <a:bodyPr wrap="square">
+                  <a:spAutoFit/>
+                </a:bodyPr>
+                <a:lstStyle/>
+                <a:p>
+                  <a:pPr algn="ctr">
+                    <a:lnSpc>
+                      <a:spcPct val="150000"/>
+                    </a:lnSpc>
+                  </a:pPr>
+                  <a:r>
+                    <a:rPr lang="ko-KR" altLang="en-US" sz="2000" dirty="0" err="1">
+                      <a:solidFill>
+                        <a:srgbClr val="595959"/>
+                      </a:solidFill>
+                      <a:latin typeface="G마켓 산스 TTF Medium" panose="02000000000000000000" pitchFamily="2" charset="-127"/>
+                      <a:ea typeface="G마켓 산스 TTF Medium" panose="02000000000000000000" pitchFamily="2" charset="-127"/>
+                    </a:rPr>
+                    <a:t>딥러닝을</a:t>
+                  </a:r>
+                  <a:r>
+                    <a:rPr lang="ko-KR" altLang="en-US" sz="2000" dirty="0">
+                      <a:solidFill>
+                        <a:srgbClr val="595959"/>
+                      </a:solidFill>
+                      <a:latin typeface="G마켓 산스 TTF Medium" panose="02000000000000000000" pitchFamily="2" charset="-127"/>
+                      <a:ea typeface="G마켓 산스 TTF Medium" panose="02000000000000000000" pitchFamily="2" charset="-127"/>
+                    </a:rPr>
+                    <a:t> 통한 사고 감지</a:t>
+                  </a:r>
+                  <a:endParaRPr lang="en-US" altLang="ko-KR" sz="2000" dirty="0">
+                    <a:solidFill>
+                      <a:srgbClr val="595959"/>
+                    </a:solidFill>
+                    <a:latin typeface="G마켓 산스 TTF Medium" panose="02000000000000000000" pitchFamily="2" charset="-127"/>
+                    <a:ea typeface="G마켓 산스 TTF Medium" panose="02000000000000000000" pitchFamily="2" charset="-127"/>
+                  </a:endParaRPr>
+                </a:p>
+                <a:p>
+                  <a:pPr algn="ctr"/>
+                  <a:r>
+                    <a:rPr lang="en-US" altLang="ko-KR" sz="2000" dirty="0">
+                      <a:solidFill>
+                        <a:srgbClr val="595959"/>
+                      </a:solidFill>
+                      <a:latin typeface="G마켓 산스 TTF Medium" panose="02000000000000000000" pitchFamily="2" charset="-127"/>
+                      <a:ea typeface="G마켓 산스 TTF Medium" panose="02000000000000000000" pitchFamily="2" charset="-127"/>
+                    </a:rPr>
+                    <a:t>(</a:t>
+                  </a:r>
+                  <a:r>
+                    <a:rPr lang="ko-KR" altLang="en-US" sz="2000" dirty="0">
+                      <a:solidFill>
+                        <a:srgbClr val="595959"/>
+                      </a:solidFill>
+                      <a:latin typeface="G마켓 산스 TTF Medium" panose="02000000000000000000" pitchFamily="2" charset="-127"/>
+                      <a:ea typeface="G마켓 산스 TTF Medium" panose="02000000000000000000" pitchFamily="2" charset="-127"/>
+                    </a:rPr>
+                    <a:t>이벤트 발생</a:t>
+                  </a:r>
+                  <a:r>
+                    <a:rPr lang="en-US" altLang="ko-KR" sz="2000" dirty="0">
+                      <a:solidFill>
+                        <a:srgbClr val="595959"/>
+                      </a:solidFill>
+                      <a:latin typeface="G마켓 산스 TTF Medium" panose="02000000000000000000" pitchFamily="2" charset="-127"/>
+                      <a:ea typeface="G마켓 산스 TTF Medium" panose="02000000000000000000" pitchFamily="2" charset="-127"/>
+                    </a:rPr>
+                    <a:t>)</a:t>
+                  </a:r>
+                  <a:endParaRPr lang="ko-KR" altLang="en-US" sz="2000" dirty="0">
+                    <a:solidFill>
+                      <a:srgbClr val="595959"/>
+                    </a:solidFill>
+                    <a:latin typeface="G마켓 산스 TTF Medium" panose="02000000000000000000" pitchFamily="2" charset="-127"/>
+                    <a:ea typeface="G마켓 산스 TTF Medium" panose="02000000000000000000" pitchFamily="2" charset="-127"/>
+                  </a:endParaRPr>
+                </a:p>
+              </p:txBody>
+            </p:sp>
+          </p:grpSp>
+          <p:grpSp>
+            <p:nvGrpSpPr>
+              <p:cNvPr id="6" name="그룹 5">
+                <a:extLst>
+                  <a:ext uri="{FF2B5EF4-FFF2-40B4-BE49-F238E27FC236}">
+                    <a16:creationId xmlns:a16="http://schemas.microsoft.com/office/drawing/2014/main" id="{CC67EA35-CDEA-4539-AC19-578631760BF4}"/>
+                  </a:ext>
+                </a:extLst>
+              </p:cNvPr>
+              <p:cNvGrpSpPr/>
+              <p:nvPr/>
+            </p:nvGrpSpPr>
+            <p:grpSpPr>
+              <a:xfrm>
+                <a:off x="3450083" y="1533586"/>
+                <a:ext cx="3172453" cy="2420371"/>
+                <a:chOff x="4683522" y="1741339"/>
+                <a:chExt cx="3512453" cy="2604185"/>
+              </a:xfrm>
+            </p:grpSpPr>
+            <p:pic>
+              <p:nvPicPr>
+                <p:cNvPr id="12" name="Picture 4" descr="KEDA | Kubernetes Event-driven Autoscaling">
+                  <a:extLst>
+                    <a:ext uri="{FF2B5EF4-FFF2-40B4-BE49-F238E27FC236}">
+                      <a16:creationId xmlns:a16="http://schemas.microsoft.com/office/drawing/2014/main" id="{C1BEBAD7-2E88-4B65-8B9B-CA0FA4400349}"/>
+                    </a:ext>
+                  </a:extLst>
+                </p:cNvPr>
+                <p:cNvPicPr>
+                  <a:picLocks noChangeAspect="1" noChangeArrowheads="1"/>
+                </p:cNvPicPr>
+                <p:nvPr/>
+              </p:nvPicPr>
+              <p:blipFill>
+                <a:blip r:embed="rId6" cstate="screen">
+                  <a:extLst>
+                    <a:ext uri="{28A0092B-C50C-407E-A947-70E740481C1C}">
+                      <a14:useLocalDpi xmlns:a14="http://schemas.microsoft.com/office/drawing/2010/main"/>
+                    </a:ext>
+                  </a:extLst>
+                </a:blip>
+                <a:srcRect/>
+                <a:stretch>
+                  <a:fillRect/>
+                </a:stretch>
+              </p:blipFill>
+              <p:spPr bwMode="auto">
+                <a:xfrm>
+                  <a:off x="5536789" y="1741339"/>
+                  <a:ext cx="1805921" cy="1805921"/>
+                </a:xfrm>
+                <a:prstGeom prst="rect">
+                  <a:avLst/>
+                </a:prstGeom>
+                <a:noFill/>
+                <a:extLst>
+                  <a:ext uri="{909E8E84-426E-40DD-AFC4-6F175D3DCCD1}">
+                    <a14:hiddenFill xmlns:a14="http://schemas.microsoft.com/office/drawing/2010/main">
+                      <a:solidFill>
+                        <a:srgbClr val="FFFFFF"/>
+                      </a:solidFill>
+                    </a14:hiddenFill>
+                  </a:ext>
+                </a:extLst>
+              </p:spPr>
+            </p:pic>
+            <p:sp>
+              <p:nvSpPr>
+                <p:cNvPr id="13" name="TextBox 12">
+                  <a:extLst>
+                    <a:ext uri="{FF2B5EF4-FFF2-40B4-BE49-F238E27FC236}">
+                      <a16:creationId xmlns:a16="http://schemas.microsoft.com/office/drawing/2014/main" id="{C404140D-E0E0-443C-9DC7-1032AF425F88}"/>
+                    </a:ext>
+                  </a:extLst>
+                </p:cNvPr>
+                <p:cNvSpPr txBox="1"/>
+                <p:nvPr/>
+              </p:nvSpPr>
+              <p:spPr>
+                <a:xfrm>
+                  <a:off x="4683522" y="3583878"/>
+                  <a:ext cx="3512453" cy="761646"/>
+                </a:xfrm>
+                <a:prstGeom prst="rect">
+                  <a:avLst/>
+                </a:prstGeom>
+                <a:noFill/>
+              </p:spPr>
+              <p:txBody>
+                <a:bodyPr wrap="square">
+                  <a:spAutoFit/>
+                </a:bodyPr>
+                <a:lstStyle/>
+                <a:p>
+                  <a:pPr algn="ctr"/>
+                  <a:r>
+                    <a:rPr lang="en-US" altLang="ko-KR" sz="2000" dirty="0">
+                      <a:solidFill>
+                        <a:srgbClr val="595959"/>
+                      </a:solidFill>
+                      <a:latin typeface="G마켓 산스 TTF Medium" panose="02000000000000000000" pitchFamily="2" charset="-127"/>
+                      <a:ea typeface="G마켓 산스 TTF Medium" panose="02000000000000000000" pitchFamily="2" charset="-127"/>
+                    </a:rPr>
+                    <a:t>KEDA</a:t>
+                  </a:r>
+                  <a:r>
+                    <a:rPr lang="ko-KR" altLang="en-US" sz="2000" dirty="0">
+                      <a:solidFill>
+                        <a:srgbClr val="595959"/>
+                      </a:solidFill>
+                      <a:latin typeface="G마켓 산스 TTF Medium" panose="02000000000000000000" pitchFamily="2" charset="-127"/>
+                      <a:ea typeface="G마켓 산스 TTF Medium" panose="02000000000000000000" pitchFamily="2" charset="-127"/>
+                    </a:rPr>
+                    <a:t>를 통한 </a:t>
+                  </a:r>
+                  <a:r>
+                    <a:rPr lang="en-US" altLang="ko-KR" sz="2000" dirty="0" err="1">
+                      <a:solidFill>
+                        <a:srgbClr val="595959"/>
+                      </a:solidFill>
+                      <a:latin typeface="G마켓 산스 TTF Medium" panose="02000000000000000000" pitchFamily="2" charset="-127"/>
+                      <a:ea typeface="G마켓 산스 TTF Medium" panose="02000000000000000000" pitchFamily="2" charset="-127"/>
+                    </a:rPr>
+                    <a:t>FaaS</a:t>
+                  </a:r>
+                  <a:r>
+                    <a:rPr lang="en-US" altLang="ko-KR" sz="2000" dirty="0">
+                      <a:solidFill>
+                        <a:srgbClr val="595959"/>
+                      </a:solidFill>
+                      <a:latin typeface="G마켓 산스 TTF Medium" panose="02000000000000000000" pitchFamily="2" charset="-127"/>
+                      <a:ea typeface="G마켓 산스 TTF Medium" panose="02000000000000000000" pitchFamily="2" charset="-127"/>
+                    </a:rPr>
+                    <a:t> </a:t>
+                  </a:r>
+                  <a:r>
+                    <a:rPr lang="ko-KR" altLang="en-US" sz="2000" dirty="0">
+                      <a:solidFill>
+                        <a:srgbClr val="595959"/>
+                      </a:solidFill>
+                      <a:latin typeface="G마켓 산스 TTF Medium" panose="02000000000000000000" pitchFamily="2" charset="-127"/>
+                      <a:ea typeface="G마켓 산스 TTF Medium" panose="02000000000000000000" pitchFamily="2" charset="-127"/>
+                    </a:rPr>
+                    <a:t>실현</a:t>
+                  </a:r>
+                  <a:br>
+                    <a:rPr lang="en-US" altLang="ko-KR" sz="2000" dirty="0">
+                      <a:solidFill>
+                        <a:srgbClr val="595959"/>
+                      </a:solidFill>
+                      <a:latin typeface="G마켓 산스 TTF Medium" panose="02000000000000000000" pitchFamily="2" charset="-127"/>
+                      <a:ea typeface="G마켓 산스 TTF Medium" panose="02000000000000000000" pitchFamily="2" charset="-127"/>
+                    </a:rPr>
+                  </a:br>
+                  <a:r>
+                    <a:rPr lang="en-US" altLang="ko-KR" sz="2000" dirty="0">
+                      <a:solidFill>
+                        <a:srgbClr val="595959"/>
+                      </a:solidFill>
+                      <a:latin typeface="G마켓 산스 TTF Medium" panose="02000000000000000000" pitchFamily="2" charset="-127"/>
+                      <a:ea typeface="G마켓 산스 TTF Medium" panose="02000000000000000000" pitchFamily="2" charset="-127"/>
+                    </a:rPr>
+                    <a:t>(Scale to Zero)</a:t>
+                  </a:r>
+                  <a:endParaRPr lang="ko-KR" altLang="en-US" sz="2000" dirty="0">
+                    <a:solidFill>
+                      <a:srgbClr val="595959"/>
+                    </a:solidFill>
+                    <a:latin typeface="G마켓 산스 TTF Medium" panose="02000000000000000000" pitchFamily="2" charset="-127"/>
+                    <a:ea typeface="G마켓 산스 TTF Medium" panose="02000000000000000000" pitchFamily="2" charset="-127"/>
+                  </a:endParaRPr>
+                </a:p>
+              </p:txBody>
+            </p:sp>
+          </p:grpSp>
+          <p:sp>
+            <p:nvSpPr>
+              <p:cNvPr id="11" name="TextBox 10">
+                <a:extLst>
+                  <a:ext uri="{FF2B5EF4-FFF2-40B4-BE49-F238E27FC236}">
+                    <a16:creationId xmlns:a16="http://schemas.microsoft.com/office/drawing/2014/main" id="{C1000F02-5B11-4CC4-B1C9-448708C22368}"/>
+                  </a:ext>
+                </a:extLst>
+              </p:cNvPr>
+              <p:cNvSpPr txBox="1"/>
+              <p:nvPr/>
+            </p:nvSpPr>
+            <p:spPr>
+              <a:xfrm>
+                <a:off x="7629333" y="3227792"/>
+                <a:ext cx="3282208" cy="707886"/>
+              </a:xfrm>
+              <a:prstGeom prst="rect">
+                <a:avLst/>
+              </a:prstGeom>
+              <a:noFill/>
+            </p:spPr>
+            <p:txBody>
+              <a:bodyPr wrap="square">
+                <a:spAutoFit/>
+              </a:bodyPr>
+              <a:lstStyle/>
+              <a:p>
+                <a:pPr algn="ctr"/>
+                <a:r>
+                  <a:rPr lang="ko-KR" altLang="en-US" sz="2000" dirty="0">
+                    <a:solidFill>
+                      <a:srgbClr val="595959"/>
+                    </a:solidFill>
+                    <a:latin typeface="G마켓 산스 TTF Medium" panose="02000000000000000000" pitchFamily="2" charset="-127"/>
+                    <a:ea typeface="G마켓 산스 TTF Medium" panose="02000000000000000000" pitchFamily="2" charset="-127"/>
+                  </a:rPr>
+                  <a:t>사고 위치를 실시간으로 </a:t>
+                </a:r>
+                <a:endParaRPr lang="en-US" altLang="ko-KR" sz="2000" dirty="0">
+                  <a:solidFill>
+                    <a:srgbClr val="595959"/>
+                  </a:solidFill>
+                  <a:latin typeface="G마켓 산스 TTF Medium" panose="02000000000000000000" pitchFamily="2" charset="-127"/>
+                  <a:ea typeface="G마켓 산스 TTF Medium" panose="02000000000000000000" pitchFamily="2" charset="-127"/>
+                </a:endParaRPr>
+              </a:p>
+              <a:p>
+                <a:pPr algn="ctr"/>
+                <a:r>
+                  <a:rPr lang="ko-KR" altLang="en-US" sz="2000" dirty="0">
+                    <a:solidFill>
+                      <a:srgbClr val="595959"/>
+                    </a:solidFill>
+                    <a:latin typeface="G마켓 산스 TTF Medium" panose="02000000000000000000" pitchFamily="2" charset="-127"/>
+                    <a:ea typeface="G마켓 산스 TTF Medium" panose="02000000000000000000" pitchFamily="2" charset="-127"/>
+                  </a:rPr>
+                  <a:t>지도에 표시해주는 서비스</a:t>
+                </a:r>
+              </a:p>
+            </p:txBody>
+          </p:sp>
+          <p:sp>
+            <p:nvSpPr>
+              <p:cNvPr id="8" name="화살표: 오른쪽 7">
+                <a:extLst>
+                  <a:ext uri="{FF2B5EF4-FFF2-40B4-BE49-F238E27FC236}">
+                    <a16:creationId xmlns:a16="http://schemas.microsoft.com/office/drawing/2014/main" id="{48116E8C-3129-458A-85DC-73093CD9E9EC}"/>
+                  </a:ext>
+                </a:extLst>
+              </p:cNvPr>
+              <p:cNvSpPr/>
+              <p:nvPr/>
+            </p:nvSpPr>
+            <p:spPr>
+              <a:xfrm>
+                <a:off x="3067682" y="2238918"/>
+                <a:ext cx="525306" cy="430913"/>
+              </a:xfrm>
+              <a:prstGeom prst="rightArrow">
+                <a:avLst/>
+              </a:prstGeom>
+              <a:solidFill>
+                <a:srgbClr val="5A7D59">
+                  <a:alpha val="50000"/>
+                </a:srgbClr>
+              </a:solidFill>
+              <a:ln>
+                <a:noFill/>
+              </a:ln>
+            </p:spPr>
+            <p:style>
+              <a:lnRef idx="2">
+                <a:schemeClr val="accent1">
+                  <a:shade val="50000"/>
+                </a:schemeClr>
+              </a:lnRef>
+              <a:fillRef idx="1">
+                <a:schemeClr val="accent1"/>
+              </a:fillRef>
+              <a:effectRef idx="0">
+                <a:schemeClr val="accent1"/>
+              </a:effectRef>
+              <a:fontRef idx="minor">
+                <a:schemeClr val="lt1"/>
+              </a:fontRef>
+            </p:style>
+            <p:txBody>
+              <a:bodyPr rtlCol="0" anchor="ctr"/>
+              <a:lstStyle/>
+              <a:p>
+                <a:pPr algn="ctr"/>
+                <a:endParaRPr lang="ko-KR" altLang="en-US"/>
+              </a:p>
+            </p:txBody>
+          </p:sp>
+          <p:sp>
+            <p:nvSpPr>
+              <p:cNvPr id="9" name="화살표: 오른쪽 8">
+                <a:extLst>
+                  <a:ext uri="{FF2B5EF4-FFF2-40B4-BE49-F238E27FC236}">
+                    <a16:creationId xmlns:a16="http://schemas.microsoft.com/office/drawing/2014/main" id="{038EB3A4-A245-4C88-A5D9-0CC4F56A2123}"/>
+                  </a:ext>
+                </a:extLst>
+              </p:cNvPr>
+              <p:cNvSpPr/>
+              <p:nvPr/>
+            </p:nvSpPr>
+            <p:spPr>
+              <a:xfrm>
+                <a:off x="6359883" y="2238917"/>
+                <a:ext cx="525306" cy="430913"/>
+              </a:xfrm>
+              <a:prstGeom prst="rightArrow">
+                <a:avLst/>
+              </a:prstGeom>
+              <a:solidFill>
+                <a:srgbClr val="5A7D59">
+                  <a:alpha val="50000"/>
+                </a:srgbClr>
+              </a:solidFill>
+              <a:ln>
+                <a:noFill/>
+              </a:ln>
+            </p:spPr>
+            <p:style>
+              <a:lnRef idx="2">
+                <a:schemeClr val="accent1">
+                  <a:shade val="50000"/>
+                </a:schemeClr>
+              </a:lnRef>
+              <a:fillRef idx="1">
+                <a:schemeClr val="accent1"/>
+              </a:fillRef>
+              <a:effectRef idx="0">
+                <a:schemeClr val="accent1"/>
+              </a:effectRef>
+              <a:fontRef idx="minor">
+                <a:schemeClr val="lt1"/>
+              </a:fontRef>
+            </p:style>
+            <p:txBody>
+              <a:bodyPr rtlCol="0" anchor="ctr"/>
+              <a:lstStyle/>
+              <a:p>
+                <a:pPr algn="ctr"/>
+                <a:endParaRPr lang="ko-KR" altLang="en-US"/>
+              </a:p>
+            </p:txBody>
+          </p:sp>
+        </p:grpSp>
+        <p:grpSp>
+          <p:nvGrpSpPr>
+            <p:cNvPr id="19" name="그룹 18">
+              <a:extLst>
+                <a:ext uri="{FF2B5EF4-FFF2-40B4-BE49-F238E27FC236}">
+                  <a16:creationId xmlns:a16="http://schemas.microsoft.com/office/drawing/2014/main" id="{35CCCC5B-2907-4878-AE4B-FFF099F8048F}"/>
+                </a:ext>
+              </a:extLst>
+            </p:cNvPr>
+            <p:cNvGrpSpPr/>
+            <p:nvPr/>
+          </p:nvGrpSpPr>
+          <p:grpSpPr>
+            <a:xfrm>
+              <a:off x="7781733" y="2346061"/>
+              <a:ext cx="3282228" cy="1620375"/>
+              <a:chOff x="648302" y="254000"/>
+              <a:chExt cx="11378598" cy="6331644"/>
+            </a:xfrm>
+          </p:grpSpPr>
+          <p:pic>
+            <p:nvPicPr>
+              <p:cNvPr id="20" name="Picture 2">
+                <a:extLst>
+                  <a:ext uri="{FF2B5EF4-FFF2-40B4-BE49-F238E27FC236}">
+                    <a16:creationId xmlns:a16="http://schemas.microsoft.com/office/drawing/2014/main" id="{7056D49E-8A33-4FD7-956F-55EE06CE6397}"/>
+                  </a:ext>
+                </a:extLst>
+              </p:cNvPr>
+              <p:cNvPicPr>
+                <a:picLocks noChangeAspect="1" noChangeArrowheads="1"/>
+              </p:cNvPicPr>
+              <p:nvPr/>
+            </p:nvPicPr>
+            <p:blipFill>
+              <a:blip r:embed="rId7" cstate="screen">
+                <a:extLst>
+                  <a:ext uri="{28A0092B-C50C-407E-A947-70E740481C1C}">
+                    <a14:useLocalDpi xmlns:a14="http://schemas.microsoft.com/office/drawing/2010/main"/>
+                  </a:ext>
+                </a:extLst>
+              </a:blip>
+              <a:srcRect/>
+              <a:stretch>
+                <a:fillRect/>
+              </a:stretch>
+            </p:blipFill>
+            <p:spPr bwMode="auto">
+              <a:xfrm>
+                <a:off x="8097323" y="254000"/>
+                <a:ext cx="3929577" cy="6331644"/>
+              </a:xfrm>
+              <a:prstGeom prst="rect">
+                <a:avLst/>
+              </a:prstGeom>
+              <a:noFill/>
+              <a:extLst>
+                <a:ext uri="{909E8E84-426E-40DD-AFC4-6F175D3DCCD1}">
+                  <a14:hiddenFill xmlns:a14="http://schemas.microsoft.com/office/drawing/2010/main">
+                    <a:solidFill>
+                      <a:srgbClr val="FFFFFF"/>
+                    </a:solidFill>
+                  </a14:hiddenFill>
+                </a:ext>
+              </a:extLst>
+            </p:spPr>
+          </p:pic>
+          <p:pic>
+            <p:nvPicPr>
+              <p:cNvPr id="21" name="Picture 3">
+                <a:extLst>
+                  <a:ext uri="{FF2B5EF4-FFF2-40B4-BE49-F238E27FC236}">
+                    <a16:creationId xmlns:a16="http://schemas.microsoft.com/office/drawing/2014/main" id="{BC7EED43-6C5A-45A3-A462-F0202D947AA5}"/>
+                  </a:ext>
+                </a:extLst>
+              </p:cNvPr>
+              <p:cNvPicPr>
+                <a:picLocks noChangeAspect="1" noChangeArrowheads="1"/>
+              </p:cNvPicPr>
+              <p:nvPr/>
+            </p:nvPicPr>
+            <p:blipFill>
+              <a:blip r:embed="rId8" cstate="screen">
+                <a:extLst>
+                  <a:ext uri="{28A0092B-C50C-407E-A947-70E740481C1C}">
+                    <a14:useLocalDpi xmlns:a14="http://schemas.microsoft.com/office/drawing/2010/main"/>
+                  </a:ext>
+                </a:extLst>
+              </a:blip>
+              <a:srcRect/>
+              <a:stretch>
+                <a:fillRect/>
+              </a:stretch>
+            </p:blipFill>
+            <p:spPr bwMode="auto">
+              <a:xfrm>
+                <a:off x="648302" y="1679713"/>
+                <a:ext cx="7307066" cy="4859199"/>
+              </a:xfrm>
+              <a:prstGeom prst="rect">
+                <a:avLst/>
+              </a:prstGeom>
+              <a:noFill/>
+              <a:extLst>
+                <a:ext uri="{909E8E84-426E-40DD-AFC4-6F175D3DCCD1}">
+                  <a14:hiddenFill xmlns:a14="http://schemas.microsoft.com/office/drawing/2010/main">
+                    <a:solidFill>
+                      <a:srgbClr val="FFFFFF"/>
+                    </a:solidFill>
+                  </a14:hiddenFill>
+                </a:ext>
+              </a:extLst>
+            </p:spPr>
+          </p:pic>
+          <p:cxnSp>
+            <p:nvCxnSpPr>
+              <p:cNvPr id="22" name="직선 화살표 연결선 21">
+                <a:extLst>
+                  <a:ext uri="{FF2B5EF4-FFF2-40B4-BE49-F238E27FC236}">
+                    <a16:creationId xmlns:a16="http://schemas.microsoft.com/office/drawing/2014/main" id="{74D8E939-27FC-4668-BDE8-273713929A2B}"/>
+                  </a:ext>
+                </a:extLst>
+              </p:cNvPr>
+              <p:cNvCxnSpPr/>
+              <p:nvPr/>
+            </p:nvCxnSpPr>
+            <p:spPr>
+              <a:xfrm flipV="1">
+                <a:off x="5327374" y="3190461"/>
+                <a:ext cx="4224130" cy="2464904"/>
+              </a:xfrm>
+              <a:prstGeom prst="straightConnector1">
+                <a:avLst/>
+              </a:prstGeom>
+              <a:ln w="38100">
+                <a:solidFill>
+                  <a:srgbClr val="FF0000"/>
+                </a:solidFill>
+                <a:tailEnd type="triangle"/>
+              </a:ln>
+            </p:spPr>
+            <p:style>
+              <a:lnRef idx="1">
+                <a:schemeClr val="accent1"/>
+              </a:lnRef>
+              <a:fillRef idx="0">
+                <a:schemeClr val="accent1"/>
+              </a:fillRef>
+              <a:effectRef idx="0">
+                <a:schemeClr val="accent1"/>
+              </a:effectRef>
+              <a:fontRef idx="minor">
+                <a:schemeClr val="tx1"/>
+              </a:fontRef>
+            </p:style>
+          </p:cxnSp>
+          <p:cxnSp>
+            <p:nvCxnSpPr>
+              <p:cNvPr id="23" name="직선 화살표 연결선 22">
+                <a:extLst>
+                  <a:ext uri="{FF2B5EF4-FFF2-40B4-BE49-F238E27FC236}">
+                    <a16:creationId xmlns:a16="http://schemas.microsoft.com/office/drawing/2014/main" id="{32F65FFA-9635-4EA5-914C-96725F48867B}"/>
+                  </a:ext>
+                </a:extLst>
+              </p:cNvPr>
+              <p:cNvCxnSpPr>
+                <a:cxnSpLocks/>
+              </p:cNvCxnSpPr>
+              <p:nvPr/>
+            </p:nvCxnSpPr>
+            <p:spPr>
+              <a:xfrm flipV="1">
+                <a:off x="5327374" y="2892287"/>
+                <a:ext cx="4104861" cy="2962532"/>
+              </a:xfrm>
+              <a:prstGeom prst="straightConnector1">
+                <a:avLst/>
+              </a:prstGeom>
+              <a:ln w="38100">
+                <a:solidFill>
+                  <a:srgbClr val="FF0000"/>
+                </a:solidFill>
+                <a:tailEnd type="triangle"/>
+              </a:ln>
+            </p:spPr>
+            <p:style>
+              <a:lnRef idx="1">
+                <a:schemeClr val="accent1"/>
+              </a:lnRef>
+              <a:fillRef idx="0">
+                <a:schemeClr val="accent1"/>
+              </a:fillRef>
+              <a:effectRef idx="0">
+                <a:schemeClr val="accent1"/>
+              </a:effectRef>
+              <a:fontRef idx="minor">
+                <a:schemeClr val="tx1"/>
+              </a:fontRef>
+            </p:style>
+          </p:cxnSp>
+          <p:cxnSp>
+            <p:nvCxnSpPr>
+              <p:cNvPr id="24" name="직선 연결선 23">
+                <a:extLst>
+                  <a:ext uri="{FF2B5EF4-FFF2-40B4-BE49-F238E27FC236}">
+                    <a16:creationId xmlns:a16="http://schemas.microsoft.com/office/drawing/2014/main" id="{850D7721-3C8F-40FC-89BF-AD12EAAFE9DD}"/>
+                  </a:ext>
+                </a:extLst>
+              </p:cNvPr>
+              <p:cNvCxnSpPr/>
+              <p:nvPr/>
+            </p:nvCxnSpPr>
+            <p:spPr>
+              <a:xfrm>
+                <a:off x="648302" y="5774635"/>
+                <a:ext cx="4599559" cy="0"/>
+              </a:xfrm>
+              <a:prstGeom prst="line">
+                <a:avLst/>
+              </a:prstGeom>
+              <a:ln w="19050"/>
+            </p:spPr>
+            <p:style>
+              <a:lnRef idx="1">
+                <a:schemeClr val="accent1"/>
+              </a:lnRef>
+              <a:fillRef idx="0">
+                <a:schemeClr val="accent1"/>
+              </a:fillRef>
+              <a:effectRef idx="0">
+                <a:schemeClr val="accent1"/>
+              </a:effectRef>
+              <a:fontRef idx="minor">
+                <a:schemeClr val="tx1"/>
+              </a:fontRef>
+            </p:style>
+          </p:cxnSp>
+          <p:cxnSp>
+            <p:nvCxnSpPr>
+              <p:cNvPr id="25" name="직선 연결선 24">
+                <a:extLst>
+                  <a:ext uri="{FF2B5EF4-FFF2-40B4-BE49-F238E27FC236}">
+                    <a16:creationId xmlns:a16="http://schemas.microsoft.com/office/drawing/2014/main" id="{06B25DF1-334D-4841-B6F7-02A4430C2EAF}"/>
+                  </a:ext>
+                </a:extLst>
+              </p:cNvPr>
+              <p:cNvCxnSpPr/>
+              <p:nvPr/>
+            </p:nvCxnSpPr>
+            <p:spPr>
+              <a:xfrm>
+                <a:off x="727815" y="5936974"/>
+                <a:ext cx="4599559" cy="0"/>
+              </a:xfrm>
+              <a:prstGeom prst="line">
+                <a:avLst/>
+              </a:prstGeom>
+              <a:ln w="19050"/>
+            </p:spPr>
+            <p:style>
+              <a:lnRef idx="1">
+                <a:schemeClr val="accent1"/>
+              </a:lnRef>
+              <a:fillRef idx="0">
+                <a:schemeClr val="accent1"/>
+              </a:fillRef>
+              <a:effectRef idx="0">
+                <a:schemeClr val="accent1"/>
+              </a:effectRef>
+              <a:fontRef idx="minor">
+                <a:schemeClr val="tx1"/>
+              </a:fontRef>
+            </p:style>
+          </p:cxnSp>
+        </p:grpSp>
+      </p:grpSp>
+    </p:spTree>
+    <p:extLst>
+      <p:ext uri="{BB962C8B-B14F-4D97-AF65-F5344CB8AC3E}">
+        <p14:creationId xmlns:p14="http://schemas.microsoft.com/office/powerpoint/2010/main" val="2185899302"/>
+      </p:ext>
+    </p:extLst>
+  </p:cSld>
+  <p:clrMapOvr>
+    <a:masterClrMapping/>
+  </p:clrMapOvr>
+</p:sld>
+</file>
+
+<file path=ppt/slides/slide11.xml><?xml version="1.0" encoding="utf-8"?>
+<p:sld xmlns:a="http://schemas.openxmlformats.org/drawingml/2006/main" xmlns:r="http://schemas.openxmlformats.org/officeDocument/2006/relationships" xmlns:p="http://schemas.openxmlformats.org/presentationml/2006/main">
+  <p:cSld>
+    <p:spTree>
+      <p:nvGrpSpPr>
+        <p:cNvPr id="1" name=""/>
+        <p:cNvGrpSpPr/>
+        <p:nvPr/>
+      </p:nvGrpSpPr>
+      <p:grpSpPr>
+        <a:xfrm>
+          <a:off x="0" y="0"/>
+          <a:ext cx="0" cy="0"/>
+          <a:chOff x="0" y="0"/>
+          <a:chExt cx="0" cy="0"/>
+        </a:xfrm>
+      </p:grpSpPr>
+      <p:grpSp>
+        <p:nvGrpSpPr>
+          <p:cNvPr id="3" name="그룹 2">
+            <a:extLst>
+              <a:ext uri="{FF2B5EF4-FFF2-40B4-BE49-F238E27FC236}">
+                <a16:creationId xmlns:a16="http://schemas.microsoft.com/office/drawing/2014/main" id="{CBC151D6-2447-457E-B66A-57B7D0EFB8C0}"/>
+              </a:ext>
+            </a:extLst>
+          </p:cNvPr>
+          <p:cNvGrpSpPr/>
+          <p:nvPr/>
+        </p:nvGrpSpPr>
+        <p:grpSpPr>
+          <a:xfrm>
+            <a:off x="1600957" y="775840"/>
+            <a:ext cx="8990085" cy="5306320"/>
+            <a:chOff x="1576962" y="1406058"/>
+            <a:chExt cx="8990085" cy="5306320"/>
+          </a:xfrm>
+        </p:grpSpPr>
+        <p:grpSp>
+          <p:nvGrpSpPr>
+            <p:cNvPr id="27" name="그룹 26">
+              <a:extLst>
+                <a:ext uri="{FF2B5EF4-FFF2-40B4-BE49-F238E27FC236}">
+                  <a16:creationId xmlns:a16="http://schemas.microsoft.com/office/drawing/2014/main" id="{41683FC1-B2D5-4E24-AA79-EEADD9CF9F2F}"/>
+                </a:ext>
+              </a:extLst>
+            </p:cNvPr>
+            <p:cNvGrpSpPr/>
+            <p:nvPr/>
+          </p:nvGrpSpPr>
+          <p:grpSpPr>
+            <a:xfrm>
+              <a:off x="1624955" y="1406058"/>
+              <a:ext cx="3803650" cy="4425031"/>
+              <a:chOff x="441626" y="1143489"/>
+              <a:chExt cx="3803650" cy="4425031"/>
+            </a:xfrm>
+          </p:grpSpPr>
+          <p:grpSp>
+            <p:nvGrpSpPr>
+              <p:cNvPr id="28" name="그룹 27">
+                <a:extLst>
+                  <a:ext uri="{FF2B5EF4-FFF2-40B4-BE49-F238E27FC236}">
+                    <a16:creationId xmlns:a16="http://schemas.microsoft.com/office/drawing/2014/main" id="{F02358F3-E1DB-47D8-A3DE-813333684243}"/>
+                  </a:ext>
+                </a:extLst>
+              </p:cNvPr>
+              <p:cNvGrpSpPr/>
+              <p:nvPr/>
+            </p:nvGrpSpPr>
+            <p:grpSpPr>
+              <a:xfrm>
+                <a:off x="648301" y="1752600"/>
+                <a:ext cx="3409650" cy="3815920"/>
+                <a:chOff x="1143601" y="2514600"/>
+                <a:chExt cx="2991750" cy="3365594"/>
+              </a:xfrm>
+            </p:grpSpPr>
+            <p:pic>
+              <p:nvPicPr>
+                <p:cNvPr id="39" name="그래픽 38" descr="서버 윤곽선">
+                  <a:extLst>
+                    <a:ext uri="{FF2B5EF4-FFF2-40B4-BE49-F238E27FC236}">
+                      <a16:creationId xmlns:a16="http://schemas.microsoft.com/office/drawing/2014/main" id="{1D3F0205-C2E7-46A7-9C09-8CA7AD7ABAF3}"/>
+                    </a:ext>
+                  </a:extLst>
+                </p:cNvPr>
+                <p:cNvPicPr>
+                  <a:picLocks noChangeAspect="1"/>
+                </p:cNvPicPr>
+                <p:nvPr/>
+              </p:nvPicPr>
+              <p:blipFill>
+                <a:blip r:embed="rId2">
+                  <a:extLst>
+                    <a:ext uri="{28A0092B-C50C-407E-A947-70E740481C1C}">
+                      <a14:useLocalDpi xmlns:a14="http://schemas.microsoft.com/office/drawing/2010/main"/>
+                    </a:ext>
+                    <a:ext uri="{96DAC541-7B7A-43D3-8B79-37D633B846F1}">
+                      <asvg:svgBlip xmlns:asvg="http://schemas.microsoft.com/office/drawing/2016/SVG/main" r:embed="rId3"/>
+                    </a:ext>
+                  </a:extLst>
+                </a:blip>
+                <a:stretch>
+                  <a:fillRect/>
+                </a:stretch>
+              </p:blipFill>
+              <p:spPr>
+                <a:xfrm>
+                  <a:off x="1397000" y="2514600"/>
+                  <a:ext cx="914400" cy="914400"/>
+                </a:xfrm>
+                <a:prstGeom prst="rect">
+                  <a:avLst/>
+                </a:prstGeom>
+              </p:spPr>
+            </p:pic>
+            <p:sp>
+              <p:nvSpPr>
+                <p:cNvPr id="40" name="TextBox 39">
+                  <a:extLst>
+                    <a:ext uri="{FF2B5EF4-FFF2-40B4-BE49-F238E27FC236}">
+                      <a16:creationId xmlns:a16="http://schemas.microsoft.com/office/drawing/2014/main" id="{10A239D0-206A-4322-B18A-2CEE58130D9D}"/>
+                    </a:ext>
+                  </a:extLst>
+                </p:cNvPr>
+                <p:cNvSpPr txBox="1"/>
+                <p:nvPr/>
+              </p:nvSpPr>
+              <p:spPr>
+                <a:xfrm>
+                  <a:off x="1143602" y="3294568"/>
+                  <a:ext cx="1421195" cy="515526"/>
+                </a:xfrm>
+                <a:prstGeom prst="rect">
+                  <a:avLst/>
+                </a:prstGeom>
+                <a:noFill/>
+              </p:spPr>
+              <p:txBody>
+                <a:bodyPr wrap="square">
+                  <a:spAutoFit/>
+                </a:bodyPr>
+                <a:lstStyle/>
+                <a:p>
+                  <a:pPr algn="ctr">
+                    <a:lnSpc>
+                      <a:spcPct val="150000"/>
+                    </a:lnSpc>
+                  </a:pPr>
+                  <a:r>
+                    <a:rPr lang="en-US" altLang="ko-KR" sz="2000" dirty="0">
+                      <a:solidFill>
+                        <a:srgbClr val="595959"/>
+                      </a:solidFill>
+                      <a:latin typeface="G마켓 산스 TTF Medium" panose="02000000000000000000" pitchFamily="2" charset="-127"/>
+                      <a:ea typeface="G마켓 산스 TTF Medium" panose="02000000000000000000" pitchFamily="2" charset="-127"/>
+                    </a:rPr>
+                    <a:t>Server 1</a:t>
+                  </a:r>
+                  <a:endParaRPr lang="ko-KR" altLang="en-US" sz="2000" dirty="0">
+                    <a:solidFill>
+                      <a:srgbClr val="595959"/>
+                    </a:solidFill>
+                    <a:latin typeface="G마켓 산스 TTF Medium" panose="02000000000000000000" pitchFamily="2" charset="-127"/>
+                    <a:ea typeface="G마켓 산스 TTF Medium" panose="02000000000000000000" pitchFamily="2" charset="-127"/>
+                  </a:endParaRPr>
+                </a:p>
+              </p:txBody>
+            </p:sp>
+            <p:pic>
+              <p:nvPicPr>
+                <p:cNvPr id="41" name="그래픽 40" descr="서버 윤곽선">
+                  <a:extLst>
+                    <a:ext uri="{FF2B5EF4-FFF2-40B4-BE49-F238E27FC236}">
+                      <a16:creationId xmlns:a16="http://schemas.microsoft.com/office/drawing/2014/main" id="{10E1EC2E-D9C0-40B4-90C8-FE277FBF8A11}"/>
+                    </a:ext>
+                  </a:extLst>
+                </p:cNvPr>
+                <p:cNvPicPr>
+                  <a:picLocks noChangeAspect="1"/>
+                </p:cNvPicPr>
+                <p:nvPr/>
+              </p:nvPicPr>
+              <p:blipFill>
+                <a:blip r:embed="rId2">
+                  <a:extLst>
+                    <a:ext uri="{28A0092B-C50C-407E-A947-70E740481C1C}">
+                      <a14:useLocalDpi xmlns:a14="http://schemas.microsoft.com/office/drawing/2010/main"/>
+                    </a:ext>
+                    <a:ext uri="{96DAC541-7B7A-43D3-8B79-37D633B846F1}">
+                      <asvg:svgBlip xmlns:asvg="http://schemas.microsoft.com/office/drawing/2016/SVG/main" r:embed="rId3"/>
+                    </a:ext>
+                  </a:extLst>
+                </a:blip>
+                <a:stretch>
+                  <a:fillRect/>
+                </a:stretch>
+              </p:blipFill>
+              <p:spPr>
+                <a:xfrm>
+                  <a:off x="2950574" y="2514600"/>
+                  <a:ext cx="914400" cy="914400"/>
+                </a:xfrm>
+                <a:prstGeom prst="rect">
+                  <a:avLst/>
+                </a:prstGeom>
+              </p:spPr>
+            </p:pic>
+            <p:sp>
+              <p:nvSpPr>
+                <p:cNvPr id="42" name="TextBox 41">
+                  <a:extLst>
+                    <a:ext uri="{FF2B5EF4-FFF2-40B4-BE49-F238E27FC236}">
+                      <a16:creationId xmlns:a16="http://schemas.microsoft.com/office/drawing/2014/main" id="{79A73DD6-58D0-40F3-8A7B-021D49F8863B}"/>
+                    </a:ext>
+                  </a:extLst>
+                </p:cNvPr>
+                <p:cNvSpPr txBox="1"/>
+                <p:nvPr/>
+              </p:nvSpPr>
+              <p:spPr>
+                <a:xfrm>
+                  <a:off x="2697177" y="3294568"/>
+                  <a:ext cx="1421195" cy="515526"/>
+                </a:xfrm>
+                <a:prstGeom prst="rect">
+                  <a:avLst/>
+                </a:prstGeom>
+                <a:noFill/>
+              </p:spPr>
+              <p:txBody>
+                <a:bodyPr wrap="square">
+                  <a:spAutoFit/>
+                </a:bodyPr>
+                <a:lstStyle/>
+                <a:p>
+                  <a:pPr algn="ctr">
+                    <a:lnSpc>
+                      <a:spcPct val="150000"/>
+                    </a:lnSpc>
+                  </a:pPr>
+                  <a:r>
+                    <a:rPr lang="en-US" altLang="ko-KR" sz="2000" dirty="0">
+                      <a:solidFill>
+                        <a:srgbClr val="595959"/>
+                      </a:solidFill>
+                      <a:latin typeface="G마켓 산스 TTF Medium" panose="02000000000000000000" pitchFamily="2" charset="-127"/>
+                      <a:ea typeface="G마켓 산스 TTF Medium" panose="02000000000000000000" pitchFamily="2" charset="-127"/>
+                    </a:rPr>
+                    <a:t>Server 2</a:t>
+                  </a:r>
+                  <a:endParaRPr lang="ko-KR" altLang="en-US" sz="2000" dirty="0">
+                    <a:solidFill>
+                      <a:srgbClr val="595959"/>
+                    </a:solidFill>
+                    <a:latin typeface="G마켓 산스 TTF Medium" panose="02000000000000000000" pitchFamily="2" charset="-127"/>
+                    <a:ea typeface="G마켓 산스 TTF Medium" panose="02000000000000000000" pitchFamily="2" charset="-127"/>
+                  </a:endParaRPr>
+                </a:p>
+              </p:txBody>
+            </p:sp>
+            <p:sp>
+              <p:nvSpPr>
+                <p:cNvPr id="43" name="사각형: 둥근 모서리 42">
+                  <a:extLst>
+                    <a:ext uri="{FF2B5EF4-FFF2-40B4-BE49-F238E27FC236}">
+                      <a16:creationId xmlns:a16="http://schemas.microsoft.com/office/drawing/2014/main" id="{B0DE1640-9DB9-4F38-BEBD-7C838E9BB443}"/>
+                    </a:ext>
+                  </a:extLst>
+                </p:cNvPr>
+                <p:cNvSpPr/>
+                <p:nvPr/>
+              </p:nvSpPr>
+              <p:spPr>
+                <a:xfrm>
+                  <a:off x="1143601" y="3810094"/>
+                  <a:ext cx="1421195" cy="2070100"/>
+                </a:xfrm>
+                <a:prstGeom prst="roundRect">
+                  <a:avLst/>
+                </a:prstGeom>
+                <a:solidFill>
+                  <a:srgbClr val="E7E8E2"/>
+                </a:solidFill>
+                <a:ln>
+                  <a:noFill/>
+                </a:ln>
+              </p:spPr>
+              <p:style>
+                <a:lnRef idx="2">
+                  <a:schemeClr val="accent1">
+                    <a:shade val="50000"/>
+                  </a:schemeClr>
+                </a:lnRef>
+                <a:fillRef idx="1">
+                  <a:schemeClr val="accent1"/>
+                </a:fillRef>
+                <a:effectRef idx="0">
+                  <a:schemeClr val="accent1"/>
+                </a:effectRef>
+                <a:fontRef idx="minor">
+                  <a:schemeClr val="lt1"/>
+                </a:fontRef>
+              </p:style>
+              <p:txBody>
+                <a:bodyPr rtlCol="0" anchor="ctr"/>
+                <a:lstStyle/>
+                <a:p>
+                  <a:pPr algn="ctr"/>
+                  <a:endParaRPr lang="ko-KR" altLang="en-US"/>
+                </a:p>
+              </p:txBody>
+            </p:sp>
+            <p:sp>
+              <p:nvSpPr>
+                <p:cNvPr id="44" name="사각형: 둥근 모서리 43">
+                  <a:extLst>
+                    <a:ext uri="{FF2B5EF4-FFF2-40B4-BE49-F238E27FC236}">
+                      <a16:creationId xmlns:a16="http://schemas.microsoft.com/office/drawing/2014/main" id="{C4E81EFB-1001-4A9A-9682-3FA8262D8DAA}"/>
+                    </a:ext>
+                  </a:extLst>
+                </p:cNvPr>
+                <p:cNvSpPr/>
+                <p:nvPr/>
+              </p:nvSpPr>
+              <p:spPr>
+                <a:xfrm>
+                  <a:off x="2714156" y="3799591"/>
+                  <a:ext cx="1421195" cy="2070100"/>
+                </a:xfrm>
+                <a:prstGeom prst="roundRect">
+                  <a:avLst/>
+                </a:prstGeom>
+                <a:solidFill>
+                  <a:srgbClr val="E7E8E2"/>
+                </a:solidFill>
+                <a:ln>
+                  <a:noFill/>
+                </a:ln>
+              </p:spPr>
+              <p:style>
+                <a:lnRef idx="2">
+                  <a:schemeClr val="accent1">
+                    <a:shade val="50000"/>
+                  </a:schemeClr>
+                </a:lnRef>
+                <a:fillRef idx="1">
+                  <a:schemeClr val="accent1"/>
+                </a:fillRef>
+                <a:effectRef idx="0">
+                  <a:schemeClr val="accent1"/>
+                </a:effectRef>
+                <a:fontRef idx="minor">
+                  <a:schemeClr val="lt1"/>
+                </a:fontRef>
+              </p:style>
+              <p:txBody>
+                <a:bodyPr rtlCol="0" anchor="ctr"/>
+                <a:lstStyle/>
+                <a:p>
+                  <a:pPr algn="ctr"/>
+                  <a:endParaRPr lang="ko-KR" altLang="en-US"/>
+                </a:p>
+              </p:txBody>
+            </p:sp>
+          </p:grpSp>
+          <p:cxnSp>
+            <p:nvCxnSpPr>
+              <p:cNvPr id="29" name="직선 연결선 28">
+                <a:extLst>
+                  <a:ext uri="{FF2B5EF4-FFF2-40B4-BE49-F238E27FC236}">
+                    <a16:creationId xmlns:a16="http://schemas.microsoft.com/office/drawing/2014/main" id="{684B2AF8-480F-42BA-9F7E-46FADD14E331}"/>
+                  </a:ext>
+                </a:extLst>
+              </p:cNvPr>
+              <p:cNvCxnSpPr>
+                <a:stCxn id="39" idx="3"/>
+                <a:endCxn id="41" idx="1"/>
+              </p:cNvCxnSpPr>
+              <p:nvPr/>
+            </p:nvCxnSpPr>
+            <p:spPr>
+              <a:xfrm>
+                <a:off x="1979223" y="2270975"/>
+                <a:ext cx="728456" cy="0"/>
+              </a:xfrm>
+              <a:prstGeom prst="line">
+                <a:avLst/>
+              </a:prstGeom>
+              <a:ln w="28575">
+                <a:solidFill>
+                  <a:schemeClr val="tx1"/>
+                </a:solidFill>
+                <a:prstDash val="sysDash"/>
+              </a:ln>
+            </p:spPr>
+            <p:style>
+              <a:lnRef idx="1">
+                <a:schemeClr val="accent1"/>
+              </a:lnRef>
+              <a:fillRef idx="0">
+                <a:schemeClr val="accent1"/>
+              </a:fillRef>
+              <a:effectRef idx="0">
+                <a:schemeClr val="accent1"/>
+              </a:effectRef>
+              <a:fontRef idx="minor">
+                <a:schemeClr val="tx1"/>
+              </a:fontRef>
+            </p:style>
+          </p:cxnSp>
+          <p:sp>
+            <p:nvSpPr>
+              <p:cNvPr id="30" name="사각형: 둥근 모서리 29">
+                <a:extLst>
+                  <a:ext uri="{FF2B5EF4-FFF2-40B4-BE49-F238E27FC236}">
+                    <a16:creationId xmlns:a16="http://schemas.microsoft.com/office/drawing/2014/main" id="{1AE21D0A-07CF-410C-8AFF-C71263D795CF}"/>
+                  </a:ext>
+                </a:extLst>
+              </p:cNvPr>
+              <p:cNvSpPr/>
+              <p:nvPr/>
+            </p:nvSpPr>
+            <p:spPr>
+              <a:xfrm>
+                <a:off x="710600" y="3429000"/>
+                <a:ext cx="1484993" cy="376940"/>
+              </a:xfrm>
+              <a:prstGeom prst="roundRect">
+                <a:avLst/>
+              </a:prstGeom>
+              <a:solidFill>
+                <a:srgbClr val="5A7D59"/>
+              </a:solidFill>
+              <a:ln>
+                <a:noFill/>
+              </a:ln>
+            </p:spPr>
+            <p:style>
+              <a:lnRef idx="2">
+                <a:schemeClr val="accent1">
+                  <a:shade val="50000"/>
+                </a:schemeClr>
+              </a:lnRef>
+              <a:fillRef idx="1">
+                <a:schemeClr val="accent1"/>
+              </a:fillRef>
+              <a:effectRef idx="0">
+                <a:schemeClr val="accent1"/>
+              </a:effectRef>
+              <a:fontRef idx="minor">
+                <a:schemeClr val="lt1"/>
+              </a:fontRef>
+            </p:style>
+            <p:txBody>
+              <a:bodyPr rtlCol="0" anchor="ctr"/>
+              <a:lstStyle/>
+              <a:p>
+                <a:pPr algn="ctr"/>
+                <a:r>
+                  <a:rPr lang="en-US" altLang="ko-KR" dirty="0"/>
+                  <a:t>app1.func3</a:t>
+                </a:r>
+                <a:endParaRPr lang="ko-KR" altLang="en-US" dirty="0"/>
+              </a:p>
+            </p:txBody>
+          </p:sp>
+          <p:sp>
+            <p:nvSpPr>
+              <p:cNvPr id="31" name="사각형: 둥근 모서리 30">
+                <a:extLst>
+                  <a:ext uri="{FF2B5EF4-FFF2-40B4-BE49-F238E27FC236}">
+                    <a16:creationId xmlns:a16="http://schemas.microsoft.com/office/drawing/2014/main" id="{3474C0B2-2227-4C95-B697-3D57EE0B3B19}"/>
+                  </a:ext>
+                </a:extLst>
+              </p:cNvPr>
+              <p:cNvSpPr/>
+              <p:nvPr/>
+            </p:nvSpPr>
+            <p:spPr>
+              <a:xfrm>
+                <a:off x="710599" y="3867972"/>
+                <a:ext cx="1484993" cy="376940"/>
+              </a:xfrm>
+              <a:prstGeom prst="roundRect">
+                <a:avLst/>
+              </a:prstGeom>
+              <a:solidFill>
+                <a:srgbClr val="5A7D59"/>
+              </a:solidFill>
+              <a:ln>
+                <a:noFill/>
+              </a:ln>
+            </p:spPr>
+            <p:style>
+              <a:lnRef idx="2">
+                <a:schemeClr val="accent1">
+                  <a:shade val="50000"/>
+                </a:schemeClr>
+              </a:lnRef>
+              <a:fillRef idx="1">
+                <a:schemeClr val="accent1"/>
+              </a:fillRef>
+              <a:effectRef idx="0">
+                <a:schemeClr val="accent1"/>
+              </a:effectRef>
+              <a:fontRef idx="minor">
+                <a:schemeClr val="lt1"/>
+              </a:fontRef>
+            </p:style>
+            <p:txBody>
+              <a:bodyPr rtlCol="0" anchor="ctr"/>
+              <a:lstStyle/>
+              <a:p>
+                <a:pPr algn="ctr"/>
+                <a:r>
+                  <a:rPr lang="en-US" altLang="ko-KR" dirty="0"/>
+                  <a:t>app3.func8</a:t>
+                </a:r>
+                <a:endParaRPr lang="ko-KR" altLang="en-US" dirty="0"/>
+              </a:p>
+            </p:txBody>
+          </p:sp>
+          <p:sp>
+            <p:nvSpPr>
+              <p:cNvPr id="32" name="사각형: 둥근 모서리 31">
+                <a:extLst>
+                  <a:ext uri="{FF2B5EF4-FFF2-40B4-BE49-F238E27FC236}">
+                    <a16:creationId xmlns:a16="http://schemas.microsoft.com/office/drawing/2014/main" id="{9D0EBEBC-4BEF-45C3-A5AA-3F89681B776F}"/>
+                  </a:ext>
+                </a:extLst>
+              </p:cNvPr>
+              <p:cNvSpPr/>
+              <p:nvPr/>
+            </p:nvSpPr>
+            <p:spPr>
+              <a:xfrm>
+                <a:off x="710598" y="4316630"/>
+                <a:ext cx="1484993" cy="376940"/>
+              </a:xfrm>
+              <a:prstGeom prst="roundRect">
+                <a:avLst/>
+              </a:prstGeom>
+              <a:solidFill>
+                <a:srgbClr val="5A7D59"/>
+              </a:solidFill>
+              <a:ln>
+                <a:noFill/>
+              </a:ln>
+            </p:spPr>
+            <p:style>
+              <a:lnRef idx="2">
+                <a:schemeClr val="accent1">
+                  <a:shade val="50000"/>
+                </a:schemeClr>
+              </a:lnRef>
+              <a:fillRef idx="1">
+                <a:schemeClr val="accent1"/>
+              </a:fillRef>
+              <a:effectRef idx="0">
+                <a:schemeClr val="accent1"/>
+              </a:effectRef>
+              <a:fontRef idx="minor">
+                <a:schemeClr val="lt1"/>
+              </a:fontRef>
+            </p:style>
+            <p:txBody>
+              <a:bodyPr rtlCol="0" anchor="ctr"/>
+              <a:lstStyle/>
+              <a:p>
+                <a:pPr algn="ctr"/>
+                <a:r>
+                  <a:rPr lang="en-US" altLang="ko-KR" dirty="0"/>
+                  <a:t>app2.func4</a:t>
+                </a:r>
+                <a:endParaRPr lang="ko-KR" altLang="en-US" dirty="0"/>
+              </a:p>
+            </p:txBody>
+          </p:sp>
+          <p:sp>
+            <p:nvSpPr>
+              <p:cNvPr id="33" name="사각형: 둥근 모서리 32">
+                <a:extLst>
+                  <a:ext uri="{FF2B5EF4-FFF2-40B4-BE49-F238E27FC236}">
+                    <a16:creationId xmlns:a16="http://schemas.microsoft.com/office/drawing/2014/main" id="{DA7CEA43-FB4B-41C3-977A-AC099D03290F}"/>
+                  </a:ext>
+                </a:extLst>
+              </p:cNvPr>
+              <p:cNvSpPr/>
+              <p:nvPr/>
+            </p:nvSpPr>
+            <p:spPr>
+              <a:xfrm>
+                <a:off x="710598" y="4765289"/>
+                <a:ext cx="1484993" cy="376940"/>
+              </a:xfrm>
+              <a:prstGeom prst="roundRect">
+                <a:avLst/>
+              </a:prstGeom>
+              <a:solidFill>
+                <a:srgbClr val="5A7D59"/>
+              </a:solidFill>
+              <a:ln>
+                <a:noFill/>
+              </a:ln>
+            </p:spPr>
+            <p:style>
+              <a:lnRef idx="2">
+                <a:schemeClr val="accent1">
+                  <a:shade val="50000"/>
+                </a:schemeClr>
+              </a:lnRef>
+              <a:fillRef idx="1">
+                <a:schemeClr val="accent1"/>
+              </a:fillRef>
+              <a:effectRef idx="0">
+                <a:schemeClr val="accent1"/>
+              </a:effectRef>
+              <a:fontRef idx="minor">
+                <a:schemeClr val="lt1"/>
+              </a:fontRef>
+            </p:style>
+            <p:txBody>
+              <a:bodyPr rtlCol="0" anchor="ctr"/>
+              <a:lstStyle/>
+              <a:p>
+                <a:pPr algn="ctr"/>
+                <a:r>
+                  <a:rPr lang="en-US" altLang="ko-KR" dirty="0"/>
+                  <a:t>app4.func1</a:t>
+                </a:r>
+                <a:endParaRPr lang="ko-KR" altLang="en-US" dirty="0"/>
+              </a:p>
+            </p:txBody>
+          </p:sp>
+          <p:sp>
+            <p:nvSpPr>
+              <p:cNvPr id="34" name="사각형: 둥근 모서리 33">
+                <a:extLst>
+                  <a:ext uri="{FF2B5EF4-FFF2-40B4-BE49-F238E27FC236}">
+                    <a16:creationId xmlns:a16="http://schemas.microsoft.com/office/drawing/2014/main" id="{13E6B033-F4AC-4C13-8114-8AEFBD1B19B6}"/>
+                  </a:ext>
+                </a:extLst>
+              </p:cNvPr>
+              <p:cNvSpPr/>
+              <p:nvPr/>
+            </p:nvSpPr>
+            <p:spPr>
+              <a:xfrm>
+                <a:off x="2500538" y="3429000"/>
+                <a:ext cx="1484993" cy="376940"/>
+              </a:xfrm>
+              <a:prstGeom prst="roundRect">
+                <a:avLst/>
+              </a:prstGeom>
+              <a:solidFill>
+                <a:srgbClr val="5A7D59"/>
+              </a:solidFill>
+              <a:ln>
+                <a:noFill/>
+              </a:ln>
+            </p:spPr>
+            <p:style>
+              <a:lnRef idx="2">
+                <a:schemeClr val="accent1">
+                  <a:shade val="50000"/>
+                </a:schemeClr>
+              </a:lnRef>
+              <a:fillRef idx="1">
+                <a:schemeClr val="accent1"/>
+              </a:fillRef>
+              <a:effectRef idx="0">
+                <a:schemeClr val="accent1"/>
+              </a:effectRef>
+              <a:fontRef idx="minor">
+                <a:schemeClr val="lt1"/>
+              </a:fontRef>
+            </p:style>
+            <p:txBody>
+              <a:bodyPr rtlCol="0" anchor="ctr"/>
+              <a:lstStyle/>
+              <a:p>
+                <a:pPr algn="ctr"/>
+                <a:r>
+                  <a:rPr lang="en-US" altLang="ko-KR" dirty="0"/>
+                  <a:t>app2.func5</a:t>
+                </a:r>
+                <a:endParaRPr lang="ko-KR" altLang="en-US" dirty="0"/>
+              </a:p>
+            </p:txBody>
+          </p:sp>
+          <p:sp>
+            <p:nvSpPr>
+              <p:cNvPr id="35" name="사각형: 둥근 모서리 34">
+                <a:extLst>
+                  <a:ext uri="{FF2B5EF4-FFF2-40B4-BE49-F238E27FC236}">
+                    <a16:creationId xmlns:a16="http://schemas.microsoft.com/office/drawing/2014/main" id="{75947141-E577-467D-95DD-5ABBF1DD8326}"/>
+                  </a:ext>
+                </a:extLst>
+              </p:cNvPr>
+              <p:cNvSpPr/>
+              <p:nvPr/>
+            </p:nvSpPr>
+            <p:spPr>
+              <a:xfrm>
+                <a:off x="2500537" y="3867972"/>
+                <a:ext cx="1484993" cy="376940"/>
+              </a:xfrm>
+              <a:prstGeom prst="roundRect">
+                <a:avLst/>
+              </a:prstGeom>
+              <a:solidFill>
+                <a:srgbClr val="5A7D59"/>
+              </a:solidFill>
+              <a:ln>
+                <a:noFill/>
+              </a:ln>
+            </p:spPr>
+            <p:style>
+              <a:lnRef idx="2">
+                <a:schemeClr val="accent1">
+                  <a:shade val="50000"/>
+                </a:schemeClr>
+              </a:lnRef>
+              <a:fillRef idx="1">
+                <a:schemeClr val="accent1"/>
+              </a:fillRef>
+              <a:effectRef idx="0">
+                <a:schemeClr val="accent1"/>
+              </a:effectRef>
+              <a:fontRef idx="minor">
+                <a:schemeClr val="lt1"/>
+              </a:fontRef>
+            </p:style>
+            <p:txBody>
+              <a:bodyPr rtlCol="0" anchor="ctr"/>
+              <a:lstStyle/>
+              <a:p>
+                <a:pPr algn="ctr"/>
+                <a:r>
+                  <a:rPr lang="en-US" altLang="ko-KR" dirty="0"/>
+                  <a:t>app3.func7</a:t>
+                </a:r>
+                <a:endParaRPr lang="ko-KR" altLang="en-US" dirty="0"/>
+              </a:p>
+            </p:txBody>
+          </p:sp>
+          <p:sp>
+            <p:nvSpPr>
+              <p:cNvPr id="36" name="사각형: 둥근 모서리 35">
+                <a:extLst>
+                  <a:ext uri="{FF2B5EF4-FFF2-40B4-BE49-F238E27FC236}">
+                    <a16:creationId xmlns:a16="http://schemas.microsoft.com/office/drawing/2014/main" id="{44EFEF58-09E5-421F-8DC9-2FBEC9423DDB}"/>
+                  </a:ext>
+                </a:extLst>
+              </p:cNvPr>
+              <p:cNvSpPr/>
+              <p:nvPr/>
+            </p:nvSpPr>
+            <p:spPr>
+              <a:xfrm>
+                <a:off x="2500536" y="4316630"/>
+                <a:ext cx="1484993" cy="376940"/>
+              </a:xfrm>
+              <a:prstGeom prst="roundRect">
+                <a:avLst/>
+              </a:prstGeom>
+              <a:solidFill>
+                <a:srgbClr val="5A7D59"/>
+              </a:solidFill>
+              <a:ln>
+                <a:noFill/>
+              </a:ln>
+            </p:spPr>
+            <p:style>
+              <a:lnRef idx="2">
+                <a:schemeClr val="accent1">
+                  <a:shade val="50000"/>
+                </a:schemeClr>
+              </a:lnRef>
+              <a:fillRef idx="1">
+                <a:schemeClr val="accent1"/>
+              </a:fillRef>
+              <a:effectRef idx="0">
+                <a:schemeClr val="accent1"/>
+              </a:effectRef>
+              <a:fontRef idx="minor">
+                <a:schemeClr val="lt1"/>
+              </a:fontRef>
+            </p:style>
+            <p:txBody>
+              <a:bodyPr rtlCol="0" anchor="ctr"/>
+              <a:lstStyle/>
+              <a:p>
+                <a:pPr algn="ctr"/>
+                <a:r>
+                  <a:rPr lang="en-US" altLang="ko-KR" dirty="0"/>
+                  <a:t>app1.func3</a:t>
+                </a:r>
+                <a:endParaRPr lang="ko-KR" altLang="en-US" dirty="0"/>
+              </a:p>
+            </p:txBody>
+          </p:sp>
+          <p:sp>
+            <p:nvSpPr>
+              <p:cNvPr id="37" name="사각형: 둥근 모서리 36">
+                <a:extLst>
+                  <a:ext uri="{FF2B5EF4-FFF2-40B4-BE49-F238E27FC236}">
+                    <a16:creationId xmlns:a16="http://schemas.microsoft.com/office/drawing/2014/main" id="{2FACCEBC-89CB-42A3-9230-51BF9437F021}"/>
+                  </a:ext>
+                </a:extLst>
+              </p:cNvPr>
+              <p:cNvSpPr/>
+              <p:nvPr/>
+            </p:nvSpPr>
+            <p:spPr>
+              <a:xfrm>
+                <a:off x="2500536" y="4765289"/>
+                <a:ext cx="1484993" cy="376940"/>
+              </a:xfrm>
+              <a:prstGeom prst="roundRect">
+                <a:avLst/>
+              </a:prstGeom>
+              <a:solidFill>
+                <a:srgbClr val="5A7D59"/>
+              </a:solidFill>
+              <a:ln>
+                <a:noFill/>
+              </a:ln>
+            </p:spPr>
+            <p:style>
+              <a:lnRef idx="2">
+                <a:schemeClr val="accent1">
+                  <a:shade val="50000"/>
+                </a:schemeClr>
+              </a:lnRef>
+              <a:fillRef idx="1">
+                <a:schemeClr val="accent1"/>
+              </a:fillRef>
+              <a:effectRef idx="0">
+                <a:schemeClr val="accent1"/>
+              </a:effectRef>
+              <a:fontRef idx="minor">
+                <a:schemeClr val="lt1"/>
+              </a:fontRef>
+            </p:style>
+            <p:txBody>
+              <a:bodyPr rtlCol="0" anchor="ctr"/>
+              <a:lstStyle/>
+              <a:p>
+                <a:pPr algn="ctr"/>
+                <a:r>
+                  <a:rPr lang="en-US" altLang="ko-KR" dirty="0"/>
+                  <a:t>app1.func7</a:t>
+                </a:r>
+                <a:endParaRPr lang="ko-KR" altLang="en-US" dirty="0"/>
+              </a:p>
+            </p:txBody>
+          </p:sp>
+          <p:sp>
+            <p:nvSpPr>
+              <p:cNvPr id="38" name="TextBox 37">
+                <a:extLst>
+                  <a:ext uri="{FF2B5EF4-FFF2-40B4-BE49-F238E27FC236}">
+                    <a16:creationId xmlns:a16="http://schemas.microsoft.com/office/drawing/2014/main" id="{024E712C-F94F-4902-9EC2-F4F3BA1D00F7}"/>
+                  </a:ext>
+                </a:extLst>
+              </p:cNvPr>
+              <p:cNvSpPr txBox="1"/>
+              <p:nvPr/>
+            </p:nvSpPr>
+            <p:spPr>
+              <a:xfrm>
+                <a:off x="441626" y="1143489"/>
+                <a:ext cx="3803650" cy="515526"/>
+              </a:xfrm>
+              <a:prstGeom prst="rect">
+                <a:avLst/>
+              </a:prstGeom>
+              <a:noFill/>
+            </p:spPr>
+            <p:txBody>
+              <a:bodyPr wrap="square">
+                <a:spAutoFit/>
+              </a:bodyPr>
+              <a:lstStyle/>
+              <a:p>
+                <a:pPr algn="ctr">
+                  <a:lnSpc>
+                    <a:spcPct val="150000"/>
+                  </a:lnSpc>
+                </a:pPr>
+                <a:r>
+                  <a:rPr lang="en-US" altLang="ko-KR" sz="2000" b="1" dirty="0">
+                    <a:solidFill>
+                      <a:srgbClr val="FF0000"/>
+                    </a:solidFill>
+                    <a:latin typeface="G마켓 산스 TTF Medium" panose="02000000000000000000" pitchFamily="2" charset="-127"/>
+                    <a:ea typeface="G마켓 산스 TTF Medium" panose="02000000000000000000" pitchFamily="2" charset="-127"/>
+                  </a:rPr>
+                  <a:t>Serverless</a:t>
+                </a:r>
+                <a:r>
+                  <a:rPr lang="en-US" altLang="ko-KR" sz="2000" b="1" dirty="0">
+                    <a:solidFill>
+                      <a:srgbClr val="595959"/>
+                    </a:solidFill>
+                    <a:latin typeface="G마켓 산스 TTF Medium" panose="02000000000000000000" pitchFamily="2" charset="-127"/>
+                    <a:ea typeface="G마켓 산스 TTF Medium" panose="02000000000000000000" pitchFamily="2" charset="-127"/>
+                  </a:rPr>
+                  <a:t> Architecture</a:t>
+                </a:r>
+                <a:endParaRPr lang="ko-KR" altLang="en-US" sz="2000" b="1" dirty="0">
+                  <a:solidFill>
+                    <a:srgbClr val="595959"/>
+                  </a:solidFill>
+                  <a:latin typeface="G마켓 산스 TTF Medium" panose="02000000000000000000" pitchFamily="2" charset="-127"/>
+                  <a:ea typeface="G마켓 산스 TTF Medium" panose="02000000000000000000" pitchFamily="2" charset="-127"/>
+                </a:endParaRPr>
+              </a:p>
+            </p:txBody>
+          </p:sp>
+        </p:grpSp>
+        <p:grpSp>
+          <p:nvGrpSpPr>
+            <p:cNvPr id="45" name="그룹 44">
+              <a:extLst>
+                <a:ext uri="{FF2B5EF4-FFF2-40B4-BE49-F238E27FC236}">
+                  <a16:creationId xmlns:a16="http://schemas.microsoft.com/office/drawing/2014/main" id="{7AD993BF-C378-4E2C-A0BD-808B5999B49A}"/>
+                </a:ext>
+              </a:extLst>
+            </p:cNvPr>
+            <p:cNvGrpSpPr/>
+            <p:nvPr/>
+          </p:nvGrpSpPr>
+          <p:grpSpPr>
+            <a:xfrm>
+              <a:off x="6763397" y="1406058"/>
+              <a:ext cx="3803650" cy="4424523"/>
+              <a:chOff x="5178726" y="1164621"/>
+              <a:chExt cx="3803650" cy="4424523"/>
+            </a:xfrm>
+          </p:grpSpPr>
+          <p:grpSp>
+            <p:nvGrpSpPr>
+              <p:cNvPr id="46" name="그룹 45">
+                <a:extLst>
+                  <a:ext uri="{FF2B5EF4-FFF2-40B4-BE49-F238E27FC236}">
+                    <a16:creationId xmlns:a16="http://schemas.microsoft.com/office/drawing/2014/main" id="{9435CF4E-8F18-4B08-A158-599372538E39}"/>
+                  </a:ext>
+                </a:extLst>
+              </p:cNvPr>
+              <p:cNvGrpSpPr/>
+              <p:nvPr/>
+            </p:nvGrpSpPr>
+            <p:grpSpPr>
+              <a:xfrm>
+                <a:off x="5385401" y="1773224"/>
+                <a:ext cx="3409650" cy="3815920"/>
+                <a:chOff x="1143601" y="2514600"/>
+                <a:chExt cx="2991750" cy="3365594"/>
+              </a:xfrm>
+            </p:grpSpPr>
+            <p:pic>
+              <p:nvPicPr>
+                <p:cNvPr id="51" name="그래픽 50" descr="서버 윤곽선">
+                  <a:extLst>
+                    <a:ext uri="{FF2B5EF4-FFF2-40B4-BE49-F238E27FC236}">
+                      <a16:creationId xmlns:a16="http://schemas.microsoft.com/office/drawing/2014/main" id="{8A034B0C-E701-4049-9E07-AEAB0C1D5E2D}"/>
+                    </a:ext>
+                  </a:extLst>
+                </p:cNvPr>
+                <p:cNvPicPr>
+                  <a:picLocks noChangeAspect="1"/>
+                </p:cNvPicPr>
+                <p:nvPr/>
+              </p:nvPicPr>
+              <p:blipFill>
+                <a:blip r:embed="rId2">
+                  <a:extLst>
+                    <a:ext uri="{28A0092B-C50C-407E-A947-70E740481C1C}">
+                      <a14:useLocalDpi xmlns:a14="http://schemas.microsoft.com/office/drawing/2010/main"/>
+                    </a:ext>
+                    <a:ext uri="{96DAC541-7B7A-43D3-8B79-37D633B846F1}">
+                      <asvg:svgBlip xmlns:asvg="http://schemas.microsoft.com/office/drawing/2016/SVG/main" r:embed="rId3"/>
+                    </a:ext>
+                  </a:extLst>
+                </a:blip>
+                <a:stretch>
+                  <a:fillRect/>
+                </a:stretch>
+              </p:blipFill>
+              <p:spPr>
+                <a:xfrm>
+                  <a:off x="1397000" y="2514600"/>
+                  <a:ext cx="914400" cy="914400"/>
+                </a:xfrm>
+                <a:prstGeom prst="rect">
+                  <a:avLst/>
+                </a:prstGeom>
+              </p:spPr>
+            </p:pic>
+            <p:sp>
+              <p:nvSpPr>
+                <p:cNvPr id="52" name="TextBox 51">
+                  <a:extLst>
+                    <a:ext uri="{FF2B5EF4-FFF2-40B4-BE49-F238E27FC236}">
+                      <a16:creationId xmlns:a16="http://schemas.microsoft.com/office/drawing/2014/main" id="{6B61A9A2-B8A3-43F3-A162-F4823083A5E2}"/>
+                    </a:ext>
+                  </a:extLst>
+                </p:cNvPr>
+                <p:cNvSpPr txBox="1"/>
+                <p:nvPr/>
+              </p:nvSpPr>
+              <p:spPr>
+                <a:xfrm>
+                  <a:off x="1143602" y="3294568"/>
+                  <a:ext cx="1421195" cy="515526"/>
+                </a:xfrm>
+                <a:prstGeom prst="rect">
+                  <a:avLst/>
+                </a:prstGeom>
+                <a:noFill/>
+              </p:spPr>
+              <p:txBody>
+                <a:bodyPr wrap="square">
+                  <a:spAutoFit/>
+                </a:bodyPr>
+                <a:lstStyle/>
+                <a:p>
+                  <a:pPr algn="ctr">
+                    <a:lnSpc>
+                      <a:spcPct val="150000"/>
+                    </a:lnSpc>
+                  </a:pPr>
+                  <a:r>
+                    <a:rPr lang="en-US" altLang="ko-KR" sz="2000" dirty="0">
+                      <a:solidFill>
+                        <a:srgbClr val="595959"/>
+                      </a:solidFill>
+                      <a:latin typeface="G마켓 산스 TTF Medium" panose="02000000000000000000" pitchFamily="2" charset="-127"/>
+                      <a:ea typeface="G마켓 산스 TTF Medium" panose="02000000000000000000" pitchFamily="2" charset="-127"/>
+                    </a:rPr>
+                    <a:t>Server 1</a:t>
+                  </a:r>
+                  <a:endParaRPr lang="ko-KR" altLang="en-US" sz="2000" dirty="0">
+                    <a:solidFill>
+                      <a:srgbClr val="595959"/>
+                    </a:solidFill>
+                    <a:latin typeface="G마켓 산스 TTF Medium" panose="02000000000000000000" pitchFamily="2" charset="-127"/>
+                    <a:ea typeface="G마켓 산스 TTF Medium" panose="02000000000000000000" pitchFamily="2" charset="-127"/>
+                  </a:endParaRPr>
+                </a:p>
+              </p:txBody>
+            </p:sp>
+            <p:pic>
+              <p:nvPicPr>
+                <p:cNvPr id="53" name="그래픽 52" descr="서버 윤곽선">
+                  <a:extLst>
+                    <a:ext uri="{FF2B5EF4-FFF2-40B4-BE49-F238E27FC236}">
+                      <a16:creationId xmlns:a16="http://schemas.microsoft.com/office/drawing/2014/main" id="{ECDB860E-A2E3-4133-BAE5-F271AFCC0697}"/>
+                    </a:ext>
+                  </a:extLst>
+                </p:cNvPr>
+                <p:cNvPicPr>
+                  <a:picLocks noChangeAspect="1"/>
+                </p:cNvPicPr>
+                <p:nvPr/>
+              </p:nvPicPr>
+              <p:blipFill>
+                <a:blip r:embed="rId2">
+                  <a:extLst>
+                    <a:ext uri="{28A0092B-C50C-407E-A947-70E740481C1C}">
+                      <a14:useLocalDpi xmlns:a14="http://schemas.microsoft.com/office/drawing/2010/main"/>
+                    </a:ext>
+                    <a:ext uri="{96DAC541-7B7A-43D3-8B79-37D633B846F1}">
+                      <asvg:svgBlip xmlns:asvg="http://schemas.microsoft.com/office/drawing/2016/SVG/main" r:embed="rId3"/>
+                    </a:ext>
+                  </a:extLst>
+                </a:blip>
+                <a:stretch>
+                  <a:fillRect/>
+                </a:stretch>
+              </p:blipFill>
+              <p:spPr>
+                <a:xfrm>
+                  <a:off x="2950574" y="2514600"/>
+                  <a:ext cx="914400" cy="914400"/>
+                </a:xfrm>
+                <a:prstGeom prst="rect">
+                  <a:avLst/>
+                </a:prstGeom>
+              </p:spPr>
+            </p:pic>
+            <p:sp>
+              <p:nvSpPr>
+                <p:cNvPr id="54" name="TextBox 53">
+                  <a:extLst>
+                    <a:ext uri="{FF2B5EF4-FFF2-40B4-BE49-F238E27FC236}">
+                      <a16:creationId xmlns:a16="http://schemas.microsoft.com/office/drawing/2014/main" id="{42532DE0-B0D2-4C83-9B81-249F6AD82BD3}"/>
+                    </a:ext>
+                  </a:extLst>
+                </p:cNvPr>
+                <p:cNvSpPr txBox="1"/>
+                <p:nvPr/>
+              </p:nvSpPr>
+              <p:spPr>
+                <a:xfrm>
+                  <a:off x="2697177" y="3294568"/>
+                  <a:ext cx="1421195" cy="515526"/>
+                </a:xfrm>
+                <a:prstGeom prst="rect">
+                  <a:avLst/>
+                </a:prstGeom>
+                <a:noFill/>
+              </p:spPr>
+              <p:txBody>
+                <a:bodyPr wrap="square">
+                  <a:spAutoFit/>
+                </a:bodyPr>
+                <a:lstStyle/>
+                <a:p>
+                  <a:pPr algn="ctr">
+                    <a:lnSpc>
+                      <a:spcPct val="150000"/>
+                    </a:lnSpc>
+                  </a:pPr>
+                  <a:r>
+                    <a:rPr lang="en-US" altLang="ko-KR" sz="2000" dirty="0">
+                      <a:solidFill>
+                        <a:srgbClr val="595959"/>
+                      </a:solidFill>
+                      <a:latin typeface="G마켓 산스 TTF Medium" panose="02000000000000000000" pitchFamily="2" charset="-127"/>
+                      <a:ea typeface="G마켓 산스 TTF Medium" panose="02000000000000000000" pitchFamily="2" charset="-127"/>
+                    </a:rPr>
+                    <a:t>Server 2</a:t>
+                  </a:r>
+                  <a:endParaRPr lang="ko-KR" altLang="en-US" sz="2000" dirty="0">
+                    <a:solidFill>
+                      <a:srgbClr val="595959"/>
+                    </a:solidFill>
+                    <a:latin typeface="G마켓 산스 TTF Medium" panose="02000000000000000000" pitchFamily="2" charset="-127"/>
+                    <a:ea typeface="G마켓 산스 TTF Medium" panose="02000000000000000000" pitchFamily="2" charset="-127"/>
+                  </a:endParaRPr>
+                </a:p>
+              </p:txBody>
+            </p:sp>
+            <p:sp>
+              <p:nvSpPr>
+                <p:cNvPr id="55" name="사각형: 둥근 모서리 54">
+                  <a:extLst>
+                    <a:ext uri="{FF2B5EF4-FFF2-40B4-BE49-F238E27FC236}">
+                      <a16:creationId xmlns:a16="http://schemas.microsoft.com/office/drawing/2014/main" id="{6596D7D8-848A-4A14-A470-34818748E845}"/>
+                    </a:ext>
+                  </a:extLst>
+                </p:cNvPr>
+                <p:cNvSpPr/>
+                <p:nvPr/>
+              </p:nvSpPr>
+              <p:spPr>
+                <a:xfrm>
+                  <a:off x="1143601" y="3810094"/>
+                  <a:ext cx="1421195" cy="2070100"/>
+                </a:xfrm>
+                <a:prstGeom prst="roundRect">
+                  <a:avLst/>
+                </a:prstGeom>
+                <a:solidFill>
+                  <a:srgbClr val="E7E8E2"/>
+                </a:solidFill>
+                <a:ln>
+                  <a:noFill/>
+                </a:ln>
+              </p:spPr>
+              <p:style>
+                <a:lnRef idx="2">
+                  <a:schemeClr val="accent1">
+                    <a:shade val="50000"/>
+                  </a:schemeClr>
+                </a:lnRef>
+                <a:fillRef idx="1">
+                  <a:schemeClr val="accent1"/>
+                </a:fillRef>
+                <a:effectRef idx="0">
+                  <a:schemeClr val="accent1"/>
+                </a:effectRef>
+                <a:fontRef idx="minor">
+                  <a:schemeClr val="lt1"/>
+                </a:fontRef>
+              </p:style>
+              <p:txBody>
+                <a:bodyPr rtlCol="0" anchor="ctr"/>
+                <a:lstStyle/>
+                <a:p>
+                  <a:pPr algn="ctr"/>
+                  <a:endParaRPr lang="ko-KR" altLang="en-US"/>
+                </a:p>
+              </p:txBody>
+            </p:sp>
+            <p:sp>
+              <p:nvSpPr>
+                <p:cNvPr id="56" name="사각형: 둥근 모서리 55">
+                  <a:extLst>
+                    <a:ext uri="{FF2B5EF4-FFF2-40B4-BE49-F238E27FC236}">
+                      <a16:creationId xmlns:a16="http://schemas.microsoft.com/office/drawing/2014/main" id="{D8611619-E9EE-438D-9F06-815DDD138A07}"/>
+                    </a:ext>
+                  </a:extLst>
+                </p:cNvPr>
+                <p:cNvSpPr/>
+                <p:nvPr/>
+              </p:nvSpPr>
+              <p:spPr>
+                <a:xfrm>
+                  <a:off x="2714156" y="3799591"/>
+                  <a:ext cx="1421195" cy="2070100"/>
+                </a:xfrm>
+                <a:prstGeom prst="roundRect">
+                  <a:avLst/>
+                </a:prstGeom>
+                <a:solidFill>
+                  <a:srgbClr val="E7E8E2"/>
+                </a:solidFill>
+                <a:ln>
+                  <a:noFill/>
+                </a:ln>
+              </p:spPr>
+              <p:style>
+                <a:lnRef idx="2">
+                  <a:schemeClr val="accent1">
+                    <a:shade val="50000"/>
+                  </a:schemeClr>
+                </a:lnRef>
+                <a:fillRef idx="1">
+                  <a:schemeClr val="accent1"/>
+                </a:fillRef>
+                <a:effectRef idx="0">
+                  <a:schemeClr val="accent1"/>
+                </a:effectRef>
+                <a:fontRef idx="minor">
+                  <a:schemeClr val="lt1"/>
+                </a:fontRef>
+              </p:style>
+              <p:txBody>
+                <a:bodyPr rtlCol="0" anchor="ctr"/>
+                <a:lstStyle/>
+                <a:p>
+                  <a:pPr algn="ctr"/>
+                  <a:endParaRPr lang="ko-KR" altLang="en-US"/>
+                </a:p>
+              </p:txBody>
+            </p:sp>
+          </p:grpSp>
+          <p:cxnSp>
+            <p:nvCxnSpPr>
+              <p:cNvPr id="47" name="직선 연결선 46">
+                <a:extLst>
+                  <a:ext uri="{FF2B5EF4-FFF2-40B4-BE49-F238E27FC236}">
+                    <a16:creationId xmlns:a16="http://schemas.microsoft.com/office/drawing/2014/main" id="{F643B17F-D447-436E-8BA5-276BE93180B8}"/>
+                  </a:ext>
+                </a:extLst>
+              </p:cNvPr>
+              <p:cNvCxnSpPr>
+                <a:stCxn id="51" idx="3"/>
+                <a:endCxn id="53" idx="1"/>
+              </p:cNvCxnSpPr>
+              <p:nvPr/>
+            </p:nvCxnSpPr>
+            <p:spPr>
+              <a:xfrm>
+                <a:off x="6716323" y="2291599"/>
+                <a:ext cx="728456" cy="0"/>
+              </a:xfrm>
+              <a:prstGeom prst="line">
+                <a:avLst/>
+              </a:prstGeom>
+              <a:ln w="28575">
+                <a:solidFill>
+                  <a:schemeClr val="tx1"/>
+                </a:solidFill>
+                <a:prstDash val="sysDash"/>
+              </a:ln>
+            </p:spPr>
+            <p:style>
+              <a:lnRef idx="1">
+                <a:schemeClr val="accent1"/>
+              </a:lnRef>
+              <a:fillRef idx="0">
+                <a:schemeClr val="accent1"/>
+              </a:fillRef>
+              <a:effectRef idx="0">
+                <a:schemeClr val="accent1"/>
+              </a:effectRef>
+              <a:fontRef idx="minor">
+                <a:schemeClr val="tx1"/>
+              </a:fontRef>
+            </p:style>
+          </p:cxnSp>
+          <p:sp>
+            <p:nvSpPr>
+              <p:cNvPr id="48" name="사각형: 둥근 모서리 47">
+                <a:extLst>
+                  <a:ext uri="{FF2B5EF4-FFF2-40B4-BE49-F238E27FC236}">
+                    <a16:creationId xmlns:a16="http://schemas.microsoft.com/office/drawing/2014/main" id="{BDCD3322-03C2-44D1-AA83-55571A01C07D}"/>
+                  </a:ext>
+                </a:extLst>
+              </p:cNvPr>
+              <p:cNvSpPr/>
+              <p:nvPr/>
+            </p:nvSpPr>
+            <p:spPr>
+              <a:xfrm>
+                <a:off x="5452760" y="3449624"/>
+                <a:ext cx="1484993" cy="376940"/>
+              </a:xfrm>
+              <a:prstGeom prst="roundRect">
+                <a:avLst/>
+              </a:prstGeom>
+              <a:solidFill>
+                <a:srgbClr val="5A7D59"/>
+              </a:solidFill>
+              <a:ln>
+                <a:noFill/>
+              </a:ln>
+            </p:spPr>
+            <p:style>
+              <a:lnRef idx="2">
+                <a:schemeClr val="accent1">
+                  <a:shade val="50000"/>
+                </a:schemeClr>
+              </a:lnRef>
+              <a:fillRef idx="1">
+                <a:schemeClr val="accent1"/>
+              </a:fillRef>
+              <a:effectRef idx="0">
+                <a:schemeClr val="accent1"/>
+              </a:effectRef>
+              <a:fontRef idx="minor">
+                <a:schemeClr val="lt1"/>
+              </a:fontRef>
+            </p:style>
+            <p:txBody>
+              <a:bodyPr rtlCol="0" anchor="ctr"/>
+              <a:lstStyle/>
+              <a:p>
+                <a:pPr algn="ctr"/>
+                <a:r>
+                  <a:rPr lang="en-US" altLang="ko-KR" dirty="0"/>
+                  <a:t>App1</a:t>
+                </a:r>
+                <a:endParaRPr lang="ko-KR" altLang="en-US" dirty="0"/>
+              </a:p>
+            </p:txBody>
+          </p:sp>
+          <p:sp>
+            <p:nvSpPr>
+              <p:cNvPr id="49" name="사각형: 둥근 모서리 48">
+                <a:extLst>
+                  <a:ext uri="{FF2B5EF4-FFF2-40B4-BE49-F238E27FC236}">
+                    <a16:creationId xmlns:a16="http://schemas.microsoft.com/office/drawing/2014/main" id="{70FE518B-7A09-49A4-BF9D-948D6B5BF393}"/>
+                  </a:ext>
+                </a:extLst>
+              </p:cNvPr>
+              <p:cNvSpPr/>
+              <p:nvPr/>
+            </p:nvSpPr>
+            <p:spPr>
+              <a:xfrm>
+                <a:off x="7242697" y="3449624"/>
+                <a:ext cx="1484993" cy="376940"/>
+              </a:xfrm>
+              <a:prstGeom prst="roundRect">
+                <a:avLst/>
+              </a:prstGeom>
+              <a:solidFill>
+                <a:srgbClr val="5A7D59"/>
+              </a:solidFill>
+              <a:ln>
+                <a:noFill/>
+              </a:ln>
+            </p:spPr>
+            <p:style>
+              <a:lnRef idx="2">
+                <a:schemeClr val="accent1">
+                  <a:shade val="50000"/>
+                </a:schemeClr>
+              </a:lnRef>
+              <a:fillRef idx="1">
+                <a:schemeClr val="accent1"/>
+              </a:fillRef>
+              <a:effectRef idx="0">
+                <a:schemeClr val="accent1"/>
+              </a:effectRef>
+              <a:fontRef idx="minor">
+                <a:schemeClr val="lt1"/>
+              </a:fontRef>
+            </p:style>
+            <p:txBody>
+              <a:bodyPr rtlCol="0" anchor="ctr"/>
+              <a:lstStyle/>
+              <a:p>
+                <a:pPr algn="ctr"/>
+                <a:r>
+                  <a:rPr lang="en-US" altLang="ko-KR" dirty="0"/>
+                  <a:t>App1</a:t>
+                </a:r>
+                <a:endParaRPr lang="ko-KR" altLang="en-US" dirty="0"/>
+              </a:p>
+            </p:txBody>
+          </p:sp>
+          <p:sp>
+            <p:nvSpPr>
+              <p:cNvPr id="50" name="TextBox 49">
+                <a:extLst>
+                  <a:ext uri="{FF2B5EF4-FFF2-40B4-BE49-F238E27FC236}">
+                    <a16:creationId xmlns:a16="http://schemas.microsoft.com/office/drawing/2014/main" id="{3638FEB1-B9BB-4D8E-BCB8-24A2A9A3675A}"/>
+                  </a:ext>
+                </a:extLst>
+              </p:cNvPr>
+              <p:cNvSpPr txBox="1"/>
+              <p:nvPr/>
+            </p:nvSpPr>
+            <p:spPr>
+              <a:xfrm>
+                <a:off x="5178726" y="1164621"/>
+                <a:ext cx="3803650" cy="515526"/>
+              </a:xfrm>
+              <a:prstGeom prst="rect">
+                <a:avLst/>
+              </a:prstGeom>
+              <a:noFill/>
+            </p:spPr>
+            <p:txBody>
+              <a:bodyPr wrap="square">
+                <a:spAutoFit/>
+              </a:bodyPr>
+              <a:lstStyle/>
+              <a:p>
+                <a:pPr algn="ctr">
+                  <a:lnSpc>
+                    <a:spcPct val="150000"/>
+                  </a:lnSpc>
+                </a:pPr>
+                <a:r>
+                  <a:rPr lang="en-US" altLang="ko-KR" sz="2000" b="1" dirty="0">
+                    <a:solidFill>
+                      <a:srgbClr val="595959"/>
+                    </a:solidFill>
+                    <a:latin typeface="G마켓 산스 TTF Medium" panose="02000000000000000000" pitchFamily="2" charset="-127"/>
+                    <a:ea typeface="G마켓 산스 TTF Medium" panose="02000000000000000000" pitchFamily="2" charset="-127"/>
+                  </a:rPr>
+                  <a:t>Traditional Architecture</a:t>
+                </a:r>
+                <a:endParaRPr lang="ko-KR" altLang="en-US" sz="2000" b="1" dirty="0">
+                  <a:solidFill>
+                    <a:srgbClr val="595959"/>
+                  </a:solidFill>
+                  <a:latin typeface="G마켓 산스 TTF Medium" panose="02000000000000000000" pitchFamily="2" charset="-127"/>
+                  <a:ea typeface="G마켓 산스 TTF Medium" panose="02000000000000000000" pitchFamily="2" charset="-127"/>
+                </a:endParaRPr>
+              </a:p>
+            </p:txBody>
+          </p:sp>
+        </p:grpSp>
+        <p:sp>
+          <p:nvSpPr>
+            <p:cNvPr id="57" name="제목 1">
+              <a:extLst>
+                <a:ext uri="{FF2B5EF4-FFF2-40B4-BE49-F238E27FC236}">
+                  <a16:creationId xmlns:a16="http://schemas.microsoft.com/office/drawing/2014/main" id="{FDAABC45-F07D-488C-9048-5EFE061C1D65}"/>
+                </a:ext>
+              </a:extLst>
+            </p:cNvPr>
+            <p:cNvSpPr txBox="1">
+              <a:spLocks/>
+            </p:cNvSpPr>
+            <p:nvPr/>
+          </p:nvSpPr>
+          <p:spPr>
+            <a:xfrm>
+              <a:off x="5542282" y="2972465"/>
+              <a:ext cx="1038569" cy="998244"/>
+            </a:xfrm>
+            <a:prstGeom prst="rect">
+              <a:avLst/>
+            </a:prstGeom>
+          </p:spPr>
+          <p:txBody>
+            <a:bodyPr vert="horz" lIns="91440" tIns="45720" rIns="91440" bIns="45720" rtlCol="0" anchor="ctr">
+              <a:normAutofit/>
+            </a:bodyPr>
+            <a:lstStyle>
+              <a:lvl1pPr algn="l" defTabSz="914400" rtl="0" eaLnBrk="1" latinLnBrk="1" hangingPunct="1">
+                <a:lnSpc>
+                  <a:spcPct val="90000"/>
+                </a:lnSpc>
+                <a:spcBef>
+                  <a:spcPct val="0"/>
+                </a:spcBef>
+                <a:buNone/>
+                <a:defRPr sz="4400" kern="1200">
+                  <a:solidFill>
+                    <a:schemeClr val="tx1"/>
+                  </a:solidFill>
+                  <a:latin typeface="+mj-lt"/>
+                  <a:ea typeface="+mj-ea"/>
+                  <a:cs typeface="+mj-cs"/>
+                </a:defRPr>
+              </a:lvl1pPr>
+            </a:lstStyle>
+            <a:p>
+              <a:pPr algn="ctr"/>
+              <a:r>
+                <a:rPr lang="en-US" altLang="ko-KR" sz="3200" dirty="0">
+                  <a:solidFill>
+                    <a:srgbClr val="595959"/>
+                  </a:solidFill>
+                  <a:latin typeface="G마켓 산스 TTF Bold" panose="02000000000000000000" pitchFamily="2" charset="-127"/>
+                  <a:ea typeface="G마켓 산스 TTF Bold" panose="02000000000000000000" pitchFamily="2" charset="-127"/>
+                </a:rPr>
+                <a:t>vs</a:t>
+              </a:r>
+              <a:endParaRPr lang="ko-KR" altLang="en-US" sz="3200" dirty="0">
+                <a:solidFill>
+                  <a:srgbClr val="595959"/>
+                </a:solidFill>
+                <a:latin typeface="G마켓 산스 TTF Bold" panose="02000000000000000000" pitchFamily="2" charset="-127"/>
+                <a:ea typeface="G마켓 산스 TTF Bold" panose="02000000000000000000" pitchFamily="2" charset="-127"/>
+              </a:endParaRPr>
+            </a:p>
+          </p:txBody>
+        </p:sp>
+        <p:sp>
+          <p:nvSpPr>
+            <p:cNvPr id="58" name="부제목 2">
+              <a:extLst>
+                <a:ext uri="{FF2B5EF4-FFF2-40B4-BE49-F238E27FC236}">
+                  <a16:creationId xmlns:a16="http://schemas.microsoft.com/office/drawing/2014/main" id="{B2300CD8-D2AA-4B85-AF93-C718F472FD10}"/>
+                </a:ext>
+              </a:extLst>
+            </p:cNvPr>
+            <p:cNvSpPr txBox="1">
+              <a:spLocks/>
+            </p:cNvSpPr>
+            <p:nvPr/>
+          </p:nvSpPr>
+          <p:spPr>
+            <a:xfrm>
+              <a:off x="1576962" y="6109181"/>
+              <a:ext cx="3899635" cy="603197"/>
+            </a:xfrm>
+            <a:prstGeom prst="rect">
+              <a:avLst/>
+            </a:prstGeom>
+          </p:spPr>
+          <p:txBody>
+            <a:bodyPr vert="horz" lIns="91440" tIns="45720" rIns="91440" bIns="45720" rtlCol="0">
+              <a:normAutofit/>
+            </a:bodyPr>
+            <a:lstStyle>
+              <a:lvl1pPr marL="0" indent="0" algn="ctr" defTabSz="914400" rtl="0" eaLnBrk="1" latinLnBrk="1" hangingPunct="1">
+                <a:lnSpc>
+                  <a:spcPct val="90000"/>
+                </a:lnSpc>
+                <a:spcBef>
+                  <a:spcPts val="1000"/>
+                </a:spcBef>
+                <a:buFont typeface="Arial" panose="020B0604020202020204" pitchFamily="34" charset="0"/>
+                <a:buNone/>
+                <a:defRPr sz="2400" kern="1200">
+                  <a:solidFill>
+                    <a:schemeClr val="tx1"/>
+                  </a:solidFill>
+                  <a:latin typeface="+mn-lt"/>
+                  <a:ea typeface="+mn-ea"/>
+                  <a:cs typeface="+mn-cs"/>
+                </a:defRPr>
+              </a:lvl1pPr>
+              <a:lvl2pPr marL="457200" indent="0" algn="ctr" defTabSz="914400" rtl="0" eaLnBrk="1" latinLnBrk="1" hangingPunct="1">
+                <a:lnSpc>
+                  <a:spcPct val="90000"/>
+                </a:lnSpc>
+                <a:spcBef>
+                  <a:spcPts val="500"/>
+                </a:spcBef>
+                <a:buFont typeface="Arial" panose="020B0604020202020204" pitchFamily="34" charset="0"/>
+                <a:buNone/>
+                <a:defRPr sz="2000" kern="1200">
+                  <a:solidFill>
+                    <a:schemeClr val="tx1"/>
+                  </a:solidFill>
+                  <a:latin typeface="+mn-lt"/>
+                  <a:ea typeface="+mn-ea"/>
+                  <a:cs typeface="+mn-cs"/>
+                </a:defRPr>
+              </a:lvl2pPr>
+              <a:lvl3pPr marL="914400" indent="0" algn="ctr" defTabSz="914400" rtl="0" eaLnBrk="1" latinLnBrk="1" hangingPunct="1">
+                <a:lnSpc>
+                  <a:spcPct val="90000"/>
+                </a:lnSpc>
+                <a:spcBef>
+                  <a:spcPts val="500"/>
+                </a:spcBef>
+                <a:buFont typeface="Arial" panose="020B0604020202020204" pitchFamily="34" charset="0"/>
+                <a:buNone/>
+                <a:defRPr sz="1800" kern="1200">
+                  <a:solidFill>
+                    <a:schemeClr val="tx1"/>
+                  </a:solidFill>
+                  <a:latin typeface="+mn-lt"/>
+                  <a:ea typeface="+mn-ea"/>
+                  <a:cs typeface="+mn-cs"/>
+                </a:defRPr>
+              </a:lvl3pPr>
+              <a:lvl4pPr marL="1371600" indent="0" algn="ctr" defTabSz="914400" rtl="0" eaLnBrk="1" latinLnBrk="1" hangingPunct="1">
+                <a:lnSpc>
+                  <a:spcPct val="90000"/>
+                </a:lnSpc>
+                <a:spcBef>
+                  <a:spcPts val="500"/>
+                </a:spcBef>
+                <a:buFont typeface="Arial" panose="020B0604020202020204" pitchFamily="34" charset="0"/>
+                <a:buNone/>
+                <a:defRPr sz="1600" kern="1200">
+                  <a:solidFill>
+                    <a:schemeClr val="tx1"/>
+                  </a:solidFill>
+                  <a:latin typeface="+mn-lt"/>
+                  <a:ea typeface="+mn-ea"/>
+                  <a:cs typeface="+mn-cs"/>
+                </a:defRPr>
+              </a:lvl4pPr>
+              <a:lvl5pPr marL="1828800" indent="0" algn="ctr" defTabSz="914400" rtl="0" eaLnBrk="1" latinLnBrk="1" hangingPunct="1">
+                <a:lnSpc>
+                  <a:spcPct val="90000"/>
+                </a:lnSpc>
+                <a:spcBef>
+                  <a:spcPts val="500"/>
+                </a:spcBef>
+                <a:buFont typeface="Arial" panose="020B0604020202020204" pitchFamily="34" charset="0"/>
+                <a:buNone/>
+                <a:defRPr sz="1600" kern="1200">
+                  <a:solidFill>
+                    <a:schemeClr val="tx1"/>
+                  </a:solidFill>
+                  <a:latin typeface="+mn-lt"/>
+                  <a:ea typeface="+mn-ea"/>
+                  <a:cs typeface="+mn-cs"/>
+                </a:defRPr>
+              </a:lvl5pPr>
+              <a:lvl6pPr marL="2286000" indent="0" algn="ctr" defTabSz="914400" rtl="0" eaLnBrk="1" latinLnBrk="1" hangingPunct="1">
+                <a:lnSpc>
+                  <a:spcPct val="90000"/>
+                </a:lnSpc>
+                <a:spcBef>
+                  <a:spcPts val="500"/>
+                </a:spcBef>
+                <a:buFont typeface="Arial" panose="020B0604020202020204" pitchFamily="34" charset="0"/>
+                <a:buNone/>
+                <a:defRPr sz="1600" kern="1200">
+                  <a:solidFill>
+                    <a:schemeClr val="tx1"/>
+                  </a:solidFill>
+                  <a:latin typeface="+mn-lt"/>
+                  <a:ea typeface="+mn-ea"/>
+                  <a:cs typeface="+mn-cs"/>
+                </a:defRPr>
+              </a:lvl6pPr>
+              <a:lvl7pPr marL="2743200" indent="0" algn="ctr" defTabSz="914400" rtl="0" eaLnBrk="1" latinLnBrk="1" hangingPunct="1">
+                <a:lnSpc>
+                  <a:spcPct val="90000"/>
+                </a:lnSpc>
+                <a:spcBef>
+                  <a:spcPts val="500"/>
+                </a:spcBef>
+                <a:buFont typeface="Arial" panose="020B0604020202020204" pitchFamily="34" charset="0"/>
+                <a:buNone/>
+                <a:defRPr sz="1600" kern="1200">
+                  <a:solidFill>
+                    <a:schemeClr val="tx1"/>
+                  </a:solidFill>
+                  <a:latin typeface="+mn-lt"/>
+                  <a:ea typeface="+mn-ea"/>
+                  <a:cs typeface="+mn-cs"/>
+                </a:defRPr>
+              </a:lvl7pPr>
+              <a:lvl8pPr marL="3200400" indent="0" algn="ctr" defTabSz="914400" rtl="0" eaLnBrk="1" latinLnBrk="1" hangingPunct="1">
+                <a:lnSpc>
+                  <a:spcPct val="90000"/>
+                </a:lnSpc>
+                <a:spcBef>
+                  <a:spcPts val="500"/>
+                </a:spcBef>
+                <a:buFont typeface="Arial" panose="020B0604020202020204" pitchFamily="34" charset="0"/>
+                <a:buNone/>
+                <a:defRPr sz="1600" kern="1200">
+                  <a:solidFill>
+                    <a:schemeClr val="tx1"/>
+                  </a:solidFill>
+                  <a:latin typeface="+mn-lt"/>
+                  <a:ea typeface="+mn-ea"/>
+                  <a:cs typeface="+mn-cs"/>
+                </a:defRPr>
+              </a:lvl8pPr>
+              <a:lvl9pPr marL="3657600" indent="0" algn="ctr" defTabSz="914400" rtl="0" eaLnBrk="1" latinLnBrk="1" hangingPunct="1">
+                <a:lnSpc>
+                  <a:spcPct val="90000"/>
+                </a:lnSpc>
+                <a:spcBef>
+                  <a:spcPts val="500"/>
+                </a:spcBef>
+                <a:buFont typeface="Arial" panose="020B0604020202020204" pitchFamily="34" charset="0"/>
+                <a:buNone/>
+                <a:defRPr sz="1600" kern="1200">
+                  <a:solidFill>
+                    <a:schemeClr val="tx1"/>
+                  </a:solidFill>
+                  <a:latin typeface="+mn-lt"/>
+                  <a:ea typeface="+mn-ea"/>
+                  <a:cs typeface="+mn-cs"/>
+                </a:defRPr>
+              </a:lvl9pPr>
+            </a:lstStyle>
+            <a:p>
+              <a:r>
+                <a:rPr lang="en-US" altLang="ko-KR" sz="1600" dirty="0">
+                  <a:solidFill>
+                    <a:srgbClr val="726B6B"/>
+                  </a:solidFill>
+                  <a:latin typeface="G마켓 산스 TTF Bold" panose="02000000000000000000" pitchFamily="2" charset="-127"/>
+                  <a:ea typeface="G마켓 산스 TTF Bold" panose="02000000000000000000" pitchFamily="2" charset="-127"/>
+                </a:rPr>
+                <a:t>“</a:t>
+              </a:r>
+              <a:r>
+                <a:rPr lang="en-US" altLang="ko-KR" sz="1600" dirty="0" err="1">
+                  <a:solidFill>
+                    <a:srgbClr val="726B6B"/>
+                  </a:solidFill>
+                  <a:latin typeface="G마켓 산스 TTF Bold" panose="02000000000000000000" pitchFamily="2" charset="-127"/>
+                  <a:ea typeface="G마켓 산스 TTF Bold" panose="02000000000000000000" pitchFamily="2" charset="-127"/>
+                </a:rPr>
+                <a:t>FaaS</a:t>
+              </a:r>
+              <a:r>
+                <a:rPr lang="en-US" altLang="ko-KR" sz="1600" dirty="0">
+                  <a:solidFill>
+                    <a:srgbClr val="726B6B"/>
+                  </a:solidFill>
+                  <a:latin typeface="G마켓 산스 TTF Bold" panose="02000000000000000000" pitchFamily="2" charset="-127"/>
+                  <a:ea typeface="G마켓 산스 TTF Bold" panose="02000000000000000000" pitchFamily="2" charset="-127"/>
+                </a:rPr>
+                <a:t> (Function-as-a-Services)”</a:t>
+              </a:r>
+              <a:endParaRPr lang="ko-KR" altLang="en-US" sz="1600" dirty="0">
+                <a:solidFill>
+                  <a:srgbClr val="726B6B"/>
+                </a:solidFill>
+                <a:latin typeface="G마켓 산스 TTF Medium" panose="02000000000000000000" pitchFamily="2" charset="-127"/>
+                <a:ea typeface="G마켓 산스 TTF Medium" panose="02000000000000000000" pitchFamily="2" charset="-127"/>
+              </a:endParaRPr>
+            </a:p>
+          </p:txBody>
+        </p:sp>
+      </p:grpSp>
+    </p:spTree>
+    <p:extLst>
+      <p:ext uri="{BB962C8B-B14F-4D97-AF65-F5344CB8AC3E}">
+        <p14:creationId xmlns:p14="http://schemas.microsoft.com/office/powerpoint/2010/main" val="2203508741"/>
+      </p:ext>
+    </p:extLst>
+  </p:cSld>
+  <p:clrMapOvr>
+    <a:masterClrMapping/>
+  </p:clrMapOvr>
+</p:sld>
+</file>
+
+<file path=ppt/slides/slide12.xml><?xml version="1.0" encoding="utf-8"?>
+<p:sld xmlns:a="http://schemas.openxmlformats.org/drawingml/2006/main" xmlns:r="http://schemas.openxmlformats.org/officeDocument/2006/relationships" xmlns:p="http://schemas.openxmlformats.org/presentationml/2006/main">
+  <p:cSld>
+    <p:spTree>
+      <p:nvGrpSpPr>
+        <p:cNvPr id="1" name=""/>
+        <p:cNvGrpSpPr/>
+        <p:nvPr/>
+      </p:nvGrpSpPr>
+      <p:grpSpPr>
+        <a:xfrm>
+          <a:off x="0" y="0"/>
+          <a:ext cx="0" cy="0"/>
+          <a:chOff x="0" y="0"/>
+          <a:chExt cx="0" cy="0"/>
+        </a:xfrm>
+      </p:grpSpPr>
+      <p:grpSp>
+        <p:nvGrpSpPr>
+          <p:cNvPr id="26" name="그룹 25">
+            <a:extLst>
+              <a:ext uri="{FF2B5EF4-FFF2-40B4-BE49-F238E27FC236}">
+                <a16:creationId xmlns:a16="http://schemas.microsoft.com/office/drawing/2014/main" id="{E99154A9-DA57-4156-9BFC-2E953D0E833A}"/>
+              </a:ext>
+            </a:extLst>
+          </p:cNvPr>
+          <p:cNvGrpSpPr/>
+          <p:nvPr/>
+        </p:nvGrpSpPr>
+        <p:grpSpPr>
+          <a:xfrm>
+            <a:off x="661717" y="2544087"/>
+            <a:ext cx="10868566" cy="1460810"/>
+            <a:chOff x="358531" y="2441024"/>
+            <a:chExt cx="10868566" cy="1460810"/>
+          </a:xfrm>
+        </p:grpSpPr>
+        <p:sp>
+          <p:nvSpPr>
+            <p:cNvPr id="2" name="직사각형 1">
+              <a:extLst>
+                <a:ext uri="{FF2B5EF4-FFF2-40B4-BE49-F238E27FC236}">
+                  <a16:creationId xmlns:a16="http://schemas.microsoft.com/office/drawing/2014/main" id="{2E5AC99F-5FDC-46BB-BB70-A444B68C953A}"/>
+                </a:ext>
+              </a:extLst>
+            </p:cNvPr>
+            <p:cNvSpPr/>
+            <p:nvPr/>
+          </p:nvSpPr>
+          <p:spPr>
+            <a:xfrm>
+              <a:off x="358531" y="2441024"/>
+              <a:ext cx="1929162" cy="1460810"/>
+            </a:xfrm>
+            <a:prstGeom prst="rect">
+              <a:avLst/>
+            </a:prstGeom>
+            <a:solidFill>
+              <a:srgbClr val="5A7D59"/>
+            </a:solidFill>
+            <a:ln w="19050">
+              <a:solidFill>
+                <a:schemeClr val="tx1"/>
+              </a:solidFill>
+            </a:ln>
+          </p:spPr>
+          <p:style>
+            <a:lnRef idx="2">
+              <a:schemeClr val="accent1">
+                <a:shade val="50000"/>
+              </a:schemeClr>
+            </a:lnRef>
+            <a:fillRef idx="1">
+              <a:schemeClr val="accent1"/>
+            </a:fillRef>
+            <a:effectRef idx="0">
+              <a:schemeClr val="accent1"/>
+            </a:effectRef>
+            <a:fontRef idx="minor">
+              <a:schemeClr val="lt1"/>
+            </a:fontRef>
+          </p:style>
+          <p:txBody>
+            <a:bodyPr rtlCol="0" anchor="ctr"/>
+            <a:lstStyle/>
+            <a:p>
+              <a:pPr algn="ctr"/>
+              <a:r>
+                <a:rPr lang="en-US" altLang="ko-KR" dirty="0">
+                  <a:latin typeface="G마켓 산스 TTF Bold" panose="02000000000000000000" pitchFamily="2" charset="-127"/>
+                  <a:ea typeface="G마켓 산스 TTF Bold" panose="02000000000000000000" pitchFamily="2" charset="-127"/>
+                </a:rPr>
+                <a:t>Horizontal</a:t>
+              </a:r>
+            </a:p>
+            <a:p>
+              <a:pPr algn="ctr"/>
+              <a:r>
+                <a:rPr lang="en-US" altLang="ko-KR" dirty="0">
+                  <a:latin typeface="G마켓 산스 TTF Bold" panose="02000000000000000000" pitchFamily="2" charset="-127"/>
+                  <a:ea typeface="G마켓 산스 TTF Bold" panose="02000000000000000000" pitchFamily="2" charset="-127"/>
+                </a:rPr>
+                <a:t>Pod</a:t>
+              </a:r>
+            </a:p>
+            <a:p>
+              <a:pPr algn="ctr"/>
+              <a:r>
+                <a:rPr lang="en-US" altLang="ko-KR" dirty="0" err="1">
+                  <a:latin typeface="G마켓 산스 TTF Bold" panose="02000000000000000000" pitchFamily="2" charset="-127"/>
+                  <a:ea typeface="G마켓 산스 TTF Bold" panose="02000000000000000000" pitchFamily="2" charset="-127"/>
+                </a:rPr>
+                <a:t>Autoscaler</a:t>
+              </a:r>
+              <a:endParaRPr lang="ko-KR" altLang="en-US" dirty="0">
+                <a:latin typeface="G마켓 산스 TTF Bold" panose="02000000000000000000" pitchFamily="2" charset="-127"/>
+                <a:ea typeface="G마켓 산스 TTF Bold" panose="02000000000000000000" pitchFamily="2" charset="-127"/>
+              </a:endParaRPr>
+            </a:p>
+          </p:txBody>
+        </p:sp>
+        <p:grpSp>
+          <p:nvGrpSpPr>
+            <p:cNvPr id="3" name="그룹 2">
+              <a:extLst>
+                <a:ext uri="{FF2B5EF4-FFF2-40B4-BE49-F238E27FC236}">
+                  <a16:creationId xmlns:a16="http://schemas.microsoft.com/office/drawing/2014/main" id="{73784FA4-16CA-4BFB-98AB-A88E2E7834AC}"/>
+                </a:ext>
+              </a:extLst>
+            </p:cNvPr>
+            <p:cNvGrpSpPr/>
+            <p:nvPr/>
+          </p:nvGrpSpPr>
+          <p:grpSpPr>
+            <a:xfrm>
+              <a:off x="3016149" y="2441024"/>
+              <a:ext cx="2503705" cy="1460810"/>
+              <a:chOff x="2829082" y="2412053"/>
+              <a:chExt cx="2713073" cy="1677158"/>
+            </a:xfrm>
+          </p:grpSpPr>
+          <p:sp>
+            <p:nvSpPr>
+              <p:cNvPr id="59" name="직사각형 58">
+                <a:extLst>
+                  <a:ext uri="{FF2B5EF4-FFF2-40B4-BE49-F238E27FC236}">
+                    <a16:creationId xmlns:a16="http://schemas.microsoft.com/office/drawing/2014/main" id="{1E12C97A-A7F7-46BC-ADD4-6CFCC89096E8}"/>
+                  </a:ext>
+                </a:extLst>
+              </p:cNvPr>
+              <p:cNvSpPr/>
+              <p:nvPr/>
+            </p:nvSpPr>
+            <p:spPr>
+              <a:xfrm>
+                <a:off x="2829082" y="2412053"/>
+                <a:ext cx="2713073" cy="1677158"/>
+              </a:xfrm>
+              <a:prstGeom prst="rect">
+                <a:avLst/>
+              </a:prstGeom>
+              <a:solidFill>
+                <a:schemeClr val="accent2">
+                  <a:lumMod val="60000"/>
+                  <a:lumOff val="40000"/>
+                </a:schemeClr>
+              </a:solidFill>
+              <a:ln w="19050">
+                <a:solidFill>
+                  <a:schemeClr val="tx1"/>
+                </a:solidFill>
+              </a:ln>
+            </p:spPr>
+            <p:style>
+              <a:lnRef idx="2">
+                <a:schemeClr val="accent1">
+                  <a:shade val="50000"/>
+                </a:schemeClr>
+              </a:lnRef>
+              <a:fillRef idx="1">
+                <a:schemeClr val="accent1"/>
+              </a:fillRef>
+              <a:effectRef idx="0">
+                <a:schemeClr val="accent1"/>
+              </a:effectRef>
+              <a:fontRef idx="minor">
+                <a:schemeClr val="lt1"/>
+              </a:fontRef>
+            </p:style>
+            <p:txBody>
+              <a:bodyPr rtlCol="0" anchor="ctr"/>
+              <a:lstStyle/>
+              <a:p>
+                <a:pPr algn="ctr"/>
+                <a:r>
+                  <a:rPr lang="en-US" altLang="ko-KR" dirty="0">
+                    <a:solidFill>
+                      <a:schemeClr val="tx1"/>
+                    </a:solidFill>
+                    <a:latin typeface="G마켓 산스 TTF Bold" panose="02000000000000000000" pitchFamily="2" charset="-127"/>
+                    <a:ea typeface="G마켓 산스 TTF Bold" panose="02000000000000000000" pitchFamily="2" charset="-127"/>
+                  </a:rPr>
+                  <a:t>RC / Deployment</a:t>
+                </a:r>
+              </a:p>
+              <a:p>
+                <a:pPr algn="ctr"/>
+                <a:endParaRPr lang="en-US" altLang="ko-KR" dirty="0">
+                  <a:latin typeface="G마켓 산스 TTF Bold" panose="02000000000000000000" pitchFamily="2" charset="-127"/>
+                  <a:ea typeface="G마켓 산스 TTF Bold" panose="02000000000000000000" pitchFamily="2" charset="-127"/>
+                </a:endParaRPr>
+              </a:p>
+              <a:p>
+                <a:pPr algn="ctr"/>
+                <a:endParaRPr lang="en-US" altLang="ko-KR" dirty="0">
+                  <a:latin typeface="G마켓 산스 TTF Bold" panose="02000000000000000000" pitchFamily="2" charset="-127"/>
+                  <a:ea typeface="G마켓 산스 TTF Bold" panose="02000000000000000000" pitchFamily="2" charset="-127"/>
+                </a:endParaRPr>
+              </a:p>
+              <a:p>
+                <a:pPr algn="ctr"/>
+                <a:endParaRPr lang="ko-KR" altLang="en-US" dirty="0">
+                  <a:latin typeface="G마켓 산스 TTF Bold" panose="02000000000000000000" pitchFamily="2" charset="-127"/>
+                  <a:ea typeface="G마켓 산스 TTF Bold" panose="02000000000000000000" pitchFamily="2" charset="-127"/>
+                </a:endParaRPr>
+              </a:p>
+            </p:txBody>
+          </p:sp>
+          <p:sp>
+            <p:nvSpPr>
+              <p:cNvPr id="60" name="직사각형 59">
+                <a:extLst>
+                  <a:ext uri="{FF2B5EF4-FFF2-40B4-BE49-F238E27FC236}">
+                    <a16:creationId xmlns:a16="http://schemas.microsoft.com/office/drawing/2014/main" id="{2105C125-3E2C-49FD-9FE9-FDFFFF8A1E8B}"/>
+                  </a:ext>
+                </a:extLst>
+              </p:cNvPr>
+              <p:cNvSpPr/>
+              <p:nvPr/>
+            </p:nvSpPr>
+            <p:spPr>
+              <a:xfrm>
+                <a:off x="3329027" y="3250632"/>
+                <a:ext cx="1713181" cy="528247"/>
+              </a:xfrm>
+              <a:prstGeom prst="rect">
+                <a:avLst/>
+              </a:prstGeom>
+              <a:solidFill>
+                <a:srgbClr val="E7E8E2"/>
+              </a:solidFill>
+              <a:ln w="19050">
+                <a:solidFill>
+                  <a:schemeClr val="tx1"/>
+                </a:solidFill>
+              </a:ln>
+            </p:spPr>
+            <p:style>
+              <a:lnRef idx="2">
+                <a:schemeClr val="accent1">
+                  <a:shade val="50000"/>
+                </a:schemeClr>
+              </a:lnRef>
+              <a:fillRef idx="1">
+                <a:schemeClr val="accent1"/>
+              </a:fillRef>
+              <a:effectRef idx="0">
+                <a:schemeClr val="accent1"/>
+              </a:effectRef>
+              <a:fontRef idx="minor">
+                <a:schemeClr val="lt1"/>
+              </a:fontRef>
+            </p:style>
+            <p:txBody>
+              <a:bodyPr rtlCol="0" anchor="ctr"/>
+              <a:lstStyle/>
+              <a:p>
+                <a:pPr algn="ctr"/>
+                <a:r>
+                  <a:rPr lang="en-US" altLang="ko-KR" dirty="0">
+                    <a:solidFill>
+                      <a:schemeClr val="tx1"/>
+                    </a:solidFill>
+                    <a:latin typeface="G마켓 산스 TTF Bold" panose="02000000000000000000" pitchFamily="2" charset="-127"/>
+                    <a:ea typeface="G마켓 산스 TTF Bold" panose="02000000000000000000" pitchFamily="2" charset="-127"/>
+                  </a:rPr>
+                  <a:t>Scale</a:t>
+                </a:r>
+                <a:endParaRPr lang="ko-KR" altLang="en-US" dirty="0">
+                  <a:solidFill>
+                    <a:schemeClr val="tx1"/>
+                  </a:solidFill>
+                  <a:latin typeface="G마켓 산스 TTF Bold" panose="02000000000000000000" pitchFamily="2" charset="-127"/>
+                  <a:ea typeface="G마켓 산스 TTF Bold" panose="02000000000000000000" pitchFamily="2" charset="-127"/>
+                </a:endParaRPr>
+              </a:p>
+            </p:txBody>
+          </p:sp>
+        </p:grpSp>
+        <p:cxnSp>
+          <p:nvCxnSpPr>
+            <p:cNvPr id="5" name="직선 화살표 연결선 4">
+              <a:extLst>
+                <a:ext uri="{FF2B5EF4-FFF2-40B4-BE49-F238E27FC236}">
+                  <a16:creationId xmlns:a16="http://schemas.microsoft.com/office/drawing/2014/main" id="{00E365AB-C119-48AD-9079-6C306FAA9138}"/>
+                </a:ext>
+              </a:extLst>
+            </p:cNvPr>
+            <p:cNvCxnSpPr/>
+            <p:nvPr/>
+          </p:nvCxnSpPr>
+          <p:spPr>
+            <a:xfrm>
+              <a:off x="2287693" y="3401481"/>
+              <a:ext cx="1079975" cy="0"/>
+            </a:xfrm>
+            <a:prstGeom prst="straightConnector1">
+              <a:avLst/>
+            </a:prstGeom>
+            <a:ln w="28575">
+              <a:solidFill>
+                <a:schemeClr val="tx1"/>
+              </a:solidFill>
+              <a:tailEnd type="triangle"/>
+            </a:ln>
+          </p:spPr>
+          <p:style>
+            <a:lnRef idx="1">
+              <a:schemeClr val="accent1"/>
+            </a:lnRef>
+            <a:fillRef idx="0">
+              <a:schemeClr val="accent1"/>
+            </a:fillRef>
+            <a:effectRef idx="0">
+              <a:schemeClr val="accent1"/>
+            </a:effectRef>
+            <a:fontRef idx="minor">
+              <a:schemeClr val="tx1"/>
+            </a:fontRef>
+          </p:style>
+        </p:cxnSp>
+        <p:sp>
+          <p:nvSpPr>
+            <p:cNvPr id="61" name="직사각형 60">
+              <a:extLst>
+                <a:ext uri="{FF2B5EF4-FFF2-40B4-BE49-F238E27FC236}">
+                  <a16:creationId xmlns:a16="http://schemas.microsoft.com/office/drawing/2014/main" id="{CA3F2197-0EDF-4E2C-B916-E292EC4E61FF}"/>
+                </a:ext>
+              </a:extLst>
+            </p:cNvPr>
+            <p:cNvSpPr/>
+            <p:nvPr/>
+          </p:nvSpPr>
+          <p:spPr>
+            <a:xfrm>
+              <a:off x="6096000" y="2540193"/>
+              <a:ext cx="1322790" cy="1287899"/>
+            </a:xfrm>
+            <a:prstGeom prst="rect">
+              <a:avLst/>
+            </a:prstGeom>
+            <a:solidFill>
+              <a:schemeClr val="accent1">
+                <a:lumMod val="40000"/>
+                <a:lumOff val="60000"/>
+              </a:schemeClr>
+            </a:solidFill>
+            <a:ln w="19050">
+              <a:solidFill>
+                <a:schemeClr val="tx1"/>
+              </a:solidFill>
+            </a:ln>
+          </p:spPr>
+          <p:style>
+            <a:lnRef idx="2">
+              <a:schemeClr val="accent1">
+                <a:shade val="50000"/>
+              </a:schemeClr>
+            </a:lnRef>
+            <a:fillRef idx="1">
+              <a:schemeClr val="accent1"/>
+            </a:fillRef>
+            <a:effectRef idx="0">
+              <a:schemeClr val="accent1"/>
+            </a:effectRef>
+            <a:fontRef idx="minor">
+              <a:schemeClr val="lt1"/>
+            </a:fontRef>
+          </p:style>
+          <p:txBody>
+            <a:bodyPr rtlCol="0" anchor="ctr"/>
+            <a:lstStyle/>
+            <a:p>
+              <a:pPr algn="ctr"/>
+              <a:r>
+                <a:rPr lang="en-US" altLang="ko-KR" dirty="0">
+                  <a:solidFill>
+                    <a:schemeClr val="tx1"/>
+                  </a:solidFill>
+                  <a:latin typeface="G마켓 산스 TTF Bold" panose="02000000000000000000" pitchFamily="2" charset="-127"/>
+                  <a:ea typeface="G마켓 산스 TTF Bold" panose="02000000000000000000" pitchFamily="2" charset="-127"/>
+                </a:rPr>
+                <a:t>Pod 1</a:t>
+              </a:r>
+              <a:endParaRPr lang="ko-KR" altLang="en-US" dirty="0">
+                <a:solidFill>
+                  <a:schemeClr val="tx1"/>
+                </a:solidFill>
+                <a:latin typeface="G마켓 산스 TTF Bold" panose="02000000000000000000" pitchFamily="2" charset="-127"/>
+                <a:ea typeface="G마켓 산스 TTF Bold" panose="02000000000000000000" pitchFamily="2" charset="-127"/>
+              </a:endParaRPr>
+            </a:p>
+          </p:txBody>
+        </p:sp>
+        <p:sp>
+          <p:nvSpPr>
+            <p:cNvPr id="62" name="직사각형 61">
+              <a:extLst>
+                <a:ext uri="{FF2B5EF4-FFF2-40B4-BE49-F238E27FC236}">
+                  <a16:creationId xmlns:a16="http://schemas.microsoft.com/office/drawing/2014/main" id="{A539BC48-C1D5-43E3-818F-7604A249AF56}"/>
+                </a:ext>
+              </a:extLst>
+            </p:cNvPr>
+            <p:cNvSpPr/>
+            <p:nvPr/>
+          </p:nvSpPr>
+          <p:spPr>
+            <a:xfrm>
+              <a:off x="7631151" y="2540193"/>
+              <a:ext cx="1322790" cy="1287899"/>
+            </a:xfrm>
+            <a:prstGeom prst="rect">
+              <a:avLst/>
+            </a:prstGeom>
+            <a:solidFill>
+              <a:schemeClr val="accent1">
+                <a:lumMod val="40000"/>
+                <a:lumOff val="60000"/>
+              </a:schemeClr>
+            </a:solidFill>
+            <a:ln w="19050">
+              <a:solidFill>
+                <a:schemeClr val="tx1"/>
+              </a:solidFill>
+            </a:ln>
+          </p:spPr>
+          <p:style>
+            <a:lnRef idx="2">
+              <a:schemeClr val="accent1">
+                <a:shade val="50000"/>
+              </a:schemeClr>
+            </a:lnRef>
+            <a:fillRef idx="1">
+              <a:schemeClr val="accent1"/>
+            </a:fillRef>
+            <a:effectRef idx="0">
+              <a:schemeClr val="accent1"/>
+            </a:effectRef>
+            <a:fontRef idx="minor">
+              <a:schemeClr val="lt1"/>
+            </a:fontRef>
+          </p:style>
+          <p:txBody>
+            <a:bodyPr rtlCol="0" anchor="ctr"/>
+            <a:lstStyle/>
+            <a:p>
+              <a:pPr algn="ctr"/>
+              <a:r>
+                <a:rPr lang="en-US" altLang="ko-KR" dirty="0">
+                  <a:solidFill>
+                    <a:schemeClr val="tx1"/>
+                  </a:solidFill>
+                  <a:latin typeface="G마켓 산스 TTF Bold" panose="02000000000000000000" pitchFamily="2" charset="-127"/>
+                  <a:ea typeface="G마켓 산스 TTF Bold" panose="02000000000000000000" pitchFamily="2" charset="-127"/>
+                </a:rPr>
+                <a:t>Pod 2</a:t>
+              </a:r>
+              <a:endParaRPr lang="ko-KR" altLang="en-US" dirty="0">
+                <a:solidFill>
+                  <a:schemeClr val="tx1"/>
+                </a:solidFill>
+                <a:latin typeface="G마켓 산스 TTF Bold" panose="02000000000000000000" pitchFamily="2" charset="-127"/>
+                <a:ea typeface="G마켓 산스 TTF Bold" panose="02000000000000000000" pitchFamily="2" charset="-127"/>
+              </a:endParaRPr>
+            </a:p>
+          </p:txBody>
+        </p:sp>
+        <p:sp>
+          <p:nvSpPr>
+            <p:cNvPr id="63" name="직사각형 62">
+              <a:extLst>
+                <a:ext uri="{FF2B5EF4-FFF2-40B4-BE49-F238E27FC236}">
+                  <a16:creationId xmlns:a16="http://schemas.microsoft.com/office/drawing/2014/main" id="{49253F55-1A33-420B-803B-C7B47083F16E}"/>
+                </a:ext>
+              </a:extLst>
+            </p:cNvPr>
+            <p:cNvSpPr/>
+            <p:nvPr/>
+          </p:nvSpPr>
+          <p:spPr>
+            <a:xfrm>
+              <a:off x="9904307" y="2540192"/>
+              <a:ext cx="1322790" cy="1287899"/>
+            </a:xfrm>
+            <a:prstGeom prst="rect">
+              <a:avLst/>
+            </a:prstGeom>
+            <a:solidFill>
+              <a:schemeClr val="accent1">
+                <a:lumMod val="40000"/>
+                <a:lumOff val="60000"/>
+              </a:schemeClr>
+            </a:solidFill>
+            <a:ln w="19050">
+              <a:solidFill>
+                <a:schemeClr val="tx1"/>
+              </a:solidFill>
+            </a:ln>
+          </p:spPr>
+          <p:style>
+            <a:lnRef idx="2">
+              <a:schemeClr val="accent1">
+                <a:shade val="50000"/>
+              </a:schemeClr>
+            </a:lnRef>
+            <a:fillRef idx="1">
+              <a:schemeClr val="accent1"/>
+            </a:fillRef>
+            <a:effectRef idx="0">
+              <a:schemeClr val="accent1"/>
+            </a:effectRef>
+            <a:fontRef idx="minor">
+              <a:schemeClr val="lt1"/>
+            </a:fontRef>
+          </p:style>
+          <p:txBody>
+            <a:bodyPr rtlCol="0" anchor="ctr"/>
+            <a:lstStyle/>
+            <a:p>
+              <a:pPr algn="ctr"/>
+              <a:r>
+                <a:rPr lang="en-US" altLang="ko-KR" dirty="0">
+                  <a:solidFill>
+                    <a:schemeClr val="tx1"/>
+                  </a:solidFill>
+                  <a:latin typeface="G마켓 산스 TTF Bold" panose="02000000000000000000" pitchFamily="2" charset="-127"/>
+                  <a:ea typeface="G마켓 산스 TTF Bold" panose="02000000000000000000" pitchFamily="2" charset="-127"/>
+                </a:rPr>
+                <a:t>Pod n</a:t>
+              </a:r>
+              <a:endParaRPr lang="ko-KR" altLang="en-US" dirty="0">
+                <a:solidFill>
+                  <a:schemeClr val="tx1"/>
+                </a:solidFill>
+                <a:latin typeface="G마켓 산스 TTF Bold" panose="02000000000000000000" pitchFamily="2" charset="-127"/>
+                <a:ea typeface="G마켓 산스 TTF Bold" panose="02000000000000000000" pitchFamily="2" charset="-127"/>
+              </a:endParaRPr>
+            </a:p>
+          </p:txBody>
+        </p:sp>
+        <p:sp>
+          <p:nvSpPr>
+            <p:cNvPr id="6" name="TextBox 5">
+              <a:extLst>
+                <a:ext uri="{FF2B5EF4-FFF2-40B4-BE49-F238E27FC236}">
+                  <a16:creationId xmlns:a16="http://schemas.microsoft.com/office/drawing/2014/main" id="{892432A0-C9CF-44D0-B891-06DBF532AE17}"/>
+                </a:ext>
+              </a:extLst>
+            </p:cNvPr>
+            <p:cNvSpPr txBox="1"/>
+            <p:nvPr/>
+          </p:nvSpPr>
+          <p:spPr>
+            <a:xfrm>
+              <a:off x="9166302" y="2812504"/>
+              <a:ext cx="502061" cy="523220"/>
+            </a:xfrm>
+            <a:prstGeom prst="rect">
+              <a:avLst/>
+            </a:prstGeom>
+            <a:noFill/>
+          </p:spPr>
+          <p:txBody>
+            <a:bodyPr wrap="none" rtlCol="0">
+              <a:spAutoFit/>
+            </a:bodyPr>
+            <a:lstStyle/>
+            <a:p>
+              <a:r>
+                <a:rPr lang="en-US" altLang="ko-KR" sz="2800" b="1" dirty="0"/>
+                <a:t>…</a:t>
+              </a:r>
+              <a:endParaRPr lang="ko-KR" altLang="en-US" sz="2800" b="1" dirty="0"/>
+            </a:p>
+          </p:txBody>
+        </p:sp>
+        <p:cxnSp>
+          <p:nvCxnSpPr>
+            <p:cNvPr id="8" name="연결선: 구부러짐 7">
+              <a:extLst>
+                <a:ext uri="{FF2B5EF4-FFF2-40B4-BE49-F238E27FC236}">
+                  <a16:creationId xmlns:a16="http://schemas.microsoft.com/office/drawing/2014/main" id="{736206E0-8565-48E8-AA6A-453BDF69A20E}"/>
+                </a:ext>
+              </a:extLst>
+            </p:cNvPr>
+            <p:cNvCxnSpPr>
+              <a:stCxn id="59" idx="3"/>
+              <a:endCxn id="61" idx="0"/>
+            </p:cNvCxnSpPr>
+            <p:nvPr/>
+          </p:nvCxnSpPr>
+          <p:spPr>
+            <a:xfrm flipV="1">
+              <a:off x="5519854" y="2540193"/>
+              <a:ext cx="1237541" cy="631236"/>
+            </a:xfrm>
+            <a:prstGeom prst="curvedConnector4">
+              <a:avLst>
+                <a:gd name="adj1" fmla="val 24179"/>
+                <a:gd name="adj2" fmla="val 130726"/>
+              </a:avLst>
+            </a:prstGeom>
+            <a:ln>
+              <a:solidFill>
+                <a:schemeClr val="tx1"/>
+              </a:solidFill>
+              <a:tailEnd type="triangle"/>
+            </a:ln>
+          </p:spPr>
+          <p:style>
+            <a:lnRef idx="1">
+              <a:schemeClr val="accent1"/>
+            </a:lnRef>
+            <a:fillRef idx="0">
+              <a:schemeClr val="accent1"/>
+            </a:fillRef>
+            <a:effectRef idx="0">
+              <a:schemeClr val="accent1"/>
+            </a:effectRef>
+            <a:fontRef idx="minor">
+              <a:schemeClr val="tx1"/>
+            </a:fontRef>
+          </p:style>
+        </p:cxnSp>
+        <p:cxnSp>
+          <p:nvCxnSpPr>
+            <p:cNvPr id="10" name="연결선: 구부러짐 9">
+              <a:extLst>
+                <a:ext uri="{FF2B5EF4-FFF2-40B4-BE49-F238E27FC236}">
+                  <a16:creationId xmlns:a16="http://schemas.microsoft.com/office/drawing/2014/main" id="{70659839-A7F5-40D2-B491-BFBFF385C80A}"/>
+                </a:ext>
+              </a:extLst>
+            </p:cNvPr>
+            <p:cNvCxnSpPr>
+              <a:stCxn id="59" idx="3"/>
+              <a:endCxn id="62" idx="0"/>
+            </p:cNvCxnSpPr>
+            <p:nvPr/>
+          </p:nvCxnSpPr>
+          <p:spPr>
+            <a:xfrm flipV="1">
+              <a:off x="5519854" y="2540193"/>
+              <a:ext cx="2772692" cy="631236"/>
+            </a:xfrm>
+            <a:prstGeom prst="curvedConnector4">
+              <a:avLst>
+                <a:gd name="adj1" fmla="val 11931"/>
+                <a:gd name="adj2" fmla="val 158991"/>
+              </a:avLst>
+            </a:prstGeom>
+            <a:ln>
+              <a:solidFill>
+                <a:schemeClr val="tx1"/>
+              </a:solidFill>
+              <a:tailEnd type="triangle"/>
+            </a:ln>
+          </p:spPr>
+          <p:style>
+            <a:lnRef idx="1">
+              <a:schemeClr val="accent1"/>
+            </a:lnRef>
+            <a:fillRef idx="0">
+              <a:schemeClr val="accent1"/>
+            </a:fillRef>
+            <a:effectRef idx="0">
+              <a:schemeClr val="accent1"/>
+            </a:effectRef>
+            <a:fontRef idx="minor">
+              <a:schemeClr val="tx1"/>
+            </a:fontRef>
+          </p:style>
+        </p:cxnSp>
+        <p:cxnSp>
+          <p:nvCxnSpPr>
+            <p:cNvPr id="13" name="연결선: 구부러짐 12">
+              <a:extLst>
+                <a:ext uri="{FF2B5EF4-FFF2-40B4-BE49-F238E27FC236}">
+                  <a16:creationId xmlns:a16="http://schemas.microsoft.com/office/drawing/2014/main" id="{FDB8B657-BCDF-4A2D-BC6C-EE8D5C6336B6}"/>
+                </a:ext>
+              </a:extLst>
+            </p:cNvPr>
+            <p:cNvCxnSpPr>
+              <a:stCxn id="59" idx="3"/>
+              <a:endCxn id="63" idx="0"/>
+            </p:cNvCxnSpPr>
+            <p:nvPr/>
+          </p:nvCxnSpPr>
+          <p:spPr>
+            <a:xfrm flipV="1">
+              <a:off x="5519854" y="2540192"/>
+              <a:ext cx="5045848" cy="631237"/>
+            </a:xfrm>
+            <a:prstGeom prst="curvedConnector4">
+              <a:avLst>
+                <a:gd name="adj1" fmla="val 6760"/>
+                <a:gd name="adj2" fmla="val 176657"/>
+              </a:avLst>
+            </a:prstGeom>
+            <a:ln>
+              <a:solidFill>
+                <a:schemeClr val="tx1"/>
+              </a:solidFill>
+              <a:tailEnd type="triangle"/>
+            </a:ln>
+          </p:spPr>
+          <p:style>
+            <a:lnRef idx="1">
+              <a:schemeClr val="accent1"/>
+            </a:lnRef>
+            <a:fillRef idx="0">
+              <a:schemeClr val="accent1"/>
+            </a:fillRef>
+            <a:effectRef idx="0">
+              <a:schemeClr val="accent1"/>
+            </a:effectRef>
+            <a:fontRef idx="minor">
+              <a:schemeClr val="tx1"/>
+            </a:fontRef>
+          </p:style>
+        </p:cxnSp>
+      </p:grpSp>
+      <p:sp>
+        <p:nvSpPr>
+          <p:cNvPr id="65" name="부제목 2">
+            <a:extLst>
+              <a:ext uri="{FF2B5EF4-FFF2-40B4-BE49-F238E27FC236}">
+                <a16:creationId xmlns:a16="http://schemas.microsoft.com/office/drawing/2014/main" id="{2234EE66-1CDD-4152-9E8E-D3B416B5930D}"/>
+              </a:ext>
+            </a:extLst>
+          </p:cNvPr>
+          <p:cNvSpPr txBox="1">
+            <a:spLocks/>
+          </p:cNvSpPr>
+          <p:nvPr/>
+        </p:nvSpPr>
+        <p:spPr>
+          <a:xfrm>
+            <a:off x="4146182" y="4359961"/>
+            <a:ext cx="3899635" cy="603197"/>
+          </a:xfrm>
+          <a:prstGeom prst="rect">
+            <a:avLst/>
+          </a:prstGeom>
+        </p:spPr>
+        <p:txBody>
+          <a:bodyPr vert="horz" lIns="91440" tIns="45720" rIns="91440" bIns="45720" rtlCol="0">
+            <a:normAutofit/>
+          </a:bodyPr>
+          <a:lstStyle>
+            <a:lvl1pPr marL="0" indent="0" algn="ctr" defTabSz="914400" rtl="0" eaLnBrk="1" latinLnBrk="1" hangingPunct="1">
+              <a:lnSpc>
+                <a:spcPct val="90000"/>
+              </a:lnSpc>
+              <a:spcBef>
+                <a:spcPts val="1000"/>
+              </a:spcBef>
+              <a:buFont typeface="Arial" panose="020B0604020202020204" pitchFamily="34" charset="0"/>
+              <a:buNone/>
+              <a:defRPr sz="2400" kern="1200">
+                <a:solidFill>
+                  <a:schemeClr val="tx1"/>
+                </a:solidFill>
+                <a:latin typeface="+mn-lt"/>
+                <a:ea typeface="+mn-ea"/>
+                <a:cs typeface="+mn-cs"/>
+              </a:defRPr>
+            </a:lvl1pPr>
+            <a:lvl2pPr marL="457200" indent="0" algn="ctr" defTabSz="914400" rtl="0" eaLnBrk="1" latinLnBrk="1" hangingPunct="1">
+              <a:lnSpc>
+                <a:spcPct val="90000"/>
+              </a:lnSpc>
+              <a:spcBef>
+                <a:spcPts val="500"/>
+              </a:spcBef>
+              <a:buFont typeface="Arial" panose="020B0604020202020204" pitchFamily="34" charset="0"/>
+              <a:buNone/>
+              <a:defRPr sz="2000" kern="1200">
+                <a:solidFill>
+                  <a:schemeClr val="tx1"/>
+                </a:solidFill>
+                <a:latin typeface="+mn-lt"/>
+                <a:ea typeface="+mn-ea"/>
+                <a:cs typeface="+mn-cs"/>
+              </a:defRPr>
+            </a:lvl2pPr>
+            <a:lvl3pPr marL="914400" indent="0" algn="ctr" defTabSz="914400" rtl="0" eaLnBrk="1" latinLnBrk="1" hangingPunct="1">
+              <a:lnSpc>
+                <a:spcPct val="90000"/>
+              </a:lnSpc>
+              <a:spcBef>
+                <a:spcPts val="500"/>
+              </a:spcBef>
+              <a:buFont typeface="Arial" panose="020B0604020202020204" pitchFamily="34" charset="0"/>
+              <a:buNone/>
+              <a:defRPr sz="1800" kern="1200">
+                <a:solidFill>
+                  <a:schemeClr val="tx1"/>
+                </a:solidFill>
+                <a:latin typeface="+mn-lt"/>
+                <a:ea typeface="+mn-ea"/>
+                <a:cs typeface="+mn-cs"/>
+              </a:defRPr>
+            </a:lvl3pPr>
+            <a:lvl4pPr marL="1371600" indent="0" algn="ctr" defTabSz="914400" rtl="0" eaLnBrk="1" latinLnBrk="1" hangingPunct="1">
+              <a:lnSpc>
+                <a:spcPct val="90000"/>
+              </a:lnSpc>
+              <a:spcBef>
+                <a:spcPts val="500"/>
+              </a:spcBef>
+              <a:buFont typeface="Arial" panose="020B0604020202020204" pitchFamily="34" charset="0"/>
+              <a:buNone/>
+              <a:defRPr sz="1600" kern="1200">
+                <a:solidFill>
+                  <a:schemeClr val="tx1"/>
+                </a:solidFill>
+                <a:latin typeface="+mn-lt"/>
+                <a:ea typeface="+mn-ea"/>
+                <a:cs typeface="+mn-cs"/>
+              </a:defRPr>
+            </a:lvl4pPr>
+            <a:lvl5pPr marL="1828800" indent="0" algn="ctr" defTabSz="914400" rtl="0" eaLnBrk="1" latinLnBrk="1" hangingPunct="1">
+              <a:lnSpc>
+                <a:spcPct val="90000"/>
+              </a:lnSpc>
+              <a:spcBef>
+                <a:spcPts val="500"/>
+              </a:spcBef>
+              <a:buFont typeface="Arial" panose="020B0604020202020204" pitchFamily="34" charset="0"/>
+              <a:buNone/>
+              <a:defRPr sz="1600" kern="1200">
+                <a:solidFill>
+                  <a:schemeClr val="tx1"/>
+                </a:solidFill>
+                <a:latin typeface="+mn-lt"/>
+                <a:ea typeface="+mn-ea"/>
+                <a:cs typeface="+mn-cs"/>
+              </a:defRPr>
+            </a:lvl5pPr>
+            <a:lvl6pPr marL="2286000" indent="0" algn="ctr" defTabSz="914400" rtl="0" eaLnBrk="1" latinLnBrk="1" hangingPunct="1">
+              <a:lnSpc>
+                <a:spcPct val="90000"/>
+              </a:lnSpc>
+              <a:spcBef>
+                <a:spcPts val="500"/>
+              </a:spcBef>
+              <a:buFont typeface="Arial" panose="020B0604020202020204" pitchFamily="34" charset="0"/>
+              <a:buNone/>
+              <a:defRPr sz="1600" kern="1200">
+                <a:solidFill>
+                  <a:schemeClr val="tx1"/>
+                </a:solidFill>
+                <a:latin typeface="+mn-lt"/>
+                <a:ea typeface="+mn-ea"/>
+                <a:cs typeface="+mn-cs"/>
+              </a:defRPr>
+            </a:lvl6pPr>
+            <a:lvl7pPr marL="2743200" indent="0" algn="ctr" defTabSz="914400" rtl="0" eaLnBrk="1" latinLnBrk="1" hangingPunct="1">
+              <a:lnSpc>
+                <a:spcPct val="90000"/>
+              </a:lnSpc>
+              <a:spcBef>
+                <a:spcPts val="500"/>
+              </a:spcBef>
+              <a:buFont typeface="Arial" panose="020B0604020202020204" pitchFamily="34" charset="0"/>
+              <a:buNone/>
+              <a:defRPr sz="1600" kern="1200">
+                <a:solidFill>
+                  <a:schemeClr val="tx1"/>
+                </a:solidFill>
+                <a:latin typeface="+mn-lt"/>
+                <a:ea typeface="+mn-ea"/>
+                <a:cs typeface="+mn-cs"/>
+              </a:defRPr>
+            </a:lvl7pPr>
+            <a:lvl8pPr marL="3200400" indent="0" algn="ctr" defTabSz="914400" rtl="0" eaLnBrk="1" latinLnBrk="1" hangingPunct="1">
+              <a:lnSpc>
+                <a:spcPct val="90000"/>
+              </a:lnSpc>
+              <a:spcBef>
+                <a:spcPts val="500"/>
+              </a:spcBef>
+              <a:buFont typeface="Arial" panose="020B0604020202020204" pitchFamily="34" charset="0"/>
+              <a:buNone/>
+              <a:defRPr sz="1600" kern="1200">
+                <a:solidFill>
+                  <a:schemeClr val="tx1"/>
+                </a:solidFill>
+                <a:latin typeface="+mn-lt"/>
+                <a:ea typeface="+mn-ea"/>
+                <a:cs typeface="+mn-cs"/>
+              </a:defRPr>
+            </a:lvl8pPr>
+            <a:lvl9pPr marL="3657600" indent="0" algn="ctr" defTabSz="914400" rtl="0" eaLnBrk="1" latinLnBrk="1" hangingPunct="1">
+              <a:lnSpc>
+                <a:spcPct val="90000"/>
+              </a:lnSpc>
+              <a:spcBef>
+                <a:spcPts val="500"/>
+              </a:spcBef>
+              <a:buFont typeface="Arial" panose="020B0604020202020204" pitchFamily="34" charset="0"/>
+              <a:buNone/>
+              <a:defRPr sz="1600" kern="1200">
+                <a:solidFill>
+                  <a:schemeClr val="tx1"/>
+                </a:solidFill>
+                <a:latin typeface="+mn-lt"/>
+                <a:ea typeface="+mn-ea"/>
+                <a:cs typeface="+mn-cs"/>
+              </a:defRPr>
+            </a:lvl9pPr>
+          </a:lstStyle>
+          <a:p>
+            <a:r>
+              <a:rPr lang="en-US" altLang="ko-KR" sz="1600" dirty="0">
+                <a:solidFill>
+                  <a:srgbClr val="726B6B"/>
+                </a:solidFill>
+                <a:latin typeface="G마켓 산스 TTF Bold" panose="02000000000000000000" pitchFamily="2" charset="-127"/>
+                <a:ea typeface="G마켓 산스 TTF Bold" panose="02000000000000000000" pitchFamily="2" charset="-127"/>
+              </a:rPr>
+              <a:t>HPA</a:t>
+            </a:r>
+            <a:r>
+              <a:rPr lang="ko-KR" altLang="en-US" sz="1600" dirty="0">
+                <a:solidFill>
+                  <a:srgbClr val="726B6B"/>
+                </a:solidFill>
+                <a:latin typeface="G마켓 산스 TTF Bold" panose="02000000000000000000" pitchFamily="2" charset="-127"/>
+                <a:ea typeface="G마켓 산스 TTF Bold" panose="02000000000000000000" pitchFamily="2" charset="-127"/>
+              </a:rPr>
+              <a:t>를 통한 </a:t>
+            </a:r>
+            <a:r>
+              <a:rPr lang="en-US" altLang="ko-KR" sz="1600" dirty="0">
+                <a:solidFill>
+                  <a:srgbClr val="726B6B"/>
+                </a:solidFill>
+                <a:latin typeface="G마켓 산스 TTF Bold" panose="02000000000000000000" pitchFamily="2" charset="-127"/>
+                <a:ea typeface="G마켓 산스 TTF Bold" panose="02000000000000000000" pitchFamily="2" charset="-127"/>
+              </a:rPr>
+              <a:t>Scale out</a:t>
+            </a:r>
+            <a:endParaRPr lang="ko-KR" altLang="en-US" sz="1600" dirty="0">
+              <a:solidFill>
+                <a:srgbClr val="726B6B"/>
+              </a:solidFill>
+              <a:latin typeface="G마켓 산스 TTF Medium" panose="02000000000000000000" pitchFamily="2" charset="-127"/>
+              <a:ea typeface="G마켓 산스 TTF Medium" panose="02000000000000000000" pitchFamily="2" charset="-127"/>
+            </a:endParaRPr>
+          </a:p>
+        </p:txBody>
+      </p:sp>
+    </p:spTree>
+    <p:extLst>
+      <p:ext uri="{BB962C8B-B14F-4D97-AF65-F5344CB8AC3E}">
+        <p14:creationId xmlns:p14="http://schemas.microsoft.com/office/powerpoint/2010/main" val="1927750752"/>
+      </p:ext>
+    </p:extLst>
+  </p:cSld>
+  <p:clrMapOvr>
+    <a:masterClrMapping/>
+  </p:clrMapOvr>
+</p:sld>
+</file>
+
+<file path=ppt/slides/slide13.xml><?xml version="1.0" encoding="utf-8"?>
+<p:sld xmlns:a="http://schemas.openxmlformats.org/drawingml/2006/main" xmlns:r="http://schemas.openxmlformats.org/officeDocument/2006/relationships" xmlns:p="http://schemas.openxmlformats.org/presentationml/2006/main">
+  <p:cSld>
+    <p:spTree>
+      <p:nvGrpSpPr>
+        <p:cNvPr id="1" name=""/>
+        <p:cNvGrpSpPr/>
+        <p:nvPr/>
+      </p:nvGrpSpPr>
+      <p:grpSpPr>
+        <a:xfrm>
+          <a:off x="0" y="0"/>
+          <a:ext cx="0" cy="0"/>
+          <a:chOff x="0" y="0"/>
+          <a:chExt cx="0" cy="0"/>
+        </a:xfrm>
+      </p:grpSpPr>
+      <p:grpSp>
+        <p:nvGrpSpPr>
+          <p:cNvPr id="71" name="그룹 70">
+            <a:extLst>
+              <a:ext uri="{FF2B5EF4-FFF2-40B4-BE49-F238E27FC236}">
+                <a16:creationId xmlns:a16="http://schemas.microsoft.com/office/drawing/2014/main" id="{3E5B4D68-B25A-48BE-88E0-89EF0BC51A3C}"/>
+              </a:ext>
+            </a:extLst>
+          </p:cNvPr>
+          <p:cNvGrpSpPr/>
+          <p:nvPr/>
+        </p:nvGrpSpPr>
+        <p:grpSpPr>
+          <a:xfrm>
+            <a:off x="235208" y="2064269"/>
+            <a:ext cx="10265677" cy="3522488"/>
+            <a:chOff x="235208" y="2064269"/>
+            <a:chExt cx="10265677" cy="3522488"/>
+          </a:xfrm>
+        </p:grpSpPr>
+        <p:sp>
+          <p:nvSpPr>
+            <p:cNvPr id="50" name="사각형: 둥근 모서리 49">
+              <a:extLst>
+                <a:ext uri="{FF2B5EF4-FFF2-40B4-BE49-F238E27FC236}">
+                  <a16:creationId xmlns:a16="http://schemas.microsoft.com/office/drawing/2014/main" id="{85BD4ECC-B59C-4428-B515-6C715883C819}"/>
+                </a:ext>
+              </a:extLst>
+            </p:cNvPr>
+            <p:cNvSpPr/>
+            <p:nvPr/>
+          </p:nvSpPr>
+          <p:spPr>
+            <a:xfrm>
+              <a:off x="5207312" y="2537606"/>
+              <a:ext cx="5293573" cy="3049151"/>
+            </a:xfrm>
+            <a:prstGeom prst="roundRect">
+              <a:avLst/>
+            </a:prstGeom>
+            <a:solidFill>
+              <a:srgbClr val="E7E8E2"/>
+            </a:solidFill>
+            <a:ln>
+              <a:noFill/>
+            </a:ln>
+          </p:spPr>
+          <p:style>
+            <a:lnRef idx="2">
+              <a:schemeClr val="accent1">
+                <a:shade val="50000"/>
+              </a:schemeClr>
+            </a:lnRef>
+            <a:fillRef idx="1">
+              <a:schemeClr val="accent1"/>
+            </a:fillRef>
+            <a:effectRef idx="0">
+              <a:schemeClr val="accent1"/>
+            </a:effectRef>
+            <a:fontRef idx="minor">
+              <a:schemeClr val="lt1"/>
+            </a:fontRef>
+          </p:style>
+          <p:txBody>
+            <a:bodyPr rtlCol="0" anchor="ctr"/>
+            <a:lstStyle/>
+            <a:p>
+              <a:pPr algn="ctr"/>
+              <a:endParaRPr lang="ko-KR" altLang="en-US"/>
+            </a:p>
+          </p:txBody>
+        </p:sp>
+        <p:pic>
+          <p:nvPicPr>
+            <p:cNvPr id="1026" name="Picture 2" descr="RabbitMQ-icon | Brands RA - RZ">
+              <a:extLst>
+                <a:ext uri="{FF2B5EF4-FFF2-40B4-BE49-F238E27FC236}">
+                  <a16:creationId xmlns:a16="http://schemas.microsoft.com/office/drawing/2014/main" id="{0EDE1458-0810-413A-923B-0C61DC3C7914}"/>
+                </a:ext>
+              </a:extLst>
+            </p:cNvPr>
+            <p:cNvPicPr>
+              <a:picLocks noChangeAspect="1" noChangeArrowheads="1"/>
+            </p:cNvPicPr>
+            <p:nvPr/>
+          </p:nvPicPr>
+          <p:blipFill>
+            <a:blip r:embed="rId2">
+              <a:extLst>
+                <a:ext uri="{28A0092B-C50C-407E-A947-70E740481C1C}">
+                  <a14:useLocalDpi xmlns:a14="http://schemas.microsoft.com/office/drawing/2010/main" val="0"/>
+                </a:ext>
+              </a:extLst>
+            </a:blip>
+            <a:srcRect/>
+            <a:stretch>
+              <a:fillRect/>
+            </a:stretch>
+          </p:blipFill>
+          <p:spPr bwMode="auto">
+            <a:xfrm>
+              <a:off x="1127864" y="2156366"/>
+              <a:ext cx="2332348" cy="2332348"/>
+            </a:xfrm>
+            <a:prstGeom prst="rect">
+              <a:avLst/>
+            </a:prstGeom>
+            <a:noFill/>
+            <a:extLst>
+              <a:ext uri="{909E8E84-426E-40DD-AFC4-6F175D3DCCD1}">
+                <a14:hiddenFill xmlns:a14="http://schemas.microsoft.com/office/drawing/2010/main">
+                  <a:solidFill>
+                    <a:srgbClr val="FFFFFF"/>
+                  </a:solidFill>
+                </a14:hiddenFill>
+              </a:ext>
+            </a:extLst>
+          </p:spPr>
+        </p:pic>
+        <p:pic>
+          <p:nvPicPr>
+            <p:cNvPr id="1028" name="Picture 4" descr="KEDA | Kubernetes Event-driven Autoscaling">
+              <a:extLst>
+                <a:ext uri="{FF2B5EF4-FFF2-40B4-BE49-F238E27FC236}">
+                  <a16:creationId xmlns:a16="http://schemas.microsoft.com/office/drawing/2014/main" id="{9B45C96F-FA57-4384-ABCA-4ADFE304B8DD}"/>
+                </a:ext>
+              </a:extLst>
+            </p:cNvPr>
+            <p:cNvPicPr>
+              <a:picLocks noChangeAspect="1" noChangeArrowheads="1"/>
+            </p:cNvPicPr>
+            <p:nvPr/>
+          </p:nvPicPr>
+          <p:blipFill>
+            <a:blip r:embed="rId3">
+              <a:extLst>
+                <a:ext uri="{28A0092B-C50C-407E-A947-70E740481C1C}">
+                  <a14:useLocalDpi xmlns:a14="http://schemas.microsoft.com/office/drawing/2010/main" val="0"/>
+                </a:ext>
+              </a:extLst>
+            </a:blip>
+            <a:srcRect/>
+            <a:stretch>
+              <a:fillRect/>
+            </a:stretch>
+          </p:blipFill>
+          <p:spPr bwMode="auto">
+            <a:xfrm>
+              <a:off x="5687418" y="2877187"/>
+              <a:ext cx="1152525" cy="1152525"/>
+            </a:xfrm>
+            <a:prstGeom prst="rect">
+              <a:avLst/>
+            </a:prstGeom>
+            <a:noFill/>
+            <a:extLst>
+              <a:ext uri="{909E8E84-426E-40DD-AFC4-6F175D3DCCD1}">
+                <a14:hiddenFill xmlns:a14="http://schemas.microsoft.com/office/drawing/2010/main">
+                  <a:solidFill>
+                    <a:srgbClr val="FFFFFF"/>
+                  </a:solidFill>
+                </a14:hiddenFill>
+              </a:ext>
+            </a:extLst>
+          </p:spPr>
+        </p:pic>
+        <p:pic>
+          <p:nvPicPr>
+            <p:cNvPr id="1030" name="Picture 6" descr="쿠버네티스 유경험자 품귀 현상, 해결책은? - 지디넷코리아">
+              <a:extLst>
+                <a:ext uri="{FF2B5EF4-FFF2-40B4-BE49-F238E27FC236}">
+                  <a16:creationId xmlns:a16="http://schemas.microsoft.com/office/drawing/2014/main" id="{1037CBD8-7BE9-47B3-A90A-43AC32819AEF}"/>
+                </a:ext>
+              </a:extLst>
+            </p:cNvPr>
+            <p:cNvPicPr>
+              <a:picLocks noChangeAspect="1" noChangeArrowheads="1"/>
+            </p:cNvPicPr>
+            <p:nvPr/>
+          </p:nvPicPr>
+          <p:blipFill rotWithShape="1">
+            <a:blip r:embed="rId4">
+              <a:extLst>
+                <a:ext uri="{BEBA8EAE-BF5A-486C-A8C5-ECC9F3942E4B}">
+                  <a14:imgProps xmlns:a14="http://schemas.microsoft.com/office/drawing/2010/main">
+                    <a14:imgLayer r:embed="rId5">
+                      <a14:imgEffect>
+                        <a14:backgroundRemoval t="10000" b="90000" l="10000" r="90000">
+                          <a14:foregroundMark x1="17969" y1="73333" x2="17969" y2="73333"/>
+                          <a14:foregroundMark x1="24375" y1="73889" x2="24375" y2="73889"/>
+                          <a14:foregroundMark x1="32188" y1="71111" x2="32188" y2="71111"/>
+                          <a14:foregroundMark x1="38281" y1="72778" x2="38281" y2="72778"/>
+                          <a14:foregroundMark x1="45938" y1="70833" x2="45938" y2="70833"/>
+                          <a14:foregroundMark x1="52344" y1="70000" x2="52344" y2="70000"/>
+                          <a14:foregroundMark x1="59062" y1="70000" x2="59062" y2="70000"/>
+                          <a14:foregroundMark x1="66250" y1="68056" x2="66250" y2="68056"/>
+                          <a14:foregroundMark x1="72031" y1="70278" x2="72031" y2="70278"/>
+                          <a14:foregroundMark x1="80938" y1="70000" x2="80938" y2="70000"/>
+                          <a14:backgroundMark x1="39688" y1="71944" x2="39688" y2="71944"/>
+                          <a14:backgroundMark x1="60625" y1="72500" x2="60625" y2="72500"/>
+                          <a14:backgroundMark x1="73281" y1="71389" x2="73281" y2="71389"/>
+                          <a14:backgroundMark x1="54688" y1="60556" x2="51875" y2="60556"/>
+                          <a14:backgroundMark x1="55313" y1="60556" x2="62031" y2="41944"/>
+                          <a14:backgroundMark x1="57188" y1="54444" x2="52812" y2="62500"/>
+                          <a14:backgroundMark x1="58438" y1="28056" x2="62187" y2="42778"/>
+                          <a14:backgroundMark x1="60781" y1="38333" x2="60938" y2="40833"/>
+                          <a14:backgroundMark x1="43594" y1="25000" x2="37031" y2="28611"/>
+                          <a14:backgroundMark x1="40625" y1="27500" x2="39219" y2="33889"/>
+                          <a14:backgroundMark x1="38281" y1="34722" x2="38594" y2="42778"/>
+                          <a14:backgroundMark x1="38906" y1="36944" x2="38906" y2="39444"/>
+                          <a14:backgroundMark x1="39531" y1="35278" x2="38438" y2="39444"/>
+                          <a14:backgroundMark x1="39063" y1="48611" x2="42031" y2="56389"/>
+                          <a14:backgroundMark x1="40781" y1="52778" x2="45313" y2="60833"/>
+                          <a14:backgroundMark x1="48125" y1="22500" x2="48125" y2="22500"/>
+                          <a14:backgroundMark x1="59844" y1="38889" x2="59844" y2="38889"/>
+                          <a14:backgroundMark x1="41094" y1="53333" x2="41094" y2="53333"/>
+                          <a14:backgroundMark x1="40469" y1="50556" x2="40469" y2="50556"/>
+                          <a14:backgroundMark x1="41875" y1="53611" x2="41875" y2="53611"/>
+                        </a14:backgroundRemoval>
+                      </a14:imgEffect>
+                    </a14:imgLayer>
+                  </a14:imgProps>
+                </a:ext>
+                <a:ext uri="{28A0092B-C50C-407E-A947-70E740481C1C}">
+                  <a14:useLocalDpi xmlns:a14="http://schemas.microsoft.com/office/drawing/2010/main" val="0"/>
+                </a:ext>
+              </a:extLst>
+            </a:blip>
+            <a:srcRect t="63825"/>
+            <a:stretch/>
+          </p:blipFill>
+          <p:spPr bwMode="auto">
+            <a:xfrm>
+              <a:off x="5817219" y="2207873"/>
+              <a:ext cx="1909763" cy="388609"/>
+            </a:xfrm>
+            <a:prstGeom prst="rect">
+              <a:avLst/>
+            </a:prstGeom>
+            <a:noFill/>
+            <a:extLst>
+              <a:ext uri="{909E8E84-426E-40DD-AFC4-6F175D3DCCD1}">
+                <a14:hiddenFill xmlns:a14="http://schemas.microsoft.com/office/drawing/2010/main">
+                  <a:solidFill>
+                    <a:srgbClr val="FFFFFF"/>
+                  </a:solidFill>
+                </a14:hiddenFill>
+              </a:ext>
+            </a:extLst>
+          </p:spPr>
+        </p:pic>
+        <p:grpSp>
+          <p:nvGrpSpPr>
+            <p:cNvPr id="20" name="그룹 19">
+              <a:extLst>
+                <a:ext uri="{FF2B5EF4-FFF2-40B4-BE49-F238E27FC236}">
+                  <a16:creationId xmlns:a16="http://schemas.microsoft.com/office/drawing/2014/main" id="{851872A2-1B7F-4408-A47E-1123389DBCA8}"/>
+                </a:ext>
+              </a:extLst>
+            </p:cNvPr>
+            <p:cNvGrpSpPr/>
+            <p:nvPr/>
+          </p:nvGrpSpPr>
+          <p:grpSpPr>
+            <a:xfrm>
+              <a:off x="235208" y="3817609"/>
+              <a:ext cx="3921551" cy="425778"/>
+              <a:chOff x="4021395" y="4699849"/>
+              <a:chExt cx="3921551" cy="425778"/>
+            </a:xfrm>
+          </p:grpSpPr>
+          <p:grpSp>
+            <p:nvGrpSpPr>
+              <p:cNvPr id="21" name="그룹 20">
+                <a:extLst>
+                  <a:ext uri="{FF2B5EF4-FFF2-40B4-BE49-F238E27FC236}">
+                    <a16:creationId xmlns:a16="http://schemas.microsoft.com/office/drawing/2014/main" id="{244BE7FC-779E-43D5-9FA1-33389188E1B9}"/>
+                  </a:ext>
+                </a:extLst>
+              </p:cNvPr>
+              <p:cNvGrpSpPr/>
+              <p:nvPr/>
+            </p:nvGrpSpPr>
+            <p:grpSpPr>
+              <a:xfrm>
+                <a:off x="4021395" y="4699849"/>
+                <a:ext cx="3921551" cy="425778"/>
+                <a:chOff x="4044099" y="4699849"/>
+                <a:chExt cx="3921551" cy="425778"/>
+              </a:xfrm>
+            </p:grpSpPr>
+            <p:grpSp>
+              <p:nvGrpSpPr>
+                <p:cNvPr id="24" name="그룹 23">
+                  <a:extLst>
+                    <a:ext uri="{FF2B5EF4-FFF2-40B4-BE49-F238E27FC236}">
+                      <a16:creationId xmlns:a16="http://schemas.microsoft.com/office/drawing/2014/main" id="{1E4EBA3A-F20F-499A-9589-5A30DBE8DDA6}"/>
+                    </a:ext>
+                  </a:extLst>
+                </p:cNvPr>
+                <p:cNvGrpSpPr/>
+                <p:nvPr/>
+              </p:nvGrpSpPr>
+              <p:grpSpPr>
+                <a:xfrm>
+                  <a:off x="4521189" y="4699849"/>
+                  <a:ext cx="2988297" cy="425778"/>
+                  <a:chOff x="4477732" y="4958499"/>
+                  <a:chExt cx="2988297" cy="425778"/>
+                </a:xfrm>
+              </p:grpSpPr>
+              <p:sp>
+                <p:nvSpPr>
+                  <p:cNvPr id="27" name="직사각형 26">
+                    <a:extLst>
+                      <a:ext uri="{FF2B5EF4-FFF2-40B4-BE49-F238E27FC236}">
+                        <a16:creationId xmlns:a16="http://schemas.microsoft.com/office/drawing/2014/main" id="{1710D691-5592-4965-86FD-AABB1569D79B}"/>
+                      </a:ext>
+                    </a:extLst>
+                  </p:cNvPr>
+                  <p:cNvSpPr/>
+                  <p:nvPr/>
+                </p:nvSpPr>
+                <p:spPr>
+                  <a:xfrm>
+                    <a:off x="4477732" y="4958500"/>
+                    <a:ext cx="2988297" cy="424206"/>
+                  </a:xfrm>
+                  <a:prstGeom prst="rect">
+                    <a:avLst/>
+                  </a:prstGeom>
+                  <a:ln w="28575">
+                    <a:solidFill>
+                      <a:schemeClr val="accent2"/>
+                    </a:solidFill>
+                  </a:ln>
+                </p:spPr>
+                <p:style>
+                  <a:lnRef idx="2">
+                    <a:schemeClr val="accent1"/>
+                  </a:lnRef>
+                  <a:fillRef idx="1">
+                    <a:schemeClr val="lt1"/>
+                  </a:fillRef>
+                  <a:effectRef idx="0">
+                    <a:schemeClr val="accent1"/>
+                  </a:effectRef>
+                  <a:fontRef idx="minor">
+                    <a:schemeClr val="dk1"/>
+                  </a:fontRef>
+                </p:style>
+                <p:txBody>
+                  <a:bodyPr rtlCol="0" anchor="ctr"/>
+                  <a:lstStyle/>
+                  <a:p>
+                    <a:pPr algn="ctr"/>
+                    <a:endParaRPr lang="ko-KR" altLang="en-US" dirty="0"/>
+                  </a:p>
+                </p:txBody>
+              </p:sp>
+              <p:cxnSp>
+                <p:nvCxnSpPr>
+                  <p:cNvPr id="28" name="직선 연결선 27">
+                    <a:extLst>
+                      <a:ext uri="{FF2B5EF4-FFF2-40B4-BE49-F238E27FC236}">
+                        <a16:creationId xmlns:a16="http://schemas.microsoft.com/office/drawing/2014/main" id="{E5DE63F0-FBB5-4464-BDB8-D7A1D7A1E595}"/>
+                      </a:ext>
+                    </a:extLst>
+                  </p:cNvPr>
+                  <p:cNvCxnSpPr>
+                    <a:cxnSpLocks/>
+                    <a:stCxn id="27" idx="0"/>
+                    <a:endCxn id="27" idx="2"/>
+                  </p:cNvCxnSpPr>
+                  <p:nvPr/>
+                </p:nvCxnSpPr>
+                <p:spPr>
+                  <a:xfrm>
+                    <a:off x="5971881" y="4958500"/>
+                    <a:ext cx="0" cy="424206"/>
+                  </a:xfrm>
+                  <a:prstGeom prst="line">
+                    <a:avLst/>
+                  </a:prstGeom>
+                  <a:ln w="19050">
+                    <a:solidFill>
+                      <a:schemeClr val="accent2"/>
+                    </a:solidFill>
+                  </a:ln>
+                </p:spPr>
+                <p:style>
+                  <a:lnRef idx="1">
+                    <a:schemeClr val="accent1"/>
+                  </a:lnRef>
+                  <a:fillRef idx="0">
+                    <a:schemeClr val="accent1"/>
+                  </a:fillRef>
+                  <a:effectRef idx="0">
+                    <a:schemeClr val="accent1"/>
+                  </a:effectRef>
+                  <a:fontRef idx="minor">
+                    <a:schemeClr val="tx1"/>
+                  </a:fontRef>
+                </p:style>
+              </p:cxnSp>
+              <p:cxnSp>
+                <p:nvCxnSpPr>
+                  <p:cNvPr id="29" name="직선 연결선 28">
+                    <a:extLst>
+                      <a:ext uri="{FF2B5EF4-FFF2-40B4-BE49-F238E27FC236}">
+                        <a16:creationId xmlns:a16="http://schemas.microsoft.com/office/drawing/2014/main" id="{77B334DC-3C71-4119-8509-6250F66E9B37}"/>
+                      </a:ext>
+                    </a:extLst>
+                  </p:cNvPr>
+                  <p:cNvCxnSpPr>
+                    <a:cxnSpLocks/>
+                  </p:cNvCxnSpPr>
+                  <p:nvPr/>
+                </p:nvCxnSpPr>
+                <p:spPr>
+                  <a:xfrm>
+                    <a:off x="6463646" y="4960071"/>
+                    <a:ext cx="0" cy="424206"/>
+                  </a:xfrm>
+                  <a:prstGeom prst="line">
+                    <a:avLst/>
+                  </a:prstGeom>
+                  <a:ln w="19050">
+                    <a:solidFill>
+                      <a:schemeClr val="accent2"/>
+                    </a:solidFill>
+                  </a:ln>
+                </p:spPr>
+                <p:style>
+                  <a:lnRef idx="1">
+                    <a:schemeClr val="accent1"/>
+                  </a:lnRef>
+                  <a:fillRef idx="0">
+                    <a:schemeClr val="accent1"/>
+                  </a:fillRef>
+                  <a:effectRef idx="0">
+                    <a:schemeClr val="accent1"/>
+                  </a:effectRef>
+                  <a:fontRef idx="minor">
+                    <a:schemeClr val="tx1"/>
+                  </a:fontRef>
+                </p:style>
+              </p:cxnSp>
+              <p:cxnSp>
+                <p:nvCxnSpPr>
+                  <p:cNvPr id="30" name="직선 연결선 29">
+                    <a:extLst>
+                      <a:ext uri="{FF2B5EF4-FFF2-40B4-BE49-F238E27FC236}">
+                        <a16:creationId xmlns:a16="http://schemas.microsoft.com/office/drawing/2014/main" id="{6D77D608-9DEC-48A8-80F4-88B0D1C78CC2}"/>
+                      </a:ext>
+                    </a:extLst>
+                  </p:cNvPr>
+                  <p:cNvCxnSpPr>
+                    <a:cxnSpLocks/>
+                  </p:cNvCxnSpPr>
+                  <p:nvPr/>
+                </p:nvCxnSpPr>
+                <p:spPr>
+                  <a:xfrm>
+                    <a:off x="6985262" y="4958499"/>
+                    <a:ext cx="0" cy="424206"/>
+                  </a:xfrm>
+                  <a:prstGeom prst="line">
+                    <a:avLst/>
+                  </a:prstGeom>
+                  <a:ln w="19050">
+                    <a:solidFill>
+                      <a:schemeClr val="accent2"/>
+                    </a:solidFill>
+                  </a:ln>
+                </p:spPr>
+                <p:style>
+                  <a:lnRef idx="1">
+                    <a:schemeClr val="accent1"/>
+                  </a:lnRef>
+                  <a:fillRef idx="0">
+                    <a:schemeClr val="accent1"/>
+                  </a:fillRef>
+                  <a:effectRef idx="0">
+                    <a:schemeClr val="accent1"/>
+                  </a:effectRef>
+                  <a:fontRef idx="minor">
+                    <a:schemeClr val="tx1"/>
+                  </a:fontRef>
+                </p:style>
+              </p:cxnSp>
+              <p:cxnSp>
+                <p:nvCxnSpPr>
+                  <p:cNvPr id="31" name="직선 연결선 30">
+                    <a:extLst>
+                      <a:ext uri="{FF2B5EF4-FFF2-40B4-BE49-F238E27FC236}">
+                        <a16:creationId xmlns:a16="http://schemas.microsoft.com/office/drawing/2014/main" id="{3E578B04-C243-49CE-8AC0-2F1E76C1AB06}"/>
+                      </a:ext>
+                    </a:extLst>
+                  </p:cNvPr>
+                  <p:cNvCxnSpPr>
+                    <a:cxnSpLocks/>
+                  </p:cNvCxnSpPr>
+                  <p:nvPr/>
+                </p:nvCxnSpPr>
+                <p:spPr>
+                  <a:xfrm>
+                    <a:off x="5456549" y="4958499"/>
+                    <a:ext cx="0" cy="424206"/>
+                  </a:xfrm>
+                  <a:prstGeom prst="line">
+                    <a:avLst/>
+                  </a:prstGeom>
+                  <a:ln w="19050">
+                    <a:solidFill>
+                      <a:schemeClr val="accent2"/>
+                    </a:solidFill>
+                  </a:ln>
+                </p:spPr>
+                <p:style>
+                  <a:lnRef idx="1">
+                    <a:schemeClr val="accent1"/>
+                  </a:lnRef>
+                  <a:fillRef idx="0">
+                    <a:schemeClr val="accent1"/>
+                  </a:fillRef>
+                  <a:effectRef idx="0">
+                    <a:schemeClr val="accent1"/>
+                  </a:effectRef>
+                  <a:fontRef idx="minor">
+                    <a:schemeClr val="tx1"/>
+                  </a:fontRef>
+                </p:style>
+              </p:cxnSp>
+              <p:cxnSp>
+                <p:nvCxnSpPr>
+                  <p:cNvPr id="32" name="직선 연결선 31">
+                    <a:extLst>
+                      <a:ext uri="{FF2B5EF4-FFF2-40B4-BE49-F238E27FC236}">
+                        <a16:creationId xmlns:a16="http://schemas.microsoft.com/office/drawing/2014/main" id="{81D213AA-6AC2-46A7-9E36-643F27E26C72}"/>
+                      </a:ext>
+                    </a:extLst>
+                  </p:cNvPr>
+                  <p:cNvCxnSpPr>
+                    <a:cxnSpLocks/>
+                  </p:cNvCxnSpPr>
+                  <p:nvPr/>
+                </p:nvCxnSpPr>
+                <p:spPr>
+                  <a:xfrm>
+                    <a:off x="4956928" y="4958499"/>
+                    <a:ext cx="0" cy="424206"/>
+                  </a:xfrm>
+                  <a:prstGeom prst="line">
+                    <a:avLst/>
+                  </a:prstGeom>
+                  <a:ln w="19050">
+                    <a:solidFill>
+                      <a:schemeClr val="accent2"/>
+                    </a:solidFill>
+                  </a:ln>
+                </p:spPr>
+                <p:style>
+                  <a:lnRef idx="1">
+                    <a:schemeClr val="accent1"/>
+                  </a:lnRef>
+                  <a:fillRef idx="0">
+                    <a:schemeClr val="accent1"/>
+                  </a:fillRef>
+                  <a:effectRef idx="0">
+                    <a:schemeClr val="accent1"/>
+                  </a:effectRef>
+                  <a:fontRef idx="minor">
+                    <a:schemeClr val="tx1"/>
+                  </a:fontRef>
+                </p:style>
+              </p:cxnSp>
+            </p:grpSp>
+            <p:cxnSp>
+              <p:nvCxnSpPr>
+                <p:cNvPr id="25" name="직선 화살표 연결선 24">
+                  <a:extLst>
+                    <a:ext uri="{FF2B5EF4-FFF2-40B4-BE49-F238E27FC236}">
+                      <a16:creationId xmlns:a16="http://schemas.microsoft.com/office/drawing/2014/main" id="{C2B334FD-5CE1-41D8-96FF-80286B96CBFA}"/>
+                    </a:ext>
+                  </a:extLst>
+                </p:cNvPr>
+                <p:cNvCxnSpPr/>
+                <p:nvPr/>
+              </p:nvCxnSpPr>
+              <p:spPr>
+                <a:xfrm>
+                  <a:off x="4044099" y="4911952"/>
+                  <a:ext cx="405353" cy="0"/>
+                </a:xfrm>
+                <a:prstGeom prst="straightConnector1">
+                  <a:avLst/>
+                </a:prstGeom>
+                <a:ln w="38100">
+                  <a:solidFill>
+                    <a:schemeClr val="accent2"/>
+                  </a:solidFill>
+                  <a:tailEnd type="triangle"/>
+                </a:ln>
+              </p:spPr>
+              <p:style>
+                <a:lnRef idx="1">
+                  <a:schemeClr val="accent1"/>
+                </a:lnRef>
+                <a:fillRef idx="0">
+                  <a:schemeClr val="accent1"/>
+                </a:fillRef>
+                <a:effectRef idx="0">
+                  <a:schemeClr val="accent1"/>
+                </a:effectRef>
+                <a:fontRef idx="minor">
+                  <a:schemeClr val="tx1"/>
+                </a:fontRef>
+              </p:style>
+            </p:cxnSp>
+            <p:cxnSp>
+              <p:nvCxnSpPr>
+                <p:cNvPr id="26" name="직선 화살표 연결선 25">
+                  <a:extLst>
+                    <a:ext uri="{FF2B5EF4-FFF2-40B4-BE49-F238E27FC236}">
+                      <a16:creationId xmlns:a16="http://schemas.microsoft.com/office/drawing/2014/main" id="{FB606F1A-E308-4926-AB70-D169790DB0BA}"/>
+                    </a:ext>
+                  </a:extLst>
+                </p:cNvPr>
+                <p:cNvCxnSpPr/>
+                <p:nvPr/>
+              </p:nvCxnSpPr>
+              <p:spPr>
+                <a:xfrm>
+                  <a:off x="7560297" y="4922950"/>
+                  <a:ext cx="405353" cy="0"/>
+                </a:xfrm>
+                <a:prstGeom prst="straightConnector1">
+                  <a:avLst/>
+                </a:prstGeom>
+                <a:ln w="38100">
+                  <a:solidFill>
+                    <a:schemeClr val="accent2"/>
+                  </a:solidFill>
+                  <a:tailEnd type="triangle"/>
+                </a:ln>
+              </p:spPr>
+              <p:style>
+                <a:lnRef idx="1">
+                  <a:schemeClr val="accent1"/>
+                </a:lnRef>
+                <a:fillRef idx="0">
+                  <a:schemeClr val="accent1"/>
+                </a:fillRef>
+                <a:effectRef idx="0">
+                  <a:schemeClr val="accent1"/>
+                </a:effectRef>
+                <a:fontRef idx="minor">
+                  <a:schemeClr val="tx1"/>
+                </a:fontRef>
+              </p:style>
+            </p:cxnSp>
+          </p:grpSp>
+          <p:sp>
+            <p:nvSpPr>
+              <p:cNvPr id="22" name="TextBox 21">
+                <a:extLst>
+                  <a:ext uri="{FF2B5EF4-FFF2-40B4-BE49-F238E27FC236}">
+                    <a16:creationId xmlns:a16="http://schemas.microsoft.com/office/drawing/2014/main" id="{5CD4368C-5E5B-47BE-8759-794610E26613}"/>
+                  </a:ext>
+                </a:extLst>
+              </p:cNvPr>
+              <p:cNvSpPr txBox="1"/>
+              <p:nvPr/>
+            </p:nvSpPr>
+            <p:spPr>
+              <a:xfrm>
+                <a:off x="7048268" y="4727286"/>
+                <a:ext cx="396262" cy="369332"/>
+              </a:xfrm>
+              <a:prstGeom prst="rect">
+                <a:avLst/>
+              </a:prstGeom>
+              <a:noFill/>
+              <a:ln>
+                <a:noFill/>
+              </a:ln>
+            </p:spPr>
+            <p:txBody>
+              <a:bodyPr wrap="none" rtlCol="0">
+                <a:spAutoFit/>
+              </a:bodyPr>
+              <a:lstStyle/>
+              <a:p>
+                <a:r>
+                  <a:rPr lang="en-US" altLang="ko-KR" dirty="0"/>
+                  <a:t>M</a:t>
+                </a:r>
+                <a:endParaRPr lang="ko-KR" altLang="en-US" dirty="0"/>
+              </a:p>
+            </p:txBody>
+          </p:sp>
+          <p:sp>
+            <p:nvSpPr>
+              <p:cNvPr id="23" name="TextBox 22">
+                <a:extLst>
+                  <a:ext uri="{FF2B5EF4-FFF2-40B4-BE49-F238E27FC236}">
+                    <a16:creationId xmlns:a16="http://schemas.microsoft.com/office/drawing/2014/main" id="{3C5F8268-79CC-4745-8B72-8F5E5941F041}"/>
+                  </a:ext>
+                </a:extLst>
+              </p:cNvPr>
+              <p:cNvSpPr txBox="1"/>
+              <p:nvPr/>
+            </p:nvSpPr>
+            <p:spPr>
+              <a:xfrm>
+                <a:off x="6535211" y="4727286"/>
+                <a:ext cx="396262" cy="369332"/>
+              </a:xfrm>
+              <a:prstGeom prst="rect">
+                <a:avLst/>
+              </a:prstGeom>
+              <a:noFill/>
+              <a:ln>
+                <a:noFill/>
+              </a:ln>
+            </p:spPr>
+            <p:txBody>
+              <a:bodyPr wrap="none" rtlCol="0">
+                <a:spAutoFit/>
+              </a:bodyPr>
+              <a:lstStyle/>
+              <a:p>
+                <a:r>
+                  <a:rPr lang="en-US" altLang="ko-KR" dirty="0"/>
+                  <a:t>M</a:t>
+                </a:r>
+                <a:endParaRPr lang="ko-KR" altLang="en-US" dirty="0"/>
+              </a:p>
+            </p:txBody>
+          </p:sp>
+        </p:grpSp>
+        <p:sp>
+          <p:nvSpPr>
+            <p:cNvPr id="17" name="TextBox 16">
+              <a:extLst>
+                <a:ext uri="{FF2B5EF4-FFF2-40B4-BE49-F238E27FC236}">
+                  <a16:creationId xmlns:a16="http://schemas.microsoft.com/office/drawing/2014/main" id="{40F9CE46-96D0-4A50-816F-D29A07C3AE49}"/>
+                </a:ext>
+              </a:extLst>
+            </p:cNvPr>
+            <p:cNvSpPr txBox="1"/>
+            <p:nvPr/>
+          </p:nvSpPr>
+          <p:spPr>
+            <a:xfrm>
+              <a:off x="1768665" y="4242831"/>
+              <a:ext cx="875561" cy="369332"/>
+            </a:xfrm>
+            <a:prstGeom prst="rect">
+              <a:avLst/>
+            </a:prstGeom>
+            <a:noFill/>
+          </p:spPr>
+          <p:txBody>
+            <a:bodyPr wrap="none" rtlCol="0">
+              <a:spAutoFit/>
+            </a:bodyPr>
+            <a:lstStyle/>
+            <a:p>
+              <a:r>
+                <a:rPr lang="en-US" altLang="ko-KR" dirty="0"/>
+                <a:t>Queue</a:t>
+              </a:r>
+              <a:endParaRPr lang="ko-KR" altLang="en-US" dirty="0"/>
+            </a:p>
+          </p:txBody>
+        </p:sp>
+        <p:sp>
+          <p:nvSpPr>
+            <p:cNvPr id="18" name="화살표: 왼쪽/오른쪽 17">
+              <a:extLst>
+                <a:ext uri="{FF2B5EF4-FFF2-40B4-BE49-F238E27FC236}">
+                  <a16:creationId xmlns:a16="http://schemas.microsoft.com/office/drawing/2014/main" id="{CE3115CB-2538-4C0D-BDBE-32456FBAB443}"/>
+                </a:ext>
+              </a:extLst>
+            </p:cNvPr>
+            <p:cNvSpPr/>
+            <p:nvPr/>
+          </p:nvSpPr>
+          <p:spPr>
+            <a:xfrm>
+              <a:off x="3875778" y="3322540"/>
+              <a:ext cx="1718572" cy="388609"/>
+            </a:xfrm>
+            <a:prstGeom prst="leftRightArrow">
+              <a:avLst/>
+            </a:prstGeom>
+            <a:solidFill>
+              <a:srgbClr val="5A7D59"/>
+            </a:solidFill>
+            <a:ln>
+              <a:noFill/>
+            </a:ln>
+          </p:spPr>
+          <p:style>
+            <a:lnRef idx="2">
+              <a:schemeClr val="accent1">
+                <a:shade val="50000"/>
+              </a:schemeClr>
+            </a:lnRef>
+            <a:fillRef idx="1">
+              <a:schemeClr val="accent1"/>
+            </a:fillRef>
+            <a:effectRef idx="0">
+              <a:schemeClr val="accent1"/>
+            </a:effectRef>
+            <a:fontRef idx="minor">
+              <a:schemeClr val="lt1"/>
+            </a:fontRef>
+          </p:style>
+          <p:txBody>
+            <a:bodyPr rtlCol="0" anchor="ctr"/>
+            <a:lstStyle/>
+            <a:p>
+              <a:pPr algn="ctr"/>
+              <a:endParaRPr lang="ko-KR" altLang="en-US"/>
+            </a:p>
+          </p:txBody>
+        </p:sp>
+        <p:sp>
+          <p:nvSpPr>
+            <p:cNvPr id="51" name="TextBox 50">
+              <a:extLst>
+                <a:ext uri="{FF2B5EF4-FFF2-40B4-BE49-F238E27FC236}">
+                  <a16:creationId xmlns:a16="http://schemas.microsoft.com/office/drawing/2014/main" id="{4A1931FA-E41F-4ADA-9865-CE55A75ABC8B}"/>
+                </a:ext>
+              </a:extLst>
+            </p:cNvPr>
+            <p:cNvSpPr txBox="1"/>
+            <p:nvPr/>
+          </p:nvSpPr>
+          <p:spPr>
+            <a:xfrm>
+              <a:off x="4298922" y="3020887"/>
+              <a:ext cx="908390" cy="369332"/>
+            </a:xfrm>
+            <a:prstGeom prst="rect">
+              <a:avLst/>
+            </a:prstGeom>
+            <a:noFill/>
+          </p:spPr>
+          <p:txBody>
+            <a:bodyPr wrap="none" rtlCol="0">
+              <a:spAutoFit/>
+            </a:bodyPr>
+            <a:lstStyle/>
+            <a:p>
+              <a:r>
+                <a:rPr lang="en-US" altLang="ko-KR" dirty="0"/>
+                <a:t>Trigger</a:t>
+              </a:r>
+              <a:endParaRPr lang="ko-KR" altLang="en-US" dirty="0"/>
+            </a:p>
+          </p:txBody>
+        </p:sp>
+        <p:sp>
+          <p:nvSpPr>
+            <p:cNvPr id="19" name="화살표: 아래쪽 18">
+              <a:extLst>
+                <a:ext uri="{FF2B5EF4-FFF2-40B4-BE49-F238E27FC236}">
+                  <a16:creationId xmlns:a16="http://schemas.microsoft.com/office/drawing/2014/main" id="{91978406-F781-4A24-9F76-A46C2AED3F99}"/>
+                </a:ext>
+              </a:extLst>
+            </p:cNvPr>
+            <p:cNvSpPr/>
+            <p:nvPr/>
+          </p:nvSpPr>
+          <p:spPr>
+            <a:xfrm rot="19500109">
+              <a:off x="6356469" y="3963690"/>
+              <a:ext cx="386047" cy="811203"/>
+            </a:xfrm>
+            <a:prstGeom prst="downArrow">
+              <a:avLst/>
+            </a:prstGeom>
+            <a:solidFill>
+              <a:srgbClr val="5A7D59"/>
+            </a:solidFill>
+            <a:ln>
+              <a:noFill/>
+            </a:ln>
+          </p:spPr>
+          <p:style>
+            <a:lnRef idx="2">
+              <a:schemeClr val="accent1">
+                <a:shade val="50000"/>
+              </a:schemeClr>
+            </a:lnRef>
+            <a:fillRef idx="1">
+              <a:schemeClr val="accent1"/>
+            </a:fillRef>
+            <a:effectRef idx="0">
+              <a:schemeClr val="accent1"/>
+            </a:effectRef>
+            <a:fontRef idx="minor">
+              <a:schemeClr val="lt1"/>
+            </a:fontRef>
+          </p:style>
+          <p:txBody>
+            <a:bodyPr rtlCol="0" anchor="ctr"/>
+            <a:lstStyle/>
+            <a:p>
+              <a:pPr algn="ctr"/>
+              <a:endParaRPr lang="ko-KR" altLang="en-US"/>
+            </a:p>
+          </p:txBody>
+        </p:sp>
+        <p:grpSp>
+          <p:nvGrpSpPr>
+            <p:cNvPr id="48" name="그룹 47">
+              <a:extLst>
+                <a:ext uri="{FF2B5EF4-FFF2-40B4-BE49-F238E27FC236}">
+                  <a16:creationId xmlns:a16="http://schemas.microsoft.com/office/drawing/2014/main" id="{1349726B-9E71-4BE8-945F-DE35692C112B}"/>
+                </a:ext>
+              </a:extLst>
+            </p:cNvPr>
+            <p:cNvGrpSpPr/>
+            <p:nvPr/>
+          </p:nvGrpSpPr>
+          <p:grpSpPr>
+            <a:xfrm>
+              <a:off x="8524236" y="2740075"/>
+              <a:ext cx="1697802" cy="1629217"/>
+              <a:chOff x="8475257" y="2982946"/>
+              <a:chExt cx="1697802" cy="1629217"/>
+            </a:xfrm>
+          </p:grpSpPr>
+          <p:sp>
+            <p:nvSpPr>
+              <p:cNvPr id="53" name="직사각형 52">
+                <a:extLst>
+                  <a:ext uri="{FF2B5EF4-FFF2-40B4-BE49-F238E27FC236}">
+                    <a16:creationId xmlns:a16="http://schemas.microsoft.com/office/drawing/2014/main" id="{631CC034-B10A-46F1-8FE3-769D91A424E0}"/>
+                  </a:ext>
+                </a:extLst>
+              </p:cNvPr>
+              <p:cNvSpPr/>
+              <p:nvPr/>
+            </p:nvSpPr>
+            <p:spPr>
+              <a:xfrm>
+                <a:off x="8475257" y="3324264"/>
+                <a:ext cx="1322790" cy="1287899"/>
+              </a:xfrm>
+              <a:prstGeom prst="rect">
+                <a:avLst/>
+              </a:prstGeom>
+              <a:solidFill>
+                <a:schemeClr val="accent1">
+                  <a:lumMod val="40000"/>
+                  <a:lumOff val="60000"/>
+                </a:schemeClr>
+              </a:solidFill>
+              <a:ln w="19050">
+                <a:solidFill>
+                  <a:schemeClr val="tx1"/>
+                </a:solidFill>
+              </a:ln>
+            </p:spPr>
+            <p:style>
+              <a:lnRef idx="2">
+                <a:schemeClr val="accent1">
+                  <a:shade val="50000"/>
+                </a:schemeClr>
+              </a:lnRef>
+              <a:fillRef idx="1">
+                <a:schemeClr val="accent1"/>
+              </a:fillRef>
+              <a:effectRef idx="0">
+                <a:schemeClr val="accent1"/>
+              </a:effectRef>
+              <a:fontRef idx="minor">
+                <a:schemeClr val="lt1"/>
+              </a:fontRef>
+            </p:style>
+            <p:txBody>
+              <a:bodyPr rtlCol="0" anchor="ctr"/>
+              <a:lstStyle/>
+              <a:p>
+                <a:pPr algn="ctr"/>
+                <a:r>
+                  <a:rPr lang="en-US" altLang="ko-KR" dirty="0">
+                    <a:solidFill>
+                      <a:schemeClr val="tx1"/>
+                    </a:solidFill>
+                    <a:latin typeface="G마켓 산스 TTF Bold" panose="02000000000000000000" pitchFamily="2" charset="-127"/>
+                    <a:ea typeface="G마켓 산스 TTF Bold" panose="02000000000000000000" pitchFamily="2" charset="-127"/>
+                  </a:rPr>
+                  <a:t>Pod 1</a:t>
+                </a:r>
+                <a:endParaRPr lang="ko-KR" altLang="en-US" dirty="0">
+                  <a:solidFill>
+                    <a:schemeClr val="tx1"/>
+                  </a:solidFill>
+                  <a:latin typeface="G마켓 산스 TTF Bold" panose="02000000000000000000" pitchFamily="2" charset="-127"/>
+                  <a:ea typeface="G마켓 산스 TTF Bold" panose="02000000000000000000" pitchFamily="2" charset="-127"/>
+                </a:endParaRPr>
+              </a:p>
+            </p:txBody>
+          </p:sp>
+          <p:sp>
+            <p:nvSpPr>
+              <p:cNvPr id="54" name="직사각형 53">
+                <a:extLst>
+                  <a:ext uri="{FF2B5EF4-FFF2-40B4-BE49-F238E27FC236}">
+                    <a16:creationId xmlns:a16="http://schemas.microsoft.com/office/drawing/2014/main" id="{B53F80E3-8115-464C-962C-CB3ADFC2C1A9}"/>
+                  </a:ext>
+                </a:extLst>
+              </p:cNvPr>
+              <p:cNvSpPr/>
+              <p:nvPr/>
+            </p:nvSpPr>
+            <p:spPr>
+              <a:xfrm>
+                <a:off x="8662763" y="3139598"/>
+                <a:ext cx="1322790" cy="1287899"/>
+              </a:xfrm>
+              <a:prstGeom prst="rect">
+                <a:avLst/>
+              </a:prstGeom>
+              <a:solidFill>
+                <a:schemeClr val="accent1">
+                  <a:lumMod val="40000"/>
+                  <a:lumOff val="60000"/>
+                </a:schemeClr>
+              </a:solidFill>
+              <a:ln w="19050">
+                <a:solidFill>
+                  <a:schemeClr val="tx1"/>
+                </a:solidFill>
+              </a:ln>
+            </p:spPr>
+            <p:style>
+              <a:lnRef idx="2">
+                <a:schemeClr val="accent1">
+                  <a:shade val="50000"/>
+                </a:schemeClr>
+              </a:lnRef>
+              <a:fillRef idx="1">
+                <a:schemeClr val="accent1"/>
+              </a:fillRef>
+              <a:effectRef idx="0">
+                <a:schemeClr val="accent1"/>
+              </a:effectRef>
+              <a:fontRef idx="minor">
+                <a:schemeClr val="lt1"/>
+              </a:fontRef>
+            </p:style>
+            <p:txBody>
+              <a:bodyPr rtlCol="0" anchor="ctr"/>
+              <a:lstStyle/>
+              <a:p>
+                <a:pPr algn="ctr"/>
+                <a:r>
+                  <a:rPr lang="en-US" altLang="ko-KR" dirty="0">
+                    <a:solidFill>
+                      <a:schemeClr val="tx1"/>
+                    </a:solidFill>
+                    <a:latin typeface="G마켓 산스 TTF Bold" panose="02000000000000000000" pitchFamily="2" charset="-127"/>
+                    <a:ea typeface="G마켓 산스 TTF Bold" panose="02000000000000000000" pitchFamily="2" charset="-127"/>
+                  </a:rPr>
+                  <a:t>Pod 1</a:t>
+                </a:r>
+                <a:endParaRPr lang="ko-KR" altLang="en-US" dirty="0">
+                  <a:solidFill>
+                    <a:schemeClr val="tx1"/>
+                  </a:solidFill>
+                  <a:latin typeface="G마켓 산스 TTF Bold" panose="02000000000000000000" pitchFamily="2" charset="-127"/>
+                  <a:ea typeface="G마켓 산스 TTF Bold" panose="02000000000000000000" pitchFamily="2" charset="-127"/>
+                </a:endParaRPr>
+              </a:p>
+            </p:txBody>
+          </p:sp>
+          <p:sp>
+            <p:nvSpPr>
+              <p:cNvPr id="55" name="직사각형 54">
+                <a:extLst>
+                  <a:ext uri="{FF2B5EF4-FFF2-40B4-BE49-F238E27FC236}">
+                    <a16:creationId xmlns:a16="http://schemas.microsoft.com/office/drawing/2014/main" id="{EB3CBC52-C6EF-4DEB-B4CB-72EDA8355E12}"/>
+                  </a:ext>
+                </a:extLst>
+              </p:cNvPr>
+              <p:cNvSpPr/>
+              <p:nvPr/>
+            </p:nvSpPr>
+            <p:spPr>
+              <a:xfrm>
+                <a:off x="8850269" y="2982946"/>
+                <a:ext cx="1322790" cy="1287899"/>
+              </a:xfrm>
+              <a:prstGeom prst="rect">
+                <a:avLst/>
+              </a:prstGeom>
+              <a:solidFill>
+                <a:schemeClr val="accent1">
+                  <a:lumMod val="40000"/>
+                  <a:lumOff val="60000"/>
+                </a:schemeClr>
+              </a:solidFill>
+              <a:ln w="19050">
+                <a:solidFill>
+                  <a:schemeClr val="tx1"/>
+                </a:solidFill>
+              </a:ln>
+            </p:spPr>
+            <p:style>
+              <a:lnRef idx="2">
+                <a:schemeClr val="accent1">
+                  <a:shade val="50000"/>
+                </a:schemeClr>
+              </a:lnRef>
+              <a:fillRef idx="1">
+                <a:schemeClr val="accent1"/>
+              </a:fillRef>
+              <a:effectRef idx="0">
+                <a:schemeClr val="accent1"/>
+              </a:effectRef>
+              <a:fontRef idx="minor">
+                <a:schemeClr val="lt1"/>
+              </a:fontRef>
+            </p:style>
+            <p:txBody>
+              <a:bodyPr rtlCol="0" anchor="ctr"/>
+              <a:lstStyle/>
+              <a:p>
+                <a:pPr algn="ctr"/>
+                <a:r>
+                  <a:rPr lang="en-US" altLang="ko-KR" dirty="0">
+                    <a:solidFill>
+                      <a:schemeClr val="tx1"/>
+                    </a:solidFill>
+                    <a:latin typeface="G마켓 산스 TTF Bold" panose="02000000000000000000" pitchFamily="2" charset="-127"/>
+                    <a:ea typeface="G마켓 산스 TTF Bold" panose="02000000000000000000" pitchFamily="2" charset="-127"/>
+                  </a:rPr>
+                  <a:t>Pod 1</a:t>
+                </a:r>
+                <a:endParaRPr lang="ko-KR" altLang="en-US" dirty="0">
+                  <a:solidFill>
+                    <a:schemeClr val="tx1"/>
+                  </a:solidFill>
+                  <a:latin typeface="G마켓 산스 TTF Bold" panose="02000000000000000000" pitchFamily="2" charset="-127"/>
+                  <a:ea typeface="G마켓 산스 TTF Bold" panose="02000000000000000000" pitchFamily="2" charset="-127"/>
+                </a:endParaRPr>
+              </a:p>
+            </p:txBody>
+          </p:sp>
+        </p:grpSp>
+        <p:pic>
+          <p:nvPicPr>
+            <p:cNvPr id="57" name="Picture 6" descr="쿠버네티스 유경험자 품귀 현상, 해결책은? - 지디넷코리아">
+              <a:extLst>
+                <a:ext uri="{FF2B5EF4-FFF2-40B4-BE49-F238E27FC236}">
+                  <a16:creationId xmlns:a16="http://schemas.microsoft.com/office/drawing/2014/main" id="{2BA1879D-80B0-4CE3-B5E8-9997EF8A5953}"/>
+                </a:ext>
+              </a:extLst>
+            </p:cNvPr>
+            <p:cNvPicPr>
+              <a:picLocks noChangeAspect="1" noChangeArrowheads="1"/>
+            </p:cNvPicPr>
+            <p:nvPr/>
+          </p:nvPicPr>
+          <p:blipFill rotWithShape="1">
+            <a:blip r:embed="rId4">
+              <a:extLst>
+                <a:ext uri="{BEBA8EAE-BF5A-486C-A8C5-ECC9F3942E4B}">
+                  <a14:imgProps xmlns:a14="http://schemas.microsoft.com/office/drawing/2010/main">
+                    <a14:imgLayer r:embed="rId5">
+                      <a14:imgEffect>
+                        <a14:backgroundRemoval t="10000" b="90000" l="10000" r="90000">
+                          <a14:foregroundMark x1="17969" y1="73333" x2="17969" y2="73333"/>
+                          <a14:foregroundMark x1="24375" y1="73889" x2="24375" y2="73889"/>
+                          <a14:foregroundMark x1="32188" y1="71111" x2="32188" y2="71111"/>
+                          <a14:foregroundMark x1="38281" y1="72778" x2="38281" y2="72778"/>
+                          <a14:foregroundMark x1="45938" y1="70833" x2="45938" y2="70833"/>
+                          <a14:foregroundMark x1="52344" y1="70000" x2="52344" y2="70000"/>
+                          <a14:foregroundMark x1="59062" y1="70000" x2="59062" y2="70000"/>
+                          <a14:foregroundMark x1="66250" y1="68056" x2="66250" y2="68056"/>
+                          <a14:foregroundMark x1="72031" y1="70278" x2="72031" y2="70278"/>
+                          <a14:foregroundMark x1="80938" y1="70000" x2="80938" y2="70000"/>
+                          <a14:backgroundMark x1="39688" y1="71944" x2="39688" y2="71944"/>
+                          <a14:backgroundMark x1="60625" y1="72500" x2="60625" y2="72500"/>
+                          <a14:backgroundMark x1="73281" y1="71389" x2="73281" y2="71389"/>
+                          <a14:backgroundMark x1="54688" y1="60556" x2="51875" y2="60556"/>
+                          <a14:backgroundMark x1="55313" y1="60556" x2="62031" y2="41944"/>
+                          <a14:backgroundMark x1="57188" y1="54444" x2="52812" y2="62500"/>
+                          <a14:backgroundMark x1="58438" y1="28056" x2="62187" y2="42778"/>
+                          <a14:backgroundMark x1="60781" y1="38333" x2="60938" y2="40833"/>
+                          <a14:backgroundMark x1="43594" y1="25000" x2="37031" y2="28611"/>
+                          <a14:backgroundMark x1="40625" y1="27500" x2="39219" y2="33889"/>
+                          <a14:backgroundMark x1="38281" y1="34722" x2="38594" y2="42778"/>
+                          <a14:backgroundMark x1="38906" y1="36944" x2="38906" y2="39444"/>
+                          <a14:backgroundMark x1="39531" y1="35278" x2="38438" y2="39444"/>
+                          <a14:backgroundMark x1="39063" y1="48611" x2="42031" y2="56389"/>
+                          <a14:backgroundMark x1="40781" y1="52778" x2="45313" y2="60833"/>
+                          <a14:backgroundMark x1="48125" y1="22500" x2="48125" y2="22500"/>
+                          <a14:backgroundMark x1="59844" y1="38889" x2="59844" y2="38889"/>
+                          <a14:backgroundMark x1="41094" y1="53333" x2="41094" y2="53333"/>
+                          <a14:backgroundMark x1="40469" y1="50556" x2="40469" y2="50556"/>
+                          <a14:backgroundMark x1="41875" y1="53611" x2="41875" y2="53611"/>
+                        </a14:backgroundRemoval>
+                      </a14:imgEffect>
+                    </a14:imgLayer>
+                  </a14:imgProps>
+                </a:ext>
+                <a:ext uri="{28A0092B-C50C-407E-A947-70E740481C1C}">
+                  <a14:useLocalDpi xmlns:a14="http://schemas.microsoft.com/office/drawing/2010/main" val="0"/>
+                </a:ext>
+              </a:extLst>
+            </a:blip>
+            <a:srcRect l="33088" t="17647" r="37717" b="32809"/>
+            <a:stretch/>
+          </p:blipFill>
+          <p:spPr bwMode="auto">
+            <a:xfrm>
+              <a:off x="5538439" y="2064269"/>
+              <a:ext cx="557561" cy="532213"/>
+            </a:xfrm>
+            <a:prstGeom prst="rect">
+              <a:avLst/>
+            </a:prstGeom>
+            <a:noFill/>
+            <a:extLst>
+              <a:ext uri="{909E8E84-426E-40DD-AFC4-6F175D3DCCD1}">
+                <a14:hiddenFill xmlns:a14="http://schemas.microsoft.com/office/drawing/2010/main">
+                  <a:solidFill>
+                    <a:srgbClr val="FFFFFF"/>
+                  </a:solidFill>
+                </a14:hiddenFill>
+              </a:ext>
+            </a:extLst>
+          </p:spPr>
+        </p:pic>
+        <p:sp>
+          <p:nvSpPr>
+            <p:cNvPr id="58" name="직사각형 57">
+              <a:extLst>
+                <a:ext uri="{FF2B5EF4-FFF2-40B4-BE49-F238E27FC236}">
+                  <a16:creationId xmlns:a16="http://schemas.microsoft.com/office/drawing/2014/main" id="{DDC0962F-7217-42A5-882C-02990F26FCE4}"/>
+                </a:ext>
+              </a:extLst>
+            </p:cNvPr>
+            <p:cNvSpPr/>
+            <p:nvPr/>
+          </p:nvSpPr>
+          <p:spPr>
+            <a:xfrm>
+              <a:off x="5816406" y="4812257"/>
+              <a:ext cx="2503705" cy="683927"/>
+            </a:xfrm>
+            <a:prstGeom prst="rect">
+              <a:avLst/>
+            </a:prstGeom>
+            <a:solidFill>
+              <a:schemeClr val="accent2">
+                <a:lumMod val="60000"/>
+                <a:lumOff val="40000"/>
+              </a:schemeClr>
+            </a:solidFill>
+            <a:ln w="19050">
+              <a:solidFill>
+                <a:schemeClr val="tx1"/>
+              </a:solidFill>
+            </a:ln>
+          </p:spPr>
+          <p:style>
+            <a:lnRef idx="2">
+              <a:schemeClr val="accent1">
+                <a:shade val="50000"/>
+              </a:schemeClr>
+            </a:lnRef>
+            <a:fillRef idx="1">
+              <a:schemeClr val="accent1"/>
+            </a:fillRef>
+            <a:effectRef idx="0">
+              <a:schemeClr val="accent1"/>
+            </a:effectRef>
+            <a:fontRef idx="minor">
+              <a:schemeClr val="lt1"/>
+            </a:fontRef>
+          </p:style>
+          <p:txBody>
+            <a:bodyPr rtlCol="0" anchor="ctr"/>
+            <a:lstStyle/>
+            <a:p>
+              <a:pPr algn="ctr"/>
+              <a:r>
+                <a:rPr lang="en-US" altLang="ko-KR" dirty="0">
+                  <a:solidFill>
+                    <a:schemeClr val="tx1"/>
+                  </a:solidFill>
+                  <a:latin typeface="G마켓 산스 TTF Bold" panose="02000000000000000000" pitchFamily="2" charset="-127"/>
+                  <a:ea typeface="G마켓 산스 TTF Bold" panose="02000000000000000000" pitchFamily="2" charset="-127"/>
+                </a:rPr>
+                <a:t>Pod Auto-Scaler</a:t>
+              </a:r>
+              <a:endParaRPr lang="ko-KR" altLang="en-US" dirty="0">
+                <a:latin typeface="G마켓 산스 TTF Bold" panose="02000000000000000000" pitchFamily="2" charset="-127"/>
+                <a:ea typeface="G마켓 산스 TTF Bold" panose="02000000000000000000" pitchFamily="2" charset="-127"/>
+              </a:endParaRPr>
+            </a:p>
+          </p:txBody>
+        </p:sp>
+        <p:cxnSp>
+          <p:nvCxnSpPr>
+            <p:cNvPr id="52" name="연결선: 구부러짐 51">
+              <a:extLst>
+                <a:ext uri="{FF2B5EF4-FFF2-40B4-BE49-F238E27FC236}">
+                  <a16:creationId xmlns:a16="http://schemas.microsoft.com/office/drawing/2014/main" id="{B510C3C3-0BE0-4BDC-95EF-40B5CC227236}"/>
+                </a:ext>
+              </a:extLst>
+            </p:cNvPr>
+            <p:cNvCxnSpPr/>
+            <p:nvPr/>
+          </p:nvCxnSpPr>
+          <p:spPr>
+            <a:xfrm flipV="1">
+              <a:off x="8320111" y="4369292"/>
+              <a:ext cx="835040" cy="749118"/>
+            </a:xfrm>
+            <a:prstGeom prst="curvedConnector3">
+              <a:avLst>
+                <a:gd name="adj1" fmla="val 103417"/>
+              </a:avLst>
+            </a:prstGeom>
+            <a:ln w="19050">
+              <a:solidFill>
+                <a:schemeClr val="tx1"/>
+              </a:solidFill>
+              <a:tailEnd type="triangle"/>
+            </a:ln>
+          </p:spPr>
+          <p:style>
+            <a:lnRef idx="1">
+              <a:schemeClr val="accent1"/>
+            </a:lnRef>
+            <a:fillRef idx="0">
+              <a:schemeClr val="accent1"/>
+            </a:fillRef>
+            <a:effectRef idx="0">
+              <a:schemeClr val="accent1"/>
+            </a:effectRef>
+            <a:fontRef idx="minor">
+              <a:schemeClr val="tx1"/>
+            </a:fontRef>
+          </p:style>
+        </p:cxnSp>
+        <p:cxnSp>
+          <p:nvCxnSpPr>
+            <p:cNvPr id="65" name="연결선: 구부러짐 64">
+              <a:extLst>
+                <a:ext uri="{FF2B5EF4-FFF2-40B4-BE49-F238E27FC236}">
+                  <a16:creationId xmlns:a16="http://schemas.microsoft.com/office/drawing/2014/main" id="{6B080658-43E9-406C-8C5A-1EE26628C945}"/>
+                </a:ext>
+              </a:extLst>
+            </p:cNvPr>
+            <p:cNvCxnSpPr>
+              <a:stCxn id="58" idx="3"/>
+            </p:cNvCxnSpPr>
+            <p:nvPr/>
+          </p:nvCxnSpPr>
+          <p:spPr>
+            <a:xfrm flipV="1">
+              <a:off x="8320111" y="4214378"/>
+              <a:ext cx="1046913" cy="939843"/>
+            </a:xfrm>
+            <a:prstGeom prst="curvedConnector3">
+              <a:avLst>
+                <a:gd name="adj1" fmla="val 102192"/>
+              </a:avLst>
+            </a:prstGeom>
+            <a:ln w="19050">
+              <a:solidFill>
+                <a:schemeClr val="tx1"/>
+              </a:solidFill>
+              <a:tailEnd type="triangle"/>
+            </a:ln>
+          </p:spPr>
+          <p:style>
+            <a:lnRef idx="1">
+              <a:schemeClr val="accent1"/>
+            </a:lnRef>
+            <a:fillRef idx="0">
+              <a:schemeClr val="accent1"/>
+            </a:fillRef>
+            <a:effectRef idx="0">
+              <a:schemeClr val="accent1"/>
+            </a:effectRef>
+            <a:fontRef idx="minor">
+              <a:schemeClr val="tx1"/>
+            </a:fontRef>
+          </p:style>
+        </p:cxnSp>
+        <p:cxnSp>
+          <p:nvCxnSpPr>
+            <p:cNvPr id="68" name="연결선: 구부러짐 67">
+              <a:extLst>
+                <a:ext uri="{FF2B5EF4-FFF2-40B4-BE49-F238E27FC236}">
+                  <a16:creationId xmlns:a16="http://schemas.microsoft.com/office/drawing/2014/main" id="{450EE7D5-6920-40E2-B93F-2A0513EA3927}"/>
+                </a:ext>
+              </a:extLst>
+            </p:cNvPr>
+            <p:cNvCxnSpPr/>
+            <p:nvPr/>
+          </p:nvCxnSpPr>
+          <p:spPr>
+            <a:xfrm flipV="1">
+              <a:off x="8320111" y="4040710"/>
+              <a:ext cx="1173677" cy="1077700"/>
+            </a:xfrm>
+            <a:prstGeom prst="curvedConnector3">
+              <a:avLst>
+                <a:gd name="adj1" fmla="val 103206"/>
+              </a:avLst>
+            </a:prstGeom>
+            <a:ln w="12700">
+              <a:solidFill>
+                <a:schemeClr val="tx1"/>
+              </a:solidFill>
+              <a:tailEnd type="triangle"/>
+            </a:ln>
+          </p:spPr>
+          <p:style>
+            <a:lnRef idx="1">
+              <a:schemeClr val="accent1"/>
+            </a:lnRef>
+            <a:fillRef idx="0">
+              <a:schemeClr val="accent1"/>
+            </a:fillRef>
+            <a:effectRef idx="0">
+              <a:schemeClr val="accent1"/>
+            </a:effectRef>
+            <a:fontRef idx="minor">
+              <a:schemeClr val="tx1"/>
+            </a:fontRef>
+          </p:style>
+        </p:cxnSp>
+      </p:grpSp>
+    </p:spTree>
+    <p:extLst>
+      <p:ext uri="{BB962C8B-B14F-4D97-AF65-F5344CB8AC3E}">
+        <p14:creationId xmlns:p14="http://schemas.microsoft.com/office/powerpoint/2010/main" val="1678449070"/>
+      </p:ext>
+    </p:extLst>
+  </p:cSld>
+  <p:clrMapOvr>
+    <a:masterClrMapping/>
+  </p:clrMapOvr>
+</p:sld>
+</file>
+
+<file path=ppt/slides/slide14.xml><?xml version="1.0" encoding="utf-8"?>
+<p:sld xmlns:a="http://schemas.openxmlformats.org/drawingml/2006/main" xmlns:r="http://schemas.openxmlformats.org/officeDocument/2006/relationships" xmlns:p="http://schemas.openxmlformats.org/presentationml/2006/main">
+  <p:cSld>
+    <p:spTree>
+      <p:nvGrpSpPr>
+        <p:cNvPr id="1" name=""/>
+        <p:cNvGrpSpPr/>
+        <p:nvPr/>
+      </p:nvGrpSpPr>
+      <p:grpSpPr>
+        <a:xfrm>
+          <a:off x="0" y="0"/>
+          <a:ext cx="0" cy="0"/>
+          <a:chOff x="0" y="0"/>
+          <a:chExt cx="0" cy="0"/>
+        </a:xfrm>
+      </p:grpSpPr>
+      <p:pic>
+        <p:nvPicPr>
+          <p:cNvPr id="5" name="그림 4" descr="지도이(가) 표시된 사진&#10;&#10;자동 생성된 설명">
+            <a:extLst>
+              <a:ext uri="{FF2B5EF4-FFF2-40B4-BE49-F238E27FC236}">
+                <a16:creationId xmlns:a16="http://schemas.microsoft.com/office/drawing/2014/main" id="{A66A92E6-478C-4518-BB6D-66E17F825E08}"/>
+              </a:ext>
+            </a:extLst>
+          </p:cNvPr>
+          <p:cNvPicPr>
+            <a:picLocks noChangeAspect="1"/>
+          </p:cNvPicPr>
+          <p:nvPr/>
+        </p:nvPicPr>
+        <p:blipFill>
+          <a:blip r:embed="rId2"/>
+          <a:stretch>
+            <a:fillRect/>
+          </a:stretch>
+        </p:blipFill>
+        <p:spPr>
+          <a:xfrm>
+            <a:off x="1185862" y="923925"/>
+            <a:ext cx="9820275" cy="5010150"/>
+          </a:xfrm>
+          <a:prstGeom prst="rect">
+            <a:avLst/>
+          </a:prstGeom>
+        </p:spPr>
+      </p:pic>
+      <p:pic>
+        <p:nvPicPr>
+          <p:cNvPr id="2050" name="Picture 2" descr="지도 기호의 무료 벡터, 클립 아트, 이미지 다운로드 - illustAC">
+            <a:extLst>
+              <a:ext uri="{FF2B5EF4-FFF2-40B4-BE49-F238E27FC236}">
+                <a16:creationId xmlns:a16="http://schemas.microsoft.com/office/drawing/2014/main" id="{79805786-1E1E-4E80-A49E-8916002AC926}"/>
+              </a:ext>
+            </a:extLst>
+          </p:cNvPr>
+          <p:cNvPicPr>
+            <a:picLocks noChangeAspect="1" noChangeArrowheads="1"/>
+          </p:cNvPicPr>
+          <p:nvPr/>
+        </p:nvPicPr>
+        <p:blipFill>
+          <a:blip r:embed="rId3">
+            <a:extLst>
+              <a:ext uri="{BEBA8EAE-BF5A-486C-A8C5-ECC9F3942E4B}">
+                <a14:imgProps xmlns:a14="http://schemas.microsoft.com/office/drawing/2010/main">
+                  <a14:imgLayer r:embed="rId4">
+                    <a14:imgEffect>
+                      <a14:backgroundRemoval t="10000" b="90000" l="10000" r="90000">
+                        <a14:foregroundMark x1="40969" y1="48529" x2="40969" y2="48529"/>
+                        <a14:foregroundMark x1="50220" y1="55294" x2="57269" y2="42941"/>
+                        <a14:foregroundMark x1="56828" y1="17647" x2="46916" y2="12059"/>
+                      </a14:backgroundRemoval>
+                    </a14:imgEffect>
+                  </a14:imgLayer>
+                </a14:imgProps>
+              </a:ext>
+              <a:ext uri="{28A0092B-C50C-407E-A947-70E740481C1C}">
+                <a14:useLocalDpi xmlns:a14="http://schemas.microsoft.com/office/drawing/2010/main" val="0"/>
+              </a:ext>
+            </a:extLst>
+          </a:blip>
+          <a:srcRect/>
+          <a:stretch>
+            <a:fillRect/>
+          </a:stretch>
+        </p:blipFill>
+        <p:spPr bwMode="auto">
+          <a:xfrm>
+            <a:off x="5143500" y="3846588"/>
+            <a:ext cx="790575" cy="592061"/>
+          </a:xfrm>
+          <a:prstGeom prst="rect">
+            <a:avLst/>
+          </a:prstGeom>
+          <a:noFill/>
+          <a:extLst>
+            <a:ext uri="{909E8E84-426E-40DD-AFC4-6F175D3DCCD1}">
+              <a14:hiddenFill xmlns:a14="http://schemas.microsoft.com/office/drawing/2010/main">
+                <a:solidFill>
+                  <a:srgbClr val="FFFFFF"/>
+                </a:solidFill>
+              </a14:hiddenFill>
+            </a:ext>
+          </a:extLst>
+        </p:spPr>
+      </p:pic>
+      <p:sp>
+        <p:nvSpPr>
+          <p:cNvPr id="9" name="TextBox 8">
+            <a:extLst>
+              <a:ext uri="{FF2B5EF4-FFF2-40B4-BE49-F238E27FC236}">
+                <a16:creationId xmlns:a16="http://schemas.microsoft.com/office/drawing/2014/main" id="{817AE7A3-2D4C-4046-A647-6E26DD7A67D0}"/>
+              </a:ext>
+            </a:extLst>
+          </p:cNvPr>
+          <p:cNvSpPr txBox="1"/>
+          <p:nvPr/>
+        </p:nvSpPr>
+        <p:spPr>
+          <a:xfrm>
+            <a:off x="4967173" y="3720855"/>
+            <a:ext cx="2852180" cy="515526"/>
+          </a:xfrm>
+          <a:prstGeom prst="rect">
+            <a:avLst/>
+          </a:prstGeom>
+          <a:noFill/>
+        </p:spPr>
+        <p:txBody>
+          <a:bodyPr wrap="square">
+            <a:spAutoFit/>
+          </a:bodyPr>
+          <a:lstStyle/>
+          <a:p>
+            <a:pPr algn="ctr">
+              <a:lnSpc>
+                <a:spcPct val="150000"/>
+              </a:lnSpc>
+            </a:pPr>
+            <a:r>
+              <a:rPr lang="ko-KR" altLang="en-US" sz="2000" dirty="0">
+                <a:solidFill>
+                  <a:srgbClr val="FF0000"/>
+                </a:solidFill>
+                <a:latin typeface="G마켓 산스 TTF Medium" panose="02000000000000000000" pitchFamily="2" charset="-127"/>
+                <a:ea typeface="G마켓 산스 TTF Medium" panose="02000000000000000000" pitchFamily="2" charset="-127"/>
+              </a:rPr>
+              <a:t>사고 발생 </a:t>
+            </a:r>
+            <a:r>
+              <a:rPr lang="en-US" altLang="ko-KR" sz="2000" dirty="0">
+                <a:solidFill>
+                  <a:srgbClr val="FF0000"/>
+                </a:solidFill>
+                <a:latin typeface="G마켓 산스 TTF Medium" panose="02000000000000000000" pitchFamily="2" charset="-127"/>
+                <a:ea typeface="G마켓 산스 TTF Medium" panose="02000000000000000000" pitchFamily="2" charset="-127"/>
+              </a:rPr>
+              <a:t>!</a:t>
+            </a:r>
+            <a:endParaRPr lang="ko-KR" altLang="en-US" sz="2000" dirty="0">
+              <a:solidFill>
+                <a:srgbClr val="FF0000"/>
+              </a:solidFill>
+              <a:latin typeface="G마켓 산스 TTF Medium" panose="02000000000000000000" pitchFamily="2" charset="-127"/>
+              <a:ea typeface="G마켓 산스 TTF Medium" panose="02000000000000000000" pitchFamily="2" charset="-127"/>
+            </a:endParaRPr>
+          </a:p>
+        </p:txBody>
+      </p:sp>
+    </p:spTree>
+    <p:extLst>
+      <p:ext uri="{BB962C8B-B14F-4D97-AF65-F5344CB8AC3E}">
+        <p14:creationId xmlns:p14="http://schemas.microsoft.com/office/powerpoint/2010/main" val="3918208362"/>
+      </p:ext>
+    </p:extLst>
+  </p:cSld>
+  <p:clrMapOvr>
+    <a:masterClrMapping/>
+  </p:clrMapOvr>
+</p:sld>
+</file>
+
 <file path=ppt/slides/slide2.xml><?xml version="1.0" encoding="utf-8"?>
 <p:sld xmlns:a="http://schemas.openxmlformats.org/drawingml/2006/main" xmlns:r="http://schemas.openxmlformats.org/officeDocument/2006/relationships" xmlns:p="http://schemas.openxmlformats.org/presentationml/2006/main">
   <p:cSld>
@@ -5792,6 +11215,1696 @@
 </file>
 
 <file path=ppt/slides/slide4.xml><?xml version="1.0" encoding="utf-8"?>
+<p:sld xmlns:a="http://schemas.openxmlformats.org/drawingml/2006/main" xmlns:r="http://schemas.openxmlformats.org/officeDocument/2006/relationships" xmlns:p="http://schemas.openxmlformats.org/presentationml/2006/main">
+  <p:cSld>
+    <p:spTree>
+      <p:nvGrpSpPr>
+        <p:cNvPr id="1" name=""/>
+        <p:cNvGrpSpPr/>
+        <p:nvPr/>
+      </p:nvGrpSpPr>
+      <p:grpSpPr>
+        <a:xfrm>
+          <a:off x="0" y="0"/>
+          <a:ext cx="0" cy="0"/>
+          <a:chOff x="0" y="0"/>
+          <a:chExt cx="0" cy="0"/>
+        </a:xfrm>
+      </p:grpSpPr>
+      <p:grpSp>
+        <p:nvGrpSpPr>
+          <p:cNvPr id="4" name="그룹 3">
+            <a:extLst>
+              <a:ext uri="{FF2B5EF4-FFF2-40B4-BE49-F238E27FC236}">
+                <a16:creationId xmlns:a16="http://schemas.microsoft.com/office/drawing/2014/main" id="{F1F3B606-692F-4018-A10B-ED45DD70A114}"/>
+              </a:ext>
+            </a:extLst>
+          </p:cNvPr>
+          <p:cNvGrpSpPr/>
+          <p:nvPr/>
+        </p:nvGrpSpPr>
+        <p:grpSpPr>
+          <a:xfrm>
+            <a:off x="7147257" y="990833"/>
+            <a:ext cx="3604018" cy="5364760"/>
+            <a:chOff x="4187729" y="746620"/>
+            <a:chExt cx="3604018" cy="5364760"/>
+          </a:xfrm>
+        </p:grpSpPr>
+        <p:pic>
+          <p:nvPicPr>
+            <p:cNvPr id="5" name="그림 4">
+              <a:extLst>
+                <a:ext uri="{FF2B5EF4-FFF2-40B4-BE49-F238E27FC236}">
+                  <a16:creationId xmlns:a16="http://schemas.microsoft.com/office/drawing/2014/main" id="{5527C3CF-2E69-46FF-8DC0-49B7F0C4F58A}"/>
+                </a:ext>
+              </a:extLst>
+            </p:cNvPr>
+            <p:cNvPicPr>
+              <a:picLocks noChangeAspect="1"/>
+            </p:cNvPicPr>
+            <p:nvPr/>
+          </p:nvPicPr>
+          <p:blipFill>
+            <a:blip r:embed="rId2" cstate="screen">
+              <a:extLst>
+                <a:ext uri="{BEBA8EAE-BF5A-486C-A8C5-ECC9F3942E4B}">
+                  <a14:imgProps xmlns:a14="http://schemas.microsoft.com/office/drawing/2010/main">
+                    <a14:imgLayer r:embed="rId3">
+                      <a14:imgEffect>
+                        <a14:backgroundRemoval t="5949" b="93231" l="9924" r="90534">
+                          <a14:foregroundMark x1="45344" y1="12000" x2="45954" y2="8103"/>
+                          <a14:foregroundMark x1="36947" y1="7385" x2="37557" y2="7385"/>
+                          <a14:foregroundMark x1="47786" y1="6051" x2="47786" y2="6051"/>
+                          <a14:foregroundMark x1="86412" y1="28410" x2="86412" y2="28410"/>
+                          <a14:foregroundMark x1="90687" y1="30462" x2="90687" y2="30462"/>
+                          <a14:foregroundMark x1="37863" y1="88308" x2="37863" y2="88308"/>
+                          <a14:foregroundMark x1="37405" y1="93231" x2="37405" y2="93231"/>
+                          <a14:foregroundMark x1="90382" y1="53436" x2="90382" y2="53436"/>
+                          <a14:foregroundMark x1="60000" y1="75385" x2="60000" y2="75385"/>
+                          <a14:foregroundMark x1="31298" y1="80103" x2="31298" y2="80103"/>
+                          <a14:foregroundMark x1="29618" y1="80205" x2="29618" y2="80205"/>
+                          <a14:foregroundMark x1="36031" y1="82051" x2="36031" y2="82051"/>
+                          <a14:foregroundMark x1="34504" y1="76513" x2="34504" y2="76513"/>
+                          <a14:foregroundMark x1="65954" y1="73538" x2="65954" y2="73538"/>
+                          <a14:foregroundMark x1="17405" y1="29846" x2="17405" y2="29846"/>
+                          <a14:foregroundMark x1="16183" y1="27385" x2="16183" y2="27385"/>
+                          <a14:foregroundMark x1="38015" y1="5949" x2="38015" y2="5949"/>
+                          <a14:backgroundMark x1="80458" y1="9744" x2="80458" y2="9744"/>
+                          <a14:backgroundMark x1="76641" y1="5744" x2="90840" y2="17333"/>
+                          <a14:backgroundMark x1="89466" y1="7487" x2="88550" y2="5641"/>
+                          <a14:backgroundMark x1="34351" y1="79282" x2="34351" y2="79282"/>
+                          <a14:backgroundMark x1="34046" y1="79590" x2="34809" y2="79282"/>
+                          <a14:backgroundMark x1="46870" y1="7897" x2="46870" y2="7897"/>
+                          <a14:backgroundMark x1="45802" y1="8103" x2="45802" y2="8103"/>
+                          <a14:backgroundMark x1="37863" y1="74051" x2="37863" y2="74051"/>
+                          <a14:backgroundMark x1="37557" y1="74564" x2="37557" y2="74564"/>
+                          <a14:backgroundMark x1="15420" y1="74256" x2="15420" y2="74256"/>
+                          <a14:backgroundMark x1="35725" y1="74667" x2="35725" y2="74667"/>
+                          <a14:backgroundMark x1="20611" y1="26564" x2="20611" y2="26564"/>
+                        </a14:backgroundRemoval>
+                      </a14:imgEffect>
+                    </a14:imgLayer>
+                  </a14:imgProps>
+                </a:ext>
+                <a:ext uri="{28A0092B-C50C-407E-A947-70E740481C1C}">
+                  <a14:useLocalDpi xmlns:a14="http://schemas.microsoft.com/office/drawing/2010/main"/>
+                </a:ext>
+              </a:extLst>
+            </a:blip>
+            <a:stretch>
+              <a:fillRect/>
+            </a:stretch>
+          </p:blipFill>
+          <p:spPr>
+            <a:xfrm>
+              <a:off x="4187729" y="746620"/>
+              <a:ext cx="3604018" cy="5364760"/>
+            </a:xfrm>
+            <a:prstGeom prst="rect">
+              <a:avLst/>
+            </a:prstGeom>
+          </p:spPr>
+        </p:pic>
+        <p:sp>
+          <p:nvSpPr>
+            <p:cNvPr id="6" name="사각형: 둥근 모서리 5">
+              <a:extLst>
+                <a:ext uri="{FF2B5EF4-FFF2-40B4-BE49-F238E27FC236}">
+                  <a16:creationId xmlns:a16="http://schemas.microsoft.com/office/drawing/2014/main" id="{364DB2A2-DCB3-42AC-B87E-D4B85E08E016}"/>
+                </a:ext>
+              </a:extLst>
+            </p:cNvPr>
+            <p:cNvSpPr/>
+            <p:nvPr/>
+          </p:nvSpPr>
+          <p:spPr>
+            <a:xfrm>
+              <a:off x="5223539" y="1963691"/>
+              <a:ext cx="609603" cy="402672"/>
+            </a:xfrm>
+            <a:prstGeom prst="roundRect">
+              <a:avLst/>
+            </a:prstGeom>
+            <a:solidFill>
+              <a:srgbClr val="5A7D59"/>
+            </a:solidFill>
+            <a:ln>
+              <a:noFill/>
+            </a:ln>
+          </p:spPr>
+          <p:style>
+            <a:lnRef idx="2">
+              <a:schemeClr val="accent6">
+                <a:shade val="50000"/>
+              </a:schemeClr>
+            </a:lnRef>
+            <a:fillRef idx="1">
+              <a:schemeClr val="accent6"/>
+            </a:fillRef>
+            <a:effectRef idx="0">
+              <a:schemeClr val="accent6"/>
+            </a:effectRef>
+            <a:fontRef idx="minor">
+              <a:schemeClr val="lt1"/>
+            </a:fontRef>
+          </p:style>
+          <p:txBody>
+            <a:bodyPr rtlCol="0" anchor="ctr"/>
+            <a:lstStyle/>
+            <a:p>
+              <a:pPr algn="ctr"/>
+              <a:r>
+                <a:rPr lang="en-US" altLang="ko-KR" sz="1100" b="1" dirty="0">
+                  <a:solidFill>
+                    <a:schemeClr val="bg1"/>
+                  </a:solidFill>
+                </a:rPr>
+                <a:t>Core Cloud</a:t>
+              </a:r>
+              <a:endParaRPr lang="ko-KR" altLang="en-US" sz="1100" b="1" dirty="0">
+                <a:solidFill>
+                  <a:schemeClr val="bg1"/>
+                </a:solidFill>
+              </a:endParaRPr>
+            </a:p>
+          </p:txBody>
+        </p:sp>
+        <p:sp>
+          <p:nvSpPr>
+            <p:cNvPr id="7" name="사각형: 둥근 모서리 6">
+              <a:extLst>
+                <a:ext uri="{FF2B5EF4-FFF2-40B4-BE49-F238E27FC236}">
+                  <a16:creationId xmlns:a16="http://schemas.microsoft.com/office/drawing/2014/main" id="{777237E5-5EBB-46AE-AA60-DE343C1B57A8}"/>
+                </a:ext>
+              </a:extLst>
+            </p:cNvPr>
+            <p:cNvSpPr/>
+            <p:nvPr/>
+          </p:nvSpPr>
+          <p:spPr>
+            <a:xfrm>
+              <a:off x="6007215" y="2515998"/>
+              <a:ext cx="619390" cy="277536"/>
+            </a:xfrm>
+            <a:prstGeom prst="roundRect">
+              <a:avLst/>
+            </a:prstGeom>
+          </p:spPr>
+          <p:style>
+            <a:lnRef idx="2">
+              <a:schemeClr val="accent4">
+                <a:shade val="50000"/>
+              </a:schemeClr>
+            </a:lnRef>
+            <a:fillRef idx="1">
+              <a:schemeClr val="accent4"/>
+            </a:fillRef>
+            <a:effectRef idx="0">
+              <a:schemeClr val="accent4"/>
+            </a:effectRef>
+            <a:fontRef idx="minor">
+              <a:schemeClr val="lt1"/>
+            </a:fontRef>
+          </p:style>
+          <p:txBody>
+            <a:bodyPr rtlCol="0" anchor="ctr"/>
+            <a:lstStyle/>
+            <a:p>
+              <a:pPr algn="ctr"/>
+              <a:r>
+                <a:rPr lang="en-US" altLang="ko-KR" sz="1400" b="1" dirty="0">
+                  <a:solidFill>
+                    <a:schemeClr val="tx1"/>
+                  </a:solidFill>
+                </a:rPr>
+                <a:t>HPC</a:t>
+              </a:r>
+              <a:endParaRPr lang="ko-KR" altLang="en-US" sz="1400" b="1" dirty="0">
+                <a:solidFill>
+                  <a:schemeClr val="tx1"/>
+                </a:solidFill>
+              </a:endParaRPr>
+            </a:p>
+          </p:txBody>
+        </p:sp>
+        <p:sp>
+          <p:nvSpPr>
+            <p:cNvPr id="8" name="사각형: 둥근 모서리 7">
+              <a:extLst>
+                <a:ext uri="{FF2B5EF4-FFF2-40B4-BE49-F238E27FC236}">
+                  <a16:creationId xmlns:a16="http://schemas.microsoft.com/office/drawing/2014/main" id="{73F43751-A405-4E6E-9F5F-0823E8E0FAA4}"/>
+                </a:ext>
+              </a:extLst>
+            </p:cNvPr>
+            <p:cNvSpPr/>
+            <p:nvPr/>
+          </p:nvSpPr>
+          <p:spPr>
+            <a:xfrm>
+              <a:off x="5528340" y="2992044"/>
+              <a:ext cx="609603" cy="402672"/>
+            </a:xfrm>
+            <a:prstGeom prst="roundRect">
+              <a:avLst/>
+            </a:prstGeom>
+            <a:solidFill>
+              <a:srgbClr val="E7E8E2"/>
+            </a:solidFill>
+            <a:ln>
+              <a:noFill/>
+            </a:ln>
+          </p:spPr>
+          <p:style>
+            <a:lnRef idx="2">
+              <a:schemeClr val="accent5">
+                <a:shade val="50000"/>
+              </a:schemeClr>
+            </a:lnRef>
+            <a:fillRef idx="1">
+              <a:schemeClr val="accent5"/>
+            </a:fillRef>
+            <a:effectRef idx="0">
+              <a:schemeClr val="accent5"/>
+            </a:effectRef>
+            <a:fontRef idx="minor">
+              <a:schemeClr val="lt1"/>
+            </a:fontRef>
+          </p:style>
+          <p:txBody>
+            <a:bodyPr rtlCol="0" anchor="ctr"/>
+            <a:lstStyle/>
+            <a:p>
+              <a:pPr algn="ctr"/>
+              <a:r>
+                <a:rPr lang="en-US" altLang="ko-KR" sz="1100" b="1" dirty="0">
+                  <a:solidFill>
+                    <a:schemeClr val="tx1"/>
+                  </a:solidFill>
+                </a:rPr>
+                <a:t>Edge Cloud</a:t>
+              </a:r>
+              <a:endParaRPr lang="ko-KR" altLang="en-US" sz="1100" b="1" dirty="0">
+                <a:solidFill>
+                  <a:schemeClr val="tx1"/>
+                </a:solidFill>
+              </a:endParaRPr>
+            </a:p>
+          </p:txBody>
+        </p:sp>
+        <p:sp>
+          <p:nvSpPr>
+            <p:cNvPr id="9" name="사각형: 둥근 모서리 8">
+              <a:extLst>
+                <a:ext uri="{FF2B5EF4-FFF2-40B4-BE49-F238E27FC236}">
+                  <a16:creationId xmlns:a16="http://schemas.microsoft.com/office/drawing/2014/main" id="{2240B5F2-6D1F-4BD5-AF64-B65DF8D2CB1E}"/>
+                </a:ext>
+              </a:extLst>
+            </p:cNvPr>
+            <p:cNvSpPr/>
+            <p:nvPr/>
+          </p:nvSpPr>
+          <p:spPr>
+            <a:xfrm>
+              <a:off x="5989738" y="1696323"/>
+              <a:ext cx="609603" cy="402672"/>
+            </a:xfrm>
+            <a:prstGeom prst="roundRect">
+              <a:avLst/>
+            </a:prstGeom>
+            <a:solidFill>
+              <a:srgbClr val="E7E8E2"/>
+            </a:solidFill>
+            <a:ln>
+              <a:noFill/>
+            </a:ln>
+          </p:spPr>
+          <p:style>
+            <a:lnRef idx="2">
+              <a:schemeClr val="accent5">
+                <a:shade val="50000"/>
+              </a:schemeClr>
+            </a:lnRef>
+            <a:fillRef idx="1">
+              <a:schemeClr val="accent5"/>
+            </a:fillRef>
+            <a:effectRef idx="0">
+              <a:schemeClr val="accent5"/>
+            </a:effectRef>
+            <a:fontRef idx="minor">
+              <a:schemeClr val="lt1"/>
+            </a:fontRef>
+          </p:style>
+          <p:txBody>
+            <a:bodyPr rtlCol="0" anchor="ctr"/>
+            <a:lstStyle/>
+            <a:p>
+              <a:pPr algn="ctr"/>
+              <a:r>
+                <a:rPr lang="en-US" altLang="ko-KR" sz="1100" b="1" dirty="0">
+                  <a:solidFill>
+                    <a:schemeClr val="tx1"/>
+                  </a:solidFill>
+                </a:rPr>
+                <a:t>Edge Cloud</a:t>
+              </a:r>
+              <a:endParaRPr lang="ko-KR" altLang="en-US" sz="1100" b="1" dirty="0">
+                <a:solidFill>
+                  <a:schemeClr val="tx1"/>
+                </a:solidFill>
+              </a:endParaRPr>
+            </a:p>
+          </p:txBody>
+        </p:sp>
+        <p:sp>
+          <p:nvSpPr>
+            <p:cNvPr id="10" name="사각형: 둥근 모서리 9">
+              <a:extLst>
+                <a:ext uri="{FF2B5EF4-FFF2-40B4-BE49-F238E27FC236}">
+                  <a16:creationId xmlns:a16="http://schemas.microsoft.com/office/drawing/2014/main" id="{E5CE9A5B-AAFF-40E9-8521-BF1FEFA23CDC}"/>
+                </a:ext>
+              </a:extLst>
+            </p:cNvPr>
+            <p:cNvSpPr/>
+            <p:nvPr/>
+          </p:nvSpPr>
+          <p:spPr>
+            <a:xfrm>
+              <a:off x="4884015" y="2515998"/>
+              <a:ext cx="609603" cy="402672"/>
+            </a:xfrm>
+            <a:prstGeom prst="roundRect">
+              <a:avLst/>
+            </a:prstGeom>
+            <a:solidFill>
+              <a:srgbClr val="E7E8E2"/>
+            </a:solidFill>
+            <a:ln>
+              <a:noFill/>
+            </a:ln>
+          </p:spPr>
+          <p:style>
+            <a:lnRef idx="2">
+              <a:schemeClr val="accent5">
+                <a:shade val="50000"/>
+              </a:schemeClr>
+            </a:lnRef>
+            <a:fillRef idx="1">
+              <a:schemeClr val="accent5"/>
+            </a:fillRef>
+            <a:effectRef idx="0">
+              <a:schemeClr val="accent5"/>
+            </a:effectRef>
+            <a:fontRef idx="minor">
+              <a:schemeClr val="lt1"/>
+            </a:fontRef>
+          </p:style>
+          <p:txBody>
+            <a:bodyPr rtlCol="0" anchor="ctr"/>
+            <a:lstStyle/>
+            <a:p>
+              <a:pPr algn="ctr"/>
+              <a:r>
+                <a:rPr lang="en-US" altLang="ko-KR" sz="1100" b="1" dirty="0">
+                  <a:solidFill>
+                    <a:schemeClr val="tx1"/>
+                  </a:solidFill>
+                </a:rPr>
+                <a:t>Edge Cloud</a:t>
+              </a:r>
+              <a:endParaRPr lang="ko-KR" altLang="en-US" sz="1100" b="1" dirty="0">
+                <a:solidFill>
+                  <a:schemeClr val="tx1"/>
+                </a:solidFill>
+              </a:endParaRPr>
+            </a:p>
+          </p:txBody>
+        </p:sp>
+        <p:sp>
+          <p:nvSpPr>
+            <p:cNvPr id="11" name="사각형: 둥근 모서리 10">
+              <a:extLst>
+                <a:ext uri="{FF2B5EF4-FFF2-40B4-BE49-F238E27FC236}">
+                  <a16:creationId xmlns:a16="http://schemas.microsoft.com/office/drawing/2014/main" id="{3BB45FC3-EBF6-412E-81B9-6C28A7C9AE95}"/>
+                </a:ext>
+              </a:extLst>
+            </p:cNvPr>
+            <p:cNvSpPr/>
+            <p:nvPr/>
+          </p:nvSpPr>
+          <p:spPr>
+            <a:xfrm>
+              <a:off x="4884014" y="3445079"/>
+              <a:ext cx="609603" cy="402672"/>
+            </a:xfrm>
+            <a:prstGeom prst="roundRect">
+              <a:avLst/>
+            </a:prstGeom>
+            <a:solidFill>
+              <a:srgbClr val="E7E8E2"/>
+            </a:solidFill>
+            <a:ln>
+              <a:noFill/>
+            </a:ln>
+          </p:spPr>
+          <p:style>
+            <a:lnRef idx="2">
+              <a:schemeClr val="accent5">
+                <a:shade val="50000"/>
+              </a:schemeClr>
+            </a:lnRef>
+            <a:fillRef idx="1">
+              <a:schemeClr val="accent5"/>
+            </a:fillRef>
+            <a:effectRef idx="0">
+              <a:schemeClr val="accent5"/>
+            </a:effectRef>
+            <a:fontRef idx="minor">
+              <a:schemeClr val="lt1"/>
+            </a:fontRef>
+          </p:style>
+          <p:txBody>
+            <a:bodyPr rtlCol="0" anchor="ctr"/>
+            <a:lstStyle/>
+            <a:p>
+              <a:pPr algn="ctr"/>
+              <a:r>
+                <a:rPr lang="en-US" altLang="ko-KR" sz="1100" b="1" dirty="0">
+                  <a:solidFill>
+                    <a:schemeClr val="tx1"/>
+                  </a:solidFill>
+                </a:rPr>
+                <a:t>Edge Cloud</a:t>
+              </a:r>
+              <a:endParaRPr lang="ko-KR" altLang="en-US" sz="1100" b="1" dirty="0">
+                <a:solidFill>
+                  <a:schemeClr val="tx1"/>
+                </a:solidFill>
+              </a:endParaRPr>
+            </a:p>
+          </p:txBody>
+        </p:sp>
+        <p:sp>
+          <p:nvSpPr>
+            <p:cNvPr id="12" name="사각형: 둥근 모서리 11">
+              <a:extLst>
+                <a:ext uri="{FF2B5EF4-FFF2-40B4-BE49-F238E27FC236}">
+                  <a16:creationId xmlns:a16="http://schemas.microsoft.com/office/drawing/2014/main" id="{FB619F60-FAB2-48AD-A395-32AF107CCFC8}"/>
+                </a:ext>
+              </a:extLst>
+            </p:cNvPr>
+            <p:cNvSpPr/>
+            <p:nvPr/>
+          </p:nvSpPr>
+          <p:spPr>
+            <a:xfrm>
+              <a:off x="5223539" y="5310929"/>
+              <a:ext cx="609603" cy="402672"/>
+            </a:xfrm>
+            <a:prstGeom prst="roundRect">
+              <a:avLst/>
+            </a:prstGeom>
+            <a:solidFill>
+              <a:srgbClr val="E7E8E2"/>
+            </a:solidFill>
+            <a:ln>
+              <a:noFill/>
+            </a:ln>
+          </p:spPr>
+          <p:style>
+            <a:lnRef idx="2">
+              <a:schemeClr val="accent5">
+                <a:shade val="50000"/>
+              </a:schemeClr>
+            </a:lnRef>
+            <a:fillRef idx="1">
+              <a:schemeClr val="accent5"/>
+            </a:fillRef>
+            <a:effectRef idx="0">
+              <a:schemeClr val="accent5"/>
+            </a:effectRef>
+            <a:fontRef idx="minor">
+              <a:schemeClr val="lt1"/>
+            </a:fontRef>
+          </p:style>
+          <p:txBody>
+            <a:bodyPr rtlCol="0" anchor="ctr"/>
+            <a:lstStyle/>
+            <a:p>
+              <a:pPr algn="ctr"/>
+              <a:r>
+                <a:rPr lang="en-US" altLang="ko-KR" sz="1100" b="1" dirty="0">
+                  <a:solidFill>
+                    <a:schemeClr val="tx1"/>
+                  </a:solidFill>
+                </a:rPr>
+                <a:t>Edge Cloud</a:t>
+              </a:r>
+              <a:endParaRPr lang="ko-KR" altLang="en-US" sz="1100" b="1" dirty="0">
+                <a:solidFill>
+                  <a:schemeClr val="tx1"/>
+                </a:solidFill>
+              </a:endParaRPr>
+            </a:p>
+          </p:txBody>
+        </p:sp>
+        <p:sp>
+          <p:nvSpPr>
+            <p:cNvPr id="13" name="사각형: 둥근 모서리 12">
+              <a:extLst>
+                <a:ext uri="{FF2B5EF4-FFF2-40B4-BE49-F238E27FC236}">
+                  <a16:creationId xmlns:a16="http://schemas.microsoft.com/office/drawing/2014/main" id="{0D950734-96E3-4996-A9C1-44633203FB38}"/>
+                </a:ext>
+              </a:extLst>
+            </p:cNvPr>
+            <p:cNvSpPr/>
+            <p:nvPr/>
+          </p:nvSpPr>
+          <p:spPr>
+            <a:xfrm>
+              <a:off x="6560189" y="3427601"/>
+              <a:ext cx="609603" cy="402672"/>
+            </a:xfrm>
+            <a:prstGeom prst="roundRect">
+              <a:avLst/>
+            </a:prstGeom>
+            <a:solidFill>
+              <a:srgbClr val="E7E8E2"/>
+            </a:solidFill>
+            <a:ln>
+              <a:noFill/>
+            </a:ln>
+          </p:spPr>
+          <p:style>
+            <a:lnRef idx="2">
+              <a:schemeClr val="accent5">
+                <a:shade val="50000"/>
+              </a:schemeClr>
+            </a:lnRef>
+            <a:fillRef idx="1">
+              <a:schemeClr val="accent5"/>
+            </a:fillRef>
+            <a:effectRef idx="0">
+              <a:schemeClr val="accent5"/>
+            </a:effectRef>
+            <a:fontRef idx="minor">
+              <a:schemeClr val="lt1"/>
+            </a:fontRef>
+          </p:style>
+          <p:txBody>
+            <a:bodyPr rtlCol="0" anchor="ctr"/>
+            <a:lstStyle/>
+            <a:p>
+              <a:pPr algn="ctr"/>
+              <a:r>
+                <a:rPr lang="en-US" altLang="ko-KR" sz="1100" b="1" dirty="0">
+                  <a:solidFill>
+                    <a:schemeClr val="tx1"/>
+                  </a:solidFill>
+                </a:rPr>
+                <a:t>Edge Cloud</a:t>
+              </a:r>
+              <a:endParaRPr lang="ko-KR" altLang="en-US" sz="1100" b="1" dirty="0">
+                <a:solidFill>
+                  <a:schemeClr val="tx1"/>
+                </a:solidFill>
+              </a:endParaRPr>
+            </a:p>
+          </p:txBody>
+        </p:sp>
+        <p:sp>
+          <p:nvSpPr>
+            <p:cNvPr id="14" name="사각형: 둥근 모서리 13">
+              <a:extLst>
+                <a:ext uri="{FF2B5EF4-FFF2-40B4-BE49-F238E27FC236}">
+                  <a16:creationId xmlns:a16="http://schemas.microsoft.com/office/drawing/2014/main" id="{BA872298-BF73-447C-BFD3-AF2F62FF5680}"/>
+                </a:ext>
+              </a:extLst>
+            </p:cNvPr>
+            <p:cNvSpPr/>
+            <p:nvPr/>
+          </p:nvSpPr>
+          <p:spPr>
+            <a:xfrm>
+              <a:off x="5079528" y="4070756"/>
+              <a:ext cx="609603" cy="402672"/>
+            </a:xfrm>
+            <a:prstGeom prst="roundRect">
+              <a:avLst/>
+            </a:prstGeom>
+            <a:solidFill>
+              <a:srgbClr val="E7E8E2"/>
+            </a:solidFill>
+            <a:ln>
+              <a:noFill/>
+            </a:ln>
+          </p:spPr>
+          <p:style>
+            <a:lnRef idx="2">
+              <a:schemeClr val="accent5">
+                <a:shade val="50000"/>
+              </a:schemeClr>
+            </a:lnRef>
+            <a:fillRef idx="1">
+              <a:schemeClr val="accent5"/>
+            </a:fillRef>
+            <a:effectRef idx="0">
+              <a:schemeClr val="accent5"/>
+            </a:effectRef>
+            <a:fontRef idx="minor">
+              <a:schemeClr val="lt1"/>
+            </a:fontRef>
+          </p:style>
+          <p:txBody>
+            <a:bodyPr rtlCol="0" anchor="ctr"/>
+            <a:lstStyle/>
+            <a:p>
+              <a:pPr algn="ctr"/>
+              <a:r>
+                <a:rPr lang="en-US" altLang="ko-KR" sz="1100" b="1" dirty="0">
+                  <a:solidFill>
+                    <a:schemeClr val="tx1"/>
+                  </a:solidFill>
+                </a:rPr>
+                <a:t>Edge Cloud</a:t>
+              </a:r>
+              <a:endParaRPr lang="ko-KR" altLang="en-US" sz="1100" b="1" dirty="0">
+                <a:solidFill>
+                  <a:schemeClr val="tx1"/>
+                </a:solidFill>
+              </a:endParaRPr>
+            </a:p>
+          </p:txBody>
+        </p:sp>
+        <p:sp>
+          <p:nvSpPr>
+            <p:cNvPr id="15" name="사각형: 둥근 모서리 14">
+              <a:extLst>
+                <a:ext uri="{FF2B5EF4-FFF2-40B4-BE49-F238E27FC236}">
+                  <a16:creationId xmlns:a16="http://schemas.microsoft.com/office/drawing/2014/main" id="{77CA8CF8-9E22-423C-AD5A-3DBC66A3C9FF}"/>
+                </a:ext>
+              </a:extLst>
+            </p:cNvPr>
+            <p:cNvSpPr/>
+            <p:nvPr/>
+          </p:nvSpPr>
+          <p:spPr>
+            <a:xfrm>
+              <a:off x="6847973" y="4161638"/>
+              <a:ext cx="609603" cy="402672"/>
+            </a:xfrm>
+            <a:prstGeom prst="roundRect">
+              <a:avLst/>
+            </a:prstGeom>
+            <a:solidFill>
+              <a:srgbClr val="E7E8E2"/>
+            </a:solidFill>
+            <a:ln>
+              <a:noFill/>
+            </a:ln>
+          </p:spPr>
+          <p:style>
+            <a:lnRef idx="2">
+              <a:schemeClr val="accent5">
+                <a:shade val="50000"/>
+              </a:schemeClr>
+            </a:lnRef>
+            <a:fillRef idx="1">
+              <a:schemeClr val="accent5"/>
+            </a:fillRef>
+            <a:effectRef idx="0">
+              <a:schemeClr val="accent5"/>
+            </a:effectRef>
+            <a:fontRef idx="minor">
+              <a:schemeClr val="lt1"/>
+            </a:fontRef>
+          </p:style>
+          <p:txBody>
+            <a:bodyPr rtlCol="0" anchor="ctr"/>
+            <a:lstStyle/>
+            <a:p>
+              <a:pPr algn="ctr"/>
+              <a:r>
+                <a:rPr lang="en-US" altLang="ko-KR" sz="1100" b="1" dirty="0">
+                  <a:solidFill>
+                    <a:schemeClr val="tx1"/>
+                  </a:solidFill>
+                </a:rPr>
+                <a:t>Edge Cloud</a:t>
+              </a:r>
+              <a:endParaRPr lang="ko-KR" altLang="en-US" sz="1100" b="1" dirty="0">
+                <a:solidFill>
+                  <a:schemeClr val="tx1"/>
+                </a:solidFill>
+              </a:endParaRPr>
+            </a:p>
+          </p:txBody>
+        </p:sp>
+      </p:grpSp>
+      <p:grpSp>
+        <p:nvGrpSpPr>
+          <p:cNvPr id="16" name="그룹 15">
+            <a:extLst>
+              <a:ext uri="{FF2B5EF4-FFF2-40B4-BE49-F238E27FC236}">
+                <a16:creationId xmlns:a16="http://schemas.microsoft.com/office/drawing/2014/main" id="{0F70C6CD-C4AE-4230-9FE2-1F4CA9FC50D7}"/>
+              </a:ext>
+            </a:extLst>
+          </p:cNvPr>
+          <p:cNvGrpSpPr/>
+          <p:nvPr/>
+        </p:nvGrpSpPr>
+        <p:grpSpPr>
+          <a:xfrm>
+            <a:off x="1564856" y="1016000"/>
+            <a:ext cx="3604018" cy="5364760"/>
+            <a:chOff x="4187729" y="746620"/>
+            <a:chExt cx="3604018" cy="5364760"/>
+          </a:xfrm>
+        </p:grpSpPr>
+        <p:pic>
+          <p:nvPicPr>
+            <p:cNvPr id="17" name="그림 16">
+              <a:extLst>
+                <a:ext uri="{FF2B5EF4-FFF2-40B4-BE49-F238E27FC236}">
+                  <a16:creationId xmlns:a16="http://schemas.microsoft.com/office/drawing/2014/main" id="{1CBD6ABC-BD0A-41C7-9C0A-9E4DC27B2018}"/>
+                </a:ext>
+              </a:extLst>
+            </p:cNvPr>
+            <p:cNvPicPr>
+              <a:picLocks noChangeAspect="1"/>
+            </p:cNvPicPr>
+            <p:nvPr/>
+          </p:nvPicPr>
+          <p:blipFill>
+            <a:blip r:embed="rId2" cstate="screen">
+              <a:extLst>
+                <a:ext uri="{BEBA8EAE-BF5A-486C-A8C5-ECC9F3942E4B}">
+                  <a14:imgProps xmlns:a14="http://schemas.microsoft.com/office/drawing/2010/main">
+                    <a14:imgLayer r:embed="rId3">
+                      <a14:imgEffect>
+                        <a14:backgroundRemoval t="5949" b="93231" l="9924" r="90534">
+                          <a14:foregroundMark x1="45344" y1="12000" x2="45954" y2="8103"/>
+                          <a14:foregroundMark x1="36947" y1="7385" x2="37557" y2="7385"/>
+                          <a14:foregroundMark x1="47786" y1="6051" x2="47786" y2="6051"/>
+                          <a14:foregroundMark x1="86412" y1="28410" x2="86412" y2="28410"/>
+                          <a14:foregroundMark x1="90687" y1="30462" x2="90687" y2="30462"/>
+                          <a14:foregroundMark x1="37863" y1="88308" x2="37863" y2="88308"/>
+                          <a14:foregroundMark x1="37405" y1="93231" x2="37405" y2="93231"/>
+                          <a14:foregroundMark x1="90382" y1="53436" x2="90382" y2="53436"/>
+                          <a14:foregroundMark x1="60000" y1="75385" x2="60000" y2="75385"/>
+                          <a14:foregroundMark x1="31298" y1="80103" x2="31298" y2="80103"/>
+                          <a14:foregroundMark x1="29618" y1="80205" x2="29618" y2="80205"/>
+                          <a14:foregroundMark x1="36031" y1="82051" x2="36031" y2="82051"/>
+                          <a14:foregroundMark x1="34504" y1="76513" x2="34504" y2="76513"/>
+                          <a14:foregroundMark x1="65954" y1="73538" x2="65954" y2="73538"/>
+                          <a14:foregroundMark x1="17405" y1="29846" x2="17405" y2="29846"/>
+                          <a14:foregroundMark x1="16183" y1="27385" x2="16183" y2="27385"/>
+                          <a14:foregroundMark x1="38015" y1="5949" x2="38015" y2="5949"/>
+                          <a14:backgroundMark x1="80458" y1="9744" x2="80458" y2="9744"/>
+                          <a14:backgroundMark x1="76641" y1="5744" x2="90840" y2="17333"/>
+                          <a14:backgroundMark x1="89466" y1="7487" x2="88550" y2="5641"/>
+                          <a14:backgroundMark x1="34351" y1="79282" x2="34351" y2="79282"/>
+                          <a14:backgroundMark x1="34046" y1="79590" x2="34809" y2="79282"/>
+                          <a14:backgroundMark x1="46870" y1="7897" x2="46870" y2="7897"/>
+                          <a14:backgroundMark x1="45802" y1="8103" x2="45802" y2="8103"/>
+                          <a14:backgroundMark x1="37863" y1="74051" x2="37863" y2="74051"/>
+                          <a14:backgroundMark x1="37557" y1="74564" x2="37557" y2="74564"/>
+                          <a14:backgroundMark x1="15420" y1="74256" x2="15420" y2="74256"/>
+                          <a14:backgroundMark x1="35725" y1="74667" x2="35725" y2="74667"/>
+                          <a14:backgroundMark x1="20611" y1="26564" x2="20611" y2="26564"/>
+                        </a14:backgroundRemoval>
+                      </a14:imgEffect>
+                    </a14:imgLayer>
+                  </a14:imgProps>
+                </a:ext>
+                <a:ext uri="{28A0092B-C50C-407E-A947-70E740481C1C}">
+                  <a14:useLocalDpi xmlns:a14="http://schemas.microsoft.com/office/drawing/2010/main"/>
+                </a:ext>
+              </a:extLst>
+            </a:blip>
+            <a:stretch>
+              <a:fillRect/>
+            </a:stretch>
+          </p:blipFill>
+          <p:spPr>
+            <a:xfrm>
+              <a:off x="4187729" y="746620"/>
+              <a:ext cx="3604018" cy="5364760"/>
+            </a:xfrm>
+            <a:prstGeom prst="rect">
+              <a:avLst/>
+            </a:prstGeom>
+          </p:spPr>
+        </p:pic>
+        <p:sp>
+          <p:nvSpPr>
+            <p:cNvPr id="18" name="사각형: 둥근 모서리 17">
+              <a:extLst>
+                <a:ext uri="{FF2B5EF4-FFF2-40B4-BE49-F238E27FC236}">
+                  <a16:creationId xmlns:a16="http://schemas.microsoft.com/office/drawing/2014/main" id="{502EDBB0-512C-4ED8-8050-67627AF04333}"/>
+                </a:ext>
+              </a:extLst>
+            </p:cNvPr>
+            <p:cNvSpPr/>
+            <p:nvPr/>
+          </p:nvSpPr>
+          <p:spPr>
+            <a:xfrm>
+              <a:off x="5553508" y="3001161"/>
+              <a:ext cx="609603" cy="402672"/>
+            </a:xfrm>
+            <a:prstGeom prst="roundRect">
+              <a:avLst/>
+            </a:prstGeom>
+            <a:solidFill>
+              <a:srgbClr val="5A7D59"/>
+            </a:solidFill>
+            <a:ln>
+              <a:noFill/>
+            </a:ln>
+          </p:spPr>
+          <p:style>
+            <a:lnRef idx="2">
+              <a:schemeClr val="accent6">
+                <a:shade val="50000"/>
+              </a:schemeClr>
+            </a:lnRef>
+            <a:fillRef idx="1">
+              <a:schemeClr val="accent6"/>
+            </a:fillRef>
+            <a:effectRef idx="0">
+              <a:schemeClr val="accent6"/>
+            </a:effectRef>
+            <a:fontRef idx="minor">
+              <a:schemeClr val="lt1"/>
+            </a:fontRef>
+          </p:style>
+          <p:txBody>
+            <a:bodyPr rtlCol="0" anchor="ctr"/>
+            <a:lstStyle/>
+            <a:p>
+              <a:pPr algn="ctr"/>
+              <a:r>
+                <a:rPr lang="en-US" altLang="ko-KR" sz="1100" b="1" dirty="0">
+                  <a:solidFill>
+                    <a:schemeClr val="bg1"/>
+                  </a:solidFill>
+                </a:rPr>
+                <a:t>Core Cloud</a:t>
+              </a:r>
+              <a:endParaRPr lang="ko-KR" altLang="en-US" sz="1100" b="1" dirty="0">
+                <a:solidFill>
+                  <a:schemeClr val="bg1"/>
+                </a:solidFill>
+              </a:endParaRPr>
+            </a:p>
+          </p:txBody>
+        </p:sp>
+        <p:sp>
+          <p:nvSpPr>
+            <p:cNvPr id="19" name="사각형: 둥근 모서리 18">
+              <a:extLst>
+                <a:ext uri="{FF2B5EF4-FFF2-40B4-BE49-F238E27FC236}">
+                  <a16:creationId xmlns:a16="http://schemas.microsoft.com/office/drawing/2014/main" id="{34CC6433-F2E2-4F51-B7D2-EC8AAC3C8717}"/>
+                </a:ext>
+              </a:extLst>
+            </p:cNvPr>
+            <p:cNvSpPr/>
+            <p:nvPr/>
+          </p:nvSpPr>
+          <p:spPr>
+            <a:xfrm>
+              <a:off x="6007215" y="2515998"/>
+              <a:ext cx="619390" cy="277536"/>
+            </a:xfrm>
+            <a:prstGeom prst="roundRect">
+              <a:avLst/>
+            </a:prstGeom>
+          </p:spPr>
+          <p:style>
+            <a:lnRef idx="2">
+              <a:schemeClr val="accent4">
+                <a:shade val="50000"/>
+              </a:schemeClr>
+            </a:lnRef>
+            <a:fillRef idx="1">
+              <a:schemeClr val="accent4"/>
+            </a:fillRef>
+            <a:effectRef idx="0">
+              <a:schemeClr val="accent4"/>
+            </a:effectRef>
+            <a:fontRef idx="minor">
+              <a:schemeClr val="lt1"/>
+            </a:fontRef>
+          </p:style>
+          <p:txBody>
+            <a:bodyPr rtlCol="0" anchor="ctr"/>
+            <a:lstStyle/>
+            <a:p>
+              <a:pPr algn="ctr"/>
+              <a:r>
+                <a:rPr lang="en-US" altLang="ko-KR" sz="1400" b="1" dirty="0">
+                  <a:solidFill>
+                    <a:schemeClr val="tx1"/>
+                  </a:solidFill>
+                </a:rPr>
+                <a:t>HPC</a:t>
+              </a:r>
+              <a:endParaRPr lang="ko-KR" altLang="en-US" sz="1400" b="1" dirty="0">
+                <a:solidFill>
+                  <a:schemeClr val="tx1"/>
+                </a:solidFill>
+              </a:endParaRPr>
+            </a:p>
+          </p:txBody>
+        </p:sp>
+        <p:sp>
+          <p:nvSpPr>
+            <p:cNvPr id="20" name="사각형: 둥근 모서리 19">
+              <a:extLst>
+                <a:ext uri="{FF2B5EF4-FFF2-40B4-BE49-F238E27FC236}">
+                  <a16:creationId xmlns:a16="http://schemas.microsoft.com/office/drawing/2014/main" id="{0CB05B3D-F4FE-48EC-B99F-7FD3A4D0FEB0}"/>
+                </a:ext>
+              </a:extLst>
+            </p:cNvPr>
+            <p:cNvSpPr/>
+            <p:nvPr/>
+          </p:nvSpPr>
+          <p:spPr>
+            <a:xfrm>
+              <a:off x="5220743" y="1962324"/>
+              <a:ext cx="609603" cy="402672"/>
+            </a:xfrm>
+            <a:prstGeom prst="roundRect">
+              <a:avLst/>
+            </a:prstGeom>
+            <a:solidFill>
+              <a:srgbClr val="E7E8E2"/>
+            </a:solidFill>
+            <a:ln>
+              <a:noFill/>
+            </a:ln>
+          </p:spPr>
+          <p:style>
+            <a:lnRef idx="2">
+              <a:schemeClr val="accent5">
+                <a:shade val="50000"/>
+              </a:schemeClr>
+            </a:lnRef>
+            <a:fillRef idx="1">
+              <a:schemeClr val="accent5"/>
+            </a:fillRef>
+            <a:effectRef idx="0">
+              <a:schemeClr val="accent5"/>
+            </a:effectRef>
+            <a:fontRef idx="minor">
+              <a:schemeClr val="lt1"/>
+            </a:fontRef>
+          </p:style>
+          <p:txBody>
+            <a:bodyPr rtlCol="0" anchor="ctr"/>
+            <a:lstStyle/>
+            <a:p>
+              <a:pPr algn="ctr"/>
+              <a:r>
+                <a:rPr lang="en-US" altLang="ko-KR" sz="1100" b="1" dirty="0">
+                  <a:solidFill>
+                    <a:schemeClr val="tx1"/>
+                  </a:solidFill>
+                </a:rPr>
+                <a:t>Edge Cloud</a:t>
+              </a:r>
+              <a:endParaRPr lang="ko-KR" altLang="en-US" sz="1100" b="1" dirty="0">
+                <a:solidFill>
+                  <a:schemeClr val="tx1"/>
+                </a:solidFill>
+              </a:endParaRPr>
+            </a:p>
+          </p:txBody>
+        </p:sp>
+        <p:sp>
+          <p:nvSpPr>
+            <p:cNvPr id="21" name="사각형: 둥근 모서리 20">
+              <a:extLst>
+                <a:ext uri="{FF2B5EF4-FFF2-40B4-BE49-F238E27FC236}">
+                  <a16:creationId xmlns:a16="http://schemas.microsoft.com/office/drawing/2014/main" id="{8663FA24-E06E-466D-9675-0611B930917E}"/>
+                </a:ext>
+              </a:extLst>
+            </p:cNvPr>
+            <p:cNvSpPr/>
+            <p:nvPr/>
+          </p:nvSpPr>
+          <p:spPr>
+            <a:xfrm>
+              <a:off x="5989738" y="1696323"/>
+              <a:ext cx="609603" cy="402672"/>
+            </a:xfrm>
+            <a:prstGeom prst="roundRect">
+              <a:avLst/>
+            </a:prstGeom>
+            <a:solidFill>
+              <a:srgbClr val="E7E8E2"/>
+            </a:solidFill>
+            <a:ln>
+              <a:noFill/>
+            </a:ln>
+          </p:spPr>
+          <p:style>
+            <a:lnRef idx="2">
+              <a:schemeClr val="accent5">
+                <a:shade val="50000"/>
+              </a:schemeClr>
+            </a:lnRef>
+            <a:fillRef idx="1">
+              <a:schemeClr val="accent5"/>
+            </a:fillRef>
+            <a:effectRef idx="0">
+              <a:schemeClr val="accent5"/>
+            </a:effectRef>
+            <a:fontRef idx="minor">
+              <a:schemeClr val="lt1"/>
+            </a:fontRef>
+          </p:style>
+          <p:txBody>
+            <a:bodyPr rtlCol="0" anchor="ctr"/>
+            <a:lstStyle/>
+            <a:p>
+              <a:pPr algn="ctr"/>
+              <a:r>
+                <a:rPr lang="en-US" altLang="ko-KR" sz="1100" b="1" dirty="0">
+                  <a:solidFill>
+                    <a:schemeClr val="tx1"/>
+                  </a:solidFill>
+                </a:rPr>
+                <a:t>Edge Cloud</a:t>
+              </a:r>
+              <a:endParaRPr lang="ko-KR" altLang="en-US" sz="1100" b="1" dirty="0">
+                <a:solidFill>
+                  <a:schemeClr val="tx1"/>
+                </a:solidFill>
+              </a:endParaRPr>
+            </a:p>
+          </p:txBody>
+        </p:sp>
+        <p:sp>
+          <p:nvSpPr>
+            <p:cNvPr id="22" name="사각형: 둥근 모서리 21">
+              <a:extLst>
+                <a:ext uri="{FF2B5EF4-FFF2-40B4-BE49-F238E27FC236}">
+                  <a16:creationId xmlns:a16="http://schemas.microsoft.com/office/drawing/2014/main" id="{EF1AE4FC-364D-41FB-A2F4-157E36AEBAB5}"/>
+                </a:ext>
+              </a:extLst>
+            </p:cNvPr>
+            <p:cNvSpPr/>
+            <p:nvPr/>
+          </p:nvSpPr>
+          <p:spPr>
+            <a:xfrm>
+              <a:off x="4884015" y="2515998"/>
+              <a:ext cx="609603" cy="402672"/>
+            </a:xfrm>
+            <a:prstGeom prst="roundRect">
+              <a:avLst/>
+            </a:prstGeom>
+            <a:solidFill>
+              <a:srgbClr val="E7E8E2"/>
+            </a:solidFill>
+            <a:ln>
+              <a:noFill/>
+            </a:ln>
+          </p:spPr>
+          <p:style>
+            <a:lnRef idx="2">
+              <a:schemeClr val="accent5">
+                <a:shade val="50000"/>
+              </a:schemeClr>
+            </a:lnRef>
+            <a:fillRef idx="1">
+              <a:schemeClr val="accent5"/>
+            </a:fillRef>
+            <a:effectRef idx="0">
+              <a:schemeClr val="accent5"/>
+            </a:effectRef>
+            <a:fontRef idx="minor">
+              <a:schemeClr val="lt1"/>
+            </a:fontRef>
+          </p:style>
+          <p:txBody>
+            <a:bodyPr rtlCol="0" anchor="ctr"/>
+            <a:lstStyle/>
+            <a:p>
+              <a:pPr algn="ctr"/>
+              <a:r>
+                <a:rPr lang="en-US" altLang="ko-KR" sz="1100" b="1" dirty="0">
+                  <a:solidFill>
+                    <a:schemeClr val="tx1"/>
+                  </a:solidFill>
+                </a:rPr>
+                <a:t>Edge Cloud</a:t>
+              </a:r>
+              <a:endParaRPr lang="ko-KR" altLang="en-US" sz="1100" b="1" dirty="0">
+                <a:solidFill>
+                  <a:schemeClr val="tx1"/>
+                </a:solidFill>
+              </a:endParaRPr>
+            </a:p>
+          </p:txBody>
+        </p:sp>
+        <p:sp>
+          <p:nvSpPr>
+            <p:cNvPr id="23" name="사각형: 둥근 모서리 22">
+              <a:extLst>
+                <a:ext uri="{FF2B5EF4-FFF2-40B4-BE49-F238E27FC236}">
+                  <a16:creationId xmlns:a16="http://schemas.microsoft.com/office/drawing/2014/main" id="{04CECF60-8776-449D-AC30-1566299054D4}"/>
+                </a:ext>
+              </a:extLst>
+            </p:cNvPr>
+            <p:cNvSpPr/>
+            <p:nvPr/>
+          </p:nvSpPr>
+          <p:spPr>
+            <a:xfrm>
+              <a:off x="4884014" y="3445079"/>
+              <a:ext cx="609603" cy="402672"/>
+            </a:xfrm>
+            <a:prstGeom prst="roundRect">
+              <a:avLst/>
+            </a:prstGeom>
+            <a:solidFill>
+              <a:srgbClr val="E7E8E2"/>
+            </a:solidFill>
+            <a:ln>
+              <a:noFill/>
+            </a:ln>
+          </p:spPr>
+          <p:style>
+            <a:lnRef idx="2">
+              <a:schemeClr val="accent5">
+                <a:shade val="50000"/>
+              </a:schemeClr>
+            </a:lnRef>
+            <a:fillRef idx="1">
+              <a:schemeClr val="accent5"/>
+            </a:fillRef>
+            <a:effectRef idx="0">
+              <a:schemeClr val="accent5"/>
+            </a:effectRef>
+            <a:fontRef idx="minor">
+              <a:schemeClr val="lt1"/>
+            </a:fontRef>
+          </p:style>
+          <p:txBody>
+            <a:bodyPr rtlCol="0" anchor="ctr"/>
+            <a:lstStyle/>
+            <a:p>
+              <a:pPr algn="ctr"/>
+              <a:r>
+                <a:rPr lang="en-US" altLang="ko-KR" sz="1100" b="1" dirty="0">
+                  <a:solidFill>
+                    <a:schemeClr val="tx1"/>
+                  </a:solidFill>
+                </a:rPr>
+                <a:t>Edge Cloud</a:t>
+              </a:r>
+              <a:endParaRPr lang="ko-KR" altLang="en-US" sz="1100" b="1" dirty="0">
+                <a:solidFill>
+                  <a:schemeClr val="tx1"/>
+                </a:solidFill>
+              </a:endParaRPr>
+            </a:p>
+          </p:txBody>
+        </p:sp>
+        <p:sp>
+          <p:nvSpPr>
+            <p:cNvPr id="24" name="사각형: 둥근 모서리 23">
+              <a:extLst>
+                <a:ext uri="{FF2B5EF4-FFF2-40B4-BE49-F238E27FC236}">
+                  <a16:creationId xmlns:a16="http://schemas.microsoft.com/office/drawing/2014/main" id="{33BBA80A-7D15-4AA7-968A-FAE687450773}"/>
+                </a:ext>
+              </a:extLst>
+            </p:cNvPr>
+            <p:cNvSpPr/>
+            <p:nvPr/>
+          </p:nvSpPr>
+          <p:spPr>
+            <a:xfrm>
+              <a:off x="5223539" y="5310929"/>
+              <a:ext cx="609603" cy="402672"/>
+            </a:xfrm>
+            <a:prstGeom prst="roundRect">
+              <a:avLst/>
+            </a:prstGeom>
+            <a:solidFill>
+              <a:srgbClr val="E7E8E2"/>
+            </a:solidFill>
+            <a:ln>
+              <a:noFill/>
+            </a:ln>
+          </p:spPr>
+          <p:style>
+            <a:lnRef idx="2">
+              <a:schemeClr val="accent5">
+                <a:shade val="50000"/>
+              </a:schemeClr>
+            </a:lnRef>
+            <a:fillRef idx="1">
+              <a:schemeClr val="accent5"/>
+            </a:fillRef>
+            <a:effectRef idx="0">
+              <a:schemeClr val="accent5"/>
+            </a:effectRef>
+            <a:fontRef idx="minor">
+              <a:schemeClr val="lt1"/>
+            </a:fontRef>
+          </p:style>
+          <p:txBody>
+            <a:bodyPr rtlCol="0" anchor="ctr"/>
+            <a:lstStyle/>
+            <a:p>
+              <a:pPr algn="ctr"/>
+              <a:r>
+                <a:rPr lang="en-US" altLang="ko-KR" sz="1100" b="1" dirty="0">
+                  <a:solidFill>
+                    <a:schemeClr val="tx1"/>
+                  </a:solidFill>
+                </a:rPr>
+                <a:t>Edge Cloud</a:t>
+              </a:r>
+              <a:endParaRPr lang="ko-KR" altLang="en-US" sz="1100" b="1" dirty="0">
+                <a:solidFill>
+                  <a:schemeClr val="tx1"/>
+                </a:solidFill>
+              </a:endParaRPr>
+            </a:p>
+          </p:txBody>
+        </p:sp>
+        <p:sp>
+          <p:nvSpPr>
+            <p:cNvPr id="25" name="사각형: 둥근 모서리 24">
+              <a:extLst>
+                <a:ext uri="{FF2B5EF4-FFF2-40B4-BE49-F238E27FC236}">
+                  <a16:creationId xmlns:a16="http://schemas.microsoft.com/office/drawing/2014/main" id="{6EEEFFAC-ECD0-4DE4-B943-7DB4E4D49EF0}"/>
+                </a:ext>
+              </a:extLst>
+            </p:cNvPr>
+            <p:cNvSpPr/>
+            <p:nvPr/>
+          </p:nvSpPr>
+          <p:spPr>
+            <a:xfrm>
+              <a:off x="6560189" y="3427601"/>
+              <a:ext cx="609603" cy="402672"/>
+            </a:xfrm>
+            <a:prstGeom prst="roundRect">
+              <a:avLst/>
+            </a:prstGeom>
+            <a:solidFill>
+              <a:srgbClr val="E7E8E2"/>
+            </a:solidFill>
+            <a:ln>
+              <a:noFill/>
+            </a:ln>
+          </p:spPr>
+          <p:style>
+            <a:lnRef idx="2">
+              <a:schemeClr val="accent5">
+                <a:shade val="50000"/>
+              </a:schemeClr>
+            </a:lnRef>
+            <a:fillRef idx="1">
+              <a:schemeClr val="accent5"/>
+            </a:fillRef>
+            <a:effectRef idx="0">
+              <a:schemeClr val="accent5"/>
+            </a:effectRef>
+            <a:fontRef idx="minor">
+              <a:schemeClr val="lt1"/>
+            </a:fontRef>
+          </p:style>
+          <p:txBody>
+            <a:bodyPr rtlCol="0" anchor="ctr"/>
+            <a:lstStyle/>
+            <a:p>
+              <a:pPr algn="ctr"/>
+              <a:r>
+                <a:rPr lang="en-US" altLang="ko-KR" sz="1100" b="1" dirty="0">
+                  <a:solidFill>
+                    <a:schemeClr val="tx1"/>
+                  </a:solidFill>
+                </a:rPr>
+                <a:t>Edge Cloud</a:t>
+              </a:r>
+              <a:endParaRPr lang="ko-KR" altLang="en-US" sz="1100" b="1" dirty="0">
+                <a:solidFill>
+                  <a:schemeClr val="tx1"/>
+                </a:solidFill>
+              </a:endParaRPr>
+            </a:p>
+          </p:txBody>
+        </p:sp>
+        <p:sp>
+          <p:nvSpPr>
+            <p:cNvPr id="26" name="사각형: 둥근 모서리 25">
+              <a:extLst>
+                <a:ext uri="{FF2B5EF4-FFF2-40B4-BE49-F238E27FC236}">
+                  <a16:creationId xmlns:a16="http://schemas.microsoft.com/office/drawing/2014/main" id="{38CFF003-784A-4B46-B7CA-B308777BE6D9}"/>
+                </a:ext>
+              </a:extLst>
+            </p:cNvPr>
+            <p:cNvSpPr/>
+            <p:nvPr/>
+          </p:nvSpPr>
+          <p:spPr>
+            <a:xfrm>
+              <a:off x="5079528" y="4070756"/>
+              <a:ext cx="609603" cy="402672"/>
+            </a:xfrm>
+            <a:prstGeom prst="roundRect">
+              <a:avLst/>
+            </a:prstGeom>
+            <a:solidFill>
+              <a:srgbClr val="E7E8E2"/>
+            </a:solidFill>
+            <a:ln>
+              <a:noFill/>
+            </a:ln>
+          </p:spPr>
+          <p:style>
+            <a:lnRef idx="2">
+              <a:schemeClr val="accent5">
+                <a:shade val="50000"/>
+              </a:schemeClr>
+            </a:lnRef>
+            <a:fillRef idx="1">
+              <a:schemeClr val="accent5"/>
+            </a:fillRef>
+            <a:effectRef idx="0">
+              <a:schemeClr val="accent5"/>
+            </a:effectRef>
+            <a:fontRef idx="minor">
+              <a:schemeClr val="lt1"/>
+            </a:fontRef>
+          </p:style>
+          <p:txBody>
+            <a:bodyPr rtlCol="0" anchor="ctr"/>
+            <a:lstStyle/>
+            <a:p>
+              <a:pPr algn="ctr"/>
+              <a:r>
+                <a:rPr lang="en-US" altLang="ko-KR" sz="1100" b="1" dirty="0">
+                  <a:solidFill>
+                    <a:schemeClr val="tx1"/>
+                  </a:solidFill>
+                </a:rPr>
+                <a:t>Edge Cloud</a:t>
+              </a:r>
+              <a:endParaRPr lang="ko-KR" altLang="en-US" sz="1100" b="1" dirty="0">
+                <a:solidFill>
+                  <a:schemeClr val="tx1"/>
+                </a:solidFill>
+              </a:endParaRPr>
+            </a:p>
+          </p:txBody>
+        </p:sp>
+        <p:sp>
+          <p:nvSpPr>
+            <p:cNvPr id="27" name="사각형: 둥근 모서리 26">
+              <a:extLst>
+                <a:ext uri="{FF2B5EF4-FFF2-40B4-BE49-F238E27FC236}">
+                  <a16:creationId xmlns:a16="http://schemas.microsoft.com/office/drawing/2014/main" id="{4FF1B77D-A130-47AC-A5F9-6E29C161C184}"/>
+                </a:ext>
+              </a:extLst>
+            </p:cNvPr>
+            <p:cNvSpPr/>
+            <p:nvPr/>
+          </p:nvSpPr>
+          <p:spPr>
+            <a:xfrm>
+              <a:off x="6847973" y="4161638"/>
+              <a:ext cx="609603" cy="402672"/>
+            </a:xfrm>
+            <a:prstGeom prst="roundRect">
+              <a:avLst/>
+            </a:prstGeom>
+            <a:solidFill>
+              <a:srgbClr val="E7E8E2"/>
+            </a:solidFill>
+            <a:ln>
+              <a:noFill/>
+            </a:ln>
+          </p:spPr>
+          <p:style>
+            <a:lnRef idx="2">
+              <a:schemeClr val="accent5">
+                <a:shade val="50000"/>
+              </a:schemeClr>
+            </a:lnRef>
+            <a:fillRef idx="1">
+              <a:schemeClr val="accent5"/>
+            </a:fillRef>
+            <a:effectRef idx="0">
+              <a:schemeClr val="accent5"/>
+            </a:effectRef>
+            <a:fontRef idx="minor">
+              <a:schemeClr val="lt1"/>
+            </a:fontRef>
+          </p:style>
+          <p:txBody>
+            <a:bodyPr rtlCol="0" anchor="ctr"/>
+            <a:lstStyle/>
+            <a:p>
+              <a:pPr algn="ctr"/>
+              <a:r>
+                <a:rPr lang="en-US" altLang="ko-KR" sz="1100" b="1" dirty="0">
+                  <a:solidFill>
+                    <a:schemeClr val="tx1"/>
+                  </a:solidFill>
+                </a:rPr>
+                <a:t>Edge Cloud</a:t>
+              </a:r>
+              <a:endParaRPr lang="ko-KR" altLang="en-US" sz="1100" b="1" dirty="0">
+                <a:solidFill>
+                  <a:schemeClr val="tx1"/>
+                </a:solidFill>
+              </a:endParaRPr>
+            </a:p>
+          </p:txBody>
+        </p:sp>
+      </p:grpSp>
+      <p:sp>
+        <p:nvSpPr>
+          <p:cNvPr id="28" name="화살표: 오른쪽 27">
+            <a:extLst>
+              <a:ext uri="{FF2B5EF4-FFF2-40B4-BE49-F238E27FC236}">
+                <a16:creationId xmlns:a16="http://schemas.microsoft.com/office/drawing/2014/main" id="{3B0E5F22-9EB3-4D4A-A6DF-26A3089824D3}"/>
+              </a:ext>
+            </a:extLst>
+          </p:cNvPr>
+          <p:cNvSpPr/>
+          <p:nvPr/>
+        </p:nvSpPr>
+        <p:spPr>
+          <a:xfrm>
+            <a:off x="5817935" y="3087632"/>
+            <a:ext cx="680261" cy="538539"/>
+          </a:xfrm>
+          <a:prstGeom prst="rightArrow">
+            <a:avLst/>
+          </a:prstGeom>
+          <a:solidFill>
+            <a:srgbClr val="5A7D59">
+              <a:alpha val="53000"/>
+            </a:srgbClr>
+          </a:solidFill>
+          <a:ln>
+            <a:noFill/>
+          </a:ln>
+        </p:spPr>
+        <p:style>
+          <a:lnRef idx="2">
+            <a:schemeClr val="accent1">
+              <a:shade val="50000"/>
+            </a:schemeClr>
+          </a:lnRef>
+          <a:fillRef idx="1">
+            <a:schemeClr val="accent1"/>
+          </a:fillRef>
+          <a:effectRef idx="0">
+            <a:schemeClr val="accent1"/>
+          </a:effectRef>
+          <a:fontRef idx="minor">
+            <a:schemeClr val="lt1"/>
+          </a:fontRef>
+        </p:style>
+        <p:txBody>
+          <a:bodyPr rtlCol="0" anchor="ctr"/>
+          <a:lstStyle/>
+          <a:p>
+            <a:pPr algn="ctr"/>
+            <a:endParaRPr lang="ko-KR" altLang="en-US"/>
+          </a:p>
+        </p:txBody>
+      </p:sp>
+      <p:sp>
+        <p:nvSpPr>
+          <p:cNvPr id="29" name="TextBox 28">
+            <a:extLst>
+              <a:ext uri="{FF2B5EF4-FFF2-40B4-BE49-F238E27FC236}">
+                <a16:creationId xmlns:a16="http://schemas.microsoft.com/office/drawing/2014/main" id="{59223554-D1F3-4169-A91E-C8D3BF787C55}"/>
+              </a:ext>
+            </a:extLst>
+          </p:cNvPr>
+          <p:cNvSpPr txBox="1"/>
+          <p:nvPr/>
+        </p:nvSpPr>
+        <p:spPr>
+          <a:xfrm>
+            <a:off x="1920152" y="6118937"/>
+            <a:ext cx="2852180" cy="515526"/>
+          </a:xfrm>
+          <a:prstGeom prst="rect">
+            <a:avLst/>
+          </a:prstGeom>
+          <a:noFill/>
+        </p:spPr>
+        <p:txBody>
+          <a:bodyPr wrap="square">
+            <a:spAutoFit/>
+          </a:bodyPr>
+          <a:lstStyle/>
+          <a:p>
+            <a:pPr algn="ctr">
+              <a:lnSpc>
+                <a:spcPct val="150000"/>
+              </a:lnSpc>
+            </a:pPr>
+            <a:r>
+              <a:rPr lang="en-US" altLang="ko-KR" sz="2000" dirty="0">
+                <a:solidFill>
+                  <a:srgbClr val="595959"/>
+                </a:solidFill>
+                <a:latin typeface="G마켓 산스 TTF Medium" panose="02000000000000000000" pitchFamily="2" charset="-127"/>
+                <a:ea typeface="G마켓 산스 TTF Medium" panose="02000000000000000000" pitchFamily="2" charset="-127"/>
+              </a:rPr>
+              <a:t>&lt;</a:t>
+            </a:r>
+            <a:r>
+              <a:rPr lang="ko-KR" altLang="en-US" sz="2000" dirty="0">
+                <a:solidFill>
+                  <a:srgbClr val="595959"/>
+                </a:solidFill>
+                <a:latin typeface="G마켓 산스 TTF Medium" panose="02000000000000000000" pitchFamily="2" charset="-127"/>
+                <a:ea typeface="G마켓 산스 TTF Medium" panose="02000000000000000000" pitchFamily="2" charset="-127"/>
+              </a:rPr>
+              <a:t>기존</a:t>
+            </a:r>
+            <a:r>
+              <a:rPr lang="en-US" altLang="ko-KR" sz="2000" dirty="0">
+                <a:solidFill>
+                  <a:srgbClr val="595959"/>
+                </a:solidFill>
+                <a:latin typeface="G마켓 산스 TTF Medium" panose="02000000000000000000" pitchFamily="2" charset="-127"/>
+                <a:ea typeface="G마켓 산스 TTF Medium" panose="02000000000000000000" pitchFamily="2" charset="-127"/>
+              </a:rPr>
+              <a:t>&gt;</a:t>
+            </a:r>
+            <a:endParaRPr lang="ko-KR" altLang="en-US" sz="2000" dirty="0">
+              <a:solidFill>
+                <a:srgbClr val="595959"/>
+              </a:solidFill>
+              <a:latin typeface="G마켓 산스 TTF Medium" panose="02000000000000000000" pitchFamily="2" charset="-127"/>
+              <a:ea typeface="G마켓 산스 TTF Medium" panose="02000000000000000000" pitchFamily="2" charset="-127"/>
+            </a:endParaRPr>
+          </a:p>
+        </p:txBody>
+      </p:sp>
+      <p:sp>
+        <p:nvSpPr>
+          <p:cNvPr id="30" name="TextBox 29">
+            <a:extLst>
+              <a:ext uri="{FF2B5EF4-FFF2-40B4-BE49-F238E27FC236}">
+                <a16:creationId xmlns:a16="http://schemas.microsoft.com/office/drawing/2014/main" id="{E0E2D5A2-4757-44AB-B3E1-71177B039608}"/>
+              </a:ext>
+            </a:extLst>
+          </p:cNvPr>
+          <p:cNvSpPr txBox="1"/>
+          <p:nvPr/>
+        </p:nvSpPr>
+        <p:spPr>
+          <a:xfrm>
+            <a:off x="7633281" y="6133332"/>
+            <a:ext cx="2852180" cy="515526"/>
+          </a:xfrm>
+          <a:prstGeom prst="rect">
+            <a:avLst/>
+          </a:prstGeom>
+          <a:noFill/>
+        </p:spPr>
+        <p:txBody>
+          <a:bodyPr wrap="square">
+            <a:spAutoFit/>
+          </a:bodyPr>
+          <a:lstStyle/>
+          <a:p>
+            <a:pPr algn="ctr">
+              <a:lnSpc>
+                <a:spcPct val="150000"/>
+              </a:lnSpc>
+            </a:pPr>
+            <a:r>
+              <a:rPr lang="en-US" altLang="ko-KR" sz="2000" dirty="0">
+                <a:solidFill>
+                  <a:srgbClr val="595959"/>
+                </a:solidFill>
+                <a:latin typeface="G마켓 산스 TTF Medium" panose="02000000000000000000" pitchFamily="2" charset="-127"/>
+                <a:ea typeface="G마켓 산스 TTF Medium" panose="02000000000000000000" pitchFamily="2" charset="-127"/>
+              </a:rPr>
+              <a:t>&lt;</a:t>
+            </a:r>
+            <a:r>
+              <a:rPr lang="ko-KR" altLang="en-US" sz="2000" dirty="0">
+                <a:solidFill>
+                  <a:srgbClr val="595959"/>
+                </a:solidFill>
+                <a:latin typeface="G마켓 산스 TTF Medium" panose="02000000000000000000" pitchFamily="2" charset="-127"/>
+                <a:ea typeface="G마켓 산스 TTF Medium" panose="02000000000000000000" pitchFamily="2" charset="-127"/>
+              </a:rPr>
+              <a:t>반영 후</a:t>
+            </a:r>
+            <a:r>
+              <a:rPr lang="en-US" altLang="ko-KR" sz="2000" dirty="0">
+                <a:solidFill>
+                  <a:srgbClr val="595959"/>
+                </a:solidFill>
+                <a:latin typeface="G마켓 산스 TTF Medium" panose="02000000000000000000" pitchFamily="2" charset="-127"/>
+                <a:ea typeface="G마켓 산스 TTF Medium" panose="02000000000000000000" pitchFamily="2" charset="-127"/>
+              </a:rPr>
+              <a:t>&gt;</a:t>
+            </a:r>
+            <a:endParaRPr lang="ko-KR" altLang="en-US" sz="2000" dirty="0">
+              <a:solidFill>
+                <a:srgbClr val="595959"/>
+              </a:solidFill>
+              <a:latin typeface="G마켓 산스 TTF Medium" panose="02000000000000000000" pitchFamily="2" charset="-127"/>
+              <a:ea typeface="G마켓 산스 TTF Medium" panose="02000000000000000000" pitchFamily="2" charset="-127"/>
+            </a:endParaRPr>
+          </a:p>
+        </p:txBody>
+      </p:sp>
+    </p:spTree>
+    <p:extLst>
+      <p:ext uri="{BB962C8B-B14F-4D97-AF65-F5344CB8AC3E}">
+        <p14:creationId xmlns:p14="http://schemas.microsoft.com/office/powerpoint/2010/main" val="3687967908"/>
+      </p:ext>
+    </p:extLst>
+  </p:cSld>
+  <p:clrMapOvr>
+    <a:masterClrMapping/>
+  </p:clrMapOvr>
+</p:sld>
+</file>
+
+<file path=ppt/slides/slide5.xml><?xml version="1.0" encoding="utf-8"?>
 <p:sld xmlns:a="http://schemas.openxmlformats.org/drawingml/2006/main" xmlns:r="http://schemas.openxmlformats.org/officeDocument/2006/relationships" xmlns:p="http://schemas.openxmlformats.org/presentationml/2006/main">
   <p:cSld>
     <p:spTree>
@@ -7237,7 +14350,7 @@
 </p:sld>
 </file>
 
-<file path=ppt/slides/slide5.xml><?xml version="1.0" encoding="utf-8"?>
+<file path=ppt/slides/slide6.xml><?xml version="1.0" encoding="utf-8"?>
 <p:sld xmlns:a="http://schemas.openxmlformats.org/drawingml/2006/main" xmlns:r="http://schemas.openxmlformats.org/officeDocument/2006/relationships" xmlns:p="http://schemas.openxmlformats.org/presentationml/2006/main">
   <p:cSld>
     <p:spTree>
@@ -7673,7 +14786,7 @@
           <p:spPr>
             <a:xfrm>
               <a:off x="578840" y="1226118"/>
-              <a:ext cx="831766" cy="400110"/>
+              <a:ext cx="702436" cy="400110"/>
             </a:xfrm>
             <a:prstGeom prst="rect">
               <a:avLst/>
@@ -7688,7 +14801,7 @@
             <a:p>
               <a:r>
                 <a:rPr lang="en-US" altLang="ko-KR" sz="2000" b="1" dirty="0"/>
-                <a:t>CCTV</a:t>
+                <a:t>HPC</a:t>
               </a:r>
               <a:endParaRPr lang="ko-KR" altLang="en-US" sz="2000" b="1" dirty="0"/>
             </a:p>
@@ -8020,6 +15133,231 @@
           </p:style>
         </p:cxnSp>
       </p:grpSp>
+      <p:pic>
+        <p:nvPicPr>
+          <p:cNvPr id="21" name="Picture 2" descr="김해 어방동서 승용차 등 차량 4대 추돌사고…1명 숨져 &amp;lt; 종합 &amp;lt; 뉴스 &amp;lt; 기사본문 - 김해뉴스">
+            <a:extLst>
+              <a:ext uri="{FF2B5EF4-FFF2-40B4-BE49-F238E27FC236}">
+                <a16:creationId xmlns:a16="http://schemas.microsoft.com/office/drawing/2014/main" id="{E715DDED-D545-4A77-A13A-17D5681E7303}"/>
+              </a:ext>
+            </a:extLst>
+          </p:cNvPr>
+          <p:cNvPicPr>
+            <a:picLocks noChangeAspect="1" noChangeArrowheads="1"/>
+          </p:cNvPicPr>
+          <p:nvPr/>
+        </p:nvPicPr>
+        <p:blipFill rotWithShape="1">
+          <a:blip r:embed="rId2">
+            <a:extLst>
+              <a:ext uri="{28A0092B-C50C-407E-A947-70E740481C1C}">
+                <a14:useLocalDpi xmlns:a14="http://schemas.microsoft.com/office/drawing/2010/main" val="0"/>
+              </a:ext>
+            </a:extLst>
+          </a:blip>
+          <a:srcRect b="6995"/>
+          <a:stretch/>
+        </p:blipFill>
+        <p:spPr bwMode="auto">
+          <a:xfrm>
+            <a:off x="8470480" y="3851807"/>
+            <a:ext cx="3561081" cy="2817805"/>
+          </a:xfrm>
+          <a:prstGeom prst="rect">
+            <a:avLst/>
+          </a:prstGeom>
+          <a:noFill/>
+          <a:extLst>
+            <a:ext uri="{909E8E84-426E-40DD-AFC4-6F175D3DCCD1}">
+              <a14:hiddenFill xmlns:a14="http://schemas.microsoft.com/office/drawing/2010/main">
+                <a:solidFill>
+                  <a:srgbClr val="FFFFFF"/>
+                </a:solidFill>
+              </a14:hiddenFill>
+            </a:ext>
+          </a:extLst>
+        </p:spPr>
+      </p:pic>
+      <p:sp>
+        <p:nvSpPr>
+          <p:cNvPr id="22" name="직사각형 21">
+            <a:extLst>
+              <a:ext uri="{FF2B5EF4-FFF2-40B4-BE49-F238E27FC236}">
+                <a16:creationId xmlns:a16="http://schemas.microsoft.com/office/drawing/2014/main" id="{21863AB3-4B71-4830-A796-6E40167B93D1}"/>
+              </a:ext>
+            </a:extLst>
+          </p:cNvPr>
+          <p:cNvSpPr/>
+          <p:nvPr/>
+        </p:nvSpPr>
+        <p:spPr>
+          <a:xfrm>
+            <a:off x="9486496" y="4594192"/>
+            <a:ext cx="2123580" cy="2075420"/>
+          </a:xfrm>
+          <a:prstGeom prst="rect">
+            <a:avLst/>
+          </a:prstGeom>
+          <a:noFill/>
+          <a:ln w="38100">
+            <a:solidFill>
+              <a:srgbClr val="FF0000"/>
+            </a:solidFill>
+          </a:ln>
+        </p:spPr>
+        <p:style>
+          <a:lnRef idx="2">
+            <a:schemeClr val="accent1">
+              <a:shade val="50000"/>
+            </a:schemeClr>
+          </a:lnRef>
+          <a:fillRef idx="1">
+            <a:schemeClr val="accent1"/>
+          </a:fillRef>
+          <a:effectRef idx="0">
+            <a:schemeClr val="accent1"/>
+          </a:effectRef>
+          <a:fontRef idx="minor">
+            <a:schemeClr val="lt1"/>
+          </a:fontRef>
+        </p:style>
+        <p:txBody>
+          <a:bodyPr rtlCol="0" anchor="ctr"/>
+          <a:lstStyle/>
+          <a:p>
+            <a:pPr algn="ctr"/>
+            <a:endParaRPr lang="ko-KR" altLang="en-US"/>
+          </a:p>
+        </p:txBody>
+      </p:sp>
+      <p:sp>
+        <p:nvSpPr>
+          <p:cNvPr id="23" name="직사각형 22">
+            <a:extLst>
+              <a:ext uri="{FF2B5EF4-FFF2-40B4-BE49-F238E27FC236}">
+                <a16:creationId xmlns:a16="http://schemas.microsoft.com/office/drawing/2014/main" id="{BD398FA8-5DB8-4D90-8632-FA568386A6D2}"/>
+              </a:ext>
+            </a:extLst>
+          </p:cNvPr>
+          <p:cNvSpPr/>
+          <p:nvPr/>
+        </p:nvSpPr>
+        <p:spPr>
+          <a:xfrm>
+            <a:off x="8635448" y="4661521"/>
+            <a:ext cx="1236560" cy="1022268"/>
+          </a:xfrm>
+          <a:prstGeom prst="rect">
+            <a:avLst/>
+          </a:prstGeom>
+          <a:noFill/>
+          <a:ln w="38100">
+            <a:solidFill>
+              <a:srgbClr val="FF0000"/>
+            </a:solidFill>
+          </a:ln>
+        </p:spPr>
+        <p:style>
+          <a:lnRef idx="2">
+            <a:schemeClr val="accent1">
+              <a:shade val="50000"/>
+            </a:schemeClr>
+          </a:lnRef>
+          <a:fillRef idx="1">
+            <a:schemeClr val="accent1"/>
+          </a:fillRef>
+          <a:effectRef idx="0">
+            <a:schemeClr val="accent1"/>
+          </a:effectRef>
+          <a:fontRef idx="minor">
+            <a:schemeClr val="lt1"/>
+          </a:fontRef>
+        </p:style>
+        <p:txBody>
+          <a:bodyPr rtlCol="0" anchor="ctr"/>
+          <a:lstStyle/>
+          <a:p>
+            <a:pPr algn="ctr"/>
+            <a:endParaRPr lang="ko-KR" altLang="en-US"/>
+          </a:p>
+        </p:txBody>
+      </p:sp>
+      <p:sp>
+        <p:nvSpPr>
+          <p:cNvPr id="25" name="TextBox 24">
+            <a:extLst>
+              <a:ext uri="{FF2B5EF4-FFF2-40B4-BE49-F238E27FC236}">
+                <a16:creationId xmlns:a16="http://schemas.microsoft.com/office/drawing/2014/main" id="{B2ED5D29-995A-40E2-ACB4-044D3C9BA16D}"/>
+              </a:ext>
+            </a:extLst>
+          </p:cNvPr>
+          <p:cNvSpPr txBox="1"/>
+          <p:nvPr/>
+        </p:nvSpPr>
+        <p:spPr>
+          <a:xfrm>
+            <a:off x="9473428" y="4396905"/>
+            <a:ext cx="659943" cy="215444"/>
+          </a:xfrm>
+          <a:prstGeom prst="rect">
+            <a:avLst/>
+          </a:prstGeom>
+          <a:solidFill>
+            <a:srgbClr val="FF0000"/>
+          </a:solidFill>
+        </p:spPr>
+        <p:txBody>
+          <a:bodyPr wrap="square" rtlCol="0" anchor="ctr">
+            <a:spAutoFit/>
+          </a:bodyPr>
+          <a:lstStyle/>
+          <a:p>
+            <a:r>
+              <a:rPr lang="en-US" altLang="ko-KR" sz="800" b="1" dirty="0"/>
+              <a:t>Accident</a:t>
+            </a:r>
+            <a:endParaRPr lang="ko-KR" altLang="en-US" sz="800" b="1" dirty="0"/>
+          </a:p>
+        </p:txBody>
+      </p:sp>
+      <p:sp>
+        <p:nvSpPr>
+          <p:cNvPr id="26" name="TextBox 25">
+            <a:extLst>
+              <a:ext uri="{FF2B5EF4-FFF2-40B4-BE49-F238E27FC236}">
+                <a16:creationId xmlns:a16="http://schemas.microsoft.com/office/drawing/2014/main" id="{2E1E07A0-726D-4DFD-AF66-E32938C11C5B}"/>
+              </a:ext>
+            </a:extLst>
+          </p:cNvPr>
+          <p:cNvSpPr txBox="1"/>
+          <p:nvPr/>
+        </p:nvSpPr>
+        <p:spPr>
+          <a:xfrm>
+            <a:off x="8622380" y="4431425"/>
+            <a:ext cx="659943" cy="215444"/>
+          </a:xfrm>
+          <a:prstGeom prst="rect">
+            <a:avLst/>
+          </a:prstGeom>
+          <a:solidFill>
+            <a:srgbClr val="FF0000"/>
+          </a:solidFill>
+        </p:spPr>
+        <p:txBody>
+          <a:bodyPr wrap="square" rtlCol="0" anchor="ctr">
+            <a:spAutoFit/>
+          </a:bodyPr>
+          <a:lstStyle/>
+          <a:p>
+            <a:r>
+              <a:rPr lang="en-US" altLang="ko-KR" sz="800" b="1" dirty="0"/>
+              <a:t>Accident</a:t>
+            </a:r>
+            <a:endParaRPr lang="ko-KR" altLang="en-US" sz="800" b="1" dirty="0"/>
+          </a:p>
+        </p:txBody>
+      </p:sp>
     </p:spTree>
     <p:extLst>
       <p:ext uri="{BB962C8B-B14F-4D97-AF65-F5344CB8AC3E}">
@@ -8033,7 +15371,7 @@
 </p:sld>
 </file>
 
-<file path=ppt/slides/slide6.xml><?xml version="1.0" encoding="utf-8"?>
+<file path=ppt/slides/slide7.xml><?xml version="1.0" encoding="utf-8"?>
 <p:sld xmlns:a="http://schemas.openxmlformats.org/drawingml/2006/main" xmlns:r="http://schemas.openxmlformats.org/officeDocument/2006/relationships" xmlns:p="http://schemas.openxmlformats.org/presentationml/2006/main">
   <p:cSld>
     <p:spTree>
@@ -9803,7 +17141,7 @@
 </p:sld>
 </file>
 
-<file path=ppt/slides/slide7.xml><?xml version="1.0" encoding="utf-8"?>
+<file path=ppt/slides/slide8.xml><?xml version="1.0" encoding="utf-8"?>
 <p:sld xmlns:a="http://schemas.openxmlformats.org/drawingml/2006/main" xmlns:r="http://schemas.openxmlformats.org/officeDocument/2006/relationships" xmlns:p="http://schemas.openxmlformats.org/presentationml/2006/main">
   <p:cSld>
     <p:spTree>
@@ -12323,7 +19661,7 @@
 </p:sld>
 </file>
 
-<file path=ppt/slides/slide8.xml><?xml version="1.0" encoding="utf-8"?>
+<file path=ppt/slides/slide9.xml><?xml version="1.0" encoding="utf-8"?>
 <p:sld xmlns:a="http://schemas.openxmlformats.org/drawingml/2006/main" xmlns:r="http://schemas.openxmlformats.org/officeDocument/2006/relationships" xmlns:p="http://schemas.openxmlformats.org/presentationml/2006/main">
   <p:cSld>
     <p:spTree>
@@ -13725,1000 +21063,6 @@
     <p:extLst>
       <p:ext uri="{BB962C8B-B14F-4D97-AF65-F5344CB8AC3E}">
         <p14:creationId xmlns:p14="http://schemas.microsoft.com/office/powerpoint/2010/main" val="1871002290"/>
-      </p:ext>
-    </p:extLst>
-  </p:cSld>
-  <p:clrMapOvr>
-    <a:masterClrMapping/>
-  </p:clrMapOvr>
-</p:sld>
-</file>
-
-<file path=ppt/slides/slide9.xml><?xml version="1.0" encoding="utf-8"?>
-<p:sld xmlns:a="http://schemas.openxmlformats.org/drawingml/2006/main" xmlns:r="http://schemas.openxmlformats.org/officeDocument/2006/relationships" xmlns:p="http://schemas.openxmlformats.org/presentationml/2006/main">
-  <p:cSld>
-    <p:spTree>
-      <p:nvGrpSpPr>
-        <p:cNvPr id="1" name=""/>
-        <p:cNvGrpSpPr/>
-        <p:nvPr/>
-      </p:nvGrpSpPr>
-      <p:grpSpPr>
-        <a:xfrm>
-          <a:off x="0" y="0"/>
-          <a:ext cx="0" cy="0"/>
-          <a:chOff x="0" y="0"/>
-          <a:chExt cx="0" cy="0"/>
-        </a:xfrm>
-      </p:grpSpPr>
-      <p:grpSp>
-        <p:nvGrpSpPr>
-          <p:cNvPr id="26" name="그룹 25">
-            <a:extLst>
-              <a:ext uri="{FF2B5EF4-FFF2-40B4-BE49-F238E27FC236}">
-                <a16:creationId xmlns:a16="http://schemas.microsoft.com/office/drawing/2014/main" id="{517F3B8F-DBB9-4894-9F6E-BC71D2DBF625}"/>
-              </a:ext>
-            </a:extLst>
-          </p:cNvPr>
-          <p:cNvGrpSpPr/>
-          <p:nvPr/>
-        </p:nvGrpSpPr>
-        <p:grpSpPr>
-          <a:xfrm>
-            <a:off x="152400" y="2346061"/>
-            <a:ext cx="10911561" cy="2464534"/>
-            <a:chOff x="152400" y="2346061"/>
-            <a:chExt cx="10911561" cy="2464534"/>
-          </a:xfrm>
-        </p:grpSpPr>
-        <p:grpSp>
-          <p:nvGrpSpPr>
-            <p:cNvPr id="4" name="그룹 3">
-              <a:extLst>
-                <a:ext uri="{FF2B5EF4-FFF2-40B4-BE49-F238E27FC236}">
-                  <a16:creationId xmlns:a16="http://schemas.microsoft.com/office/drawing/2014/main" id="{05D0EEA8-A2EB-47C9-9E75-AF92470C0C2E}"/>
-                </a:ext>
-              </a:extLst>
-            </p:cNvPr>
-            <p:cNvGrpSpPr/>
-            <p:nvPr/>
-          </p:nvGrpSpPr>
-          <p:grpSpPr>
-            <a:xfrm>
-              <a:off x="152400" y="2346061"/>
-              <a:ext cx="10911541" cy="2464534"/>
-              <a:chOff x="0" y="1533586"/>
-              <a:chExt cx="10911541" cy="2464534"/>
-            </a:xfrm>
-          </p:grpSpPr>
-          <p:grpSp>
-            <p:nvGrpSpPr>
-              <p:cNvPr id="5" name="그룹 4">
-                <a:extLst>
-                  <a:ext uri="{FF2B5EF4-FFF2-40B4-BE49-F238E27FC236}">
-                    <a16:creationId xmlns:a16="http://schemas.microsoft.com/office/drawing/2014/main" id="{6D3F87F3-59D8-4FAB-A6B2-BBFB11A156F3}"/>
-                  </a:ext>
-                </a:extLst>
-              </p:cNvPr>
-              <p:cNvGrpSpPr/>
-              <p:nvPr/>
-            </p:nvGrpSpPr>
-            <p:grpSpPr>
-              <a:xfrm>
-                <a:off x="0" y="1533586"/>
-                <a:ext cx="2897758" cy="2464534"/>
-                <a:chOff x="480920" y="2224713"/>
-                <a:chExt cx="3303162" cy="2792401"/>
-              </a:xfrm>
-            </p:grpSpPr>
-            <p:pic>
-              <p:nvPicPr>
-                <p:cNvPr id="14" name="그래픽 13" descr="보안 카메라 단색으로 채워진">
-                  <a:extLst>
-                    <a:ext uri="{FF2B5EF4-FFF2-40B4-BE49-F238E27FC236}">
-                      <a16:creationId xmlns:a16="http://schemas.microsoft.com/office/drawing/2014/main" id="{318D2DC6-46B4-47CF-8DC7-A735CF2E5363}"/>
-                    </a:ext>
-                  </a:extLst>
-                </p:cNvPr>
-                <p:cNvPicPr>
-                  <a:picLocks noChangeAspect="1"/>
-                </p:cNvPicPr>
-                <p:nvPr/>
-              </p:nvPicPr>
-              <p:blipFill>
-                <a:blip r:embed="rId2">
-                  <a:extLst>
-                    <a:ext uri="{28A0092B-C50C-407E-A947-70E740481C1C}">
-                      <a14:useLocalDpi xmlns:a14="http://schemas.microsoft.com/office/drawing/2010/main"/>
-                    </a:ext>
-                    <a:ext uri="{96DAC541-7B7A-43D3-8B79-37D633B846F1}">
-                      <asvg:svgBlip xmlns:asvg="http://schemas.microsoft.com/office/drawing/2016/SVG/main" r:embed="rId3"/>
-                    </a:ext>
-                  </a:extLst>
-                </a:blip>
-                <a:stretch>
-                  <a:fillRect/>
-                </a:stretch>
-              </p:blipFill>
-              <p:spPr>
-                <a:xfrm>
-                  <a:off x="480920" y="2224713"/>
-                  <a:ext cx="914400" cy="914400"/>
-                </a:xfrm>
-                <a:prstGeom prst="rect">
-                  <a:avLst/>
-                </a:prstGeom>
-              </p:spPr>
-            </p:pic>
-            <p:pic>
-              <p:nvPicPr>
-                <p:cNvPr id="15" name="그림 14">
-                  <a:extLst>
-                    <a:ext uri="{FF2B5EF4-FFF2-40B4-BE49-F238E27FC236}">
-                      <a16:creationId xmlns:a16="http://schemas.microsoft.com/office/drawing/2014/main" id="{452117A1-CF68-4958-8E1F-E007474B8249}"/>
-                    </a:ext>
-                  </a:extLst>
-                </p:cNvPr>
-                <p:cNvPicPr>
-                  <a:picLocks noChangeAspect="1"/>
-                </p:cNvPicPr>
-                <p:nvPr/>
-              </p:nvPicPr>
-              <p:blipFill>
-                <a:blip r:embed="rId4" cstate="screen">
-                  <a:extLst>
-                    <a:ext uri="{BEBA8EAE-BF5A-486C-A8C5-ECC9F3942E4B}">
-                      <a14:imgProps xmlns:a14="http://schemas.microsoft.com/office/drawing/2010/main">
-                        <a14:imgLayer r:embed="rId5">
-                          <a14:imgEffect>
-                            <a14:backgroundRemoval t="10000" b="90000" l="10000" r="90000">
-                              <a14:foregroundMark x1="61196" y1="55053" x2="61196" y2="55053"/>
-                              <a14:foregroundMark x1="49891" y1="28507" x2="49891" y2="28507"/>
-                              <a14:foregroundMark x1="45326" y1="33183" x2="45326" y2="33183"/>
-                              <a14:foregroundMark x1="55217" y1="31674" x2="55217" y2="31674"/>
-                            </a14:backgroundRemoval>
-                          </a14:imgEffect>
-                        </a14:imgLayer>
-                      </a14:imgProps>
-                    </a:ext>
-                    <a:ext uri="{28A0092B-C50C-407E-A947-70E740481C1C}">
-                      <a14:useLocalDpi xmlns:a14="http://schemas.microsoft.com/office/drawing/2010/main"/>
-                    </a:ext>
-                  </a:extLst>
-                </a:blip>
-                <a:stretch>
-                  <a:fillRect/>
-                </a:stretch>
-              </p:blipFill>
-              <p:spPr>
-                <a:xfrm>
-                  <a:off x="1284123" y="2313488"/>
-                  <a:ext cx="2478223" cy="1785937"/>
-                </a:xfrm>
-                <a:prstGeom prst="rect">
-                  <a:avLst/>
-                </a:prstGeom>
-              </p:spPr>
-            </p:pic>
-            <p:cxnSp>
-              <p:nvCxnSpPr>
-                <p:cNvPr id="16" name="직선 연결선 15">
-                  <a:extLst>
-                    <a:ext uri="{FF2B5EF4-FFF2-40B4-BE49-F238E27FC236}">
-                      <a16:creationId xmlns:a16="http://schemas.microsoft.com/office/drawing/2014/main" id="{C0126D04-FEE2-42CB-8905-0F531C8F9ACB}"/>
-                    </a:ext>
-                  </a:extLst>
-                </p:cNvPr>
-                <p:cNvCxnSpPr>
-                  <a:cxnSpLocks/>
-                </p:cNvCxnSpPr>
-                <p:nvPr/>
-              </p:nvCxnSpPr>
-              <p:spPr>
-                <a:xfrm>
-                  <a:off x="1228396" y="2894372"/>
-                  <a:ext cx="360527" cy="917841"/>
-                </a:xfrm>
-                <a:prstGeom prst="line">
-                  <a:avLst/>
-                </a:prstGeom>
-                <a:ln w="38100">
-                  <a:solidFill>
-                    <a:srgbClr val="5A7D59"/>
-                  </a:solidFill>
-                  <a:prstDash val="dash"/>
-                </a:ln>
-              </p:spPr>
-              <p:style>
-                <a:lnRef idx="1">
-                  <a:schemeClr val="accent1"/>
-                </a:lnRef>
-                <a:fillRef idx="0">
-                  <a:schemeClr val="accent1"/>
-                </a:fillRef>
-                <a:effectRef idx="0">
-                  <a:schemeClr val="accent1"/>
-                </a:effectRef>
-                <a:fontRef idx="minor">
-                  <a:schemeClr val="tx1"/>
-                </a:fontRef>
-              </p:style>
-            </p:cxnSp>
-            <p:cxnSp>
-              <p:nvCxnSpPr>
-                <p:cNvPr id="17" name="직선 연결선 16">
-                  <a:extLst>
-                    <a:ext uri="{FF2B5EF4-FFF2-40B4-BE49-F238E27FC236}">
-                      <a16:creationId xmlns:a16="http://schemas.microsoft.com/office/drawing/2014/main" id="{88B8395D-3FC3-408B-B580-E00B1BA10485}"/>
-                    </a:ext>
-                  </a:extLst>
-                </p:cNvPr>
-                <p:cNvCxnSpPr>
-                  <a:cxnSpLocks/>
-                </p:cNvCxnSpPr>
-                <p:nvPr/>
-              </p:nvCxnSpPr>
-              <p:spPr>
-                <a:xfrm flipV="1">
-                  <a:off x="1408659" y="2598194"/>
-                  <a:ext cx="1499641" cy="119610"/>
-                </a:xfrm>
-                <a:prstGeom prst="line">
-                  <a:avLst/>
-                </a:prstGeom>
-                <a:ln w="38100">
-                  <a:solidFill>
-                    <a:srgbClr val="5A7D59"/>
-                  </a:solidFill>
-                  <a:prstDash val="dash"/>
-                </a:ln>
-              </p:spPr>
-              <p:style>
-                <a:lnRef idx="1">
-                  <a:schemeClr val="accent1"/>
-                </a:lnRef>
-                <a:fillRef idx="0">
-                  <a:schemeClr val="accent1"/>
-                </a:fillRef>
-                <a:effectRef idx="0">
-                  <a:schemeClr val="accent1"/>
-                </a:effectRef>
-                <a:fontRef idx="minor">
-                  <a:schemeClr val="tx1"/>
-                </a:fontRef>
-              </p:style>
-            </p:cxnSp>
-            <p:sp>
-              <p:nvSpPr>
-                <p:cNvPr id="18" name="TextBox 17">
-                  <a:extLst>
-                    <a:ext uri="{FF2B5EF4-FFF2-40B4-BE49-F238E27FC236}">
-                      <a16:creationId xmlns:a16="http://schemas.microsoft.com/office/drawing/2014/main" id="{708CBADC-D4DD-43D2-85E4-1E555A4FC892}"/>
-                    </a:ext>
-                  </a:extLst>
-                </p:cNvPr>
-                <p:cNvSpPr txBox="1"/>
-                <p:nvPr/>
-              </p:nvSpPr>
-              <p:spPr>
-                <a:xfrm>
-                  <a:off x="532874" y="4040695"/>
-                  <a:ext cx="3251208" cy="976419"/>
-                </a:xfrm>
-                <a:prstGeom prst="rect">
-                  <a:avLst/>
-                </a:prstGeom>
-                <a:noFill/>
-              </p:spPr>
-              <p:txBody>
-                <a:bodyPr wrap="square">
-                  <a:spAutoFit/>
-                </a:bodyPr>
-                <a:lstStyle/>
-                <a:p>
-                  <a:pPr algn="ctr">
-                    <a:lnSpc>
-                      <a:spcPct val="150000"/>
-                    </a:lnSpc>
-                  </a:pPr>
-                  <a:r>
-                    <a:rPr lang="ko-KR" altLang="en-US" sz="2000" dirty="0" err="1">
-                      <a:solidFill>
-                        <a:srgbClr val="595959"/>
-                      </a:solidFill>
-                      <a:latin typeface="G마켓 산스 TTF Medium" panose="02000000000000000000" pitchFamily="2" charset="-127"/>
-                      <a:ea typeface="G마켓 산스 TTF Medium" panose="02000000000000000000" pitchFamily="2" charset="-127"/>
-                    </a:rPr>
-                    <a:t>딥러닝을</a:t>
-                  </a:r>
-                  <a:r>
-                    <a:rPr lang="ko-KR" altLang="en-US" sz="2000" dirty="0">
-                      <a:solidFill>
-                        <a:srgbClr val="595959"/>
-                      </a:solidFill>
-                      <a:latin typeface="G마켓 산스 TTF Medium" panose="02000000000000000000" pitchFamily="2" charset="-127"/>
-                      <a:ea typeface="G마켓 산스 TTF Medium" panose="02000000000000000000" pitchFamily="2" charset="-127"/>
-                    </a:rPr>
-                    <a:t> 통한 사고 감지</a:t>
-                  </a:r>
-                  <a:endParaRPr lang="en-US" altLang="ko-KR" sz="2000" dirty="0">
-                    <a:solidFill>
-                      <a:srgbClr val="595959"/>
-                    </a:solidFill>
-                    <a:latin typeface="G마켓 산스 TTF Medium" panose="02000000000000000000" pitchFamily="2" charset="-127"/>
-                    <a:ea typeface="G마켓 산스 TTF Medium" panose="02000000000000000000" pitchFamily="2" charset="-127"/>
-                  </a:endParaRPr>
-                </a:p>
-                <a:p>
-                  <a:pPr algn="ctr"/>
-                  <a:r>
-                    <a:rPr lang="en-US" altLang="ko-KR" sz="2000" dirty="0">
-                      <a:solidFill>
-                        <a:srgbClr val="595959"/>
-                      </a:solidFill>
-                      <a:latin typeface="G마켓 산스 TTF Medium" panose="02000000000000000000" pitchFamily="2" charset="-127"/>
-                      <a:ea typeface="G마켓 산스 TTF Medium" panose="02000000000000000000" pitchFamily="2" charset="-127"/>
-                    </a:rPr>
-                    <a:t>(</a:t>
-                  </a:r>
-                  <a:r>
-                    <a:rPr lang="ko-KR" altLang="en-US" sz="2000" dirty="0">
-                      <a:solidFill>
-                        <a:srgbClr val="595959"/>
-                      </a:solidFill>
-                      <a:latin typeface="G마켓 산스 TTF Medium" panose="02000000000000000000" pitchFamily="2" charset="-127"/>
-                      <a:ea typeface="G마켓 산스 TTF Medium" panose="02000000000000000000" pitchFamily="2" charset="-127"/>
-                    </a:rPr>
-                    <a:t>이벤트 발생</a:t>
-                  </a:r>
-                  <a:r>
-                    <a:rPr lang="en-US" altLang="ko-KR" sz="2000" dirty="0">
-                      <a:solidFill>
-                        <a:srgbClr val="595959"/>
-                      </a:solidFill>
-                      <a:latin typeface="G마켓 산스 TTF Medium" panose="02000000000000000000" pitchFamily="2" charset="-127"/>
-                      <a:ea typeface="G마켓 산스 TTF Medium" panose="02000000000000000000" pitchFamily="2" charset="-127"/>
-                    </a:rPr>
-                    <a:t>)</a:t>
-                  </a:r>
-                  <a:endParaRPr lang="ko-KR" altLang="en-US" sz="2000" dirty="0">
-                    <a:solidFill>
-                      <a:srgbClr val="595959"/>
-                    </a:solidFill>
-                    <a:latin typeface="G마켓 산스 TTF Medium" panose="02000000000000000000" pitchFamily="2" charset="-127"/>
-                    <a:ea typeface="G마켓 산스 TTF Medium" panose="02000000000000000000" pitchFamily="2" charset="-127"/>
-                  </a:endParaRPr>
-                </a:p>
-              </p:txBody>
-            </p:sp>
-          </p:grpSp>
-          <p:grpSp>
-            <p:nvGrpSpPr>
-              <p:cNvPr id="6" name="그룹 5">
-                <a:extLst>
-                  <a:ext uri="{FF2B5EF4-FFF2-40B4-BE49-F238E27FC236}">
-                    <a16:creationId xmlns:a16="http://schemas.microsoft.com/office/drawing/2014/main" id="{CC67EA35-CDEA-4539-AC19-578631760BF4}"/>
-                  </a:ext>
-                </a:extLst>
-              </p:cNvPr>
-              <p:cNvGrpSpPr/>
-              <p:nvPr/>
-            </p:nvGrpSpPr>
-            <p:grpSpPr>
-              <a:xfrm>
-                <a:off x="3450083" y="1533586"/>
-                <a:ext cx="3172453" cy="2420371"/>
-                <a:chOff x="4683522" y="1741339"/>
-                <a:chExt cx="3512453" cy="2604185"/>
-              </a:xfrm>
-            </p:grpSpPr>
-            <p:pic>
-              <p:nvPicPr>
-                <p:cNvPr id="12" name="Picture 4" descr="KEDA | Kubernetes Event-driven Autoscaling">
-                  <a:extLst>
-                    <a:ext uri="{FF2B5EF4-FFF2-40B4-BE49-F238E27FC236}">
-                      <a16:creationId xmlns:a16="http://schemas.microsoft.com/office/drawing/2014/main" id="{C1BEBAD7-2E88-4B65-8B9B-CA0FA4400349}"/>
-                    </a:ext>
-                  </a:extLst>
-                </p:cNvPr>
-                <p:cNvPicPr>
-                  <a:picLocks noChangeAspect="1" noChangeArrowheads="1"/>
-                </p:cNvPicPr>
-                <p:nvPr/>
-              </p:nvPicPr>
-              <p:blipFill>
-                <a:blip r:embed="rId6" cstate="screen">
-                  <a:extLst>
-                    <a:ext uri="{28A0092B-C50C-407E-A947-70E740481C1C}">
-                      <a14:useLocalDpi xmlns:a14="http://schemas.microsoft.com/office/drawing/2010/main"/>
-                    </a:ext>
-                  </a:extLst>
-                </a:blip>
-                <a:srcRect/>
-                <a:stretch>
-                  <a:fillRect/>
-                </a:stretch>
-              </p:blipFill>
-              <p:spPr bwMode="auto">
-                <a:xfrm>
-                  <a:off x="5536789" y="1741339"/>
-                  <a:ext cx="1805921" cy="1805921"/>
-                </a:xfrm>
-                <a:prstGeom prst="rect">
-                  <a:avLst/>
-                </a:prstGeom>
-                <a:noFill/>
-                <a:extLst>
-                  <a:ext uri="{909E8E84-426E-40DD-AFC4-6F175D3DCCD1}">
-                    <a14:hiddenFill xmlns:a14="http://schemas.microsoft.com/office/drawing/2010/main">
-                      <a:solidFill>
-                        <a:srgbClr val="FFFFFF"/>
-                      </a:solidFill>
-                    </a14:hiddenFill>
-                  </a:ext>
-                </a:extLst>
-              </p:spPr>
-            </p:pic>
-            <p:sp>
-              <p:nvSpPr>
-                <p:cNvPr id="13" name="TextBox 12">
-                  <a:extLst>
-                    <a:ext uri="{FF2B5EF4-FFF2-40B4-BE49-F238E27FC236}">
-                      <a16:creationId xmlns:a16="http://schemas.microsoft.com/office/drawing/2014/main" id="{C404140D-E0E0-443C-9DC7-1032AF425F88}"/>
-                    </a:ext>
-                  </a:extLst>
-                </p:cNvPr>
-                <p:cNvSpPr txBox="1"/>
-                <p:nvPr/>
-              </p:nvSpPr>
-              <p:spPr>
-                <a:xfrm>
-                  <a:off x="4683522" y="3583878"/>
-                  <a:ext cx="3512453" cy="761646"/>
-                </a:xfrm>
-                <a:prstGeom prst="rect">
-                  <a:avLst/>
-                </a:prstGeom>
-                <a:noFill/>
-              </p:spPr>
-              <p:txBody>
-                <a:bodyPr wrap="square">
-                  <a:spAutoFit/>
-                </a:bodyPr>
-                <a:lstStyle/>
-                <a:p>
-                  <a:pPr algn="ctr"/>
-                  <a:r>
-                    <a:rPr lang="en-US" altLang="ko-KR" sz="2000" dirty="0">
-                      <a:solidFill>
-                        <a:srgbClr val="595959"/>
-                      </a:solidFill>
-                      <a:latin typeface="G마켓 산스 TTF Medium" panose="02000000000000000000" pitchFamily="2" charset="-127"/>
-                      <a:ea typeface="G마켓 산스 TTF Medium" panose="02000000000000000000" pitchFamily="2" charset="-127"/>
-                    </a:rPr>
-                    <a:t>KEDA</a:t>
-                  </a:r>
-                  <a:r>
-                    <a:rPr lang="ko-KR" altLang="en-US" sz="2000" dirty="0">
-                      <a:solidFill>
-                        <a:srgbClr val="595959"/>
-                      </a:solidFill>
-                      <a:latin typeface="G마켓 산스 TTF Medium" panose="02000000000000000000" pitchFamily="2" charset="-127"/>
-                      <a:ea typeface="G마켓 산스 TTF Medium" panose="02000000000000000000" pitchFamily="2" charset="-127"/>
-                    </a:rPr>
-                    <a:t>를 통한 </a:t>
-                  </a:r>
-                  <a:r>
-                    <a:rPr lang="en-US" altLang="ko-KR" sz="2000" dirty="0" err="1">
-                      <a:solidFill>
-                        <a:srgbClr val="595959"/>
-                      </a:solidFill>
-                      <a:latin typeface="G마켓 산스 TTF Medium" panose="02000000000000000000" pitchFamily="2" charset="-127"/>
-                      <a:ea typeface="G마켓 산스 TTF Medium" panose="02000000000000000000" pitchFamily="2" charset="-127"/>
-                    </a:rPr>
-                    <a:t>FaaS</a:t>
-                  </a:r>
-                  <a:r>
-                    <a:rPr lang="en-US" altLang="ko-KR" sz="2000" dirty="0">
-                      <a:solidFill>
-                        <a:srgbClr val="595959"/>
-                      </a:solidFill>
-                      <a:latin typeface="G마켓 산스 TTF Medium" panose="02000000000000000000" pitchFamily="2" charset="-127"/>
-                      <a:ea typeface="G마켓 산스 TTF Medium" panose="02000000000000000000" pitchFamily="2" charset="-127"/>
-                    </a:rPr>
-                    <a:t> </a:t>
-                  </a:r>
-                  <a:r>
-                    <a:rPr lang="ko-KR" altLang="en-US" sz="2000" dirty="0">
-                      <a:solidFill>
-                        <a:srgbClr val="595959"/>
-                      </a:solidFill>
-                      <a:latin typeface="G마켓 산스 TTF Medium" panose="02000000000000000000" pitchFamily="2" charset="-127"/>
-                      <a:ea typeface="G마켓 산스 TTF Medium" panose="02000000000000000000" pitchFamily="2" charset="-127"/>
-                    </a:rPr>
-                    <a:t>실현</a:t>
-                  </a:r>
-                  <a:br>
-                    <a:rPr lang="en-US" altLang="ko-KR" sz="2000" dirty="0">
-                      <a:solidFill>
-                        <a:srgbClr val="595959"/>
-                      </a:solidFill>
-                      <a:latin typeface="G마켓 산스 TTF Medium" panose="02000000000000000000" pitchFamily="2" charset="-127"/>
-                      <a:ea typeface="G마켓 산스 TTF Medium" panose="02000000000000000000" pitchFamily="2" charset="-127"/>
-                    </a:rPr>
-                  </a:br>
-                  <a:r>
-                    <a:rPr lang="en-US" altLang="ko-KR" sz="2000" dirty="0">
-                      <a:solidFill>
-                        <a:srgbClr val="595959"/>
-                      </a:solidFill>
-                      <a:latin typeface="G마켓 산스 TTF Medium" panose="02000000000000000000" pitchFamily="2" charset="-127"/>
-                      <a:ea typeface="G마켓 산스 TTF Medium" panose="02000000000000000000" pitchFamily="2" charset="-127"/>
-                    </a:rPr>
-                    <a:t>(Scale to Zero)</a:t>
-                  </a:r>
-                  <a:endParaRPr lang="ko-KR" altLang="en-US" sz="2000" dirty="0">
-                    <a:solidFill>
-                      <a:srgbClr val="595959"/>
-                    </a:solidFill>
-                    <a:latin typeface="G마켓 산스 TTF Medium" panose="02000000000000000000" pitchFamily="2" charset="-127"/>
-                    <a:ea typeface="G마켓 산스 TTF Medium" panose="02000000000000000000" pitchFamily="2" charset="-127"/>
-                  </a:endParaRPr>
-                </a:p>
-              </p:txBody>
-            </p:sp>
-          </p:grpSp>
-          <p:sp>
-            <p:nvSpPr>
-              <p:cNvPr id="11" name="TextBox 10">
-                <a:extLst>
-                  <a:ext uri="{FF2B5EF4-FFF2-40B4-BE49-F238E27FC236}">
-                    <a16:creationId xmlns:a16="http://schemas.microsoft.com/office/drawing/2014/main" id="{C1000F02-5B11-4CC4-B1C9-448708C22368}"/>
-                  </a:ext>
-                </a:extLst>
-              </p:cNvPr>
-              <p:cNvSpPr txBox="1"/>
-              <p:nvPr/>
-            </p:nvSpPr>
-            <p:spPr>
-              <a:xfrm>
-                <a:off x="7629333" y="3227792"/>
-                <a:ext cx="3282208" cy="707886"/>
-              </a:xfrm>
-              <a:prstGeom prst="rect">
-                <a:avLst/>
-              </a:prstGeom>
-              <a:noFill/>
-            </p:spPr>
-            <p:txBody>
-              <a:bodyPr wrap="square">
-                <a:spAutoFit/>
-              </a:bodyPr>
-              <a:lstStyle/>
-              <a:p>
-                <a:pPr algn="ctr"/>
-                <a:r>
-                  <a:rPr lang="ko-KR" altLang="en-US" sz="2000" dirty="0">
-                    <a:solidFill>
-                      <a:srgbClr val="595959"/>
-                    </a:solidFill>
-                    <a:latin typeface="G마켓 산스 TTF Medium" panose="02000000000000000000" pitchFamily="2" charset="-127"/>
-                    <a:ea typeface="G마켓 산스 TTF Medium" panose="02000000000000000000" pitchFamily="2" charset="-127"/>
-                  </a:rPr>
-                  <a:t>사고 위치를 실시간으로 </a:t>
-                </a:r>
-                <a:endParaRPr lang="en-US" altLang="ko-KR" sz="2000" dirty="0">
-                  <a:solidFill>
-                    <a:srgbClr val="595959"/>
-                  </a:solidFill>
-                  <a:latin typeface="G마켓 산스 TTF Medium" panose="02000000000000000000" pitchFamily="2" charset="-127"/>
-                  <a:ea typeface="G마켓 산스 TTF Medium" panose="02000000000000000000" pitchFamily="2" charset="-127"/>
-                </a:endParaRPr>
-              </a:p>
-              <a:p>
-                <a:pPr algn="ctr"/>
-                <a:r>
-                  <a:rPr lang="ko-KR" altLang="en-US" sz="2000" dirty="0">
-                    <a:solidFill>
-                      <a:srgbClr val="595959"/>
-                    </a:solidFill>
-                    <a:latin typeface="G마켓 산스 TTF Medium" panose="02000000000000000000" pitchFamily="2" charset="-127"/>
-                    <a:ea typeface="G마켓 산스 TTF Medium" panose="02000000000000000000" pitchFamily="2" charset="-127"/>
-                  </a:rPr>
-                  <a:t>지도에 표시해주는 서비스</a:t>
-                </a:r>
-              </a:p>
-            </p:txBody>
-          </p:sp>
-          <p:sp>
-            <p:nvSpPr>
-              <p:cNvPr id="8" name="화살표: 오른쪽 7">
-                <a:extLst>
-                  <a:ext uri="{FF2B5EF4-FFF2-40B4-BE49-F238E27FC236}">
-                    <a16:creationId xmlns:a16="http://schemas.microsoft.com/office/drawing/2014/main" id="{48116E8C-3129-458A-85DC-73093CD9E9EC}"/>
-                  </a:ext>
-                </a:extLst>
-              </p:cNvPr>
-              <p:cNvSpPr/>
-              <p:nvPr/>
-            </p:nvSpPr>
-            <p:spPr>
-              <a:xfrm>
-                <a:off x="3067682" y="2238918"/>
-                <a:ext cx="525306" cy="430913"/>
-              </a:xfrm>
-              <a:prstGeom prst="rightArrow">
-                <a:avLst/>
-              </a:prstGeom>
-              <a:solidFill>
-                <a:srgbClr val="5A7D59">
-                  <a:alpha val="50000"/>
-                </a:srgbClr>
-              </a:solidFill>
-              <a:ln>
-                <a:noFill/>
-              </a:ln>
-            </p:spPr>
-            <p:style>
-              <a:lnRef idx="2">
-                <a:schemeClr val="accent1">
-                  <a:shade val="50000"/>
-                </a:schemeClr>
-              </a:lnRef>
-              <a:fillRef idx="1">
-                <a:schemeClr val="accent1"/>
-              </a:fillRef>
-              <a:effectRef idx="0">
-                <a:schemeClr val="accent1"/>
-              </a:effectRef>
-              <a:fontRef idx="minor">
-                <a:schemeClr val="lt1"/>
-              </a:fontRef>
-            </p:style>
-            <p:txBody>
-              <a:bodyPr rtlCol="0" anchor="ctr"/>
-              <a:lstStyle/>
-              <a:p>
-                <a:pPr algn="ctr"/>
-                <a:endParaRPr lang="ko-KR" altLang="en-US"/>
-              </a:p>
-            </p:txBody>
-          </p:sp>
-          <p:sp>
-            <p:nvSpPr>
-              <p:cNvPr id="9" name="화살표: 오른쪽 8">
-                <a:extLst>
-                  <a:ext uri="{FF2B5EF4-FFF2-40B4-BE49-F238E27FC236}">
-                    <a16:creationId xmlns:a16="http://schemas.microsoft.com/office/drawing/2014/main" id="{038EB3A4-A245-4C88-A5D9-0CC4F56A2123}"/>
-                  </a:ext>
-                </a:extLst>
-              </p:cNvPr>
-              <p:cNvSpPr/>
-              <p:nvPr/>
-            </p:nvSpPr>
-            <p:spPr>
-              <a:xfrm>
-                <a:off x="6359883" y="2238917"/>
-                <a:ext cx="525306" cy="430913"/>
-              </a:xfrm>
-              <a:prstGeom prst="rightArrow">
-                <a:avLst/>
-              </a:prstGeom>
-              <a:solidFill>
-                <a:srgbClr val="5A7D59">
-                  <a:alpha val="50000"/>
-                </a:srgbClr>
-              </a:solidFill>
-              <a:ln>
-                <a:noFill/>
-              </a:ln>
-            </p:spPr>
-            <p:style>
-              <a:lnRef idx="2">
-                <a:schemeClr val="accent1">
-                  <a:shade val="50000"/>
-                </a:schemeClr>
-              </a:lnRef>
-              <a:fillRef idx="1">
-                <a:schemeClr val="accent1"/>
-              </a:fillRef>
-              <a:effectRef idx="0">
-                <a:schemeClr val="accent1"/>
-              </a:effectRef>
-              <a:fontRef idx="minor">
-                <a:schemeClr val="lt1"/>
-              </a:fontRef>
-            </p:style>
-            <p:txBody>
-              <a:bodyPr rtlCol="0" anchor="ctr"/>
-              <a:lstStyle/>
-              <a:p>
-                <a:pPr algn="ctr"/>
-                <a:endParaRPr lang="ko-KR" altLang="en-US"/>
-              </a:p>
-            </p:txBody>
-          </p:sp>
-        </p:grpSp>
-        <p:grpSp>
-          <p:nvGrpSpPr>
-            <p:cNvPr id="19" name="그룹 18">
-              <a:extLst>
-                <a:ext uri="{FF2B5EF4-FFF2-40B4-BE49-F238E27FC236}">
-                  <a16:creationId xmlns:a16="http://schemas.microsoft.com/office/drawing/2014/main" id="{35CCCC5B-2907-4878-AE4B-FFF099F8048F}"/>
-                </a:ext>
-              </a:extLst>
-            </p:cNvPr>
-            <p:cNvGrpSpPr/>
-            <p:nvPr/>
-          </p:nvGrpSpPr>
-          <p:grpSpPr>
-            <a:xfrm>
-              <a:off x="7781733" y="2346061"/>
-              <a:ext cx="3282228" cy="1620375"/>
-              <a:chOff x="648302" y="254000"/>
-              <a:chExt cx="11378598" cy="6331644"/>
-            </a:xfrm>
-          </p:grpSpPr>
-          <p:pic>
-            <p:nvPicPr>
-              <p:cNvPr id="20" name="Picture 2">
-                <a:extLst>
-                  <a:ext uri="{FF2B5EF4-FFF2-40B4-BE49-F238E27FC236}">
-                    <a16:creationId xmlns:a16="http://schemas.microsoft.com/office/drawing/2014/main" id="{7056D49E-8A33-4FD7-956F-55EE06CE6397}"/>
-                  </a:ext>
-                </a:extLst>
-              </p:cNvPr>
-              <p:cNvPicPr>
-                <a:picLocks noChangeAspect="1" noChangeArrowheads="1"/>
-              </p:cNvPicPr>
-              <p:nvPr/>
-            </p:nvPicPr>
-            <p:blipFill>
-              <a:blip r:embed="rId7" cstate="screen">
-                <a:extLst>
-                  <a:ext uri="{28A0092B-C50C-407E-A947-70E740481C1C}">
-                    <a14:useLocalDpi xmlns:a14="http://schemas.microsoft.com/office/drawing/2010/main"/>
-                  </a:ext>
-                </a:extLst>
-              </a:blip>
-              <a:srcRect/>
-              <a:stretch>
-                <a:fillRect/>
-              </a:stretch>
-            </p:blipFill>
-            <p:spPr bwMode="auto">
-              <a:xfrm>
-                <a:off x="8097323" y="254000"/>
-                <a:ext cx="3929577" cy="6331644"/>
-              </a:xfrm>
-              <a:prstGeom prst="rect">
-                <a:avLst/>
-              </a:prstGeom>
-              <a:noFill/>
-              <a:extLst>
-                <a:ext uri="{909E8E84-426E-40DD-AFC4-6F175D3DCCD1}">
-                  <a14:hiddenFill xmlns:a14="http://schemas.microsoft.com/office/drawing/2010/main">
-                    <a:solidFill>
-                      <a:srgbClr val="FFFFFF"/>
-                    </a:solidFill>
-                  </a14:hiddenFill>
-                </a:ext>
-              </a:extLst>
-            </p:spPr>
-          </p:pic>
-          <p:pic>
-            <p:nvPicPr>
-              <p:cNvPr id="21" name="Picture 3">
-                <a:extLst>
-                  <a:ext uri="{FF2B5EF4-FFF2-40B4-BE49-F238E27FC236}">
-                    <a16:creationId xmlns:a16="http://schemas.microsoft.com/office/drawing/2014/main" id="{BC7EED43-6C5A-45A3-A462-F0202D947AA5}"/>
-                  </a:ext>
-                </a:extLst>
-              </p:cNvPr>
-              <p:cNvPicPr>
-                <a:picLocks noChangeAspect="1" noChangeArrowheads="1"/>
-              </p:cNvPicPr>
-              <p:nvPr/>
-            </p:nvPicPr>
-            <p:blipFill>
-              <a:blip r:embed="rId8" cstate="screen">
-                <a:extLst>
-                  <a:ext uri="{28A0092B-C50C-407E-A947-70E740481C1C}">
-                    <a14:useLocalDpi xmlns:a14="http://schemas.microsoft.com/office/drawing/2010/main"/>
-                  </a:ext>
-                </a:extLst>
-              </a:blip>
-              <a:srcRect/>
-              <a:stretch>
-                <a:fillRect/>
-              </a:stretch>
-            </p:blipFill>
-            <p:spPr bwMode="auto">
-              <a:xfrm>
-                <a:off x="648302" y="1679713"/>
-                <a:ext cx="7307066" cy="4859199"/>
-              </a:xfrm>
-              <a:prstGeom prst="rect">
-                <a:avLst/>
-              </a:prstGeom>
-              <a:noFill/>
-              <a:extLst>
-                <a:ext uri="{909E8E84-426E-40DD-AFC4-6F175D3DCCD1}">
-                  <a14:hiddenFill xmlns:a14="http://schemas.microsoft.com/office/drawing/2010/main">
-                    <a:solidFill>
-                      <a:srgbClr val="FFFFFF"/>
-                    </a:solidFill>
-                  </a14:hiddenFill>
-                </a:ext>
-              </a:extLst>
-            </p:spPr>
-          </p:pic>
-          <p:cxnSp>
-            <p:nvCxnSpPr>
-              <p:cNvPr id="22" name="직선 화살표 연결선 21">
-                <a:extLst>
-                  <a:ext uri="{FF2B5EF4-FFF2-40B4-BE49-F238E27FC236}">
-                    <a16:creationId xmlns:a16="http://schemas.microsoft.com/office/drawing/2014/main" id="{74D8E939-27FC-4668-BDE8-273713929A2B}"/>
-                  </a:ext>
-                </a:extLst>
-              </p:cNvPr>
-              <p:cNvCxnSpPr/>
-              <p:nvPr/>
-            </p:nvCxnSpPr>
-            <p:spPr>
-              <a:xfrm flipV="1">
-                <a:off x="5327374" y="3190461"/>
-                <a:ext cx="4224130" cy="2464904"/>
-              </a:xfrm>
-              <a:prstGeom prst="straightConnector1">
-                <a:avLst/>
-              </a:prstGeom>
-              <a:ln w="38100">
-                <a:solidFill>
-                  <a:srgbClr val="FF0000"/>
-                </a:solidFill>
-                <a:tailEnd type="triangle"/>
-              </a:ln>
-            </p:spPr>
-            <p:style>
-              <a:lnRef idx="1">
-                <a:schemeClr val="accent1"/>
-              </a:lnRef>
-              <a:fillRef idx="0">
-                <a:schemeClr val="accent1"/>
-              </a:fillRef>
-              <a:effectRef idx="0">
-                <a:schemeClr val="accent1"/>
-              </a:effectRef>
-              <a:fontRef idx="minor">
-                <a:schemeClr val="tx1"/>
-              </a:fontRef>
-            </p:style>
-          </p:cxnSp>
-          <p:cxnSp>
-            <p:nvCxnSpPr>
-              <p:cNvPr id="23" name="직선 화살표 연결선 22">
-                <a:extLst>
-                  <a:ext uri="{FF2B5EF4-FFF2-40B4-BE49-F238E27FC236}">
-                    <a16:creationId xmlns:a16="http://schemas.microsoft.com/office/drawing/2014/main" id="{32F65FFA-9635-4EA5-914C-96725F48867B}"/>
-                  </a:ext>
-                </a:extLst>
-              </p:cNvPr>
-              <p:cNvCxnSpPr>
-                <a:cxnSpLocks/>
-              </p:cNvCxnSpPr>
-              <p:nvPr/>
-            </p:nvCxnSpPr>
-            <p:spPr>
-              <a:xfrm flipV="1">
-                <a:off x="5327374" y="2892287"/>
-                <a:ext cx="4104861" cy="2962532"/>
-              </a:xfrm>
-              <a:prstGeom prst="straightConnector1">
-                <a:avLst/>
-              </a:prstGeom>
-              <a:ln w="38100">
-                <a:solidFill>
-                  <a:srgbClr val="FF0000"/>
-                </a:solidFill>
-                <a:tailEnd type="triangle"/>
-              </a:ln>
-            </p:spPr>
-            <p:style>
-              <a:lnRef idx="1">
-                <a:schemeClr val="accent1"/>
-              </a:lnRef>
-              <a:fillRef idx="0">
-                <a:schemeClr val="accent1"/>
-              </a:fillRef>
-              <a:effectRef idx="0">
-                <a:schemeClr val="accent1"/>
-              </a:effectRef>
-              <a:fontRef idx="minor">
-                <a:schemeClr val="tx1"/>
-              </a:fontRef>
-            </p:style>
-          </p:cxnSp>
-          <p:cxnSp>
-            <p:nvCxnSpPr>
-              <p:cNvPr id="24" name="직선 연결선 23">
-                <a:extLst>
-                  <a:ext uri="{FF2B5EF4-FFF2-40B4-BE49-F238E27FC236}">
-                    <a16:creationId xmlns:a16="http://schemas.microsoft.com/office/drawing/2014/main" id="{850D7721-3C8F-40FC-89BF-AD12EAAFE9DD}"/>
-                  </a:ext>
-                </a:extLst>
-              </p:cNvPr>
-              <p:cNvCxnSpPr/>
-              <p:nvPr/>
-            </p:nvCxnSpPr>
-            <p:spPr>
-              <a:xfrm>
-                <a:off x="648302" y="5774635"/>
-                <a:ext cx="4599559" cy="0"/>
-              </a:xfrm>
-              <a:prstGeom prst="line">
-                <a:avLst/>
-              </a:prstGeom>
-              <a:ln w="19050"/>
-            </p:spPr>
-            <p:style>
-              <a:lnRef idx="1">
-                <a:schemeClr val="accent1"/>
-              </a:lnRef>
-              <a:fillRef idx="0">
-                <a:schemeClr val="accent1"/>
-              </a:fillRef>
-              <a:effectRef idx="0">
-                <a:schemeClr val="accent1"/>
-              </a:effectRef>
-              <a:fontRef idx="minor">
-                <a:schemeClr val="tx1"/>
-              </a:fontRef>
-            </p:style>
-          </p:cxnSp>
-          <p:cxnSp>
-            <p:nvCxnSpPr>
-              <p:cNvPr id="25" name="직선 연결선 24">
-                <a:extLst>
-                  <a:ext uri="{FF2B5EF4-FFF2-40B4-BE49-F238E27FC236}">
-                    <a16:creationId xmlns:a16="http://schemas.microsoft.com/office/drawing/2014/main" id="{06B25DF1-334D-4841-B6F7-02A4430C2EAF}"/>
-                  </a:ext>
-                </a:extLst>
-              </p:cNvPr>
-              <p:cNvCxnSpPr/>
-              <p:nvPr/>
-            </p:nvCxnSpPr>
-            <p:spPr>
-              <a:xfrm>
-                <a:off x="727815" y="5936974"/>
-                <a:ext cx="4599559" cy="0"/>
-              </a:xfrm>
-              <a:prstGeom prst="line">
-                <a:avLst/>
-              </a:prstGeom>
-              <a:ln w="19050"/>
-            </p:spPr>
-            <p:style>
-              <a:lnRef idx="1">
-                <a:schemeClr val="accent1"/>
-              </a:lnRef>
-              <a:fillRef idx="0">
-                <a:schemeClr val="accent1"/>
-              </a:fillRef>
-              <a:effectRef idx="0">
-                <a:schemeClr val="accent1"/>
-              </a:effectRef>
-              <a:fontRef idx="minor">
-                <a:schemeClr val="tx1"/>
-              </a:fontRef>
-            </p:style>
-          </p:cxnSp>
-        </p:grpSp>
-      </p:grpSp>
-    </p:spTree>
-    <p:extLst>
-      <p:ext uri="{BB962C8B-B14F-4D97-AF65-F5344CB8AC3E}">
-        <p14:creationId xmlns:p14="http://schemas.microsoft.com/office/powerpoint/2010/main" val="2185899302"/>
       </p:ext>
     </p:extLst>
   </p:cSld>
